--- a/기획안.pptx
+++ b/기획안.pptx
@@ -8,10 +8,11 @@
     <p:sldId id="256" r:id="rId2"/>
     <p:sldId id="257" r:id="rId3"/>
     <p:sldId id="258" r:id="rId4"/>
-    <p:sldId id="259" r:id="rId5"/>
-    <p:sldId id="260" r:id="rId6"/>
+    <p:sldId id="264" r:id="rId5"/>
+    <p:sldId id="259" r:id="rId6"/>
     <p:sldId id="261" r:id="rId7"/>
-    <p:sldId id="262" r:id="rId8"/>
+    <p:sldId id="263" r:id="rId8"/>
+    <p:sldId id="262" r:id="rId9"/>
   </p:sldIdLst>
   <p:sldSz cx="9144000" cy="6858000" type="screen4x3"/>
   <p:notesSz cx="6858000" cy="9144000"/>
@@ -134,6 +135,16 @@
           </p15:clr>
         </p15:guide>
         <p15:guide id="5" orient="horz" pos="1026" userDrawn="1">
+          <p15:clr>
+            <a:srgbClr val="A4A3A4"/>
+          </p15:clr>
+        </p15:guide>
+        <p15:guide id="6" pos="385" userDrawn="1">
+          <p15:clr>
+            <a:srgbClr val="A4A3A4"/>
+          </p15:clr>
+        </p15:guide>
+        <p15:guide id="7" pos="5375" userDrawn="1">
           <p15:clr>
             <a:srgbClr val="A4A3A4"/>
           </p15:clr>
@@ -3110,7 +3121,27 @@
                   </a:schemeClr>
                 </a:solidFill>
               </a:rPr>
-              <a:t>을 다루는 기술</a:t>
+              <a:t>을 다루는 </a:t>
+            </a:r>
+            <a:r>
+              <a:rPr lang="ko-KR" altLang="en-US" sz="1200" b="1" i="1" dirty="0" smtClean="0">
+                <a:solidFill>
+                  <a:schemeClr val="bg2">
+                    <a:lumMod val="25000"/>
+                  </a:schemeClr>
+                </a:solidFill>
+              </a:rPr>
+              <a:t>기술 </a:t>
+            </a:r>
+            <a:r>
+              <a:rPr lang="ko-KR" altLang="en-US" sz="1200" b="1" i="1" dirty="0" err="1" smtClean="0">
+                <a:solidFill>
+                  <a:schemeClr val="bg2">
+                    <a:lumMod val="25000"/>
+                  </a:schemeClr>
+                </a:solidFill>
+              </a:rPr>
+              <a:t>튜토리얼</a:t>
             </a:r>
             <a:endParaRPr lang="ko-KR" altLang="en-US" sz="1200" b="1" i="1" dirty="0">
               <a:solidFill>
@@ -3163,6 +3194,17 @@
           <a:p>
             <a:pPr algn="ctr"/>
             <a:r>
+              <a:rPr lang="ko-KR" altLang="en-US" b="1" dirty="0" err="1" smtClean="0">
+                <a:solidFill>
+                  <a:schemeClr val="tx1">
+                    <a:lumMod val="85000"/>
+                    <a:lumOff val="15000"/>
+                  </a:schemeClr>
+                </a:solidFill>
+              </a:rPr>
+              <a:t>학생명</a:t>
+            </a:r>
+            <a:r>
               <a:rPr lang="ko-KR" altLang="en-US" b="1" dirty="0" smtClean="0">
                 <a:solidFill>
                   <a:schemeClr val="tx1">
@@ -3171,7 +3213,7 @@
                   </a:schemeClr>
                 </a:solidFill>
               </a:rPr>
-              <a:t>작성자 </a:t>
+              <a:t> </a:t>
             </a:r>
             <a:r>
               <a:rPr lang="en-US" altLang="ko-KR" b="1" dirty="0" smtClean="0">
@@ -3351,7 +3393,17 @@
                   </a:schemeClr>
                 </a:solidFill>
               </a:rPr>
-              <a:t>요구사항 분석</a:t>
+              <a:t>요구사항 </a:t>
+            </a:r>
+            <a:r>
+              <a:rPr lang="ko-KR" altLang="en-US" sz="2100" b="1" dirty="0" smtClean="0">
+                <a:solidFill>
+                  <a:schemeClr val="bg2">
+                    <a:lumMod val="25000"/>
+                  </a:schemeClr>
+                </a:solidFill>
+              </a:rPr>
+              <a:t>분석</a:t>
             </a:r>
             <a:endParaRPr lang="en-US" altLang="ko-KR" sz="2100" b="1" dirty="0" smtClean="0">
               <a:solidFill>
@@ -3362,6 +3414,35 @@
             </a:endParaRPr>
           </a:p>
           <a:p>
+            <a:endParaRPr lang="en-US" altLang="ko-KR" sz="2100" b="1" dirty="0">
+              <a:solidFill>
+                <a:schemeClr val="bg2">
+                  <a:lumMod val="25000"/>
+                </a:schemeClr>
+              </a:solidFill>
+            </a:endParaRPr>
+          </a:p>
+          <a:p>
+            <a:r>
+              <a:rPr lang="en-US" altLang="ko-KR" sz="2100" b="1" dirty="0" smtClean="0">
+                <a:solidFill>
+                  <a:schemeClr val="bg2">
+                    <a:lumMod val="25000"/>
+                  </a:schemeClr>
+                </a:solidFill>
+              </a:rPr>
+              <a:t>3. </a:t>
+            </a:r>
+            <a:r>
+              <a:rPr lang="ko-KR" altLang="en-US" sz="2100" b="1" dirty="0" smtClean="0">
+                <a:solidFill>
+                  <a:schemeClr val="bg2">
+                    <a:lumMod val="25000"/>
+                  </a:schemeClr>
+                </a:solidFill>
+              </a:rPr>
+              <a:t>화면 설계</a:t>
+            </a:r>
             <a:endParaRPr lang="en-US" altLang="ko-KR" sz="2100" b="1" dirty="0" smtClean="0">
               <a:solidFill>
                 <a:schemeClr val="bg2">
@@ -3371,6 +3452,15 @@
             </a:endParaRPr>
           </a:p>
           <a:p>
+            <a:endParaRPr lang="en-US" altLang="ko-KR" sz="2100" b="1" dirty="0">
+              <a:solidFill>
+                <a:schemeClr val="bg2">
+                  <a:lumMod val="25000"/>
+                </a:schemeClr>
+              </a:solidFill>
+            </a:endParaRPr>
+          </a:p>
+          <a:p>
             <a:r>
               <a:rPr lang="en-US" altLang="ko-KR" sz="2100" b="1" dirty="0" smtClean="0">
                 <a:solidFill>
@@ -3379,7 +3469,7 @@
                   </a:schemeClr>
                 </a:solidFill>
               </a:rPr>
-              <a:t>3. </a:t>
+              <a:t>4. </a:t>
             </a:r>
             <a:r>
               <a:rPr lang="ko-KR" altLang="en-US" sz="2100" b="1" dirty="0" smtClean="0">
@@ -3389,7 +3479,7 @@
                   </a:schemeClr>
                 </a:solidFill>
               </a:rPr>
-              <a:t>요구사항 리스트</a:t>
+              <a:t>개발 계획</a:t>
             </a:r>
             <a:endParaRPr lang="en-US" altLang="ko-KR" sz="2100" b="1" dirty="0" smtClean="0">
               <a:solidFill>
@@ -3400,44 +3490,6 @@
             </a:endParaRPr>
           </a:p>
           <a:p>
-            <a:endParaRPr lang="en-US" altLang="ko-KR" sz="2100" b="1" dirty="0" smtClean="0">
-              <a:solidFill>
-                <a:schemeClr val="bg2">
-                  <a:lumMod val="25000"/>
-                </a:schemeClr>
-              </a:solidFill>
-            </a:endParaRPr>
-          </a:p>
-          <a:p>
-            <a:r>
-              <a:rPr lang="en-US" altLang="ko-KR" sz="2100" b="1" dirty="0" smtClean="0">
-                <a:solidFill>
-                  <a:schemeClr val="bg2">
-                    <a:lumMod val="25000"/>
-                  </a:schemeClr>
-                </a:solidFill>
-              </a:rPr>
-              <a:t>4. </a:t>
-            </a:r>
-            <a:r>
-              <a:rPr lang="ko-KR" altLang="en-US" sz="2100" b="1" dirty="0" smtClean="0">
-                <a:solidFill>
-                  <a:schemeClr val="bg2">
-                    <a:lumMod val="25000"/>
-                  </a:schemeClr>
-                </a:solidFill>
-              </a:rPr>
-              <a:t>화면 설계</a:t>
-            </a:r>
-            <a:endParaRPr lang="en-US" altLang="ko-KR" sz="2100" b="1" dirty="0" smtClean="0">
-              <a:solidFill>
-                <a:schemeClr val="bg2">
-                  <a:lumMod val="25000"/>
-                </a:schemeClr>
-              </a:solidFill>
-            </a:endParaRPr>
-          </a:p>
-          <a:p>
             <a:endParaRPr lang="ko-KR" altLang="en-US" sz="2100" b="1" dirty="0" smtClean="0">
               <a:solidFill>
                 <a:schemeClr val="bg2">
@@ -3455,7 +3507,17 @@
                   </a:schemeClr>
                 </a:solidFill>
               </a:rPr>
-              <a:t>5. DB </a:t>
+              <a:t>5. </a:t>
+            </a:r>
+            <a:r>
+              <a:rPr lang="en-US" altLang="ko-KR" sz="2100" b="1" dirty="0" smtClean="0">
+                <a:solidFill>
+                  <a:schemeClr val="bg2">
+                    <a:lumMod val="25000"/>
+                  </a:schemeClr>
+                </a:solidFill>
+              </a:rPr>
+              <a:t>DB </a:t>
             </a:r>
             <a:r>
               <a:rPr lang="ko-KR" altLang="en-US" sz="2100" b="1" dirty="0" smtClean="0">
@@ -3619,6 +3681,16 @@
 <file path=ppt/slides/slide3.xml><?xml version="1.0" encoding="utf-8"?>
 <p:sld xmlns:a="http://schemas.openxmlformats.org/drawingml/2006/main" xmlns:r="http://schemas.openxmlformats.org/officeDocument/2006/relationships" xmlns:p="http://schemas.openxmlformats.org/presentationml/2006/main">
   <p:cSld>
+    <p:bg>
+      <p:bgPr>
+        <a:solidFill>
+          <a:schemeClr val="bg1">
+            <a:alpha val="97000"/>
+          </a:schemeClr>
+        </a:solidFill>
+        <a:effectLst/>
+      </p:bgPr>
+    </p:bg>
     <p:spTree>
       <p:nvGrpSpPr>
         <p:cNvPr id="1" name=""/>
@@ -3696,7 +3768,27 @@
                   </a:schemeClr>
                 </a:solidFill>
               </a:rPr>
-              <a:t>고객 요구사항</a:t>
+              <a:t>고객 </a:t>
+            </a:r>
+            <a:r>
+              <a:rPr lang="ko-KR" altLang="en-US" sz="3600" b="1" dirty="0" smtClean="0">
+                <a:solidFill>
+                  <a:schemeClr val="bg2">
+                    <a:lumMod val="25000"/>
+                  </a:schemeClr>
+                </a:solidFill>
+              </a:rPr>
+              <a:t>요구사항</a:t>
+            </a:r>
+            <a:r>
+              <a:rPr lang="en-US" altLang="ko-KR" sz="3600" b="1" dirty="0" smtClean="0">
+                <a:solidFill>
+                  <a:schemeClr val="bg2">
+                    <a:lumMod val="25000"/>
+                  </a:schemeClr>
+                </a:solidFill>
+              </a:rPr>
+              <a:t>(1)</a:t>
             </a:r>
             <a:endParaRPr lang="ko-KR" altLang="en-US" sz="3600" b="1" i="1" dirty="0">
               <a:solidFill>
@@ -3716,8 +3808,8 @@
         </p:nvSpPr>
         <p:spPr>
           <a:xfrm>
-            <a:off x="250825" y="1628774"/>
-            <a:ext cx="8642350" cy="4968875"/>
+            <a:off x="250825" y="1485900"/>
+            <a:ext cx="8642350" cy="5111750"/>
           </a:xfrm>
           <a:prstGeom prst="rect">
             <a:avLst/>
@@ -3757,6 +3849,1418 @@
               <a:solidFill>
                 <a:schemeClr val="bg2">
                   <a:lumMod val="25000"/>
+                </a:schemeClr>
+              </a:solidFill>
+            </a:endParaRPr>
+          </a:p>
+        </p:txBody>
+      </p:sp>
+      <p:sp>
+        <p:nvSpPr>
+          <p:cNvPr id="2" name="직사각형 1"/>
+          <p:cNvSpPr/>
+          <p:nvPr/>
+        </p:nvSpPr>
+        <p:spPr>
+          <a:xfrm>
+            <a:off x="611187" y="1619250"/>
+            <a:ext cx="1798637" cy="409575"/>
+          </a:xfrm>
+          <a:prstGeom prst="rect">
+            <a:avLst/>
+          </a:prstGeom>
+          <a:noFill/>
+          <a:ln>
+            <a:solidFill>
+              <a:schemeClr val="bg2">
+                <a:lumMod val="50000"/>
+              </a:schemeClr>
+            </a:solidFill>
+          </a:ln>
+        </p:spPr>
+        <p:style>
+          <a:lnRef idx="2">
+            <a:schemeClr val="accent1">
+              <a:shade val="50000"/>
+            </a:schemeClr>
+          </a:lnRef>
+          <a:fillRef idx="1">
+            <a:schemeClr val="accent1"/>
+          </a:fillRef>
+          <a:effectRef idx="0">
+            <a:schemeClr val="accent1"/>
+          </a:effectRef>
+          <a:fontRef idx="minor">
+            <a:schemeClr val="lt1"/>
+          </a:fontRef>
+        </p:style>
+        <p:txBody>
+          <a:bodyPr rtlCol="0" anchor="ctr"/>
+          <a:lstStyle/>
+          <a:p>
+            <a:pPr algn="ctr"/>
+            <a:r>
+              <a:rPr lang="ko-KR" altLang="en-US" sz="1500" b="1" dirty="0" smtClean="0">
+                <a:solidFill>
+                  <a:schemeClr val="tx1">
+                    <a:lumMod val="85000"/>
+                    <a:lumOff val="15000"/>
+                  </a:schemeClr>
+                </a:solidFill>
+              </a:rPr>
+              <a:t>메인 페이지</a:t>
+            </a:r>
+            <a:endParaRPr lang="ko-KR" altLang="en-US" sz="1500" b="1" dirty="0">
+              <a:solidFill>
+                <a:schemeClr val="tx1">
+                  <a:lumMod val="85000"/>
+                  <a:lumOff val="15000"/>
+                </a:schemeClr>
+              </a:solidFill>
+            </a:endParaRPr>
+          </a:p>
+        </p:txBody>
+      </p:sp>
+      <p:sp>
+        <p:nvSpPr>
+          <p:cNvPr id="7" name="직사각형 6"/>
+          <p:cNvSpPr/>
+          <p:nvPr/>
+        </p:nvSpPr>
+        <p:spPr>
+          <a:xfrm>
+            <a:off x="611187" y="2330450"/>
+            <a:ext cx="1798637" cy="409575"/>
+          </a:xfrm>
+          <a:prstGeom prst="rect">
+            <a:avLst/>
+          </a:prstGeom>
+          <a:noFill/>
+          <a:ln>
+            <a:solidFill>
+              <a:schemeClr val="bg2">
+                <a:lumMod val="50000"/>
+              </a:schemeClr>
+            </a:solidFill>
+          </a:ln>
+        </p:spPr>
+        <p:style>
+          <a:lnRef idx="2">
+            <a:schemeClr val="accent1">
+              <a:shade val="50000"/>
+            </a:schemeClr>
+          </a:lnRef>
+          <a:fillRef idx="1">
+            <a:schemeClr val="accent1"/>
+          </a:fillRef>
+          <a:effectRef idx="0">
+            <a:schemeClr val="accent1"/>
+          </a:effectRef>
+          <a:fontRef idx="minor">
+            <a:schemeClr val="lt1"/>
+          </a:fontRef>
+        </p:style>
+        <p:txBody>
+          <a:bodyPr rtlCol="0" anchor="ctr"/>
+          <a:lstStyle/>
+          <a:p>
+            <a:pPr algn="ctr"/>
+            <a:r>
+              <a:rPr lang="ko-KR" altLang="en-US" sz="1500" b="1" dirty="0" smtClean="0">
+                <a:solidFill>
+                  <a:schemeClr val="tx1">
+                    <a:lumMod val="85000"/>
+                    <a:lumOff val="15000"/>
+                  </a:schemeClr>
+                </a:solidFill>
+              </a:rPr>
+              <a:t>회원 기능</a:t>
+            </a:r>
+            <a:endParaRPr lang="ko-KR" altLang="en-US" sz="1500" b="1" dirty="0">
+              <a:solidFill>
+                <a:schemeClr val="tx1">
+                  <a:lumMod val="85000"/>
+                  <a:lumOff val="15000"/>
+                </a:schemeClr>
+              </a:solidFill>
+            </a:endParaRPr>
+          </a:p>
+        </p:txBody>
+      </p:sp>
+      <p:sp>
+        <p:nvSpPr>
+          <p:cNvPr id="9" name="직사각형 8"/>
+          <p:cNvSpPr/>
+          <p:nvPr/>
+        </p:nvSpPr>
+        <p:spPr>
+          <a:xfrm>
+            <a:off x="611187" y="3041650"/>
+            <a:ext cx="1798637" cy="409575"/>
+          </a:xfrm>
+          <a:prstGeom prst="rect">
+            <a:avLst/>
+          </a:prstGeom>
+          <a:noFill/>
+          <a:ln>
+            <a:solidFill>
+              <a:schemeClr val="bg2">
+                <a:lumMod val="50000"/>
+              </a:schemeClr>
+            </a:solidFill>
+          </a:ln>
+        </p:spPr>
+        <p:style>
+          <a:lnRef idx="2">
+            <a:schemeClr val="accent1">
+              <a:shade val="50000"/>
+            </a:schemeClr>
+          </a:lnRef>
+          <a:fillRef idx="1">
+            <a:schemeClr val="accent1"/>
+          </a:fillRef>
+          <a:effectRef idx="0">
+            <a:schemeClr val="accent1"/>
+          </a:effectRef>
+          <a:fontRef idx="minor">
+            <a:schemeClr val="lt1"/>
+          </a:fontRef>
+        </p:style>
+        <p:txBody>
+          <a:bodyPr rtlCol="0" anchor="ctr"/>
+          <a:lstStyle/>
+          <a:p>
+            <a:pPr algn="ctr"/>
+            <a:r>
+              <a:rPr lang="ko-KR" altLang="en-US" sz="1500" b="1" dirty="0" smtClean="0">
+                <a:solidFill>
+                  <a:schemeClr val="tx1">
+                    <a:lumMod val="85000"/>
+                    <a:lumOff val="15000"/>
+                  </a:schemeClr>
+                </a:solidFill>
+              </a:rPr>
+              <a:t>상품 기능</a:t>
+            </a:r>
+            <a:endParaRPr lang="ko-KR" altLang="en-US" sz="1500" b="1" dirty="0">
+              <a:solidFill>
+                <a:schemeClr val="tx1">
+                  <a:lumMod val="85000"/>
+                  <a:lumOff val="15000"/>
+                </a:schemeClr>
+              </a:solidFill>
+            </a:endParaRPr>
+          </a:p>
+        </p:txBody>
+      </p:sp>
+      <p:sp>
+        <p:nvSpPr>
+          <p:cNvPr id="10" name="직사각형 9"/>
+          <p:cNvSpPr/>
+          <p:nvPr/>
+        </p:nvSpPr>
+        <p:spPr>
+          <a:xfrm>
+            <a:off x="611187" y="3752850"/>
+            <a:ext cx="1798637" cy="409575"/>
+          </a:xfrm>
+          <a:prstGeom prst="rect">
+            <a:avLst/>
+          </a:prstGeom>
+          <a:noFill/>
+          <a:ln>
+            <a:solidFill>
+              <a:schemeClr val="bg2">
+                <a:lumMod val="50000"/>
+              </a:schemeClr>
+            </a:solidFill>
+          </a:ln>
+        </p:spPr>
+        <p:style>
+          <a:lnRef idx="2">
+            <a:schemeClr val="accent1">
+              <a:shade val="50000"/>
+            </a:schemeClr>
+          </a:lnRef>
+          <a:fillRef idx="1">
+            <a:schemeClr val="accent1"/>
+          </a:fillRef>
+          <a:effectRef idx="0">
+            <a:schemeClr val="accent1"/>
+          </a:effectRef>
+          <a:fontRef idx="minor">
+            <a:schemeClr val="lt1"/>
+          </a:fontRef>
+        </p:style>
+        <p:txBody>
+          <a:bodyPr rtlCol="0" anchor="ctr"/>
+          <a:lstStyle/>
+          <a:p>
+            <a:pPr algn="ctr"/>
+            <a:r>
+              <a:rPr lang="ko-KR" altLang="en-US" sz="1500" b="1" dirty="0" smtClean="0">
+                <a:solidFill>
+                  <a:schemeClr val="tx1">
+                    <a:lumMod val="85000"/>
+                    <a:lumOff val="15000"/>
+                  </a:schemeClr>
+                </a:solidFill>
+              </a:rPr>
+              <a:t>장바구니</a:t>
+            </a:r>
+            <a:endParaRPr lang="ko-KR" altLang="en-US" sz="1500" b="1" dirty="0">
+              <a:solidFill>
+                <a:schemeClr val="tx1">
+                  <a:lumMod val="85000"/>
+                  <a:lumOff val="15000"/>
+                </a:schemeClr>
+              </a:solidFill>
+            </a:endParaRPr>
+          </a:p>
+        </p:txBody>
+      </p:sp>
+      <p:sp>
+        <p:nvSpPr>
+          <p:cNvPr id="11" name="직사각형 10"/>
+          <p:cNvSpPr/>
+          <p:nvPr/>
+        </p:nvSpPr>
+        <p:spPr>
+          <a:xfrm>
+            <a:off x="611187" y="4464050"/>
+            <a:ext cx="1798637" cy="409575"/>
+          </a:xfrm>
+          <a:prstGeom prst="rect">
+            <a:avLst/>
+          </a:prstGeom>
+          <a:noFill/>
+          <a:ln>
+            <a:solidFill>
+              <a:schemeClr val="bg2">
+                <a:lumMod val="50000"/>
+              </a:schemeClr>
+            </a:solidFill>
+          </a:ln>
+        </p:spPr>
+        <p:style>
+          <a:lnRef idx="2">
+            <a:schemeClr val="accent1">
+              <a:shade val="50000"/>
+            </a:schemeClr>
+          </a:lnRef>
+          <a:fillRef idx="1">
+            <a:schemeClr val="accent1"/>
+          </a:fillRef>
+          <a:effectRef idx="0">
+            <a:schemeClr val="accent1"/>
+          </a:effectRef>
+          <a:fontRef idx="minor">
+            <a:schemeClr val="lt1"/>
+          </a:fontRef>
+        </p:style>
+        <p:txBody>
+          <a:bodyPr rtlCol="0" anchor="ctr"/>
+          <a:lstStyle/>
+          <a:p>
+            <a:pPr algn="ctr"/>
+            <a:r>
+              <a:rPr lang="ko-KR" altLang="en-US" sz="1500" b="1" dirty="0" smtClean="0">
+                <a:solidFill>
+                  <a:schemeClr val="tx1">
+                    <a:lumMod val="85000"/>
+                    <a:lumOff val="15000"/>
+                  </a:schemeClr>
+                </a:solidFill>
+              </a:rPr>
+              <a:t>주문</a:t>
+            </a:r>
+            <a:endParaRPr lang="ko-KR" altLang="en-US" sz="1500" b="1" dirty="0">
+              <a:solidFill>
+                <a:schemeClr val="tx1">
+                  <a:lumMod val="85000"/>
+                  <a:lumOff val="15000"/>
+                </a:schemeClr>
+              </a:solidFill>
+            </a:endParaRPr>
+          </a:p>
+        </p:txBody>
+      </p:sp>
+      <p:sp>
+        <p:nvSpPr>
+          <p:cNvPr id="12" name="직사각형 11"/>
+          <p:cNvSpPr/>
+          <p:nvPr/>
+        </p:nvSpPr>
+        <p:spPr>
+          <a:xfrm>
+            <a:off x="611187" y="5175250"/>
+            <a:ext cx="1798637" cy="409575"/>
+          </a:xfrm>
+          <a:prstGeom prst="rect">
+            <a:avLst/>
+          </a:prstGeom>
+          <a:noFill/>
+          <a:ln>
+            <a:solidFill>
+              <a:schemeClr val="bg2">
+                <a:lumMod val="50000"/>
+              </a:schemeClr>
+            </a:solidFill>
+          </a:ln>
+        </p:spPr>
+        <p:style>
+          <a:lnRef idx="2">
+            <a:schemeClr val="accent1">
+              <a:shade val="50000"/>
+            </a:schemeClr>
+          </a:lnRef>
+          <a:fillRef idx="1">
+            <a:schemeClr val="accent1"/>
+          </a:fillRef>
+          <a:effectRef idx="0">
+            <a:schemeClr val="accent1"/>
+          </a:effectRef>
+          <a:fontRef idx="minor">
+            <a:schemeClr val="lt1"/>
+          </a:fontRef>
+        </p:style>
+        <p:txBody>
+          <a:bodyPr rtlCol="0" anchor="ctr"/>
+          <a:lstStyle/>
+          <a:p>
+            <a:pPr algn="ctr"/>
+            <a:r>
+              <a:rPr lang="ko-KR" altLang="en-US" sz="1500" b="1" dirty="0" smtClean="0">
+                <a:solidFill>
+                  <a:schemeClr val="tx1">
+                    <a:lumMod val="85000"/>
+                    <a:lumOff val="15000"/>
+                  </a:schemeClr>
+                </a:solidFill>
+              </a:rPr>
+              <a:t>마이 페이지</a:t>
+            </a:r>
+            <a:endParaRPr lang="ko-KR" altLang="en-US" sz="1500" b="1" dirty="0">
+              <a:solidFill>
+                <a:schemeClr val="tx1">
+                  <a:lumMod val="85000"/>
+                  <a:lumOff val="15000"/>
+                </a:schemeClr>
+              </a:solidFill>
+            </a:endParaRPr>
+          </a:p>
+        </p:txBody>
+      </p:sp>
+      <p:sp>
+        <p:nvSpPr>
+          <p:cNvPr id="13" name="직사각형 12"/>
+          <p:cNvSpPr/>
+          <p:nvPr/>
+        </p:nvSpPr>
+        <p:spPr>
+          <a:xfrm>
+            <a:off x="611187" y="5886453"/>
+            <a:ext cx="1798637" cy="409575"/>
+          </a:xfrm>
+          <a:prstGeom prst="rect">
+            <a:avLst/>
+          </a:prstGeom>
+          <a:noFill/>
+          <a:ln>
+            <a:solidFill>
+              <a:schemeClr val="bg2">
+                <a:lumMod val="50000"/>
+              </a:schemeClr>
+            </a:solidFill>
+          </a:ln>
+        </p:spPr>
+        <p:style>
+          <a:lnRef idx="2">
+            <a:schemeClr val="accent1">
+              <a:shade val="50000"/>
+            </a:schemeClr>
+          </a:lnRef>
+          <a:fillRef idx="1">
+            <a:schemeClr val="accent1"/>
+          </a:fillRef>
+          <a:effectRef idx="0">
+            <a:schemeClr val="accent1"/>
+          </a:effectRef>
+          <a:fontRef idx="minor">
+            <a:schemeClr val="lt1"/>
+          </a:fontRef>
+        </p:style>
+        <p:txBody>
+          <a:bodyPr rtlCol="0" anchor="ctr"/>
+          <a:lstStyle/>
+          <a:p>
+            <a:pPr algn="ctr"/>
+            <a:r>
+              <a:rPr lang="ko-KR" altLang="en-US" sz="1500" b="1" dirty="0" smtClean="0">
+                <a:solidFill>
+                  <a:schemeClr val="tx1">
+                    <a:lumMod val="85000"/>
+                    <a:lumOff val="15000"/>
+                  </a:schemeClr>
+                </a:solidFill>
+              </a:rPr>
+              <a:t>관리자 페이지</a:t>
+            </a:r>
+            <a:endParaRPr lang="ko-KR" altLang="en-US" sz="1500" b="1" dirty="0">
+              <a:solidFill>
+                <a:schemeClr val="tx1">
+                  <a:lumMod val="85000"/>
+                  <a:lumOff val="15000"/>
+                </a:schemeClr>
+              </a:solidFill>
+            </a:endParaRPr>
+          </a:p>
+        </p:txBody>
+      </p:sp>
+      <p:sp>
+        <p:nvSpPr>
+          <p:cNvPr id="14" name="직사각형 13"/>
+          <p:cNvSpPr/>
+          <p:nvPr/>
+        </p:nvSpPr>
+        <p:spPr>
+          <a:xfrm>
+            <a:off x="2770186" y="1619250"/>
+            <a:ext cx="5762627" cy="409575"/>
+          </a:xfrm>
+          <a:prstGeom prst="rect">
+            <a:avLst/>
+          </a:prstGeom>
+          <a:noFill/>
+          <a:ln>
+            <a:solidFill>
+              <a:schemeClr val="bg2">
+                <a:lumMod val="50000"/>
+              </a:schemeClr>
+            </a:solidFill>
+          </a:ln>
+        </p:spPr>
+        <p:style>
+          <a:lnRef idx="2">
+            <a:schemeClr val="accent1">
+              <a:shade val="50000"/>
+            </a:schemeClr>
+          </a:lnRef>
+          <a:fillRef idx="1">
+            <a:schemeClr val="accent1"/>
+          </a:fillRef>
+          <a:effectRef idx="0">
+            <a:schemeClr val="accent1"/>
+          </a:effectRef>
+          <a:fontRef idx="minor">
+            <a:schemeClr val="lt1"/>
+          </a:fontRef>
+        </p:style>
+        <p:txBody>
+          <a:bodyPr rtlCol="0" anchor="ctr"/>
+          <a:lstStyle/>
+          <a:p>
+            <a:r>
+              <a:rPr lang="ko-KR" altLang="en-US" sz="1500" b="1" dirty="0" smtClean="0">
+                <a:solidFill>
+                  <a:schemeClr val="tx1">
+                    <a:lumMod val="85000"/>
+                    <a:lumOff val="15000"/>
+                  </a:schemeClr>
+                </a:solidFill>
+              </a:rPr>
+              <a:t>쇼핑몰 첫 화면</a:t>
+            </a:r>
+            <a:r>
+              <a:rPr lang="en-US" altLang="ko-KR" sz="1500" b="1" dirty="0" smtClean="0">
+                <a:solidFill>
+                  <a:schemeClr val="tx1">
+                    <a:lumMod val="85000"/>
+                    <a:lumOff val="15000"/>
+                  </a:schemeClr>
+                </a:solidFill>
+              </a:rPr>
+              <a:t>. </a:t>
+            </a:r>
+            <a:r>
+              <a:rPr lang="ko-KR" altLang="en-US" sz="1500" b="1" dirty="0" smtClean="0">
+                <a:solidFill>
+                  <a:schemeClr val="tx1">
+                    <a:lumMod val="85000"/>
+                    <a:lumOff val="15000"/>
+                  </a:schemeClr>
+                </a:solidFill>
+              </a:rPr>
+              <a:t>각종 도서 정보</a:t>
+            </a:r>
+            <a:r>
+              <a:rPr lang="en-US" altLang="ko-KR" sz="1500" b="1" dirty="0" smtClean="0">
+                <a:solidFill>
+                  <a:schemeClr val="tx1">
+                    <a:lumMod val="85000"/>
+                    <a:lumOff val="15000"/>
+                  </a:schemeClr>
+                </a:solidFill>
+              </a:rPr>
+              <a:t>, </a:t>
+            </a:r>
+            <a:r>
+              <a:rPr lang="ko-KR" altLang="en-US" sz="1500" b="1" dirty="0" smtClean="0">
+                <a:solidFill>
+                  <a:schemeClr val="tx1">
+                    <a:lumMod val="85000"/>
+                    <a:lumOff val="15000"/>
+                  </a:schemeClr>
+                </a:solidFill>
+              </a:rPr>
+              <a:t>로그인</a:t>
+            </a:r>
+            <a:r>
+              <a:rPr lang="en-US" altLang="ko-KR" sz="1500" b="1" dirty="0" smtClean="0">
+                <a:solidFill>
+                  <a:schemeClr val="tx1">
+                    <a:lumMod val="85000"/>
+                    <a:lumOff val="15000"/>
+                  </a:schemeClr>
+                </a:solidFill>
+              </a:rPr>
+              <a:t>, </a:t>
+            </a:r>
+            <a:r>
+              <a:rPr lang="ko-KR" altLang="en-US" sz="1500" b="1" dirty="0" smtClean="0">
+                <a:solidFill>
+                  <a:schemeClr val="tx1">
+                    <a:lumMod val="85000"/>
+                    <a:lumOff val="15000"/>
+                  </a:schemeClr>
+                </a:solidFill>
+              </a:rPr>
+              <a:t>회원가입</a:t>
+            </a:r>
+            <a:r>
+              <a:rPr lang="en-US" altLang="ko-KR" sz="1500" b="1" dirty="0" smtClean="0">
+                <a:solidFill>
+                  <a:schemeClr val="tx1">
+                    <a:lumMod val="85000"/>
+                    <a:lumOff val="15000"/>
+                  </a:schemeClr>
+                </a:solidFill>
+              </a:rPr>
+              <a:t>, </a:t>
+            </a:r>
+            <a:r>
+              <a:rPr lang="ko-KR" altLang="en-US" sz="1500" b="1" dirty="0" smtClean="0">
+                <a:solidFill>
+                  <a:schemeClr val="tx1">
+                    <a:lumMod val="85000"/>
+                    <a:lumOff val="15000"/>
+                  </a:schemeClr>
+                </a:solidFill>
+              </a:rPr>
+              <a:t>공지사항 </a:t>
+            </a:r>
+            <a:endParaRPr lang="ko-KR" altLang="en-US" sz="1500" b="1" dirty="0">
+              <a:solidFill>
+                <a:schemeClr val="tx1">
+                  <a:lumMod val="85000"/>
+                  <a:lumOff val="15000"/>
+                </a:schemeClr>
+              </a:solidFill>
+            </a:endParaRPr>
+          </a:p>
+        </p:txBody>
+      </p:sp>
+      <p:sp>
+        <p:nvSpPr>
+          <p:cNvPr id="15" name="직사각형 14"/>
+          <p:cNvSpPr/>
+          <p:nvPr/>
+        </p:nvSpPr>
+        <p:spPr>
+          <a:xfrm>
+            <a:off x="2770186" y="2330450"/>
+            <a:ext cx="5762627" cy="409575"/>
+          </a:xfrm>
+          <a:prstGeom prst="rect">
+            <a:avLst/>
+          </a:prstGeom>
+          <a:noFill/>
+          <a:ln>
+            <a:solidFill>
+              <a:schemeClr val="bg2">
+                <a:lumMod val="50000"/>
+              </a:schemeClr>
+            </a:solidFill>
+          </a:ln>
+        </p:spPr>
+        <p:style>
+          <a:lnRef idx="2">
+            <a:schemeClr val="accent1">
+              <a:shade val="50000"/>
+            </a:schemeClr>
+          </a:lnRef>
+          <a:fillRef idx="1">
+            <a:schemeClr val="accent1"/>
+          </a:fillRef>
+          <a:effectRef idx="0">
+            <a:schemeClr val="accent1"/>
+          </a:effectRef>
+          <a:fontRef idx="minor">
+            <a:schemeClr val="lt1"/>
+          </a:fontRef>
+        </p:style>
+        <p:txBody>
+          <a:bodyPr rtlCol="0" anchor="ctr"/>
+          <a:lstStyle/>
+          <a:p>
+            <a:r>
+              <a:rPr lang="ko-KR" altLang="en-US" sz="1500" b="1" dirty="0" smtClean="0">
+                <a:solidFill>
+                  <a:schemeClr val="tx1">
+                    <a:lumMod val="85000"/>
+                    <a:lumOff val="15000"/>
+                  </a:schemeClr>
+                </a:solidFill>
+              </a:rPr>
+              <a:t>로그인</a:t>
+            </a:r>
+            <a:r>
+              <a:rPr lang="en-US" altLang="ko-KR" sz="1500" b="1" dirty="0" smtClean="0">
+                <a:solidFill>
+                  <a:schemeClr val="tx1">
+                    <a:lumMod val="85000"/>
+                    <a:lumOff val="15000"/>
+                  </a:schemeClr>
+                </a:solidFill>
+              </a:rPr>
+              <a:t>, </a:t>
+            </a:r>
+            <a:r>
+              <a:rPr lang="ko-KR" altLang="en-US" sz="1500" b="1" dirty="0" smtClean="0">
+                <a:solidFill>
+                  <a:schemeClr val="tx1">
+                    <a:lumMod val="85000"/>
+                    <a:lumOff val="15000"/>
+                  </a:schemeClr>
+                </a:solidFill>
+              </a:rPr>
+              <a:t>회원가입 기능</a:t>
+            </a:r>
+            <a:endParaRPr lang="ko-KR" altLang="en-US" sz="1500" b="1" dirty="0">
+              <a:solidFill>
+                <a:schemeClr val="tx1">
+                  <a:lumMod val="85000"/>
+                  <a:lumOff val="15000"/>
+                </a:schemeClr>
+              </a:solidFill>
+            </a:endParaRPr>
+          </a:p>
+        </p:txBody>
+      </p:sp>
+      <p:sp>
+        <p:nvSpPr>
+          <p:cNvPr id="16" name="직사각형 15"/>
+          <p:cNvSpPr/>
+          <p:nvPr/>
+        </p:nvSpPr>
+        <p:spPr>
+          <a:xfrm>
+            <a:off x="2770186" y="3041650"/>
+            <a:ext cx="5762627" cy="409575"/>
+          </a:xfrm>
+          <a:prstGeom prst="rect">
+            <a:avLst/>
+          </a:prstGeom>
+          <a:noFill/>
+          <a:ln>
+            <a:solidFill>
+              <a:schemeClr val="bg2">
+                <a:lumMod val="50000"/>
+              </a:schemeClr>
+            </a:solidFill>
+          </a:ln>
+        </p:spPr>
+        <p:style>
+          <a:lnRef idx="2">
+            <a:schemeClr val="accent1">
+              <a:shade val="50000"/>
+            </a:schemeClr>
+          </a:lnRef>
+          <a:fillRef idx="1">
+            <a:schemeClr val="accent1"/>
+          </a:fillRef>
+          <a:effectRef idx="0">
+            <a:schemeClr val="accent1"/>
+          </a:effectRef>
+          <a:fontRef idx="minor">
+            <a:schemeClr val="lt1"/>
+          </a:fontRef>
+        </p:style>
+        <p:txBody>
+          <a:bodyPr rtlCol="0" anchor="ctr"/>
+          <a:lstStyle/>
+          <a:p>
+            <a:r>
+              <a:rPr lang="ko-KR" altLang="en-US" sz="1500" b="1" dirty="0" smtClean="0">
+                <a:solidFill>
+                  <a:schemeClr val="tx1">
+                    <a:lumMod val="85000"/>
+                    <a:lumOff val="15000"/>
+                  </a:schemeClr>
+                </a:solidFill>
+              </a:rPr>
+              <a:t>상품 검색 기능</a:t>
+            </a:r>
+            <a:endParaRPr lang="ko-KR" altLang="en-US" sz="1500" b="1" dirty="0">
+              <a:solidFill>
+                <a:schemeClr val="tx1">
+                  <a:lumMod val="85000"/>
+                  <a:lumOff val="15000"/>
+                </a:schemeClr>
+              </a:solidFill>
+            </a:endParaRPr>
+          </a:p>
+        </p:txBody>
+      </p:sp>
+      <p:sp>
+        <p:nvSpPr>
+          <p:cNvPr id="17" name="직사각형 16"/>
+          <p:cNvSpPr/>
+          <p:nvPr/>
+        </p:nvSpPr>
+        <p:spPr>
+          <a:xfrm>
+            <a:off x="2770186" y="3752850"/>
+            <a:ext cx="5762627" cy="409575"/>
+          </a:xfrm>
+          <a:prstGeom prst="rect">
+            <a:avLst/>
+          </a:prstGeom>
+          <a:noFill/>
+          <a:ln>
+            <a:solidFill>
+              <a:schemeClr val="bg2">
+                <a:lumMod val="50000"/>
+              </a:schemeClr>
+            </a:solidFill>
+          </a:ln>
+        </p:spPr>
+        <p:style>
+          <a:lnRef idx="2">
+            <a:schemeClr val="accent1">
+              <a:shade val="50000"/>
+            </a:schemeClr>
+          </a:lnRef>
+          <a:fillRef idx="1">
+            <a:schemeClr val="accent1"/>
+          </a:fillRef>
+          <a:effectRef idx="0">
+            <a:schemeClr val="accent1"/>
+          </a:effectRef>
+          <a:fontRef idx="minor">
+            <a:schemeClr val="lt1"/>
+          </a:fontRef>
+        </p:style>
+        <p:txBody>
+          <a:bodyPr rtlCol="0" anchor="ctr"/>
+          <a:lstStyle/>
+          <a:p>
+            <a:r>
+              <a:rPr lang="ko-KR" altLang="en-US" sz="1500" b="1" dirty="0" smtClean="0">
+                <a:solidFill>
+                  <a:schemeClr val="tx1">
+                    <a:lumMod val="85000"/>
+                    <a:lumOff val="15000"/>
+                  </a:schemeClr>
+                </a:solidFill>
+              </a:rPr>
+              <a:t>내가 선택한 상품 조회</a:t>
+            </a:r>
+            <a:r>
+              <a:rPr lang="en-US" altLang="ko-KR" sz="1500" b="1" dirty="0" smtClean="0">
+                <a:solidFill>
+                  <a:schemeClr val="tx1">
+                    <a:lumMod val="85000"/>
+                    <a:lumOff val="15000"/>
+                  </a:schemeClr>
+                </a:solidFill>
+              </a:rPr>
+              <a:t>, </a:t>
+            </a:r>
+            <a:r>
+              <a:rPr lang="ko-KR" altLang="en-US" sz="1500" b="1" dirty="0" smtClean="0">
+                <a:solidFill>
+                  <a:schemeClr val="tx1">
+                    <a:lumMod val="85000"/>
+                    <a:lumOff val="15000"/>
+                  </a:schemeClr>
+                </a:solidFill>
+              </a:rPr>
+              <a:t>추가</a:t>
+            </a:r>
+            <a:r>
+              <a:rPr lang="en-US" altLang="ko-KR" sz="1500" b="1" dirty="0" smtClean="0">
+                <a:solidFill>
+                  <a:schemeClr val="tx1">
+                    <a:lumMod val="85000"/>
+                    <a:lumOff val="15000"/>
+                  </a:schemeClr>
+                </a:solidFill>
+              </a:rPr>
+              <a:t>, </a:t>
+            </a:r>
+            <a:r>
+              <a:rPr lang="ko-KR" altLang="en-US" sz="1500" b="1" dirty="0" smtClean="0">
+                <a:solidFill>
+                  <a:schemeClr val="tx1">
+                    <a:lumMod val="85000"/>
+                    <a:lumOff val="15000"/>
+                  </a:schemeClr>
+                </a:solidFill>
+              </a:rPr>
+              <a:t>수정</a:t>
+            </a:r>
+            <a:r>
+              <a:rPr lang="en-US" altLang="ko-KR" sz="1500" b="1" dirty="0" smtClean="0">
+                <a:solidFill>
+                  <a:schemeClr val="tx1">
+                    <a:lumMod val="85000"/>
+                    <a:lumOff val="15000"/>
+                  </a:schemeClr>
+                </a:solidFill>
+              </a:rPr>
+              <a:t>, </a:t>
+            </a:r>
+            <a:r>
+              <a:rPr lang="ko-KR" altLang="en-US" sz="1500" b="1" dirty="0" smtClean="0">
+                <a:solidFill>
+                  <a:schemeClr val="tx1">
+                    <a:lumMod val="85000"/>
+                    <a:lumOff val="15000"/>
+                  </a:schemeClr>
+                </a:solidFill>
+              </a:rPr>
+              <a:t>삭제 기능</a:t>
+            </a:r>
+            <a:endParaRPr lang="ko-KR" altLang="en-US" sz="1500" b="1" dirty="0">
+              <a:solidFill>
+                <a:schemeClr val="tx1">
+                  <a:lumMod val="85000"/>
+                  <a:lumOff val="15000"/>
+                </a:schemeClr>
+              </a:solidFill>
+            </a:endParaRPr>
+          </a:p>
+        </p:txBody>
+      </p:sp>
+      <p:sp>
+        <p:nvSpPr>
+          <p:cNvPr id="18" name="직사각형 17"/>
+          <p:cNvSpPr/>
+          <p:nvPr/>
+        </p:nvSpPr>
+        <p:spPr>
+          <a:xfrm>
+            <a:off x="2770186" y="4464050"/>
+            <a:ext cx="5762627" cy="409575"/>
+          </a:xfrm>
+          <a:prstGeom prst="rect">
+            <a:avLst/>
+          </a:prstGeom>
+          <a:noFill/>
+          <a:ln>
+            <a:solidFill>
+              <a:schemeClr val="bg2">
+                <a:lumMod val="50000"/>
+              </a:schemeClr>
+            </a:solidFill>
+          </a:ln>
+        </p:spPr>
+        <p:style>
+          <a:lnRef idx="2">
+            <a:schemeClr val="accent1">
+              <a:shade val="50000"/>
+            </a:schemeClr>
+          </a:lnRef>
+          <a:fillRef idx="1">
+            <a:schemeClr val="accent1"/>
+          </a:fillRef>
+          <a:effectRef idx="0">
+            <a:schemeClr val="accent1"/>
+          </a:effectRef>
+          <a:fontRef idx="minor">
+            <a:schemeClr val="lt1"/>
+          </a:fontRef>
+        </p:style>
+        <p:txBody>
+          <a:bodyPr rtlCol="0" anchor="ctr"/>
+          <a:lstStyle/>
+          <a:p>
+            <a:r>
+              <a:rPr lang="ko-KR" altLang="en-US" sz="1500" b="1" dirty="0" smtClean="0">
+                <a:solidFill>
+                  <a:schemeClr val="tx1">
+                    <a:lumMod val="85000"/>
+                    <a:lumOff val="15000"/>
+                  </a:schemeClr>
+                </a:solidFill>
+              </a:rPr>
+              <a:t>주문</a:t>
+            </a:r>
+            <a:r>
+              <a:rPr lang="en-US" altLang="ko-KR" sz="1500" b="1" dirty="0" smtClean="0">
+                <a:solidFill>
+                  <a:schemeClr val="tx1">
+                    <a:lumMod val="85000"/>
+                    <a:lumOff val="15000"/>
+                  </a:schemeClr>
+                </a:solidFill>
+              </a:rPr>
+              <a:t>, </a:t>
+            </a:r>
+            <a:r>
+              <a:rPr lang="ko-KR" altLang="en-US" sz="1500" b="1" dirty="0" smtClean="0">
+                <a:solidFill>
+                  <a:schemeClr val="tx1">
+                    <a:lumMod val="85000"/>
+                    <a:lumOff val="15000"/>
+                  </a:schemeClr>
+                </a:solidFill>
+              </a:rPr>
+              <a:t>주문상품 목록</a:t>
+            </a:r>
+            <a:r>
+              <a:rPr lang="en-US" altLang="ko-KR" sz="1500" b="1" dirty="0" smtClean="0">
+                <a:solidFill>
+                  <a:schemeClr val="tx1">
+                    <a:lumMod val="85000"/>
+                    <a:lumOff val="15000"/>
+                  </a:schemeClr>
+                </a:solidFill>
+              </a:rPr>
+              <a:t>, </a:t>
+            </a:r>
+            <a:r>
+              <a:rPr lang="ko-KR" altLang="en-US" sz="1500" b="1" dirty="0" smtClean="0">
+                <a:solidFill>
+                  <a:schemeClr val="tx1">
+                    <a:lumMod val="85000"/>
+                    <a:lumOff val="15000"/>
+                  </a:schemeClr>
+                </a:solidFill>
+              </a:rPr>
+              <a:t>주문 취소</a:t>
+            </a:r>
+            <a:r>
+              <a:rPr lang="en-US" altLang="ko-KR" sz="1500" b="1" dirty="0">
+                <a:solidFill>
+                  <a:schemeClr val="tx1">
+                    <a:lumMod val="85000"/>
+                    <a:lumOff val="15000"/>
+                  </a:schemeClr>
+                </a:solidFill>
+              </a:rPr>
+              <a:t> </a:t>
+            </a:r>
+            <a:r>
+              <a:rPr lang="ko-KR" altLang="en-US" sz="1500" b="1" dirty="0" smtClean="0">
+                <a:solidFill>
+                  <a:schemeClr val="tx1">
+                    <a:lumMod val="85000"/>
+                    <a:lumOff val="15000"/>
+                  </a:schemeClr>
+                </a:solidFill>
+              </a:rPr>
+              <a:t>기능</a:t>
+            </a:r>
+            <a:endParaRPr lang="ko-KR" altLang="en-US" sz="1500" b="1" dirty="0">
+              <a:solidFill>
+                <a:schemeClr val="tx1">
+                  <a:lumMod val="85000"/>
+                  <a:lumOff val="15000"/>
+                </a:schemeClr>
+              </a:solidFill>
+            </a:endParaRPr>
+          </a:p>
+        </p:txBody>
+      </p:sp>
+      <p:sp>
+        <p:nvSpPr>
+          <p:cNvPr id="19" name="직사각형 18"/>
+          <p:cNvSpPr/>
+          <p:nvPr/>
+        </p:nvSpPr>
+        <p:spPr>
+          <a:xfrm>
+            <a:off x="2770186" y="5175250"/>
+            <a:ext cx="5762627" cy="409575"/>
+          </a:xfrm>
+          <a:prstGeom prst="rect">
+            <a:avLst/>
+          </a:prstGeom>
+          <a:noFill/>
+          <a:ln>
+            <a:solidFill>
+              <a:schemeClr val="bg2">
+                <a:lumMod val="50000"/>
+              </a:schemeClr>
+            </a:solidFill>
+          </a:ln>
+        </p:spPr>
+        <p:style>
+          <a:lnRef idx="2">
+            <a:schemeClr val="accent1">
+              <a:shade val="50000"/>
+            </a:schemeClr>
+          </a:lnRef>
+          <a:fillRef idx="1">
+            <a:schemeClr val="accent1"/>
+          </a:fillRef>
+          <a:effectRef idx="0">
+            <a:schemeClr val="accent1"/>
+          </a:effectRef>
+          <a:fontRef idx="minor">
+            <a:schemeClr val="lt1"/>
+          </a:fontRef>
+        </p:style>
+        <p:txBody>
+          <a:bodyPr rtlCol="0" anchor="ctr"/>
+          <a:lstStyle/>
+          <a:p>
+            <a:r>
+              <a:rPr lang="ko-KR" altLang="en-US" sz="1500" b="1" dirty="0" smtClean="0">
+                <a:solidFill>
+                  <a:schemeClr val="tx1">
+                    <a:lumMod val="85000"/>
+                    <a:lumOff val="15000"/>
+                  </a:schemeClr>
+                </a:solidFill>
+              </a:rPr>
+              <a:t>주문 내역</a:t>
+            </a:r>
+            <a:r>
+              <a:rPr lang="en-US" altLang="ko-KR" sz="1500" b="1" dirty="0" smtClean="0">
+                <a:solidFill>
+                  <a:schemeClr val="tx1">
+                    <a:lumMod val="85000"/>
+                    <a:lumOff val="15000"/>
+                  </a:schemeClr>
+                </a:solidFill>
+              </a:rPr>
+              <a:t>, </a:t>
+            </a:r>
+            <a:r>
+              <a:rPr lang="ko-KR" altLang="en-US" sz="1500" b="1" dirty="0" smtClean="0">
+                <a:solidFill>
+                  <a:schemeClr val="tx1">
+                    <a:lumMod val="85000"/>
+                    <a:lumOff val="15000"/>
+                  </a:schemeClr>
+                </a:solidFill>
+              </a:rPr>
+              <a:t>회원 정보</a:t>
+            </a:r>
+            <a:r>
+              <a:rPr lang="en-US" altLang="ko-KR" sz="1500" b="1" dirty="0" smtClean="0">
+                <a:solidFill>
+                  <a:schemeClr val="tx1">
+                    <a:lumMod val="85000"/>
+                    <a:lumOff val="15000"/>
+                  </a:schemeClr>
+                </a:solidFill>
+              </a:rPr>
+              <a:t>, </a:t>
+            </a:r>
+            <a:r>
+              <a:rPr lang="ko-KR" altLang="en-US" sz="1500" b="1" dirty="0" smtClean="0">
+                <a:solidFill>
+                  <a:schemeClr val="tx1">
+                    <a:lumMod val="85000"/>
+                    <a:lumOff val="15000"/>
+                  </a:schemeClr>
+                </a:solidFill>
+              </a:rPr>
+              <a:t>회원 정보 수정</a:t>
+            </a:r>
+            <a:r>
+              <a:rPr lang="en-US" altLang="ko-KR" sz="1500" b="1" dirty="0" smtClean="0">
+                <a:solidFill>
+                  <a:schemeClr val="tx1">
+                    <a:lumMod val="85000"/>
+                    <a:lumOff val="15000"/>
+                  </a:schemeClr>
+                </a:solidFill>
+              </a:rPr>
+              <a:t>, </a:t>
+            </a:r>
+            <a:r>
+              <a:rPr lang="ko-KR" altLang="en-US" sz="1500" b="1" dirty="0" smtClean="0">
+                <a:solidFill>
+                  <a:schemeClr val="tx1">
+                    <a:lumMod val="85000"/>
+                    <a:lumOff val="15000"/>
+                  </a:schemeClr>
+                </a:solidFill>
+              </a:rPr>
+              <a:t>회원 탈퇴</a:t>
+            </a:r>
+            <a:endParaRPr lang="ko-KR" altLang="en-US" sz="1500" b="1" dirty="0">
+              <a:solidFill>
+                <a:schemeClr val="tx1">
+                  <a:lumMod val="85000"/>
+                  <a:lumOff val="15000"/>
+                </a:schemeClr>
+              </a:solidFill>
+            </a:endParaRPr>
+          </a:p>
+        </p:txBody>
+      </p:sp>
+      <p:sp>
+        <p:nvSpPr>
+          <p:cNvPr id="20" name="직사각형 19"/>
+          <p:cNvSpPr/>
+          <p:nvPr/>
+        </p:nvSpPr>
+        <p:spPr>
+          <a:xfrm>
+            <a:off x="2770186" y="5886452"/>
+            <a:ext cx="5762627" cy="409575"/>
+          </a:xfrm>
+          <a:prstGeom prst="rect">
+            <a:avLst/>
+          </a:prstGeom>
+          <a:noFill/>
+          <a:ln>
+            <a:solidFill>
+              <a:schemeClr val="bg2">
+                <a:lumMod val="50000"/>
+              </a:schemeClr>
+            </a:solidFill>
+          </a:ln>
+        </p:spPr>
+        <p:style>
+          <a:lnRef idx="2">
+            <a:schemeClr val="accent1">
+              <a:shade val="50000"/>
+            </a:schemeClr>
+          </a:lnRef>
+          <a:fillRef idx="1">
+            <a:schemeClr val="accent1"/>
+          </a:fillRef>
+          <a:effectRef idx="0">
+            <a:schemeClr val="accent1"/>
+          </a:effectRef>
+          <a:fontRef idx="minor">
+            <a:schemeClr val="lt1"/>
+          </a:fontRef>
+        </p:style>
+        <p:txBody>
+          <a:bodyPr rtlCol="0" anchor="ctr"/>
+          <a:lstStyle/>
+          <a:p>
+            <a:r>
+              <a:rPr lang="ko-KR" altLang="en-US" sz="1500" b="1" dirty="0" smtClean="0">
+                <a:solidFill>
+                  <a:schemeClr val="tx1">
+                    <a:lumMod val="85000"/>
+                    <a:lumOff val="15000"/>
+                  </a:schemeClr>
+                </a:solidFill>
+              </a:rPr>
+              <a:t>상품 등록</a:t>
+            </a:r>
+            <a:r>
+              <a:rPr lang="en-US" altLang="ko-KR" sz="1500" b="1" dirty="0" smtClean="0">
+                <a:solidFill>
+                  <a:schemeClr val="tx1">
+                    <a:lumMod val="85000"/>
+                    <a:lumOff val="15000"/>
+                  </a:schemeClr>
+                </a:solidFill>
+              </a:rPr>
+              <a:t>, </a:t>
+            </a:r>
+            <a:r>
+              <a:rPr lang="ko-KR" altLang="en-US" sz="1500" b="1" dirty="0" smtClean="0">
+                <a:solidFill>
+                  <a:schemeClr val="tx1">
+                    <a:lumMod val="85000"/>
+                    <a:lumOff val="15000"/>
+                  </a:schemeClr>
+                </a:solidFill>
+              </a:rPr>
+              <a:t>조회</a:t>
+            </a:r>
+            <a:r>
+              <a:rPr lang="en-US" altLang="ko-KR" sz="1500" b="1" dirty="0" smtClean="0">
+                <a:solidFill>
+                  <a:schemeClr val="tx1">
+                    <a:lumMod val="85000"/>
+                    <a:lumOff val="15000"/>
+                  </a:schemeClr>
+                </a:solidFill>
+              </a:rPr>
+              <a:t>, </a:t>
+            </a:r>
+            <a:r>
+              <a:rPr lang="ko-KR" altLang="en-US" sz="1500" b="1" dirty="0" smtClean="0">
+                <a:solidFill>
+                  <a:schemeClr val="tx1">
+                    <a:lumMod val="85000"/>
+                    <a:lumOff val="15000"/>
+                  </a:schemeClr>
+                </a:solidFill>
+              </a:rPr>
+              <a:t>수정</a:t>
+            </a:r>
+            <a:r>
+              <a:rPr lang="en-US" altLang="ko-KR" sz="1500" b="1" dirty="0" smtClean="0">
+                <a:solidFill>
+                  <a:schemeClr val="tx1">
+                    <a:lumMod val="85000"/>
+                    <a:lumOff val="15000"/>
+                  </a:schemeClr>
+                </a:solidFill>
+              </a:rPr>
+              <a:t>/ </a:t>
+            </a:r>
+            <a:r>
+              <a:rPr lang="ko-KR" altLang="en-US" sz="1500" b="1" dirty="0" smtClean="0">
+                <a:solidFill>
+                  <a:schemeClr val="tx1">
+                    <a:lumMod val="85000"/>
+                    <a:lumOff val="15000"/>
+                  </a:schemeClr>
+                </a:solidFill>
+              </a:rPr>
+              <a:t>주문 </a:t>
+            </a:r>
+            <a:r>
+              <a:rPr lang="ko-KR" altLang="en-US" sz="1500" b="1" dirty="0" err="1" smtClean="0">
+                <a:solidFill>
+                  <a:schemeClr val="tx1">
+                    <a:lumMod val="85000"/>
+                    <a:lumOff val="15000"/>
+                  </a:schemeClr>
+                </a:solidFill>
+              </a:rPr>
+              <a:t>주회</a:t>
+            </a:r>
+            <a:r>
+              <a:rPr lang="en-US" altLang="ko-KR" sz="1500" b="1" dirty="0" smtClean="0">
+                <a:solidFill>
+                  <a:schemeClr val="tx1">
+                    <a:lumMod val="85000"/>
+                    <a:lumOff val="15000"/>
+                  </a:schemeClr>
+                </a:solidFill>
+              </a:rPr>
+              <a:t>, </a:t>
+            </a:r>
+            <a:r>
+              <a:rPr lang="ko-KR" altLang="en-US" sz="1500" b="1" dirty="0" smtClean="0">
+                <a:solidFill>
+                  <a:schemeClr val="tx1">
+                    <a:lumMod val="85000"/>
+                    <a:lumOff val="15000"/>
+                  </a:schemeClr>
+                </a:solidFill>
+              </a:rPr>
+              <a:t>수정</a:t>
+            </a:r>
+            <a:r>
+              <a:rPr lang="en-US" altLang="ko-KR" sz="1500" b="1" dirty="0" smtClean="0">
+                <a:solidFill>
+                  <a:schemeClr val="tx1">
+                    <a:lumMod val="85000"/>
+                    <a:lumOff val="15000"/>
+                  </a:schemeClr>
+                </a:solidFill>
+              </a:rPr>
+              <a:t>, </a:t>
+            </a:r>
+            <a:r>
+              <a:rPr lang="ko-KR" altLang="en-US" sz="1500" b="1" dirty="0" smtClean="0">
+                <a:solidFill>
+                  <a:schemeClr val="tx1">
+                    <a:lumMod val="85000"/>
+                    <a:lumOff val="15000"/>
+                  </a:schemeClr>
+                </a:solidFill>
+              </a:rPr>
+              <a:t>취소</a:t>
+            </a:r>
+            <a:r>
+              <a:rPr lang="en-US" altLang="ko-KR" sz="1500" b="1" dirty="0" smtClean="0">
+                <a:solidFill>
+                  <a:schemeClr val="tx1">
+                    <a:lumMod val="85000"/>
+                    <a:lumOff val="15000"/>
+                  </a:schemeClr>
+                </a:solidFill>
+              </a:rPr>
+              <a:t>/ </a:t>
+            </a:r>
+            <a:r>
+              <a:rPr lang="ko-KR" altLang="en-US" sz="1500" b="1" dirty="0" smtClean="0">
+                <a:solidFill>
+                  <a:schemeClr val="tx1">
+                    <a:lumMod val="85000"/>
+                    <a:lumOff val="15000"/>
+                  </a:schemeClr>
+                </a:solidFill>
+              </a:rPr>
+              <a:t>회원 조회</a:t>
+            </a:r>
+            <a:r>
+              <a:rPr lang="en-US" altLang="ko-KR" sz="1500" b="1" dirty="0" smtClean="0">
+                <a:solidFill>
+                  <a:schemeClr val="tx1">
+                    <a:lumMod val="85000"/>
+                    <a:lumOff val="15000"/>
+                  </a:schemeClr>
+                </a:solidFill>
+              </a:rPr>
+              <a:t>, </a:t>
+            </a:r>
+            <a:r>
+              <a:rPr lang="ko-KR" altLang="en-US" sz="1500" b="1" dirty="0" smtClean="0">
+                <a:solidFill>
+                  <a:schemeClr val="tx1">
+                    <a:lumMod val="85000"/>
+                    <a:lumOff val="15000"/>
+                  </a:schemeClr>
+                </a:solidFill>
+              </a:rPr>
+              <a:t>수정</a:t>
+            </a:r>
+            <a:r>
+              <a:rPr lang="en-US" altLang="ko-KR" sz="1500" b="1" dirty="0" smtClean="0">
+                <a:solidFill>
+                  <a:schemeClr val="tx1">
+                    <a:lumMod val="85000"/>
+                    <a:lumOff val="15000"/>
+                  </a:schemeClr>
+                </a:solidFill>
+              </a:rPr>
+              <a:t>, </a:t>
+            </a:r>
+            <a:r>
+              <a:rPr lang="ko-KR" altLang="en-US" sz="1500" b="1" dirty="0" smtClean="0">
+                <a:solidFill>
+                  <a:schemeClr val="tx1">
+                    <a:lumMod val="85000"/>
+                    <a:lumOff val="15000"/>
+                  </a:schemeClr>
+                </a:solidFill>
+              </a:rPr>
+              <a:t>삭제</a:t>
+            </a:r>
+            <a:endParaRPr lang="ko-KR" altLang="en-US" sz="1500" b="1" dirty="0">
+              <a:solidFill>
+                <a:schemeClr val="tx1">
+                  <a:lumMod val="85000"/>
+                  <a:lumOff val="15000"/>
                 </a:schemeClr>
               </a:solidFill>
             </a:endParaRPr>
@@ -3846,14 +5350,44 @@
           <a:p>
             <a:pPr algn="ctr"/>
             <a:r>
-              <a:rPr lang="ko-KR" altLang="en-US" sz="3600" b="1" dirty="0" smtClean="0">
+              <a:rPr lang="en-US" altLang="ko-KR" sz="3600" b="1" dirty="0" smtClean="0">
                 <a:solidFill>
                   <a:schemeClr val="bg2">
                     <a:lumMod val="25000"/>
                   </a:schemeClr>
                 </a:solidFill>
               </a:rPr>
-              <a:t>고객 요구사항</a:t>
+              <a:t>1. </a:t>
+            </a:r>
+            <a:r>
+              <a:rPr lang="ko-KR" altLang="en-US" sz="3600" b="1" dirty="0" smtClean="0">
+                <a:solidFill>
+                  <a:schemeClr val="bg2">
+                    <a:lumMod val="25000"/>
+                  </a:schemeClr>
+                </a:solidFill>
+              </a:rPr>
+              <a:t>고객 </a:t>
+            </a:r>
+            <a:r>
+              <a:rPr lang="ko-KR" altLang="en-US" sz="3600" b="1" dirty="0" smtClean="0">
+                <a:solidFill>
+                  <a:schemeClr val="bg2">
+                    <a:lumMod val="25000"/>
+                  </a:schemeClr>
+                </a:solidFill>
+              </a:rPr>
+              <a:t>요구사항</a:t>
+            </a:r>
+            <a:r>
+              <a:rPr lang="en-US" altLang="ko-KR" sz="3600" b="1" dirty="0" smtClean="0">
+                <a:solidFill>
+                  <a:schemeClr val="bg2">
+                    <a:lumMod val="25000"/>
+                  </a:schemeClr>
+                </a:solidFill>
+              </a:rPr>
+              <a:t>(2)</a:t>
             </a:r>
             <a:endParaRPr lang="ko-KR" altLang="en-US" sz="3600" b="1" i="1" dirty="0">
               <a:solidFill>
@@ -3873,8 +5407,8 @@
         </p:nvSpPr>
         <p:spPr>
           <a:xfrm>
-            <a:off x="250825" y="1628774"/>
-            <a:ext cx="8642350" cy="4968875"/>
+            <a:off x="250825" y="1485900"/>
+            <a:ext cx="8642350" cy="5111750"/>
           </a:xfrm>
           <a:prstGeom prst="rect">
             <a:avLst/>
@@ -3920,10 +5454,734 @@
           </a:p>
         </p:txBody>
       </p:sp>
+      <p:sp>
+        <p:nvSpPr>
+          <p:cNvPr id="2" name="직사각형 1"/>
+          <p:cNvSpPr/>
+          <p:nvPr/>
+        </p:nvSpPr>
+        <p:spPr>
+          <a:xfrm>
+            <a:off x="611187" y="1619250"/>
+            <a:ext cx="1798637" cy="409575"/>
+          </a:xfrm>
+          <a:prstGeom prst="rect">
+            <a:avLst/>
+          </a:prstGeom>
+          <a:noFill/>
+          <a:ln>
+            <a:solidFill>
+              <a:schemeClr val="bg2">
+                <a:lumMod val="50000"/>
+              </a:schemeClr>
+            </a:solidFill>
+          </a:ln>
+        </p:spPr>
+        <p:style>
+          <a:lnRef idx="2">
+            <a:schemeClr val="accent1">
+              <a:shade val="50000"/>
+            </a:schemeClr>
+          </a:lnRef>
+          <a:fillRef idx="1">
+            <a:schemeClr val="accent1"/>
+          </a:fillRef>
+          <a:effectRef idx="0">
+            <a:schemeClr val="accent1"/>
+          </a:effectRef>
+          <a:fontRef idx="minor">
+            <a:schemeClr val="lt1"/>
+          </a:fontRef>
+        </p:style>
+        <p:txBody>
+          <a:bodyPr rtlCol="0" anchor="ctr"/>
+          <a:lstStyle/>
+          <a:p>
+            <a:pPr algn="ctr"/>
+            <a:r>
+              <a:rPr lang="ko-KR" altLang="en-US" sz="1500" b="1" dirty="0" smtClean="0">
+                <a:solidFill>
+                  <a:schemeClr val="tx1">
+                    <a:lumMod val="85000"/>
+                    <a:lumOff val="15000"/>
+                  </a:schemeClr>
+                </a:solidFill>
+              </a:rPr>
+              <a:t>사용 환경</a:t>
+            </a:r>
+            <a:endParaRPr lang="ko-KR" altLang="en-US" sz="1500" b="1" dirty="0">
+              <a:solidFill>
+                <a:schemeClr val="tx1">
+                  <a:lumMod val="85000"/>
+                  <a:lumOff val="15000"/>
+                </a:schemeClr>
+              </a:solidFill>
+            </a:endParaRPr>
+          </a:p>
+        </p:txBody>
+      </p:sp>
+      <p:sp>
+        <p:nvSpPr>
+          <p:cNvPr id="13" name="직사각형 12"/>
+          <p:cNvSpPr/>
+          <p:nvPr/>
+        </p:nvSpPr>
+        <p:spPr>
+          <a:xfrm>
+            <a:off x="611187" y="4457703"/>
+            <a:ext cx="1798637" cy="409575"/>
+          </a:xfrm>
+          <a:prstGeom prst="rect">
+            <a:avLst/>
+          </a:prstGeom>
+          <a:noFill/>
+          <a:ln>
+            <a:solidFill>
+              <a:schemeClr val="bg2">
+                <a:lumMod val="50000"/>
+              </a:schemeClr>
+            </a:solidFill>
+          </a:ln>
+        </p:spPr>
+        <p:style>
+          <a:lnRef idx="2">
+            <a:schemeClr val="accent1">
+              <a:shade val="50000"/>
+            </a:schemeClr>
+          </a:lnRef>
+          <a:fillRef idx="1">
+            <a:schemeClr val="accent1"/>
+          </a:fillRef>
+          <a:effectRef idx="0">
+            <a:schemeClr val="accent1"/>
+          </a:effectRef>
+          <a:fontRef idx="minor">
+            <a:schemeClr val="lt1"/>
+          </a:fontRef>
+        </p:style>
+        <p:txBody>
+          <a:bodyPr rtlCol="0" anchor="ctr"/>
+          <a:lstStyle/>
+          <a:p>
+            <a:pPr algn="ctr"/>
+            <a:r>
+              <a:rPr lang="ko-KR" altLang="en-US" sz="1500" b="1" dirty="0" smtClean="0">
+                <a:solidFill>
+                  <a:schemeClr val="tx1">
+                    <a:lumMod val="85000"/>
+                    <a:lumOff val="15000"/>
+                  </a:schemeClr>
+                </a:solidFill>
+              </a:rPr>
+              <a:t>개발 요구</a:t>
+            </a:r>
+            <a:endParaRPr lang="ko-KR" altLang="en-US" sz="1500" b="1" dirty="0">
+              <a:solidFill>
+                <a:schemeClr val="tx1">
+                  <a:lumMod val="85000"/>
+                  <a:lumOff val="15000"/>
+                </a:schemeClr>
+              </a:solidFill>
+            </a:endParaRPr>
+          </a:p>
+        </p:txBody>
+      </p:sp>
+      <p:sp>
+        <p:nvSpPr>
+          <p:cNvPr id="14" name="직사각형 13"/>
+          <p:cNvSpPr/>
+          <p:nvPr/>
+        </p:nvSpPr>
+        <p:spPr>
+          <a:xfrm>
+            <a:off x="2770186" y="1619250"/>
+            <a:ext cx="5762627" cy="2619375"/>
+          </a:xfrm>
+          <a:prstGeom prst="rect">
+            <a:avLst/>
+          </a:prstGeom>
+          <a:noFill/>
+          <a:ln>
+            <a:solidFill>
+              <a:schemeClr val="bg2">
+                <a:lumMod val="50000"/>
+              </a:schemeClr>
+            </a:solidFill>
+          </a:ln>
+        </p:spPr>
+        <p:style>
+          <a:lnRef idx="2">
+            <a:schemeClr val="accent1">
+              <a:shade val="50000"/>
+            </a:schemeClr>
+          </a:lnRef>
+          <a:fillRef idx="1">
+            <a:schemeClr val="accent1"/>
+          </a:fillRef>
+          <a:effectRef idx="0">
+            <a:schemeClr val="accent1"/>
+          </a:effectRef>
+          <a:fontRef idx="minor">
+            <a:schemeClr val="lt1"/>
+          </a:fontRef>
+        </p:style>
+        <p:txBody>
+          <a:bodyPr rtlCol="0" anchor="ctr"/>
+          <a:lstStyle/>
+          <a:p>
+            <a:r>
+              <a:rPr lang="en-US" altLang="ko-KR" sz="1500" b="1" dirty="0" smtClean="0">
+                <a:solidFill>
+                  <a:schemeClr val="tx1">
+                    <a:lumMod val="85000"/>
+                    <a:lumOff val="15000"/>
+                  </a:schemeClr>
+                </a:solidFill>
+              </a:rPr>
+              <a:t>WINDOW 10 </a:t>
+            </a:r>
+            <a:r>
+              <a:rPr lang="ko-KR" altLang="en-US" sz="1500" b="1" dirty="0" smtClean="0">
+                <a:solidFill>
+                  <a:schemeClr val="tx1">
+                    <a:lumMod val="85000"/>
+                    <a:lumOff val="15000"/>
+                  </a:schemeClr>
+                </a:solidFill>
+              </a:rPr>
+              <a:t>이상</a:t>
+            </a:r>
+            <a:endParaRPr lang="en-US" altLang="ko-KR" sz="1500" b="1" dirty="0" smtClean="0">
+              <a:solidFill>
+                <a:schemeClr val="tx1">
+                  <a:lumMod val="85000"/>
+                  <a:lumOff val="15000"/>
+                </a:schemeClr>
+              </a:solidFill>
+            </a:endParaRPr>
+          </a:p>
+          <a:p>
+            <a:endParaRPr lang="en-US" altLang="ko-KR" sz="1500" b="1" dirty="0" smtClean="0">
+              <a:solidFill>
+                <a:schemeClr val="tx1">
+                  <a:lumMod val="85000"/>
+                  <a:lumOff val="15000"/>
+                </a:schemeClr>
+              </a:solidFill>
+            </a:endParaRPr>
+          </a:p>
+          <a:p>
+            <a:r>
+              <a:rPr lang="en-US" altLang="ko-KR" sz="1500" b="1" dirty="0" smtClean="0">
+                <a:solidFill>
+                  <a:schemeClr val="tx1">
+                    <a:lumMod val="85000"/>
+                    <a:lumOff val="15000"/>
+                  </a:schemeClr>
+                </a:solidFill>
+              </a:rPr>
+              <a:t>CPU </a:t>
+            </a:r>
+            <a:r>
+              <a:rPr lang="en-US" altLang="ko-KR" sz="1500" b="1" dirty="0">
+                <a:solidFill>
+                  <a:schemeClr val="tx1">
+                    <a:lumMod val="85000"/>
+                    <a:lumOff val="15000"/>
+                  </a:schemeClr>
+                </a:solidFill>
+              </a:rPr>
+              <a:t>: [INTEL] </a:t>
+            </a:r>
+            <a:r>
+              <a:rPr lang="ko-KR" altLang="en-US" sz="1500" b="1" dirty="0">
+                <a:solidFill>
+                  <a:schemeClr val="tx1">
+                    <a:lumMod val="85000"/>
+                    <a:lumOff val="15000"/>
+                  </a:schemeClr>
+                </a:solidFill>
+              </a:rPr>
+              <a:t>코어</a:t>
+            </a:r>
+            <a:r>
+              <a:rPr lang="en-US" altLang="ko-KR" sz="1500" b="1" dirty="0">
+                <a:solidFill>
+                  <a:schemeClr val="tx1">
+                    <a:lumMod val="85000"/>
+                    <a:lumOff val="15000"/>
+                  </a:schemeClr>
+                </a:solidFill>
+              </a:rPr>
+              <a:t>12</a:t>
+            </a:r>
+            <a:r>
+              <a:rPr lang="ko-KR" altLang="en-US" sz="1500" b="1" dirty="0">
+                <a:solidFill>
+                  <a:schemeClr val="tx1">
+                    <a:lumMod val="85000"/>
+                    <a:lumOff val="15000"/>
+                  </a:schemeClr>
+                </a:solidFill>
+              </a:rPr>
+              <a:t>세대 </a:t>
+            </a:r>
+            <a:r>
+              <a:rPr lang="en-US" altLang="ko-KR" sz="1500" b="1" dirty="0" smtClean="0">
+                <a:solidFill>
+                  <a:schemeClr val="tx1">
+                    <a:lumMod val="85000"/>
+                    <a:lumOff val="15000"/>
+                  </a:schemeClr>
+                </a:solidFill>
+              </a:rPr>
+              <a:t>i9-12900K</a:t>
+            </a:r>
+          </a:p>
+          <a:p>
+            <a:endParaRPr lang="en-US" altLang="ko-KR" sz="1500" b="1" dirty="0">
+              <a:solidFill>
+                <a:schemeClr val="tx1">
+                  <a:lumMod val="85000"/>
+                  <a:lumOff val="15000"/>
+                </a:schemeClr>
+              </a:solidFill>
+            </a:endParaRPr>
+          </a:p>
+          <a:p>
+            <a:r>
+              <a:rPr lang="en-US" altLang="ko-KR" sz="1500" b="1" dirty="0" smtClean="0">
+                <a:solidFill>
+                  <a:schemeClr val="tx1">
+                    <a:lumMod val="85000"/>
+                    <a:lumOff val="15000"/>
+                  </a:schemeClr>
+                </a:solidFill>
+              </a:rPr>
+              <a:t>RAM : [</a:t>
+            </a:r>
+            <a:r>
+              <a:rPr lang="ko-KR" altLang="en-US" sz="1500" b="1" dirty="0">
+                <a:solidFill>
+                  <a:schemeClr val="tx1">
+                    <a:lumMod val="85000"/>
+                    <a:lumOff val="15000"/>
+                  </a:schemeClr>
+                </a:solidFill>
+              </a:rPr>
+              <a:t>삼성전자</a:t>
+            </a:r>
+            <a:r>
+              <a:rPr lang="en-US" altLang="ko-KR" sz="1500" b="1" dirty="0">
+                <a:solidFill>
+                  <a:schemeClr val="tx1">
+                    <a:lumMod val="85000"/>
+                    <a:lumOff val="15000"/>
+                  </a:schemeClr>
+                </a:solidFill>
+              </a:rPr>
+              <a:t>] </a:t>
+            </a:r>
+            <a:r>
+              <a:rPr lang="ko-KR" altLang="en-US" sz="1500" b="1" dirty="0">
+                <a:solidFill>
+                  <a:schemeClr val="tx1">
+                    <a:lumMod val="85000"/>
+                    <a:lumOff val="15000"/>
+                  </a:schemeClr>
+                </a:solidFill>
+              </a:rPr>
+              <a:t>삼성 </a:t>
+            </a:r>
+            <a:r>
+              <a:rPr lang="en-US" altLang="ko-KR" sz="1500" b="1" dirty="0">
+                <a:solidFill>
+                  <a:schemeClr val="tx1">
+                    <a:lumMod val="85000"/>
+                    <a:lumOff val="15000"/>
+                  </a:schemeClr>
+                </a:solidFill>
+              </a:rPr>
+              <a:t>DDR5 16GB PC5-38400 x </a:t>
+            </a:r>
+            <a:r>
+              <a:rPr lang="en-US" altLang="ko-KR" sz="1500" b="1" dirty="0" smtClean="0">
+                <a:solidFill>
+                  <a:schemeClr val="tx1">
+                    <a:lumMod val="85000"/>
+                    <a:lumOff val="15000"/>
+                  </a:schemeClr>
+                </a:solidFill>
+              </a:rPr>
+              <a:t>2</a:t>
+            </a:r>
+          </a:p>
+          <a:p>
+            <a:endParaRPr lang="en-US" altLang="ko-KR" sz="1500" b="1" dirty="0">
+              <a:solidFill>
+                <a:schemeClr val="tx1">
+                  <a:lumMod val="85000"/>
+                  <a:lumOff val="15000"/>
+                </a:schemeClr>
+              </a:solidFill>
+            </a:endParaRPr>
+          </a:p>
+          <a:p>
+            <a:r>
+              <a:rPr lang="en-US" altLang="ko-KR" sz="1500" b="1" dirty="0" smtClean="0">
+                <a:solidFill>
+                  <a:schemeClr val="tx1">
+                    <a:lumMod val="85000"/>
+                    <a:lumOff val="15000"/>
+                  </a:schemeClr>
+                </a:solidFill>
+              </a:rPr>
+              <a:t>VGA </a:t>
+            </a:r>
+            <a:r>
+              <a:rPr lang="en-US" altLang="ko-KR" sz="1500" b="1" dirty="0">
+                <a:solidFill>
+                  <a:schemeClr val="tx1">
+                    <a:lumMod val="85000"/>
+                    <a:lumOff val="15000"/>
+                  </a:schemeClr>
+                </a:solidFill>
+              </a:rPr>
+              <a:t>: [MSI] GeForce RTX 3070 TI </a:t>
+            </a:r>
+            <a:r>
+              <a:rPr lang="ko-KR" altLang="en-US" sz="1500" b="1" dirty="0" err="1" smtClean="0">
+                <a:solidFill>
+                  <a:schemeClr val="tx1">
+                    <a:lumMod val="85000"/>
+                    <a:lumOff val="15000"/>
+                  </a:schemeClr>
+                </a:solidFill>
+              </a:rPr>
+              <a:t>슈프림</a:t>
+            </a:r>
+            <a:endParaRPr lang="en-US" altLang="ko-KR" sz="1500" b="1" dirty="0" smtClean="0">
+              <a:solidFill>
+                <a:schemeClr val="tx1">
+                  <a:lumMod val="85000"/>
+                  <a:lumOff val="15000"/>
+                </a:schemeClr>
+              </a:solidFill>
+            </a:endParaRPr>
+          </a:p>
+          <a:p>
+            <a:endParaRPr lang="en-US" altLang="ko-KR" sz="1500" b="1" dirty="0">
+              <a:solidFill>
+                <a:schemeClr val="tx1">
+                  <a:lumMod val="85000"/>
+                  <a:lumOff val="15000"/>
+                </a:schemeClr>
+              </a:solidFill>
+            </a:endParaRPr>
+          </a:p>
+          <a:p>
+            <a:r>
+              <a:rPr lang="en-US" altLang="ko-KR" sz="1500" b="1" dirty="0">
+                <a:solidFill>
+                  <a:schemeClr val="tx1">
+                    <a:lumMod val="85000"/>
+                    <a:lumOff val="15000"/>
+                  </a:schemeClr>
+                </a:solidFill>
+              </a:rPr>
+              <a:t>SSD : 1TB </a:t>
+            </a:r>
+            <a:r>
+              <a:rPr lang="en-US" altLang="ko-KR" sz="1500" b="1" dirty="0" err="1">
+                <a:solidFill>
+                  <a:schemeClr val="tx1">
+                    <a:lumMod val="85000"/>
+                    <a:lumOff val="15000"/>
+                  </a:schemeClr>
+                </a:solidFill>
+              </a:rPr>
+              <a:t>NVMe</a:t>
+            </a:r>
+            <a:r>
+              <a:rPr lang="en-US" altLang="ko-KR" sz="1500" b="1" dirty="0">
+                <a:solidFill>
+                  <a:schemeClr val="tx1">
+                    <a:lumMod val="85000"/>
+                    <a:lumOff val="15000"/>
+                  </a:schemeClr>
+                </a:solidFill>
+              </a:rPr>
+              <a:t> </a:t>
+            </a:r>
+            <a:r>
+              <a:rPr lang="en-US" altLang="ko-KR" sz="1500" b="1" dirty="0" smtClean="0">
+                <a:solidFill>
+                  <a:schemeClr val="tx1">
+                    <a:lumMod val="85000"/>
+                    <a:lumOff val="15000"/>
+                  </a:schemeClr>
+                </a:solidFill>
+              </a:rPr>
+              <a:t>SSD</a:t>
+            </a:r>
+          </a:p>
+          <a:p>
+            <a:endParaRPr lang="ko-KR" altLang="en-US" sz="1500" b="1" dirty="0">
+              <a:solidFill>
+                <a:schemeClr val="tx1">
+                  <a:lumMod val="85000"/>
+                  <a:lumOff val="15000"/>
+                </a:schemeClr>
+              </a:solidFill>
+            </a:endParaRPr>
+          </a:p>
+        </p:txBody>
+      </p:sp>
+      <p:sp>
+        <p:nvSpPr>
+          <p:cNvPr id="20" name="직사각형 19"/>
+          <p:cNvSpPr/>
+          <p:nvPr/>
+        </p:nvSpPr>
+        <p:spPr>
+          <a:xfrm>
+            <a:off x="2770186" y="4457703"/>
+            <a:ext cx="5762627" cy="1847847"/>
+          </a:xfrm>
+          <a:prstGeom prst="rect">
+            <a:avLst/>
+          </a:prstGeom>
+          <a:noFill/>
+          <a:ln>
+            <a:solidFill>
+              <a:schemeClr val="bg2">
+                <a:lumMod val="50000"/>
+              </a:schemeClr>
+            </a:solidFill>
+          </a:ln>
+        </p:spPr>
+        <p:style>
+          <a:lnRef idx="2">
+            <a:schemeClr val="accent1">
+              <a:shade val="50000"/>
+            </a:schemeClr>
+          </a:lnRef>
+          <a:fillRef idx="1">
+            <a:schemeClr val="accent1"/>
+          </a:fillRef>
+          <a:effectRef idx="0">
+            <a:schemeClr val="accent1"/>
+          </a:effectRef>
+          <a:fontRef idx="minor">
+            <a:schemeClr val="lt1"/>
+          </a:fontRef>
+        </p:style>
+        <p:txBody>
+          <a:bodyPr rtlCol="0" anchor="ctr"/>
+          <a:lstStyle/>
+          <a:p>
+            <a:r>
+              <a:rPr lang="ko-KR" altLang="en-US" sz="1500" b="1" dirty="0" smtClean="0">
+                <a:solidFill>
+                  <a:schemeClr val="tx1">
+                    <a:lumMod val="85000"/>
+                    <a:lumOff val="15000"/>
+                  </a:schemeClr>
+                </a:solidFill>
+              </a:rPr>
+              <a:t>데이터베이스</a:t>
+            </a:r>
+            <a:r>
+              <a:rPr lang="en-US" altLang="ko-KR" sz="1500" b="1" dirty="0" smtClean="0">
+                <a:solidFill>
+                  <a:schemeClr val="tx1">
+                    <a:lumMod val="85000"/>
+                    <a:lumOff val="15000"/>
+                  </a:schemeClr>
+                </a:solidFill>
+              </a:rPr>
+              <a:t> : Oracle </a:t>
+            </a:r>
+            <a:r>
+              <a:rPr lang="ko-KR" altLang="en-US" sz="1500" b="1" dirty="0" smtClean="0">
+                <a:solidFill>
+                  <a:schemeClr val="tx1">
+                    <a:lumMod val="85000"/>
+                    <a:lumOff val="15000"/>
+                  </a:schemeClr>
+                </a:solidFill>
+              </a:rPr>
+              <a:t>사 </a:t>
+            </a:r>
+            <a:r>
+              <a:rPr lang="en-US" altLang="ko-KR" sz="1500" b="1" dirty="0" smtClean="0">
+                <a:solidFill>
+                  <a:schemeClr val="tx1">
+                    <a:lumMod val="85000"/>
+                    <a:lumOff val="15000"/>
+                  </a:schemeClr>
+                </a:solidFill>
+              </a:rPr>
+              <a:t>Database</a:t>
+            </a:r>
+            <a:br>
+              <a:rPr lang="en-US" altLang="ko-KR" sz="1500" b="1" dirty="0" smtClean="0">
+                <a:solidFill>
+                  <a:schemeClr val="tx1">
+                    <a:lumMod val="85000"/>
+                    <a:lumOff val="15000"/>
+                  </a:schemeClr>
+                </a:solidFill>
+              </a:rPr>
+            </a:br>
+            <a:r>
+              <a:rPr lang="en-US" altLang="ko-KR" sz="1500" b="1" dirty="0" smtClean="0">
+                <a:solidFill>
+                  <a:schemeClr val="tx1">
+                    <a:lumMod val="85000"/>
+                    <a:lumOff val="15000"/>
+                  </a:schemeClr>
+                </a:solidFill>
+              </a:rPr>
+              <a:t/>
+            </a:r>
+            <a:br>
+              <a:rPr lang="en-US" altLang="ko-KR" sz="1500" b="1" dirty="0" smtClean="0">
+                <a:solidFill>
+                  <a:schemeClr val="tx1">
+                    <a:lumMod val="85000"/>
+                    <a:lumOff val="15000"/>
+                  </a:schemeClr>
+                </a:solidFill>
+              </a:rPr>
+            </a:br>
+            <a:r>
+              <a:rPr lang="ko-KR" altLang="en-US" sz="1500" b="1" dirty="0" smtClean="0">
+                <a:solidFill>
+                  <a:schemeClr val="tx1">
+                    <a:lumMod val="85000"/>
+                    <a:lumOff val="15000"/>
+                  </a:schemeClr>
+                </a:solidFill>
+              </a:rPr>
+              <a:t>개발언어 </a:t>
+            </a:r>
+            <a:r>
+              <a:rPr lang="en-US" altLang="ko-KR" sz="1500" b="1" dirty="0" smtClean="0">
+                <a:solidFill>
+                  <a:schemeClr val="tx1">
+                    <a:lumMod val="85000"/>
+                    <a:lumOff val="15000"/>
+                  </a:schemeClr>
+                </a:solidFill>
+              </a:rPr>
+              <a:t>: Spring</a:t>
+            </a:r>
+          </a:p>
+          <a:p>
+            <a:endParaRPr lang="en-US" altLang="ko-KR" sz="1500" b="1" dirty="0">
+              <a:solidFill>
+                <a:schemeClr val="tx1">
+                  <a:lumMod val="85000"/>
+                  <a:lumOff val="15000"/>
+                </a:schemeClr>
+              </a:solidFill>
+            </a:endParaRPr>
+          </a:p>
+          <a:p>
+            <a:r>
+              <a:rPr lang="ko-KR" altLang="en-US" sz="1500" b="1" dirty="0" smtClean="0">
+                <a:solidFill>
+                  <a:schemeClr val="tx1">
+                    <a:lumMod val="85000"/>
+                    <a:lumOff val="15000"/>
+                  </a:schemeClr>
+                </a:solidFill>
+              </a:rPr>
+              <a:t>화면 크기 </a:t>
+            </a:r>
+            <a:r>
+              <a:rPr lang="en-US" altLang="ko-KR" sz="1500" b="1" dirty="0" smtClean="0">
+                <a:solidFill>
+                  <a:schemeClr val="tx1">
+                    <a:lumMod val="85000"/>
+                    <a:lumOff val="15000"/>
+                  </a:schemeClr>
+                </a:solidFill>
+              </a:rPr>
+              <a:t>: 1920 </a:t>
+            </a:r>
+            <a:r>
+              <a:rPr lang="ko-KR" altLang="en-US" sz="1500" b="1" dirty="0" smtClean="0">
+                <a:solidFill>
+                  <a:schemeClr val="tx1">
+                    <a:lumMod val="85000"/>
+                    <a:lumOff val="15000"/>
+                  </a:schemeClr>
+                </a:solidFill>
+              </a:rPr>
+              <a:t>* </a:t>
+            </a:r>
+            <a:r>
+              <a:rPr lang="en-US" altLang="ko-KR" sz="1500" b="1" dirty="0" smtClean="0">
+                <a:solidFill>
+                  <a:schemeClr val="tx1">
+                    <a:lumMod val="85000"/>
+                    <a:lumOff val="15000"/>
+                  </a:schemeClr>
+                </a:solidFill>
+              </a:rPr>
+              <a:t>1080</a:t>
+            </a:r>
+          </a:p>
+          <a:p>
+            <a:endParaRPr lang="en-US" altLang="ko-KR" sz="1500" b="1" dirty="0">
+              <a:solidFill>
+                <a:schemeClr val="tx1">
+                  <a:lumMod val="85000"/>
+                  <a:lumOff val="15000"/>
+                </a:schemeClr>
+              </a:solidFill>
+            </a:endParaRPr>
+          </a:p>
+          <a:p>
+            <a:r>
+              <a:rPr lang="ko-KR" altLang="en-US" sz="1500" b="1" dirty="0" smtClean="0">
+                <a:solidFill>
+                  <a:schemeClr val="tx1">
+                    <a:lumMod val="85000"/>
+                    <a:lumOff val="15000"/>
+                  </a:schemeClr>
+                </a:solidFill>
+              </a:rPr>
+              <a:t>화면 설계 </a:t>
+            </a:r>
+            <a:r>
+              <a:rPr lang="en-US" altLang="ko-KR" sz="1500" b="1" dirty="0" smtClean="0">
+                <a:solidFill>
+                  <a:schemeClr val="tx1">
+                    <a:lumMod val="85000"/>
+                    <a:lumOff val="15000"/>
+                  </a:schemeClr>
+                </a:solidFill>
+              </a:rPr>
+              <a:t>: JSP</a:t>
+            </a:r>
+            <a:endParaRPr lang="ko-KR" altLang="en-US" sz="1500" b="1" dirty="0">
+              <a:solidFill>
+                <a:schemeClr val="tx1">
+                  <a:lumMod val="85000"/>
+                  <a:lumOff val="15000"/>
+                </a:schemeClr>
+              </a:solidFill>
+            </a:endParaRPr>
+          </a:p>
+        </p:txBody>
+      </p:sp>
     </p:spTree>
     <p:extLst>
       <p:ext uri="{BB962C8B-B14F-4D97-AF65-F5344CB8AC3E}">
-        <p14:creationId xmlns:p14="http://schemas.microsoft.com/office/powerpoint/2010/main" val="1612537729"/>
+        <p14:creationId xmlns:p14="http://schemas.microsoft.com/office/powerpoint/2010/main" val="51826456"/>
       </p:ext>
     </p:extLst>
   </p:cSld>
@@ -4003,14 +6261,24 @@
           <a:p>
             <a:pPr algn="ctr"/>
             <a:r>
-              <a:rPr lang="ko-KR" altLang="en-US" sz="3600" b="1" dirty="0" smtClean="0">
+              <a:rPr lang="en-US" altLang="ko-KR" sz="3600" b="1" dirty="0" smtClean="0">
                 <a:solidFill>
                   <a:schemeClr val="bg2">
                     <a:lumMod val="25000"/>
                   </a:schemeClr>
                 </a:solidFill>
               </a:rPr>
-              <a:t>고객 요구사항</a:t>
+              <a:t>2. </a:t>
+            </a:r>
+            <a:r>
+              <a:rPr lang="ko-KR" altLang="en-US" sz="3600" b="1" dirty="0" smtClean="0">
+                <a:solidFill>
+                  <a:schemeClr val="bg2">
+                    <a:lumMod val="25000"/>
+                  </a:schemeClr>
+                </a:solidFill>
+              </a:rPr>
+              <a:t>요구사항 분석</a:t>
             </a:r>
             <a:endParaRPr lang="ko-KR" altLang="en-US" sz="3600" b="1" i="1" dirty="0">
               <a:solidFill>
@@ -4030,7 +6298,7 @@
         </p:nvSpPr>
         <p:spPr>
           <a:xfrm>
-            <a:off x="250825" y="1628774"/>
+            <a:off x="250825" y="1485899"/>
             <a:ext cx="8642350" cy="4968875"/>
           </a:xfrm>
           <a:prstGeom prst="rect">
@@ -4077,10 +6345,2339 @@
           </a:p>
         </p:txBody>
       </p:sp>
+      <p:graphicFrame>
+        <p:nvGraphicFramePr>
+          <p:cNvPr id="3" name="표 2"/>
+          <p:cNvGraphicFramePr>
+            <a:graphicFrameLocks noGrp="1"/>
+          </p:cNvGraphicFramePr>
+          <p:nvPr>
+            <p:extLst>
+              <p:ext uri="{D42A27DB-BD31-4B8C-83A1-F6EECF244321}">
+                <p14:modId xmlns:p14="http://schemas.microsoft.com/office/powerpoint/2010/main" val="3189977818"/>
+              </p:ext>
+            </p:extLst>
+          </p:nvPr>
+        </p:nvGraphicFramePr>
+        <p:xfrm>
+          <a:off x="611188" y="1628775"/>
+          <a:ext cx="3722687" cy="4667251"/>
+        </p:xfrm>
+        <a:graphic>
+          <a:graphicData uri="http://schemas.openxmlformats.org/drawingml/2006/table">
+            <a:tbl>
+              <a:tblPr>
+                <a:effectLst>
+                  <a:outerShdw blurRad="254000" dist="88900" dir="2700000" algn="tl" rotWithShape="0">
+                    <a:srgbClr val="002060">
+                      <a:alpha val="40000"/>
+                    </a:srgbClr>
+                  </a:outerShdw>
+                </a:effectLst>
+                <a:tableStyleId>{5C22544A-7EE6-4342-B048-85BDC9FD1C3A}</a:tableStyleId>
+              </a:tblPr>
+              <a:tblGrid>
+                <a:gridCol w="1798460">
+                  <a:extLst>
+                    <a:ext uri="{9D8B030D-6E8A-4147-A177-3AD203B41FA5}">
+                      <a16:colId xmlns:a16="http://schemas.microsoft.com/office/drawing/2014/main" val="955873138"/>
+                    </a:ext>
+                  </a:extLst>
+                </a:gridCol>
+                <a:gridCol w="1924227">
+                  <a:extLst>
+                    <a:ext uri="{9D8B030D-6E8A-4147-A177-3AD203B41FA5}">
+                      <a16:colId xmlns:a16="http://schemas.microsoft.com/office/drawing/2014/main" val="1680973751"/>
+                    </a:ext>
+                  </a:extLst>
+                </a:gridCol>
+              </a:tblGrid>
+              <a:tr h="190854">
+                <a:tc>
+                  <a:txBody>
+                    <a:bodyPr/>
+                    <a:lstStyle/>
+                    <a:p>
+                      <a:pPr algn="ctr" fontAlgn="ctr"/>
+                      <a:r>
+                        <a:rPr lang="ko-KR" altLang="en-US" sz="800" b="1" u="none" strike="noStrike" dirty="0">
+                          <a:effectLst/>
+                        </a:rPr>
+                        <a:t>기능</a:t>
+                      </a:r>
+                      <a:endParaRPr lang="ko-KR" altLang="en-US" sz="800" b="1" i="0" u="none" strike="noStrike" dirty="0">
+                        <a:solidFill>
+                          <a:srgbClr val="000000"/>
+                        </a:solidFill>
+                        <a:effectLst/>
+                        <a:latin typeface="맑은 고딕" panose="020B0503020000020004" pitchFamily="50" charset="-127"/>
+                        <a:ea typeface="맑은 고딕" panose="020B0503020000020004" pitchFamily="50" charset="-127"/>
+                      </a:endParaRPr>
+                    </a:p>
+                  </a:txBody>
+                  <a:tcPr marL="8088" marR="8088" marT="8088" marB="0" anchor="ctr">
+                    <a:solidFill>
+                      <a:schemeClr val="bg1">
+                        <a:lumMod val="75000"/>
+                      </a:schemeClr>
+                    </a:solidFill>
+                  </a:tcPr>
+                </a:tc>
+                <a:tc>
+                  <a:txBody>
+                    <a:bodyPr/>
+                    <a:lstStyle/>
+                    <a:p>
+                      <a:pPr algn="ctr" fontAlgn="ctr"/>
+                      <a:r>
+                        <a:rPr lang="ko-KR" altLang="en-US" sz="800" b="1" u="none" strike="noStrike" dirty="0">
+                          <a:effectLst/>
+                        </a:rPr>
+                        <a:t>세부 기능</a:t>
+                      </a:r>
+                      <a:endParaRPr lang="ko-KR" altLang="en-US" sz="800" b="1" i="0" u="none" strike="noStrike" dirty="0">
+                        <a:solidFill>
+                          <a:srgbClr val="000000"/>
+                        </a:solidFill>
+                        <a:effectLst/>
+                        <a:latin typeface="맑은 고딕" panose="020B0503020000020004" pitchFamily="50" charset="-127"/>
+                        <a:ea typeface="맑은 고딕" panose="020B0503020000020004" pitchFamily="50" charset="-127"/>
+                      </a:endParaRPr>
+                    </a:p>
+                  </a:txBody>
+                  <a:tcPr marL="8088" marR="8088" marT="8088" marB="0" anchor="ctr">
+                    <a:solidFill>
+                      <a:schemeClr val="bg1">
+                        <a:lumMod val="75000"/>
+                      </a:schemeClr>
+                    </a:solidFill>
+                  </a:tcPr>
+                </a:tc>
+                <a:extLst>
+                  <a:ext uri="{0D108BD9-81ED-4DB2-BD59-A6C34878D82A}">
+                    <a16:rowId xmlns:a16="http://schemas.microsoft.com/office/drawing/2014/main" val="2638578740"/>
+                  </a:ext>
+                </a:extLst>
+              </a:tr>
+              <a:tr h="190854">
+                <a:tc rowSpan="2">
+                  <a:txBody>
+                    <a:bodyPr/>
+                    <a:lstStyle/>
+                    <a:p>
+                      <a:pPr algn="ctr" fontAlgn="ctr"/>
+                      <a:r>
+                        <a:rPr lang="ko-KR" altLang="en-US" sz="800" b="1" u="none" strike="noStrike" dirty="0">
+                          <a:solidFill>
+                            <a:srgbClr val="002060"/>
+                          </a:solidFill>
+                          <a:effectLst/>
+                        </a:rPr>
+                        <a:t>메인 </a:t>
+                      </a:r>
+                      <a:r>
+                        <a:rPr lang="ko-KR" altLang="en-US" sz="800" b="1" u="none" strike="noStrike" dirty="0" smtClean="0">
+                          <a:solidFill>
+                            <a:srgbClr val="002060"/>
+                          </a:solidFill>
+                          <a:effectLst/>
+                        </a:rPr>
+                        <a:t>페이지</a:t>
+                      </a:r>
+                      <a:endParaRPr lang="en-US" sz="800" b="1" i="0" u="none" strike="noStrike" dirty="0">
+                        <a:solidFill>
+                          <a:srgbClr val="002060"/>
+                        </a:solidFill>
+                        <a:effectLst/>
+                        <a:latin typeface="맑은 고딕" panose="020B0503020000020004" pitchFamily="50" charset="-127"/>
+                        <a:ea typeface="맑은 고딕" panose="020B0503020000020004" pitchFamily="50" charset="-127"/>
+                      </a:endParaRPr>
+                    </a:p>
+                  </a:txBody>
+                  <a:tcPr marL="8088" marR="8088" marT="8088" marB="0" anchor="ctr">
+                    <a:solidFill>
+                      <a:schemeClr val="bg1">
+                        <a:lumMod val="95000"/>
+                      </a:schemeClr>
+                    </a:solidFill>
+                  </a:tcPr>
+                </a:tc>
+                <a:tc>
+                  <a:txBody>
+                    <a:bodyPr/>
+                    <a:lstStyle/>
+                    <a:p>
+                      <a:pPr algn="ctr" fontAlgn="ctr"/>
+                      <a:r>
+                        <a:rPr lang="ko-KR" altLang="en-US" sz="800" b="1" u="none" strike="noStrike" dirty="0">
+                          <a:solidFill>
+                            <a:srgbClr val="0070C0"/>
+                          </a:solidFill>
+                          <a:effectLst/>
+                        </a:rPr>
+                        <a:t>메인 페이지</a:t>
+                      </a:r>
+                      <a:endParaRPr lang="ko-KR" altLang="en-US" sz="800" b="1" i="0" u="none" strike="noStrike" dirty="0">
+                        <a:solidFill>
+                          <a:srgbClr val="0070C0"/>
+                        </a:solidFill>
+                        <a:effectLst/>
+                        <a:latin typeface="맑은 고딕" panose="020B0503020000020004" pitchFamily="50" charset="-127"/>
+                        <a:ea typeface="맑은 고딕" panose="020B0503020000020004" pitchFamily="50" charset="-127"/>
+                      </a:endParaRPr>
+                    </a:p>
+                  </a:txBody>
+                  <a:tcPr marL="8088" marR="8088" marT="8088" marB="0" anchor="ctr">
+                    <a:solidFill>
+                      <a:schemeClr val="bg1">
+                        <a:lumMod val="95000"/>
+                      </a:schemeClr>
+                    </a:solidFill>
+                  </a:tcPr>
+                </a:tc>
+                <a:extLst>
+                  <a:ext uri="{0D108BD9-81ED-4DB2-BD59-A6C34878D82A}">
+                    <a16:rowId xmlns:a16="http://schemas.microsoft.com/office/drawing/2014/main" val="118794595"/>
+                  </a:ext>
+                </a:extLst>
+              </a:tr>
+              <a:tr h="190854">
+                <a:tc vMerge="1">
+                  <a:txBody>
+                    <a:bodyPr/>
+                    <a:lstStyle/>
+                    <a:p>
+                      <a:pPr latinLnBrk="1"/>
+                      <a:endParaRPr lang="ko-KR" altLang="en-US"/>
+                    </a:p>
+                  </a:txBody>
+                  <a:tcPr/>
+                </a:tc>
+                <a:tc>
+                  <a:txBody>
+                    <a:bodyPr/>
+                    <a:lstStyle/>
+                    <a:p>
+                      <a:pPr algn="ctr" fontAlgn="ctr"/>
+                      <a:r>
+                        <a:rPr lang="ko-KR" altLang="en-US" sz="800" b="1" u="none" strike="noStrike" dirty="0">
+                          <a:solidFill>
+                            <a:srgbClr val="0070C0"/>
+                          </a:solidFill>
+                          <a:effectLst/>
+                        </a:rPr>
+                        <a:t>빠른 메뉴</a:t>
+                      </a:r>
+                      <a:endParaRPr lang="ko-KR" altLang="en-US" sz="800" b="1" i="0" u="none" strike="noStrike" dirty="0">
+                        <a:solidFill>
+                          <a:srgbClr val="0070C0"/>
+                        </a:solidFill>
+                        <a:effectLst/>
+                        <a:latin typeface="맑은 고딕" panose="020B0503020000020004" pitchFamily="50" charset="-127"/>
+                        <a:ea typeface="맑은 고딕" panose="020B0503020000020004" pitchFamily="50" charset="-127"/>
+                      </a:endParaRPr>
+                    </a:p>
+                  </a:txBody>
+                  <a:tcPr marL="8088" marR="8088" marT="8088" marB="0" anchor="ctr">
+                    <a:solidFill>
+                      <a:schemeClr val="bg1">
+                        <a:lumMod val="95000"/>
+                      </a:schemeClr>
+                    </a:solidFill>
+                  </a:tcPr>
+                </a:tc>
+                <a:extLst>
+                  <a:ext uri="{0D108BD9-81ED-4DB2-BD59-A6C34878D82A}">
+                    <a16:rowId xmlns:a16="http://schemas.microsoft.com/office/drawing/2014/main" val="1377702110"/>
+                  </a:ext>
+                </a:extLst>
+              </a:tr>
+              <a:tr h="329657">
+                <a:tc rowSpan="2">
+                  <a:txBody>
+                    <a:bodyPr/>
+                    <a:lstStyle/>
+                    <a:p>
+                      <a:pPr algn="ctr" fontAlgn="ctr"/>
+                      <a:r>
+                        <a:rPr lang="ko-KR" altLang="en-US" sz="800" b="1" u="none" strike="noStrike" dirty="0">
+                          <a:solidFill>
+                            <a:srgbClr val="002060"/>
+                          </a:solidFill>
+                          <a:effectLst/>
+                        </a:rPr>
+                        <a:t>회원 </a:t>
+                      </a:r>
+                      <a:r>
+                        <a:rPr lang="ko-KR" altLang="en-US" sz="800" b="1" u="none" strike="noStrike" dirty="0" smtClean="0">
+                          <a:solidFill>
+                            <a:srgbClr val="002060"/>
+                          </a:solidFill>
+                          <a:effectLst/>
+                        </a:rPr>
+                        <a:t>기능</a:t>
+                      </a:r>
+                      <a:endParaRPr lang="en-US" sz="800" b="1" i="0" u="none" strike="noStrike" dirty="0">
+                        <a:solidFill>
+                          <a:srgbClr val="002060"/>
+                        </a:solidFill>
+                        <a:effectLst/>
+                        <a:latin typeface="맑은 고딕" panose="020B0503020000020004" pitchFamily="50" charset="-127"/>
+                        <a:ea typeface="맑은 고딕" panose="020B0503020000020004" pitchFamily="50" charset="-127"/>
+                      </a:endParaRPr>
+                    </a:p>
+                  </a:txBody>
+                  <a:tcPr marL="8088" marR="8088" marT="8088" marB="0" anchor="ctr">
+                    <a:solidFill>
+                      <a:schemeClr val="bg1">
+                        <a:lumMod val="95000"/>
+                      </a:schemeClr>
+                    </a:solidFill>
+                  </a:tcPr>
+                </a:tc>
+                <a:tc>
+                  <a:txBody>
+                    <a:bodyPr/>
+                    <a:lstStyle/>
+                    <a:p>
+                      <a:pPr algn="ctr" fontAlgn="ctr"/>
+                      <a:r>
+                        <a:rPr lang="ko-KR" altLang="en-US" sz="800" b="1" u="none" strike="noStrike">
+                          <a:solidFill>
+                            <a:srgbClr val="0070C0"/>
+                          </a:solidFill>
+                          <a:effectLst/>
+                        </a:rPr>
+                        <a:t>로그인</a:t>
+                      </a:r>
+                      <a:endParaRPr lang="ko-KR" altLang="en-US" sz="800" b="1" i="0" u="none" strike="noStrike">
+                        <a:solidFill>
+                          <a:srgbClr val="0070C0"/>
+                        </a:solidFill>
+                        <a:effectLst/>
+                        <a:latin typeface="맑은 고딕" panose="020B0503020000020004" pitchFamily="50" charset="-127"/>
+                        <a:ea typeface="맑은 고딕" panose="020B0503020000020004" pitchFamily="50" charset="-127"/>
+                      </a:endParaRPr>
+                    </a:p>
+                  </a:txBody>
+                  <a:tcPr marL="8088" marR="8088" marT="8088" marB="0" anchor="ctr">
+                    <a:solidFill>
+                      <a:schemeClr val="bg1">
+                        <a:lumMod val="95000"/>
+                      </a:schemeClr>
+                    </a:solidFill>
+                  </a:tcPr>
+                </a:tc>
+                <a:extLst>
+                  <a:ext uri="{0D108BD9-81ED-4DB2-BD59-A6C34878D82A}">
+                    <a16:rowId xmlns:a16="http://schemas.microsoft.com/office/drawing/2014/main" val="3109227877"/>
+                  </a:ext>
+                </a:extLst>
+              </a:tr>
+              <a:tr h="329657">
+                <a:tc vMerge="1">
+                  <a:txBody>
+                    <a:bodyPr/>
+                    <a:lstStyle/>
+                    <a:p>
+                      <a:pPr latinLnBrk="1"/>
+                      <a:endParaRPr lang="ko-KR" altLang="en-US"/>
+                    </a:p>
+                  </a:txBody>
+                  <a:tcPr/>
+                </a:tc>
+                <a:tc>
+                  <a:txBody>
+                    <a:bodyPr/>
+                    <a:lstStyle/>
+                    <a:p>
+                      <a:pPr algn="ctr" fontAlgn="ctr"/>
+                      <a:r>
+                        <a:rPr lang="ko-KR" altLang="en-US" sz="800" b="1" u="none" strike="noStrike" dirty="0">
+                          <a:solidFill>
+                            <a:srgbClr val="0070C0"/>
+                          </a:solidFill>
+                          <a:effectLst/>
+                        </a:rPr>
+                        <a:t>회원 가입</a:t>
+                      </a:r>
+                      <a:endParaRPr lang="ko-KR" altLang="en-US" sz="800" b="1" i="0" u="none" strike="noStrike" dirty="0">
+                        <a:solidFill>
+                          <a:srgbClr val="0070C0"/>
+                        </a:solidFill>
+                        <a:effectLst/>
+                        <a:latin typeface="맑은 고딕" panose="020B0503020000020004" pitchFamily="50" charset="-127"/>
+                        <a:ea typeface="맑은 고딕" panose="020B0503020000020004" pitchFamily="50" charset="-127"/>
+                      </a:endParaRPr>
+                    </a:p>
+                  </a:txBody>
+                  <a:tcPr marL="8088" marR="8088" marT="8088" marB="0" anchor="ctr">
+                    <a:solidFill>
+                      <a:schemeClr val="bg1">
+                        <a:lumMod val="95000"/>
+                      </a:schemeClr>
+                    </a:solidFill>
+                  </a:tcPr>
+                </a:tc>
+                <a:extLst>
+                  <a:ext uri="{0D108BD9-81ED-4DB2-BD59-A6C34878D82A}">
+                    <a16:rowId xmlns:a16="http://schemas.microsoft.com/office/drawing/2014/main" val="3996096644"/>
+                  </a:ext>
+                </a:extLst>
+              </a:tr>
+              <a:tr h="798116">
+                <a:tc>
+                  <a:txBody>
+                    <a:bodyPr/>
+                    <a:lstStyle/>
+                    <a:p>
+                      <a:pPr algn="ctr" fontAlgn="ctr"/>
+                      <a:r>
+                        <a:rPr lang="ko-KR" altLang="en-US" sz="800" b="1" u="none" strike="noStrike" dirty="0">
+                          <a:solidFill>
+                            <a:srgbClr val="002060"/>
+                          </a:solidFill>
+                          <a:effectLst/>
+                        </a:rPr>
+                        <a:t>상품 </a:t>
+                      </a:r>
+                      <a:r>
+                        <a:rPr lang="ko-KR" altLang="en-US" sz="800" b="1" u="none" strike="noStrike" dirty="0" smtClean="0">
+                          <a:solidFill>
+                            <a:srgbClr val="002060"/>
+                          </a:solidFill>
+                          <a:effectLst/>
+                        </a:rPr>
+                        <a:t>기능</a:t>
+                      </a:r>
+                      <a:endParaRPr lang="en-US" sz="800" b="1" i="0" u="none" strike="noStrike" dirty="0">
+                        <a:solidFill>
+                          <a:srgbClr val="002060"/>
+                        </a:solidFill>
+                        <a:effectLst/>
+                        <a:latin typeface="맑은 고딕" panose="020B0503020000020004" pitchFamily="50" charset="-127"/>
+                        <a:ea typeface="맑은 고딕" panose="020B0503020000020004" pitchFamily="50" charset="-127"/>
+                      </a:endParaRPr>
+                    </a:p>
+                  </a:txBody>
+                  <a:tcPr marL="8088" marR="8088" marT="8088" marB="0" anchor="ctr">
+                    <a:solidFill>
+                      <a:schemeClr val="bg1">
+                        <a:lumMod val="95000"/>
+                      </a:schemeClr>
+                    </a:solidFill>
+                  </a:tcPr>
+                </a:tc>
+                <a:tc>
+                  <a:txBody>
+                    <a:bodyPr/>
+                    <a:lstStyle/>
+                    <a:p>
+                      <a:pPr algn="ctr" fontAlgn="ctr"/>
+                      <a:r>
+                        <a:rPr lang="ko-KR" altLang="en-US" sz="800" b="1" u="none" strike="noStrike" dirty="0">
+                          <a:solidFill>
+                            <a:srgbClr val="0070C0"/>
+                          </a:solidFill>
+                          <a:effectLst/>
+                        </a:rPr>
+                        <a:t>상품 검색</a:t>
+                      </a:r>
+                      <a:endParaRPr lang="ko-KR" altLang="en-US" sz="800" b="1" i="0" u="none" strike="noStrike" dirty="0">
+                        <a:solidFill>
+                          <a:srgbClr val="0070C0"/>
+                        </a:solidFill>
+                        <a:effectLst/>
+                        <a:latin typeface="맑은 고딕" panose="020B0503020000020004" pitchFamily="50" charset="-127"/>
+                        <a:ea typeface="맑은 고딕" panose="020B0503020000020004" pitchFamily="50" charset="-127"/>
+                      </a:endParaRPr>
+                    </a:p>
+                  </a:txBody>
+                  <a:tcPr marL="8088" marR="8088" marT="8088" marB="0" anchor="ctr">
+                    <a:solidFill>
+                      <a:schemeClr val="bg1">
+                        <a:lumMod val="95000"/>
+                      </a:schemeClr>
+                    </a:solidFill>
+                  </a:tcPr>
+                </a:tc>
+                <a:extLst>
+                  <a:ext uri="{0D108BD9-81ED-4DB2-BD59-A6C34878D82A}">
+                    <a16:rowId xmlns:a16="http://schemas.microsoft.com/office/drawing/2014/main" val="2759239582"/>
+                  </a:ext>
+                </a:extLst>
+              </a:tr>
+              <a:tr h="190854">
+                <a:tc rowSpan="4">
+                  <a:txBody>
+                    <a:bodyPr/>
+                    <a:lstStyle/>
+                    <a:p>
+                      <a:pPr algn="ctr" fontAlgn="ctr"/>
+                      <a:r>
+                        <a:rPr lang="ko-KR" altLang="en-US" sz="800" b="1" u="none" strike="noStrike" dirty="0">
+                          <a:solidFill>
+                            <a:srgbClr val="002060"/>
+                          </a:solidFill>
+                          <a:effectLst/>
+                        </a:rPr>
+                        <a:t>장바구니 </a:t>
+                      </a:r>
+                      <a:r>
+                        <a:rPr lang="ko-KR" altLang="en-US" sz="800" b="1" u="none" strike="noStrike" dirty="0" smtClean="0">
+                          <a:solidFill>
+                            <a:srgbClr val="002060"/>
+                          </a:solidFill>
+                          <a:effectLst/>
+                        </a:rPr>
+                        <a:t>기능</a:t>
+                      </a:r>
+                      <a:endParaRPr lang="en-US" sz="800" b="1" i="0" u="none" strike="noStrike" dirty="0">
+                        <a:solidFill>
+                          <a:srgbClr val="002060"/>
+                        </a:solidFill>
+                        <a:effectLst/>
+                        <a:latin typeface="맑은 고딕" panose="020B0503020000020004" pitchFamily="50" charset="-127"/>
+                        <a:ea typeface="맑은 고딕" panose="020B0503020000020004" pitchFamily="50" charset="-127"/>
+                      </a:endParaRPr>
+                    </a:p>
+                  </a:txBody>
+                  <a:tcPr marL="8088" marR="8088" marT="8088" marB="0" anchor="ctr">
+                    <a:solidFill>
+                      <a:schemeClr val="bg1">
+                        <a:lumMod val="95000"/>
+                      </a:schemeClr>
+                    </a:solidFill>
+                  </a:tcPr>
+                </a:tc>
+                <a:tc>
+                  <a:txBody>
+                    <a:bodyPr/>
+                    <a:lstStyle/>
+                    <a:p>
+                      <a:pPr algn="ctr" fontAlgn="ctr"/>
+                      <a:r>
+                        <a:rPr lang="ko-KR" altLang="en-US" sz="800" b="1" u="none" strike="noStrike" dirty="0">
+                          <a:solidFill>
+                            <a:srgbClr val="0070C0"/>
+                          </a:solidFill>
+                          <a:effectLst/>
+                        </a:rPr>
+                        <a:t>장바구니 상품 조회</a:t>
+                      </a:r>
+                      <a:endParaRPr lang="ko-KR" altLang="en-US" sz="800" b="1" i="0" u="none" strike="noStrike" dirty="0">
+                        <a:solidFill>
+                          <a:srgbClr val="0070C0"/>
+                        </a:solidFill>
+                        <a:effectLst/>
+                        <a:latin typeface="맑은 고딕" panose="020B0503020000020004" pitchFamily="50" charset="-127"/>
+                        <a:ea typeface="맑은 고딕" panose="020B0503020000020004" pitchFamily="50" charset="-127"/>
+                      </a:endParaRPr>
+                    </a:p>
+                  </a:txBody>
+                  <a:tcPr marL="8088" marR="8088" marT="8088" marB="0" anchor="ctr">
+                    <a:solidFill>
+                      <a:schemeClr val="bg1">
+                        <a:lumMod val="95000"/>
+                      </a:schemeClr>
+                    </a:solidFill>
+                  </a:tcPr>
+                </a:tc>
+                <a:extLst>
+                  <a:ext uri="{0D108BD9-81ED-4DB2-BD59-A6C34878D82A}">
+                    <a16:rowId xmlns:a16="http://schemas.microsoft.com/office/drawing/2014/main" val="2255352600"/>
+                  </a:ext>
+                </a:extLst>
+              </a:tr>
+              <a:tr h="190854">
+                <a:tc vMerge="1">
+                  <a:txBody>
+                    <a:bodyPr/>
+                    <a:lstStyle/>
+                    <a:p>
+                      <a:pPr latinLnBrk="1"/>
+                      <a:endParaRPr lang="ko-KR" altLang="en-US"/>
+                    </a:p>
+                  </a:txBody>
+                  <a:tcPr/>
+                </a:tc>
+                <a:tc>
+                  <a:txBody>
+                    <a:bodyPr/>
+                    <a:lstStyle/>
+                    <a:p>
+                      <a:pPr algn="ctr" fontAlgn="ctr"/>
+                      <a:r>
+                        <a:rPr lang="ko-KR" altLang="en-US" sz="800" b="1" u="none" strike="noStrike">
+                          <a:solidFill>
+                            <a:srgbClr val="0070C0"/>
+                          </a:solidFill>
+                          <a:effectLst/>
+                        </a:rPr>
+                        <a:t>장바구니 상품 추가</a:t>
+                      </a:r>
+                      <a:endParaRPr lang="ko-KR" altLang="en-US" sz="800" b="1" i="0" u="none" strike="noStrike">
+                        <a:solidFill>
+                          <a:srgbClr val="0070C0"/>
+                        </a:solidFill>
+                        <a:effectLst/>
+                        <a:latin typeface="맑은 고딕" panose="020B0503020000020004" pitchFamily="50" charset="-127"/>
+                        <a:ea typeface="맑은 고딕" panose="020B0503020000020004" pitchFamily="50" charset="-127"/>
+                      </a:endParaRPr>
+                    </a:p>
+                  </a:txBody>
+                  <a:tcPr marL="8088" marR="8088" marT="8088" marB="0" anchor="ctr">
+                    <a:solidFill>
+                      <a:schemeClr val="bg1">
+                        <a:lumMod val="95000"/>
+                      </a:schemeClr>
+                    </a:solidFill>
+                  </a:tcPr>
+                </a:tc>
+                <a:extLst>
+                  <a:ext uri="{0D108BD9-81ED-4DB2-BD59-A6C34878D82A}">
+                    <a16:rowId xmlns:a16="http://schemas.microsoft.com/office/drawing/2014/main" val="4262731400"/>
+                  </a:ext>
+                </a:extLst>
+              </a:tr>
+              <a:tr h="260256">
+                <a:tc vMerge="1">
+                  <a:txBody>
+                    <a:bodyPr/>
+                    <a:lstStyle/>
+                    <a:p>
+                      <a:pPr latinLnBrk="1"/>
+                      <a:endParaRPr lang="ko-KR" altLang="en-US"/>
+                    </a:p>
+                  </a:txBody>
+                  <a:tcPr/>
+                </a:tc>
+                <a:tc>
+                  <a:txBody>
+                    <a:bodyPr/>
+                    <a:lstStyle/>
+                    <a:p>
+                      <a:pPr algn="ctr" fontAlgn="ctr"/>
+                      <a:r>
+                        <a:rPr lang="ko-KR" altLang="en-US" sz="800" b="1" u="none" strike="noStrike" dirty="0">
+                          <a:solidFill>
+                            <a:srgbClr val="0070C0"/>
+                          </a:solidFill>
+                          <a:effectLst/>
+                        </a:rPr>
+                        <a:t>장바구니 상품 수정</a:t>
+                      </a:r>
+                      <a:endParaRPr lang="ko-KR" altLang="en-US" sz="800" b="1" i="0" u="none" strike="noStrike" dirty="0">
+                        <a:solidFill>
+                          <a:srgbClr val="0070C0"/>
+                        </a:solidFill>
+                        <a:effectLst/>
+                        <a:latin typeface="맑은 고딕" panose="020B0503020000020004" pitchFamily="50" charset="-127"/>
+                        <a:ea typeface="맑은 고딕" panose="020B0503020000020004" pitchFamily="50" charset="-127"/>
+                      </a:endParaRPr>
+                    </a:p>
+                  </a:txBody>
+                  <a:tcPr marL="8088" marR="8088" marT="8088" marB="0" anchor="ctr">
+                    <a:solidFill>
+                      <a:schemeClr val="bg1">
+                        <a:lumMod val="95000"/>
+                      </a:schemeClr>
+                    </a:solidFill>
+                  </a:tcPr>
+                </a:tc>
+                <a:extLst>
+                  <a:ext uri="{0D108BD9-81ED-4DB2-BD59-A6C34878D82A}">
+                    <a16:rowId xmlns:a16="http://schemas.microsoft.com/office/drawing/2014/main" val="3249152338"/>
+                  </a:ext>
+                </a:extLst>
+              </a:tr>
+              <a:tr h="190854">
+                <a:tc vMerge="1">
+                  <a:txBody>
+                    <a:bodyPr/>
+                    <a:lstStyle/>
+                    <a:p>
+                      <a:pPr latinLnBrk="1"/>
+                      <a:endParaRPr lang="ko-KR" altLang="en-US"/>
+                    </a:p>
+                  </a:txBody>
+                  <a:tcPr/>
+                </a:tc>
+                <a:tc>
+                  <a:txBody>
+                    <a:bodyPr/>
+                    <a:lstStyle/>
+                    <a:p>
+                      <a:pPr algn="ctr" fontAlgn="ctr"/>
+                      <a:r>
+                        <a:rPr lang="ko-KR" altLang="en-US" sz="800" b="1" u="none" strike="noStrike" dirty="0">
+                          <a:solidFill>
+                            <a:srgbClr val="0070C0"/>
+                          </a:solidFill>
+                          <a:effectLst/>
+                        </a:rPr>
+                        <a:t>장바구니 상품 삭제</a:t>
+                      </a:r>
+                      <a:endParaRPr lang="ko-KR" altLang="en-US" sz="800" b="1" i="0" u="none" strike="noStrike" dirty="0">
+                        <a:solidFill>
+                          <a:srgbClr val="0070C0"/>
+                        </a:solidFill>
+                        <a:effectLst/>
+                        <a:latin typeface="맑은 고딕" panose="020B0503020000020004" pitchFamily="50" charset="-127"/>
+                        <a:ea typeface="맑은 고딕" panose="020B0503020000020004" pitchFamily="50" charset="-127"/>
+                      </a:endParaRPr>
+                    </a:p>
+                  </a:txBody>
+                  <a:tcPr marL="8088" marR="8088" marT="8088" marB="0" anchor="ctr">
+                    <a:solidFill>
+                      <a:schemeClr val="bg1">
+                        <a:lumMod val="95000"/>
+                      </a:schemeClr>
+                    </a:solidFill>
+                  </a:tcPr>
+                </a:tc>
+                <a:extLst>
+                  <a:ext uri="{0D108BD9-81ED-4DB2-BD59-A6C34878D82A}">
+                    <a16:rowId xmlns:a16="http://schemas.microsoft.com/office/drawing/2014/main" val="3572846926"/>
+                  </a:ext>
+                </a:extLst>
+              </a:tr>
+              <a:tr h="208205">
+                <a:tc rowSpan="3">
+                  <a:txBody>
+                    <a:bodyPr/>
+                    <a:lstStyle/>
+                    <a:p>
+                      <a:pPr algn="ctr" fontAlgn="ctr"/>
+                      <a:r>
+                        <a:rPr lang="ko-KR" altLang="en-US" sz="800" b="1" u="none" strike="noStrike" dirty="0">
+                          <a:solidFill>
+                            <a:srgbClr val="002060"/>
+                          </a:solidFill>
+                          <a:effectLst/>
+                        </a:rPr>
+                        <a:t>주문 </a:t>
+                      </a:r>
+                      <a:r>
+                        <a:rPr lang="ko-KR" altLang="en-US" sz="800" b="1" u="none" strike="noStrike" dirty="0" smtClean="0">
+                          <a:solidFill>
+                            <a:srgbClr val="002060"/>
+                          </a:solidFill>
+                          <a:effectLst/>
+                        </a:rPr>
+                        <a:t>기능</a:t>
+                      </a:r>
+                      <a:endParaRPr lang="en-US" sz="800" b="1" i="0" u="none" strike="noStrike" dirty="0">
+                        <a:solidFill>
+                          <a:srgbClr val="002060"/>
+                        </a:solidFill>
+                        <a:effectLst/>
+                        <a:latin typeface="맑은 고딕" panose="020B0503020000020004" pitchFamily="50" charset="-127"/>
+                        <a:ea typeface="맑은 고딕" panose="020B0503020000020004" pitchFamily="50" charset="-127"/>
+                      </a:endParaRPr>
+                    </a:p>
+                  </a:txBody>
+                  <a:tcPr marL="8088" marR="8088" marT="8088" marB="0" anchor="ctr">
+                    <a:solidFill>
+                      <a:schemeClr val="bg1">
+                        <a:lumMod val="95000"/>
+                      </a:schemeClr>
+                    </a:solidFill>
+                  </a:tcPr>
+                </a:tc>
+                <a:tc>
+                  <a:txBody>
+                    <a:bodyPr/>
+                    <a:lstStyle/>
+                    <a:p>
+                      <a:pPr algn="ctr" fontAlgn="ctr"/>
+                      <a:r>
+                        <a:rPr lang="ko-KR" altLang="en-US" sz="800" b="1" u="none" strike="noStrike">
+                          <a:solidFill>
+                            <a:srgbClr val="0070C0"/>
+                          </a:solidFill>
+                          <a:effectLst/>
+                        </a:rPr>
+                        <a:t>상품 주문</a:t>
+                      </a:r>
+                      <a:endParaRPr lang="ko-KR" altLang="en-US" sz="800" b="1" i="0" u="none" strike="noStrike">
+                        <a:solidFill>
+                          <a:srgbClr val="0070C0"/>
+                        </a:solidFill>
+                        <a:effectLst/>
+                        <a:latin typeface="맑은 고딕" panose="020B0503020000020004" pitchFamily="50" charset="-127"/>
+                        <a:ea typeface="맑은 고딕" panose="020B0503020000020004" pitchFamily="50" charset="-127"/>
+                      </a:endParaRPr>
+                    </a:p>
+                  </a:txBody>
+                  <a:tcPr marL="8088" marR="8088" marT="8088" marB="0" anchor="ctr">
+                    <a:solidFill>
+                      <a:schemeClr val="bg1">
+                        <a:lumMod val="95000"/>
+                      </a:schemeClr>
+                    </a:solidFill>
+                  </a:tcPr>
+                </a:tc>
+                <a:extLst>
+                  <a:ext uri="{0D108BD9-81ED-4DB2-BD59-A6C34878D82A}">
+                    <a16:rowId xmlns:a16="http://schemas.microsoft.com/office/drawing/2014/main" val="1518015897"/>
+                  </a:ext>
+                </a:extLst>
+              </a:tr>
+              <a:tr h="208205">
+                <a:tc vMerge="1">
+                  <a:txBody>
+                    <a:bodyPr/>
+                    <a:lstStyle/>
+                    <a:p>
+                      <a:pPr latinLnBrk="1"/>
+                      <a:endParaRPr lang="ko-KR" altLang="en-US"/>
+                    </a:p>
+                  </a:txBody>
+                  <a:tcPr/>
+                </a:tc>
+                <a:tc>
+                  <a:txBody>
+                    <a:bodyPr/>
+                    <a:lstStyle/>
+                    <a:p>
+                      <a:pPr algn="ctr" fontAlgn="ctr"/>
+                      <a:r>
+                        <a:rPr lang="ko-KR" altLang="en-US" sz="800" b="1" u="none" strike="noStrike" dirty="0">
+                          <a:solidFill>
+                            <a:srgbClr val="0070C0"/>
+                          </a:solidFill>
+                          <a:effectLst/>
+                        </a:rPr>
+                        <a:t>주문 상품 조회</a:t>
+                      </a:r>
+                      <a:endParaRPr lang="ko-KR" altLang="en-US" sz="800" b="1" i="0" u="none" strike="noStrike" dirty="0">
+                        <a:solidFill>
+                          <a:srgbClr val="0070C0"/>
+                        </a:solidFill>
+                        <a:effectLst/>
+                        <a:latin typeface="맑은 고딕" panose="020B0503020000020004" pitchFamily="50" charset="-127"/>
+                        <a:ea typeface="맑은 고딕" panose="020B0503020000020004" pitchFamily="50" charset="-127"/>
+                      </a:endParaRPr>
+                    </a:p>
+                  </a:txBody>
+                  <a:tcPr marL="8088" marR="8088" marT="8088" marB="0" anchor="ctr">
+                    <a:solidFill>
+                      <a:schemeClr val="bg1">
+                        <a:lumMod val="95000"/>
+                      </a:schemeClr>
+                    </a:solidFill>
+                  </a:tcPr>
+                </a:tc>
+                <a:extLst>
+                  <a:ext uri="{0D108BD9-81ED-4DB2-BD59-A6C34878D82A}">
+                    <a16:rowId xmlns:a16="http://schemas.microsoft.com/office/drawing/2014/main" val="3965841647"/>
+                  </a:ext>
+                </a:extLst>
+              </a:tr>
+              <a:tr h="208205">
+                <a:tc vMerge="1">
+                  <a:txBody>
+                    <a:bodyPr/>
+                    <a:lstStyle/>
+                    <a:p>
+                      <a:pPr latinLnBrk="1"/>
+                      <a:endParaRPr lang="ko-KR" altLang="en-US"/>
+                    </a:p>
+                  </a:txBody>
+                  <a:tcPr/>
+                </a:tc>
+                <a:tc>
+                  <a:txBody>
+                    <a:bodyPr/>
+                    <a:lstStyle/>
+                    <a:p>
+                      <a:pPr algn="ctr" fontAlgn="ctr"/>
+                      <a:r>
+                        <a:rPr lang="ko-KR" altLang="en-US" sz="800" b="1" u="none" strike="noStrike" dirty="0">
+                          <a:solidFill>
+                            <a:srgbClr val="0070C0"/>
+                          </a:solidFill>
+                          <a:effectLst/>
+                        </a:rPr>
+                        <a:t>주문 상품 취소</a:t>
+                      </a:r>
+                      <a:endParaRPr lang="ko-KR" altLang="en-US" sz="800" b="1" i="0" u="none" strike="noStrike" dirty="0">
+                        <a:solidFill>
+                          <a:srgbClr val="0070C0"/>
+                        </a:solidFill>
+                        <a:effectLst/>
+                        <a:latin typeface="맑은 고딕" panose="020B0503020000020004" pitchFamily="50" charset="-127"/>
+                        <a:ea typeface="맑은 고딕" panose="020B0503020000020004" pitchFamily="50" charset="-127"/>
+                      </a:endParaRPr>
+                    </a:p>
+                  </a:txBody>
+                  <a:tcPr marL="8088" marR="8088" marT="8088" marB="0" anchor="ctr">
+                    <a:solidFill>
+                      <a:schemeClr val="bg1">
+                        <a:lumMod val="95000"/>
+                      </a:schemeClr>
+                    </a:solidFill>
+                  </a:tcPr>
+                </a:tc>
+                <a:extLst>
+                  <a:ext uri="{0D108BD9-81ED-4DB2-BD59-A6C34878D82A}">
+                    <a16:rowId xmlns:a16="http://schemas.microsoft.com/office/drawing/2014/main" val="3067997559"/>
+                  </a:ext>
+                </a:extLst>
+              </a:tr>
+              <a:tr h="208205">
+                <a:tc rowSpan="6">
+                  <a:txBody>
+                    <a:bodyPr/>
+                    <a:lstStyle/>
+                    <a:p>
+                      <a:pPr algn="ctr" fontAlgn="ctr"/>
+                      <a:r>
+                        <a:rPr lang="ko-KR" altLang="en-US" sz="800" b="1" u="none" strike="noStrike" dirty="0" smtClean="0">
+                          <a:solidFill>
+                            <a:srgbClr val="002060"/>
+                          </a:solidFill>
+                          <a:effectLst/>
+                        </a:rPr>
+                        <a:t>마이 페이지 기능</a:t>
+                      </a:r>
+                      <a:endParaRPr lang="en-US" sz="800" b="1" i="0" u="none" strike="noStrike" dirty="0">
+                        <a:solidFill>
+                          <a:srgbClr val="002060"/>
+                        </a:solidFill>
+                        <a:effectLst/>
+                        <a:latin typeface="맑은 고딕" panose="020B0503020000020004" pitchFamily="50" charset="-127"/>
+                        <a:ea typeface="맑은 고딕" panose="020B0503020000020004" pitchFamily="50" charset="-127"/>
+                      </a:endParaRPr>
+                    </a:p>
+                  </a:txBody>
+                  <a:tcPr marL="8088" marR="8088" marT="8088" marB="0" anchor="ctr">
+                    <a:solidFill>
+                      <a:schemeClr val="bg1">
+                        <a:lumMod val="95000"/>
+                      </a:schemeClr>
+                    </a:solidFill>
+                  </a:tcPr>
+                </a:tc>
+                <a:tc>
+                  <a:txBody>
+                    <a:bodyPr/>
+                    <a:lstStyle/>
+                    <a:p>
+                      <a:pPr algn="ctr" fontAlgn="ctr"/>
+                      <a:r>
+                        <a:rPr lang="ko-KR" altLang="en-US" sz="800" b="1" u="none" strike="noStrike" dirty="0" err="1">
+                          <a:solidFill>
+                            <a:srgbClr val="0070C0"/>
+                          </a:solidFill>
+                          <a:effectLst/>
+                        </a:rPr>
+                        <a:t>마이페이지</a:t>
+                      </a:r>
+                      <a:r>
+                        <a:rPr lang="ko-KR" altLang="en-US" sz="800" b="1" u="none" strike="noStrike" dirty="0">
+                          <a:solidFill>
+                            <a:srgbClr val="0070C0"/>
+                          </a:solidFill>
+                          <a:effectLst/>
+                        </a:rPr>
+                        <a:t> 메인</a:t>
+                      </a:r>
+                      <a:endParaRPr lang="ko-KR" altLang="en-US" sz="800" b="1" i="0" u="none" strike="noStrike" dirty="0">
+                        <a:solidFill>
+                          <a:srgbClr val="0070C0"/>
+                        </a:solidFill>
+                        <a:effectLst/>
+                        <a:latin typeface="맑은 고딕" panose="020B0503020000020004" pitchFamily="50" charset="-127"/>
+                        <a:ea typeface="맑은 고딕" panose="020B0503020000020004" pitchFamily="50" charset="-127"/>
+                      </a:endParaRPr>
+                    </a:p>
+                  </a:txBody>
+                  <a:tcPr marL="8088" marR="8088" marT="8088" marB="0" anchor="ctr">
+                    <a:solidFill>
+                      <a:schemeClr val="bg1">
+                        <a:lumMod val="95000"/>
+                      </a:schemeClr>
+                    </a:solidFill>
+                  </a:tcPr>
+                </a:tc>
+                <a:extLst>
+                  <a:ext uri="{0D108BD9-81ED-4DB2-BD59-A6C34878D82A}">
+                    <a16:rowId xmlns:a16="http://schemas.microsoft.com/office/drawing/2014/main" val="4115435881"/>
+                  </a:ext>
+                </a:extLst>
+              </a:tr>
+              <a:tr h="208205">
+                <a:tc vMerge="1">
+                  <a:txBody>
+                    <a:bodyPr/>
+                    <a:lstStyle/>
+                    <a:p>
+                      <a:pPr latinLnBrk="1"/>
+                      <a:endParaRPr lang="ko-KR" altLang="en-US"/>
+                    </a:p>
+                  </a:txBody>
+                  <a:tcPr/>
+                </a:tc>
+                <a:tc>
+                  <a:txBody>
+                    <a:bodyPr/>
+                    <a:lstStyle/>
+                    <a:p>
+                      <a:pPr algn="ctr" fontAlgn="ctr"/>
+                      <a:r>
+                        <a:rPr lang="ko-KR" altLang="en-US" sz="800" b="1" u="none" strike="noStrike">
+                          <a:solidFill>
+                            <a:srgbClr val="0070C0"/>
+                          </a:solidFill>
+                          <a:effectLst/>
+                        </a:rPr>
+                        <a:t>주문 내역 리스트 조회</a:t>
+                      </a:r>
+                      <a:endParaRPr lang="ko-KR" altLang="en-US" sz="800" b="1" i="0" u="none" strike="noStrike">
+                        <a:solidFill>
+                          <a:srgbClr val="0070C0"/>
+                        </a:solidFill>
+                        <a:effectLst/>
+                        <a:latin typeface="맑은 고딕" panose="020B0503020000020004" pitchFamily="50" charset="-127"/>
+                        <a:ea typeface="맑은 고딕" panose="020B0503020000020004" pitchFamily="50" charset="-127"/>
+                      </a:endParaRPr>
+                    </a:p>
+                  </a:txBody>
+                  <a:tcPr marL="8088" marR="8088" marT="8088" marB="0" anchor="ctr">
+                    <a:solidFill>
+                      <a:schemeClr val="bg1">
+                        <a:lumMod val="95000"/>
+                      </a:schemeClr>
+                    </a:solidFill>
+                  </a:tcPr>
+                </a:tc>
+                <a:extLst>
+                  <a:ext uri="{0D108BD9-81ED-4DB2-BD59-A6C34878D82A}">
+                    <a16:rowId xmlns:a16="http://schemas.microsoft.com/office/drawing/2014/main" val="3056647018"/>
+                  </a:ext>
+                </a:extLst>
+              </a:tr>
+              <a:tr h="190854">
+                <a:tc vMerge="1">
+                  <a:txBody>
+                    <a:bodyPr/>
+                    <a:lstStyle/>
+                    <a:p>
+                      <a:pPr latinLnBrk="1"/>
+                      <a:endParaRPr lang="ko-KR" altLang="en-US"/>
+                    </a:p>
+                  </a:txBody>
+                  <a:tcPr/>
+                </a:tc>
+                <a:tc>
+                  <a:txBody>
+                    <a:bodyPr/>
+                    <a:lstStyle/>
+                    <a:p>
+                      <a:pPr algn="ctr" fontAlgn="ctr"/>
+                      <a:r>
+                        <a:rPr lang="ko-KR" altLang="en-US" sz="800" b="1" u="none" strike="noStrike" dirty="0">
+                          <a:solidFill>
+                            <a:srgbClr val="0070C0"/>
+                          </a:solidFill>
+                          <a:effectLst/>
+                        </a:rPr>
+                        <a:t>주문 내역 상세</a:t>
+                      </a:r>
+                      <a:endParaRPr lang="ko-KR" altLang="en-US" sz="800" b="1" i="0" u="none" strike="noStrike" dirty="0">
+                        <a:solidFill>
+                          <a:srgbClr val="0070C0"/>
+                        </a:solidFill>
+                        <a:effectLst/>
+                        <a:latin typeface="맑은 고딕" panose="020B0503020000020004" pitchFamily="50" charset="-127"/>
+                        <a:ea typeface="맑은 고딕" panose="020B0503020000020004" pitchFamily="50" charset="-127"/>
+                      </a:endParaRPr>
+                    </a:p>
+                  </a:txBody>
+                  <a:tcPr marL="8088" marR="8088" marT="8088" marB="0" anchor="ctr">
+                    <a:solidFill>
+                      <a:schemeClr val="bg1">
+                        <a:lumMod val="95000"/>
+                      </a:schemeClr>
+                    </a:solidFill>
+                  </a:tcPr>
+                </a:tc>
+                <a:extLst>
+                  <a:ext uri="{0D108BD9-81ED-4DB2-BD59-A6C34878D82A}">
+                    <a16:rowId xmlns:a16="http://schemas.microsoft.com/office/drawing/2014/main" val="4253829041"/>
+                  </a:ext>
+                </a:extLst>
+              </a:tr>
+              <a:tr h="190854">
+                <a:tc vMerge="1">
+                  <a:txBody>
+                    <a:bodyPr/>
+                    <a:lstStyle/>
+                    <a:p>
+                      <a:pPr latinLnBrk="1"/>
+                      <a:endParaRPr lang="ko-KR" altLang="en-US"/>
+                    </a:p>
+                  </a:txBody>
+                  <a:tcPr/>
+                </a:tc>
+                <a:tc>
+                  <a:txBody>
+                    <a:bodyPr/>
+                    <a:lstStyle/>
+                    <a:p>
+                      <a:pPr algn="ctr" fontAlgn="ctr"/>
+                      <a:r>
+                        <a:rPr lang="ko-KR" altLang="en-US" sz="800" b="1" u="none" strike="noStrike" dirty="0">
+                          <a:solidFill>
+                            <a:srgbClr val="0070C0"/>
+                          </a:solidFill>
+                          <a:effectLst/>
+                        </a:rPr>
+                        <a:t>회원 정보 상세</a:t>
+                      </a:r>
+                      <a:endParaRPr lang="ko-KR" altLang="en-US" sz="800" b="1" i="0" u="none" strike="noStrike" dirty="0">
+                        <a:solidFill>
+                          <a:srgbClr val="0070C0"/>
+                        </a:solidFill>
+                        <a:effectLst/>
+                        <a:latin typeface="맑은 고딕" panose="020B0503020000020004" pitchFamily="50" charset="-127"/>
+                        <a:ea typeface="맑은 고딕" panose="020B0503020000020004" pitchFamily="50" charset="-127"/>
+                      </a:endParaRPr>
+                    </a:p>
+                  </a:txBody>
+                  <a:tcPr marL="8088" marR="8088" marT="8088" marB="0" anchor="ctr">
+                    <a:solidFill>
+                      <a:schemeClr val="bg1">
+                        <a:lumMod val="95000"/>
+                      </a:schemeClr>
+                    </a:solidFill>
+                  </a:tcPr>
+                </a:tc>
+                <a:extLst>
+                  <a:ext uri="{0D108BD9-81ED-4DB2-BD59-A6C34878D82A}">
+                    <a16:rowId xmlns:a16="http://schemas.microsoft.com/office/drawing/2014/main" val="3886819151"/>
+                  </a:ext>
+                </a:extLst>
+              </a:tr>
+              <a:tr h="190854">
+                <a:tc vMerge="1">
+                  <a:txBody>
+                    <a:bodyPr/>
+                    <a:lstStyle/>
+                    <a:p>
+                      <a:pPr latinLnBrk="1"/>
+                      <a:endParaRPr lang="ko-KR" altLang="en-US"/>
+                    </a:p>
+                  </a:txBody>
+                  <a:tcPr/>
+                </a:tc>
+                <a:tc>
+                  <a:txBody>
+                    <a:bodyPr/>
+                    <a:lstStyle/>
+                    <a:p>
+                      <a:pPr algn="ctr" fontAlgn="ctr"/>
+                      <a:r>
+                        <a:rPr lang="ko-KR" altLang="en-US" sz="800" b="1" u="none" strike="noStrike" dirty="0">
+                          <a:solidFill>
+                            <a:srgbClr val="0070C0"/>
+                          </a:solidFill>
+                          <a:effectLst/>
+                        </a:rPr>
+                        <a:t>회원 정보 수정</a:t>
+                      </a:r>
+                      <a:endParaRPr lang="ko-KR" altLang="en-US" sz="800" b="1" i="0" u="none" strike="noStrike" dirty="0">
+                        <a:solidFill>
+                          <a:srgbClr val="0070C0"/>
+                        </a:solidFill>
+                        <a:effectLst/>
+                        <a:latin typeface="맑은 고딕" panose="020B0503020000020004" pitchFamily="50" charset="-127"/>
+                        <a:ea typeface="맑은 고딕" panose="020B0503020000020004" pitchFamily="50" charset="-127"/>
+                      </a:endParaRPr>
+                    </a:p>
+                  </a:txBody>
+                  <a:tcPr marL="8088" marR="8088" marT="8088" marB="0" anchor="ctr">
+                    <a:solidFill>
+                      <a:schemeClr val="bg1">
+                        <a:lumMod val="95000"/>
+                      </a:schemeClr>
+                    </a:solidFill>
+                  </a:tcPr>
+                </a:tc>
+                <a:extLst>
+                  <a:ext uri="{0D108BD9-81ED-4DB2-BD59-A6C34878D82A}">
+                    <a16:rowId xmlns:a16="http://schemas.microsoft.com/office/drawing/2014/main" val="664188932"/>
+                  </a:ext>
+                </a:extLst>
+              </a:tr>
+              <a:tr h="190854">
+                <a:tc vMerge="1">
+                  <a:txBody>
+                    <a:bodyPr/>
+                    <a:lstStyle/>
+                    <a:p>
+                      <a:pPr latinLnBrk="1"/>
+                      <a:endParaRPr lang="ko-KR" altLang="en-US"/>
+                    </a:p>
+                  </a:txBody>
+                  <a:tcPr/>
+                </a:tc>
+                <a:tc>
+                  <a:txBody>
+                    <a:bodyPr/>
+                    <a:lstStyle/>
+                    <a:p>
+                      <a:pPr algn="ctr" fontAlgn="ctr"/>
+                      <a:r>
+                        <a:rPr lang="ko-KR" altLang="en-US" sz="800" b="1" u="none" strike="noStrike" dirty="0">
+                          <a:solidFill>
+                            <a:srgbClr val="0070C0"/>
+                          </a:solidFill>
+                          <a:effectLst/>
+                        </a:rPr>
+                        <a:t>회원 탈퇴</a:t>
+                      </a:r>
+                      <a:endParaRPr lang="ko-KR" altLang="en-US" sz="800" b="1" i="0" u="none" strike="noStrike" dirty="0">
+                        <a:solidFill>
+                          <a:srgbClr val="0070C0"/>
+                        </a:solidFill>
+                        <a:effectLst/>
+                        <a:latin typeface="맑은 고딕" panose="020B0503020000020004" pitchFamily="50" charset="-127"/>
+                        <a:ea typeface="맑은 고딕" panose="020B0503020000020004" pitchFamily="50" charset="-127"/>
+                      </a:endParaRPr>
+                    </a:p>
+                  </a:txBody>
+                  <a:tcPr marL="8088" marR="8088" marT="8088" marB="0" anchor="ctr">
+                    <a:solidFill>
+                      <a:schemeClr val="bg1">
+                        <a:lumMod val="95000"/>
+                      </a:schemeClr>
+                    </a:solidFill>
+                  </a:tcPr>
+                </a:tc>
+                <a:extLst>
+                  <a:ext uri="{0D108BD9-81ED-4DB2-BD59-A6C34878D82A}">
+                    <a16:rowId xmlns:a16="http://schemas.microsoft.com/office/drawing/2014/main" val="2086445339"/>
+                  </a:ext>
+                </a:extLst>
+              </a:tr>
+            </a:tbl>
+          </a:graphicData>
+        </a:graphic>
+      </p:graphicFrame>
+      <p:graphicFrame>
+        <p:nvGraphicFramePr>
+          <p:cNvPr id="5" name="표 4"/>
+          <p:cNvGraphicFramePr>
+            <a:graphicFrameLocks noGrp="1"/>
+          </p:cNvGraphicFramePr>
+          <p:nvPr>
+            <p:extLst>
+              <p:ext uri="{D42A27DB-BD31-4B8C-83A1-F6EECF244321}">
+                <p14:modId xmlns:p14="http://schemas.microsoft.com/office/powerpoint/2010/main" val="2446665785"/>
+              </p:ext>
+            </p:extLst>
+          </p:nvPr>
+        </p:nvGraphicFramePr>
+        <p:xfrm>
+          <a:off x="4773612" y="1628774"/>
+          <a:ext cx="3759201" cy="4667251"/>
+        </p:xfrm>
+        <a:graphic>
+          <a:graphicData uri="http://schemas.openxmlformats.org/drawingml/2006/table">
+            <a:tbl>
+              <a:tblPr>
+                <a:effectLst>
+                  <a:outerShdw blurRad="254000" dist="88900" dir="2700000" algn="ctr" rotWithShape="0">
+                    <a:srgbClr val="002060">
+                      <a:alpha val="40000"/>
+                    </a:srgbClr>
+                  </a:outerShdw>
+                </a:effectLst>
+                <a:tableStyleId>{5C22544A-7EE6-4342-B048-85BDC9FD1C3A}</a:tableStyleId>
+              </a:tblPr>
+              <a:tblGrid>
+                <a:gridCol w="1576439">
+                  <a:extLst>
+                    <a:ext uri="{9D8B030D-6E8A-4147-A177-3AD203B41FA5}">
+                      <a16:colId xmlns:a16="http://schemas.microsoft.com/office/drawing/2014/main" val="3404452364"/>
+                    </a:ext>
+                  </a:extLst>
+                </a:gridCol>
+                <a:gridCol w="1091381">
+                  <a:extLst>
+                    <a:ext uri="{9D8B030D-6E8A-4147-A177-3AD203B41FA5}">
+                      <a16:colId xmlns:a16="http://schemas.microsoft.com/office/drawing/2014/main" val="3054473142"/>
+                    </a:ext>
+                  </a:extLst>
+                </a:gridCol>
+                <a:gridCol w="1091381">
+                  <a:extLst>
+                    <a:ext uri="{9D8B030D-6E8A-4147-A177-3AD203B41FA5}">
+                      <a16:colId xmlns:a16="http://schemas.microsoft.com/office/drawing/2014/main" val="1026021108"/>
+                    </a:ext>
+                  </a:extLst>
+                </a:gridCol>
+              </a:tblGrid>
+              <a:tr h="185941">
+                <a:tc>
+                  <a:txBody>
+                    <a:bodyPr/>
+                    <a:lstStyle/>
+                    <a:p>
+                      <a:pPr algn="ctr" fontAlgn="ctr"/>
+                      <a:r>
+                        <a:rPr lang="ko-KR" altLang="en-US" sz="800" b="1" u="none" strike="noStrike" dirty="0">
+                          <a:effectLst/>
+                        </a:rPr>
+                        <a:t>기능</a:t>
+                      </a:r>
+                      <a:endParaRPr lang="ko-KR" altLang="en-US" sz="800" b="1" i="0" u="none" strike="noStrike" dirty="0">
+                        <a:solidFill>
+                          <a:srgbClr val="000000"/>
+                        </a:solidFill>
+                        <a:effectLst/>
+                        <a:latin typeface="맑은 고딕" panose="020B0503020000020004" pitchFamily="50" charset="-127"/>
+                        <a:ea typeface="맑은 고딕" panose="020B0503020000020004" pitchFamily="50" charset="-127"/>
+                      </a:endParaRPr>
+                    </a:p>
+                  </a:txBody>
+                  <a:tcPr marL="9525" marR="9525" marT="9525" marB="0" anchor="ctr">
+                    <a:solidFill>
+                      <a:schemeClr val="bg1">
+                        <a:lumMod val="65000"/>
+                      </a:schemeClr>
+                    </a:solidFill>
+                  </a:tcPr>
+                </a:tc>
+                <a:tc gridSpan="2">
+                  <a:txBody>
+                    <a:bodyPr/>
+                    <a:lstStyle/>
+                    <a:p>
+                      <a:pPr algn="ctr" fontAlgn="ctr"/>
+                      <a:r>
+                        <a:rPr lang="ko-KR" altLang="en-US" sz="800" b="1" u="none" strike="noStrike" dirty="0">
+                          <a:effectLst/>
+                        </a:rPr>
+                        <a:t>세부 기능</a:t>
+                      </a:r>
+                      <a:endParaRPr lang="ko-KR" altLang="en-US" sz="800" b="1" i="0" u="none" strike="noStrike" dirty="0">
+                        <a:solidFill>
+                          <a:srgbClr val="000000"/>
+                        </a:solidFill>
+                        <a:effectLst/>
+                        <a:latin typeface="맑은 고딕" panose="020B0503020000020004" pitchFamily="50" charset="-127"/>
+                        <a:ea typeface="맑은 고딕" panose="020B0503020000020004" pitchFamily="50" charset="-127"/>
+                      </a:endParaRPr>
+                    </a:p>
+                  </a:txBody>
+                  <a:tcPr marL="9525" marR="9525" marT="9525" marB="0" anchor="ctr">
+                    <a:solidFill>
+                      <a:schemeClr val="bg1">
+                        <a:lumMod val="65000"/>
+                      </a:schemeClr>
+                    </a:solidFill>
+                  </a:tcPr>
+                </a:tc>
+                <a:tc hMerge="1">
+                  <a:txBody>
+                    <a:bodyPr/>
+                    <a:lstStyle/>
+                    <a:p>
+                      <a:pPr latinLnBrk="1"/>
+                      <a:endParaRPr lang="ko-KR" altLang="en-US"/>
+                    </a:p>
+                  </a:txBody>
+                  <a:tcPr/>
+                </a:tc>
+                <a:extLst>
+                  <a:ext uri="{0D108BD9-81ED-4DB2-BD59-A6C34878D82A}">
+                    <a16:rowId xmlns:a16="http://schemas.microsoft.com/office/drawing/2014/main" val="426329950"/>
+                  </a:ext>
+                </a:extLst>
+              </a:tr>
+              <a:tr h="599411">
+                <a:tc rowSpan="10">
+                  <a:txBody>
+                    <a:bodyPr/>
+                    <a:lstStyle/>
+                    <a:p>
+                      <a:pPr algn="ctr" fontAlgn="ctr"/>
+                      <a:r>
+                        <a:rPr lang="ko-KR" altLang="en-US" sz="800" b="1" u="none" strike="noStrike" dirty="0">
+                          <a:solidFill>
+                            <a:srgbClr val="002060"/>
+                          </a:solidFill>
+                          <a:effectLst/>
+                        </a:rPr>
+                        <a:t>관리자 </a:t>
+                      </a:r>
+                      <a:r>
+                        <a:rPr lang="ko-KR" altLang="en-US" sz="800" b="1" u="none" strike="noStrike" dirty="0" smtClean="0">
+                          <a:solidFill>
+                            <a:srgbClr val="002060"/>
+                          </a:solidFill>
+                          <a:effectLst/>
+                        </a:rPr>
+                        <a:t>기능</a:t>
+                      </a:r>
+                      <a:endParaRPr lang="en-US" sz="800" b="1" i="0" u="none" strike="noStrike" dirty="0">
+                        <a:solidFill>
+                          <a:srgbClr val="002060"/>
+                        </a:solidFill>
+                        <a:effectLst/>
+                        <a:latin typeface="맑은 고딕" panose="020B0503020000020004" pitchFamily="50" charset="-127"/>
+                        <a:ea typeface="맑은 고딕" panose="020B0503020000020004" pitchFamily="50" charset="-127"/>
+                      </a:endParaRPr>
+                    </a:p>
+                  </a:txBody>
+                  <a:tcPr marL="9525" marR="9525" marT="9525" marB="0" anchor="ctr">
+                    <a:solidFill>
+                      <a:schemeClr val="bg1">
+                        <a:lumMod val="95000"/>
+                      </a:schemeClr>
+                    </a:solidFill>
+                  </a:tcPr>
+                </a:tc>
+                <a:tc rowSpan="4">
+                  <a:txBody>
+                    <a:bodyPr/>
+                    <a:lstStyle/>
+                    <a:p>
+                      <a:pPr algn="ctr" fontAlgn="ctr"/>
+                      <a:r>
+                        <a:rPr lang="ko-KR" altLang="en-US" sz="800" b="1" u="none" strike="noStrike" dirty="0">
+                          <a:solidFill>
+                            <a:srgbClr val="0070C0"/>
+                          </a:solidFill>
+                          <a:effectLst/>
+                        </a:rPr>
+                        <a:t>상품 관리</a:t>
+                      </a:r>
+                      <a:endParaRPr lang="ko-KR" altLang="en-US" sz="800" b="1" i="0" u="none" strike="noStrike" dirty="0">
+                        <a:solidFill>
+                          <a:srgbClr val="0070C0"/>
+                        </a:solidFill>
+                        <a:effectLst/>
+                        <a:latin typeface="맑은 고딕" panose="020B0503020000020004" pitchFamily="50" charset="-127"/>
+                        <a:ea typeface="맑은 고딕" panose="020B0503020000020004" pitchFamily="50" charset="-127"/>
+                      </a:endParaRPr>
+                    </a:p>
+                  </a:txBody>
+                  <a:tcPr marL="9525" marR="9525" marT="9525" marB="0" anchor="ctr">
+                    <a:solidFill>
+                      <a:schemeClr val="bg1">
+                        <a:lumMod val="95000"/>
+                      </a:schemeClr>
+                    </a:solidFill>
+                  </a:tcPr>
+                </a:tc>
+                <a:tc>
+                  <a:txBody>
+                    <a:bodyPr/>
+                    <a:lstStyle/>
+                    <a:p>
+                      <a:pPr algn="ctr" fontAlgn="ctr"/>
+                      <a:r>
+                        <a:rPr lang="ko-KR" altLang="en-US" sz="800" b="1" u="none" strike="noStrike">
+                          <a:solidFill>
+                            <a:srgbClr val="0070C0"/>
+                          </a:solidFill>
+                          <a:effectLst/>
+                        </a:rPr>
+                        <a:t>상품 정보 등록</a:t>
+                      </a:r>
+                      <a:endParaRPr lang="ko-KR" altLang="en-US" sz="800" b="1" i="0" u="none" strike="noStrike">
+                        <a:solidFill>
+                          <a:srgbClr val="0070C0"/>
+                        </a:solidFill>
+                        <a:effectLst/>
+                        <a:latin typeface="맑은 고딕" panose="020B0503020000020004" pitchFamily="50" charset="-127"/>
+                        <a:ea typeface="맑은 고딕" panose="020B0503020000020004" pitchFamily="50" charset="-127"/>
+                      </a:endParaRPr>
+                    </a:p>
+                  </a:txBody>
+                  <a:tcPr marL="9525" marR="9525" marT="9525" marB="0" anchor="ctr">
+                    <a:solidFill>
+                      <a:schemeClr val="bg1">
+                        <a:lumMod val="95000"/>
+                      </a:schemeClr>
+                    </a:solidFill>
+                  </a:tcPr>
+                </a:tc>
+                <a:extLst>
+                  <a:ext uri="{0D108BD9-81ED-4DB2-BD59-A6C34878D82A}">
+                    <a16:rowId xmlns:a16="http://schemas.microsoft.com/office/drawing/2014/main" val="40102494"/>
+                  </a:ext>
+                </a:extLst>
+              </a:tr>
+              <a:tr h="599411">
+                <a:tc vMerge="1">
+                  <a:txBody>
+                    <a:bodyPr/>
+                    <a:lstStyle/>
+                    <a:p>
+                      <a:pPr latinLnBrk="1"/>
+                      <a:endParaRPr lang="ko-KR" altLang="en-US"/>
+                    </a:p>
+                  </a:txBody>
+                  <a:tcPr/>
+                </a:tc>
+                <a:tc vMerge="1">
+                  <a:txBody>
+                    <a:bodyPr/>
+                    <a:lstStyle/>
+                    <a:p>
+                      <a:pPr latinLnBrk="1"/>
+                      <a:endParaRPr lang="ko-KR" altLang="en-US"/>
+                    </a:p>
+                  </a:txBody>
+                  <a:tcPr/>
+                </a:tc>
+                <a:tc>
+                  <a:txBody>
+                    <a:bodyPr/>
+                    <a:lstStyle/>
+                    <a:p>
+                      <a:pPr algn="ctr" fontAlgn="ctr"/>
+                      <a:r>
+                        <a:rPr lang="ko-KR" altLang="en-US" sz="800" b="1" u="none" strike="noStrike">
+                          <a:solidFill>
+                            <a:srgbClr val="0070C0"/>
+                          </a:solidFill>
+                          <a:effectLst/>
+                        </a:rPr>
+                        <a:t>상품 이미지 추가</a:t>
+                      </a:r>
+                      <a:endParaRPr lang="ko-KR" altLang="en-US" sz="800" b="1" i="0" u="none" strike="noStrike">
+                        <a:solidFill>
+                          <a:srgbClr val="0070C0"/>
+                        </a:solidFill>
+                        <a:effectLst/>
+                        <a:latin typeface="맑은 고딕" panose="020B0503020000020004" pitchFamily="50" charset="-127"/>
+                        <a:ea typeface="맑은 고딕" panose="020B0503020000020004" pitchFamily="50" charset="-127"/>
+                      </a:endParaRPr>
+                    </a:p>
+                  </a:txBody>
+                  <a:tcPr marL="9525" marR="9525" marT="9525" marB="0" anchor="ctr">
+                    <a:solidFill>
+                      <a:schemeClr val="bg1">
+                        <a:lumMod val="95000"/>
+                      </a:schemeClr>
+                    </a:solidFill>
+                  </a:tcPr>
+                </a:tc>
+                <a:extLst>
+                  <a:ext uri="{0D108BD9-81ED-4DB2-BD59-A6C34878D82A}">
+                    <a16:rowId xmlns:a16="http://schemas.microsoft.com/office/drawing/2014/main" val="1922133267"/>
+                  </a:ext>
+                </a:extLst>
+              </a:tr>
+              <a:tr h="599411">
+                <a:tc vMerge="1">
+                  <a:txBody>
+                    <a:bodyPr/>
+                    <a:lstStyle/>
+                    <a:p>
+                      <a:pPr latinLnBrk="1"/>
+                      <a:endParaRPr lang="ko-KR" altLang="en-US"/>
+                    </a:p>
+                  </a:txBody>
+                  <a:tcPr/>
+                </a:tc>
+                <a:tc vMerge="1">
+                  <a:txBody>
+                    <a:bodyPr/>
+                    <a:lstStyle/>
+                    <a:p>
+                      <a:pPr latinLnBrk="1"/>
+                      <a:endParaRPr lang="ko-KR" altLang="en-US"/>
+                    </a:p>
+                  </a:txBody>
+                  <a:tcPr/>
+                </a:tc>
+                <a:tc>
+                  <a:txBody>
+                    <a:bodyPr/>
+                    <a:lstStyle/>
+                    <a:p>
+                      <a:pPr algn="ctr" fontAlgn="ctr"/>
+                      <a:r>
+                        <a:rPr lang="ko-KR" altLang="en-US" sz="800" b="1" u="none" strike="noStrike">
+                          <a:solidFill>
+                            <a:srgbClr val="0070C0"/>
+                          </a:solidFill>
+                          <a:effectLst/>
+                        </a:rPr>
+                        <a:t>상품 정보 조회</a:t>
+                      </a:r>
+                      <a:endParaRPr lang="ko-KR" altLang="en-US" sz="800" b="1" i="0" u="none" strike="noStrike">
+                        <a:solidFill>
+                          <a:srgbClr val="0070C0"/>
+                        </a:solidFill>
+                        <a:effectLst/>
+                        <a:latin typeface="맑은 고딕" panose="020B0503020000020004" pitchFamily="50" charset="-127"/>
+                        <a:ea typeface="맑은 고딕" panose="020B0503020000020004" pitchFamily="50" charset="-127"/>
+                      </a:endParaRPr>
+                    </a:p>
+                  </a:txBody>
+                  <a:tcPr marL="9525" marR="9525" marT="9525" marB="0" anchor="ctr">
+                    <a:solidFill>
+                      <a:schemeClr val="bg1">
+                        <a:lumMod val="95000"/>
+                      </a:schemeClr>
+                    </a:solidFill>
+                  </a:tcPr>
+                </a:tc>
+                <a:extLst>
+                  <a:ext uri="{0D108BD9-81ED-4DB2-BD59-A6C34878D82A}">
+                    <a16:rowId xmlns:a16="http://schemas.microsoft.com/office/drawing/2014/main" val="342334501"/>
+                  </a:ext>
+                </a:extLst>
+              </a:tr>
+              <a:tr h="599411">
+                <a:tc vMerge="1">
+                  <a:txBody>
+                    <a:bodyPr/>
+                    <a:lstStyle/>
+                    <a:p>
+                      <a:pPr latinLnBrk="1"/>
+                      <a:endParaRPr lang="ko-KR" altLang="en-US"/>
+                    </a:p>
+                  </a:txBody>
+                  <a:tcPr/>
+                </a:tc>
+                <a:tc vMerge="1">
+                  <a:txBody>
+                    <a:bodyPr/>
+                    <a:lstStyle/>
+                    <a:p>
+                      <a:pPr latinLnBrk="1"/>
+                      <a:endParaRPr lang="ko-KR" altLang="en-US"/>
+                    </a:p>
+                  </a:txBody>
+                  <a:tcPr/>
+                </a:tc>
+                <a:tc>
+                  <a:txBody>
+                    <a:bodyPr/>
+                    <a:lstStyle/>
+                    <a:p>
+                      <a:pPr algn="ctr" fontAlgn="ctr"/>
+                      <a:r>
+                        <a:rPr lang="ko-KR" altLang="en-US" sz="800" b="1" u="none" strike="noStrike" dirty="0">
+                          <a:solidFill>
+                            <a:srgbClr val="0070C0"/>
+                          </a:solidFill>
+                          <a:effectLst/>
+                        </a:rPr>
+                        <a:t>상품 정보 수정</a:t>
+                      </a:r>
+                      <a:endParaRPr lang="ko-KR" altLang="en-US" sz="800" b="1" i="0" u="none" strike="noStrike" dirty="0">
+                        <a:solidFill>
+                          <a:srgbClr val="0070C0"/>
+                        </a:solidFill>
+                        <a:effectLst/>
+                        <a:latin typeface="맑은 고딕" panose="020B0503020000020004" pitchFamily="50" charset="-127"/>
+                        <a:ea typeface="맑은 고딕" panose="020B0503020000020004" pitchFamily="50" charset="-127"/>
+                      </a:endParaRPr>
+                    </a:p>
+                  </a:txBody>
+                  <a:tcPr marL="9525" marR="9525" marT="9525" marB="0" anchor="ctr">
+                    <a:solidFill>
+                      <a:schemeClr val="bg1">
+                        <a:lumMod val="95000"/>
+                      </a:schemeClr>
+                    </a:solidFill>
+                  </a:tcPr>
+                </a:tc>
+                <a:extLst>
+                  <a:ext uri="{0D108BD9-81ED-4DB2-BD59-A6C34878D82A}">
+                    <a16:rowId xmlns:a16="http://schemas.microsoft.com/office/drawing/2014/main" val="2555100003"/>
+                  </a:ext>
+                </a:extLst>
+              </a:tr>
+              <a:tr h="313977">
+                <a:tc vMerge="1">
+                  <a:txBody>
+                    <a:bodyPr/>
+                    <a:lstStyle/>
+                    <a:p>
+                      <a:pPr latinLnBrk="1"/>
+                      <a:endParaRPr lang="ko-KR" altLang="en-US"/>
+                    </a:p>
+                  </a:txBody>
+                  <a:tcPr/>
+                </a:tc>
+                <a:tc rowSpan="3">
+                  <a:txBody>
+                    <a:bodyPr/>
+                    <a:lstStyle/>
+                    <a:p>
+                      <a:pPr algn="ctr" fontAlgn="ctr"/>
+                      <a:r>
+                        <a:rPr lang="ko-KR" altLang="en-US" sz="800" b="1" u="none" strike="noStrike" dirty="0">
+                          <a:solidFill>
+                            <a:srgbClr val="0070C0"/>
+                          </a:solidFill>
+                          <a:effectLst/>
+                        </a:rPr>
+                        <a:t>주문 관리</a:t>
+                      </a:r>
+                      <a:endParaRPr lang="ko-KR" altLang="en-US" sz="800" b="1" i="0" u="none" strike="noStrike" dirty="0">
+                        <a:solidFill>
+                          <a:srgbClr val="0070C0"/>
+                        </a:solidFill>
+                        <a:effectLst/>
+                        <a:latin typeface="맑은 고딕" panose="020B0503020000020004" pitchFamily="50" charset="-127"/>
+                        <a:ea typeface="맑은 고딕" panose="020B0503020000020004" pitchFamily="50" charset="-127"/>
+                      </a:endParaRPr>
+                    </a:p>
+                  </a:txBody>
+                  <a:tcPr marL="9525" marR="9525" marT="9525" marB="0" anchor="ctr">
+                    <a:solidFill>
+                      <a:schemeClr val="bg1">
+                        <a:lumMod val="95000"/>
+                      </a:schemeClr>
+                    </a:solidFill>
+                  </a:tcPr>
+                </a:tc>
+                <a:tc>
+                  <a:txBody>
+                    <a:bodyPr/>
+                    <a:lstStyle/>
+                    <a:p>
+                      <a:pPr algn="ctr" fontAlgn="ctr"/>
+                      <a:r>
+                        <a:rPr lang="ko-KR" altLang="en-US" sz="800" b="1" u="none" strike="noStrike" dirty="0">
+                          <a:solidFill>
+                            <a:srgbClr val="0070C0"/>
+                          </a:solidFill>
+                          <a:effectLst/>
+                        </a:rPr>
+                        <a:t>주문 조회</a:t>
+                      </a:r>
+                      <a:endParaRPr lang="ko-KR" altLang="en-US" sz="800" b="1" i="0" u="none" strike="noStrike" dirty="0">
+                        <a:solidFill>
+                          <a:srgbClr val="0070C0"/>
+                        </a:solidFill>
+                        <a:effectLst/>
+                        <a:latin typeface="맑은 고딕" panose="020B0503020000020004" pitchFamily="50" charset="-127"/>
+                        <a:ea typeface="맑은 고딕" panose="020B0503020000020004" pitchFamily="50" charset="-127"/>
+                      </a:endParaRPr>
+                    </a:p>
+                  </a:txBody>
+                  <a:tcPr marL="9525" marR="9525" marT="9525" marB="0" anchor="ctr">
+                    <a:solidFill>
+                      <a:schemeClr val="bg1">
+                        <a:lumMod val="95000"/>
+                      </a:schemeClr>
+                    </a:solidFill>
+                  </a:tcPr>
+                </a:tc>
+                <a:extLst>
+                  <a:ext uri="{0D108BD9-81ED-4DB2-BD59-A6C34878D82A}">
+                    <a16:rowId xmlns:a16="http://schemas.microsoft.com/office/drawing/2014/main" val="1021843692"/>
+                  </a:ext>
+                </a:extLst>
+              </a:tr>
+              <a:tr h="313977">
+                <a:tc vMerge="1">
+                  <a:txBody>
+                    <a:bodyPr/>
+                    <a:lstStyle/>
+                    <a:p>
+                      <a:pPr latinLnBrk="1"/>
+                      <a:endParaRPr lang="ko-KR" altLang="en-US"/>
+                    </a:p>
+                  </a:txBody>
+                  <a:tcPr/>
+                </a:tc>
+                <a:tc vMerge="1">
+                  <a:txBody>
+                    <a:bodyPr/>
+                    <a:lstStyle/>
+                    <a:p>
+                      <a:pPr latinLnBrk="1"/>
+                      <a:endParaRPr lang="ko-KR" altLang="en-US"/>
+                    </a:p>
+                  </a:txBody>
+                  <a:tcPr/>
+                </a:tc>
+                <a:tc>
+                  <a:txBody>
+                    <a:bodyPr/>
+                    <a:lstStyle/>
+                    <a:p>
+                      <a:pPr algn="ctr" fontAlgn="ctr"/>
+                      <a:r>
+                        <a:rPr lang="ko-KR" altLang="en-US" sz="800" b="1" u="none" strike="noStrike" dirty="0">
+                          <a:solidFill>
+                            <a:srgbClr val="0070C0"/>
+                          </a:solidFill>
+                          <a:effectLst/>
+                        </a:rPr>
+                        <a:t>주문 수정</a:t>
+                      </a:r>
+                      <a:endParaRPr lang="ko-KR" altLang="en-US" sz="800" b="1" i="0" u="none" strike="noStrike" dirty="0">
+                        <a:solidFill>
+                          <a:srgbClr val="0070C0"/>
+                        </a:solidFill>
+                        <a:effectLst/>
+                        <a:latin typeface="맑은 고딕" panose="020B0503020000020004" pitchFamily="50" charset="-127"/>
+                        <a:ea typeface="맑은 고딕" panose="020B0503020000020004" pitchFamily="50" charset="-127"/>
+                      </a:endParaRPr>
+                    </a:p>
+                  </a:txBody>
+                  <a:tcPr marL="9525" marR="9525" marT="9525" marB="0" anchor="ctr">
+                    <a:solidFill>
+                      <a:schemeClr val="bg1">
+                        <a:lumMod val="95000"/>
+                      </a:schemeClr>
+                    </a:solidFill>
+                  </a:tcPr>
+                </a:tc>
+                <a:extLst>
+                  <a:ext uri="{0D108BD9-81ED-4DB2-BD59-A6C34878D82A}">
+                    <a16:rowId xmlns:a16="http://schemas.microsoft.com/office/drawing/2014/main" val="697685696"/>
+                  </a:ext>
+                </a:extLst>
+              </a:tr>
+              <a:tr h="313977">
+                <a:tc vMerge="1">
+                  <a:txBody>
+                    <a:bodyPr/>
+                    <a:lstStyle/>
+                    <a:p>
+                      <a:pPr latinLnBrk="1"/>
+                      <a:endParaRPr lang="ko-KR" altLang="en-US"/>
+                    </a:p>
+                  </a:txBody>
+                  <a:tcPr/>
+                </a:tc>
+                <a:tc vMerge="1">
+                  <a:txBody>
+                    <a:bodyPr/>
+                    <a:lstStyle/>
+                    <a:p>
+                      <a:pPr latinLnBrk="1"/>
+                      <a:endParaRPr lang="ko-KR" altLang="en-US"/>
+                    </a:p>
+                  </a:txBody>
+                  <a:tcPr/>
+                </a:tc>
+                <a:tc>
+                  <a:txBody>
+                    <a:bodyPr/>
+                    <a:lstStyle/>
+                    <a:p>
+                      <a:pPr algn="ctr" fontAlgn="ctr"/>
+                      <a:r>
+                        <a:rPr lang="ko-KR" altLang="en-US" sz="800" b="1" u="none" strike="noStrike" dirty="0">
+                          <a:solidFill>
+                            <a:srgbClr val="0070C0"/>
+                          </a:solidFill>
+                          <a:effectLst/>
+                        </a:rPr>
+                        <a:t>주문 취소</a:t>
+                      </a:r>
+                      <a:endParaRPr lang="ko-KR" altLang="en-US" sz="800" b="1" i="0" u="none" strike="noStrike" dirty="0">
+                        <a:solidFill>
+                          <a:srgbClr val="0070C0"/>
+                        </a:solidFill>
+                        <a:effectLst/>
+                        <a:latin typeface="맑은 고딕" panose="020B0503020000020004" pitchFamily="50" charset="-127"/>
+                        <a:ea typeface="맑은 고딕" panose="020B0503020000020004" pitchFamily="50" charset="-127"/>
+                      </a:endParaRPr>
+                    </a:p>
+                  </a:txBody>
+                  <a:tcPr marL="9525" marR="9525" marT="9525" marB="0" anchor="ctr">
+                    <a:solidFill>
+                      <a:schemeClr val="bg1">
+                        <a:lumMod val="95000"/>
+                      </a:schemeClr>
+                    </a:solidFill>
+                  </a:tcPr>
+                </a:tc>
+                <a:extLst>
+                  <a:ext uri="{0D108BD9-81ED-4DB2-BD59-A6C34878D82A}">
+                    <a16:rowId xmlns:a16="http://schemas.microsoft.com/office/drawing/2014/main" val="591468477"/>
+                  </a:ext>
+                </a:extLst>
+              </a:tr>
+              <a:tr h="313977">
+                <a:tc vMerge="1">
+                  <a:txBody>
+                    <a:bodyPr/>
+                    <a:lstStyle/>
+                    <a:p>
+                      <a:pPr latinLnBrk="1"/>
+                      <a:endParaRPr lang="ko-KR" altLang="en-US"/>
+                    </a:p>
+                  </a:txBody>
+                  <a:tcPr/>
+                </a:tc>
+                <a:tc rowSpan="3">
+                  <a:txBody>
+                    <a:bodyPr/>
+                    <a:lstStyle/>
+                    <a:p>
+                      <a:pPr algn="ctr" fontAlgn="ctr"/>
+                      <a:r>
+                        <a:rPr lang="ko-KR" altLang="en-US" sz="800" b="1" u="none" strike="noStrike">
+                          <a:solidFill>
+                            <a:srgbClr val="0070C0"/>
+                          </a:solidFill>
+                          <a:effectLst/>
+                        </a:rPr>
+                        <a:t>회원관리</a:t>
+                      </a:r>
+                      <a:endParaRPr lang="ko-KR" altLang="en-US" sz="800" b="1" i="0" u="none" strike="noStrike">
+                        <a:solidFill>
+                          <a:srgbClr val="0070C0"/>
+                        </a:solidFill>
+                        <a:effectLst/>
+                        <a:latin typeface="맑은 고딕" panose="020B0503020000020004" pitchFamily="50" charset="-127"/>
+                        <a:ea typeface="맑은 고딕" panose="020B0503020000020004" pitchFamily="50" charset="-127"/>
+                      </a:endParaRPr>
+                    </a:p>
+                  </a:txBody>
+                  <a:tcPr marL="9525" marR="9525" marT="9525" marB="0" anchor="ctr">
+                    <a:solidFill>
+                      <a:schemeClr val="bg1">
+                        <a:lumMod val="95000"/>
+                      </a:schemeClr>
+                    </a:solidFill>
+                  </a:tcPr>
+                </a:tc>
+                <a:tc>
+                  <a:txBody>
+                    <a:bodyPr/>
+                    <a:lstStyle/>
+                    <a:p>
+                      <a:pPr algn="ctr" fontAlgn="ctr"/>
+                      <a:r>
+                        <a:rPr lang="ko-KR" altLang="en-US" sz="800" b="1" u="none" strike="noStrike" dirty="0">
+                          <a:solidFill>
+                            <a:srgbClr val="0070C0"/>
+                          </a:solidFill>
+                          <a:effectLst/>
+                        </a:rPr>
+                        <a:t>회원정보 조회</a:t>
+                      </a:r>
+                      <a:endParaRPr lang="ko-KR" altLang="en-US" sz="800" b="1" i="0" u="none" strike="noStrike" dirty="0">
+                        <a:solidFill>
+                          <a:srgbClr val="0070C0"/>
+                        </a:solidFill>
+                        <a:effectLst/>
+                        <a:latin typeface="맑은 고딕" panose="020B0503020000020004" pitchFamily="50" charset="-127"/>
+                        <a:ea typeface="맑은 고딕" panose="020B0503020000020004" pitchFamily="50" charset="-127"/>
+                      </a:endParaRPr>
+                    </a:p>
+                  </a:txBody>
+                  <a:tcPr marL="9525" marR="9525" marT="9525" marB="0" anchor="ctr">
+                    <a:solidFill>
+                      <a:schemeClr val="bg1">
+                        <a:lumMod val="95000"/>
+                      </a:schemeClr>
+                    </a:solidFill>
+                  </a:tcPr>
+                </a:tc>
+                <a:extLst>
+                  <a:ext uri="{0D108BD9-81ED-4DB2-BD59-A6C34878D82A}">
+                    <a16:rowId xmlns:a16="http://schemas.microsoft.com/office/drawing/2014/main" val="1322900919"/>
+                  </a:ext>
+                </a:extLst>
+              </a:tr>
+              <a:tr h="313977">
+                <a:tc vMerge="1">
+                  <a:txBody>
+                    <a:bodyPr/>
+                    <a:lstStyle/>
+                    <a:p>
+                      <a:pPr latinLnBrk="1"/>
+                      <a:endParaRPr lang="ko-KR" altLang="en-US"/>
+                    </a:p>
+                  </a:txBody>
+                  <a:tcPr/>
+                </a:tc>
+                <a:tc vMerge="1">
+                  <a:txBody>
+                    <a:bodyPr/>
+                    <a:lstStyle/>
+                    <a:p>
+                      <a:pPr latinLnBrk="1"/>
+                      <a:endParaRPr lang="ko-KR" altLang="en-US"/>
+                    </a:p>
+                  </a:txBody>
+                  <a:tcPr/>
+                </a:tc>
+                <a:tc>
+                  <a:txBody>
+                    <a:bodyPr/>
+                    <a:lstStyle/>
+                    <a:p>
+                      <a:pPr algn="ctr" fontAlgn="ctr"/>
+                      <a:r>
+                        <a:rPr lang="ko-KR" altLang="en-US" sz="800" b="1" u="none" strike="noStrike" dirty="0" err="1">
+                          <a:solidFill>
+                            <a:srgbClr val="0070C0"/>
+                          </a:solidFill>
+                          <a:effectLst/>
+                        </a:rPr>
+                        <a:t>회워정보</a:t>
+                      </a:r>
+                      <a:r>
+                        <a:rPr lang="ko-KR" altLang="en-US" sz="800" b="1" u="none" strike="noStrike" dirty="0">
+                          <a:solidFill>
+                            <a:srgbClr val="0070C0"/>
+                          </a:solidFill>
+                          <a:effectLst/>
+                        </a:rPr>
+                        <a:t> 수정</a:t>
+                      </a:r>
+                      <a:endParaRPr lang="ko-KR" altLang="en-US" sz="800" b="1" i="0" u="none" strike="noStrike" dirty="0">
+                        <a:solidFill>
+                          <a:srgbClr val="0070C0"/>
+                        </a:solidFill>
+                        <a:effectLst/>
+                        <a:latin typeface="맑은 고딕" panose="020B0503020000020004" pitchFamily="50" charset="-127"/>
+                        <a:ea typeface="맑은 고딕" panose="020B0503020000020004" pitchFamily="50" charset="-127"/>
+                      </a:endParaRPr>
+                    </a:p>
+                  </a:txBody>
+                  <a:tcPr marL="9525" marR="9525" marT="9525" marB="0" anchor="ctr">
+                    <a:solidFill>
+                      <a:schemeClr val="bg1">
+                        <a:lumMod val="95000"/>
+                      </a:schemeClr>
+                    </a:solidFill>
+                  </a:tcPr>
+                </a:tc>
+                <a:extLst>
+                  <a:ext uri="{0D108BD9-81ED-4DB2-BD59-A6C34878D82A}">
+                    <a16:rowId xmlns:a16="http://schemas.microsoft.com/office/drawing/2014/main" val="3800232941"/>
+                  </a:ext>
+                </a:extLst>
+              </a:tr>
+              <a:tr h="513781">
+                <a:tc vMerge="1">
+                  <a:txBody>
+                    <a:bodyPr/>
+                    <a:lstStyle/>
+                    <a:p>
+                      <a:pPr latinLnBrk="1"/>
+                      <a:endParaRPr lang="ko-KR" altLang="en-US"/>
+                    </a:p>
+                  </a:txBody>
+                  <a:tcPr/>
+                </a:tc>
+                <a:tc vMerge="1">
+                  <a:txBody>
+                    <a:bodyPr/>
+                    <a:lstStyle/>
+                    <a:p>
+                      <a:pPr latinLnBrk="1"/>
+                      <a:endParaRPr lang="ko-KR" altLang="en-US"/>
+                    </a:p>
+                  </a:txBody>
+                  <a:tcPr/>
+                </a:tc>
+                <a:tc>
+                  <a:txBody>
+                    <a:bodyPr/>
+                    <a:lstStyle/>
+                    <a:p>
+                      <a:pPr algn="ctr" fontAlgn="ctr"/>
+                      <a:r>
+                        <a:rPr lang="ko-KR" altLang="en-US" sz="800" b="1" u="none" strike="noStrike" dirty="0">
+                          <a:solidFill>
+                            <a:srgbClr val="0070C0"/>
+                          </a:solidFill>
+                          <a:effectLst/>
+                        </a:rPr>
+                        <a:t>회원정보 삭제</a:t>
+                      </a:r>
+                      <a:br>
+                        <a:rPr lang="ko-KR" altLang="en-US" sz="800" b="1" u="none" strike="noStrike" dirty="0">
+                          <a:solidFill>
+                            <a:srgbClr val="0070C0"/>
+                          </a:solidFill>
+                          <a:effectLst/>
+                        </a:rPr>
+                      </a:br>
+                      <a:r>
+                        <a:rPr lang="en-US" altLang="ko-KR" sz="800" b="1" u="none" strike="noStrike" dirty="0">
+                          <a:solidFill>
+                            <a:srgbClr val="0070C0"/>
+                          </a:solidFill>
+                          <a:effectLst/>
+                        </a:rPr>
+                        <a:t>(</a:t>
+                      </a:r>
+                      <a:r>
+                        <a:rPr lang="ko-KR" altLang="en-US" sz="800" b="1" u="none" strike="noStrike" dirty="0">
+                          <a:solidFill>
+                            <a:srgbClr val="0070C0"/>
+                          </a:solidFill>
+                          <a:effectLst/>
+                        </a:rPr>
+                        <a:t>회원탈퇴</a:t>
+                      </a:r>
+                      <a:r>
+                        <a:rPr lang="en-US" altLang="ko-KR" sz="800" b="1" u="none" strike="noStrike" dirty="0">
+                          <a:solidFill>
+                            <a:srgbClr val="0070C0"/>
+                          </a:solidFill>
+                          <a:effectLst/>
+                        </a:rPr>
+                        <a:t>)</a:t>
+                      </a:r>
+                      <a:endParaRPr lang="en-US" altLang="ko-KR" sz="800" b="1" i="0" u="none" strike="noStrike" dirty="0">
+                        <a:solidFill>
+                          <a:srgbClr val="0070C0"/>
+                        </a:solidFill>
+                        <a:effectLst/>
+                        <a:latin typeface="맑은 고딕" panose="020B0503020000020004" pitchFamily="50" charset="-127"/>
+                        <a:ea typeface="맑은 고딕" panose="020B0503020000020004" pitchFamily="50" charset="-127"/>
+                      </a:endParaRPr>
+                    </a:p>
+                  </a:txBody>
+                  <a:tcPr marL="9525" marR="9525" marT="9525" marB="0" anchor="ctr">
+                    <a:solidFill>
+                      <a:schemeClr val="bg1">
+                        <a:lumMod val="95000"/>
+                      </a:schemeClr>
+                    </a:solidFill>
+                  </a:tcPr>
+                </a:tc>
+                <a:extLst>
+                  <a:ext uri="{0D108BD9-81ED-4DB2-BD59-A6C34878D82A}">
+                    <a16:rowId xmlns:a16="http://schemas.microsoft.com/office/drawing/2014/main" val="365046157"/>
+                  </a:ext>
+                </a:extLst>
+              </a:tr>
+            </a:tbl>
+          </a:graphicData>
+        </a:graphic>
+      </p:graphicFrame>
+      <p:cxnSp>
+        <p:nvCxnSpPr>
+          <p:cNvPr id="11" name="직선 연결선 10"/>
+          <p:cNvCxnSpPr/>
+          <p:nvPr/>
+        </p:nvCxnSpPr>
+        <p:spPr>
+          <a:xfrm>
+            <a:off x="447675" y="2200275"/>
+            <a:ext cx="4076700" cy="0"/>
+          </a:xfrm>
+          <a:prstGeom prst="line">
+            <a:avLst/>
+          </a:prstGeom>
+        </p:spPr>
+        <p:style>
+          <a:lnRef idx="1">
+            <a:schemeClr val="accent1"/>
+          </a:lnRef>
+          <a:fillRef idx="0">
+            <a:schemeClr val="accent1"/>
+          </a:fillRef>
+          <a:effectRef idx="0">
+            <a:schemeClr val="accent1"/>
+          </a:effectRef>
+          <a:fontRef idx="minor">
+            <a:schemeClr val="tx1"/>
+          </a:fontRef>
+        </p:style>
+      </p:cxnSp>
+      <p:cxnSp>
+        <p:nvCxnSpPr>
+          <p:cNvPr id="12" name="직선 연결선 11"/>
+          <p:cNvCxnSpPr/>
+          <p:nvPr/>
+        </p:nvCxnSpPr>
+        <p:spPr>
+          <a:xfrm>
+            <a:off x="447675" y="2857500"/>
+            <a:ext cx="4076700" cy="0"/>
+          </a:xfrm>
+          <a:prstGeom prst="line">
+            <a:avLst/>
+          </a:prstGeom>
+        </p:spPr>
+        <p:style>
+          <a:lnRef idx="1">
+            <a:schemeClr val="accent1"/>
+          </a:lnRef>
+          <a:fillRef idx="0">
+            <a:schemeClr val="accent1"/>
+          </a:fillRef>
+          <a:effectRef idx="0">
+            <a:schemeClr val="accent1"/>
+          </a:effectRef>
+          <a:fontRef idx="minor">
+            <a:schemeClr val="tx1"/>
+          </a:fontRef>
+        </p:style>
+      </p:cxnSp>
+      <p:cxnSp>
+        <p:nvCxnSpPr>
+          <p:cNvPr id="13" name="직선 연결선 12"/>
+          <p:cNvCxnSpPr/>
+          <p:nvPr/>
+        </p:nvCxnSpPr>
+        <p:spPr>
+          <a:xfrm>
+            <a:off x="447675" y="3657600"/>
+            <a:ext cx="4076700" cy="0"/>
+          </a:xfrm>
+          <a:prstGeom prst="line">
+            <a:avLst/>
+          </a:prstGeom>
+        </p:spPr>
+        <p:style>
+          <a:lnRef idx="1">
+            <a:schemeClr val="accent1"/>
+          </a:lnRef>
+          <a:fillRef idx="0">
+            <a:schemeClr val="accent1"/>
+          </a:fillRef>
+          <a:effectRef idx="0">
+            <a:schemeClr val="accent1"/>
+          </a:effectRef>
+          <a:fontRef idx="minor">
+            <a:schemeClr val="tx1"/>
+          </a:fontRef>
+        </p:style>
+      </p:cxnSp>
+      <p:cxnSp>
+        <p:nvCxnSpPr>
+          <p:cNvPr id="14" name="직선 연결선 13"/>
+          <p:cNvCxnSpPr/>
+          <p:nvPr/>
+        </p:nvCxnSpPr>
+        <p:spPr>
+          <a:xfrm>
+            <a:off x="447675" y="4495800"/>
+            <a:ext cx="4076700" cy="0"/>
+          </a:xfrm>
+          <a:prstGeom prst="line">
+            <a:avLst/>
+          </a:prstGeom>
+        </p:spPr>
+        <p:style>
+          <a:lnRef idx="1">
+            <a:schemeClr val="accent1"/>
+          </a:lnRef>
+          <a:fillRef idx="0">
+            <a:schemeClr val="accent1"/>
+          </a:fillRef>
+          <a:effectRef idx="0">
+            <a:schemeClr val="accent1"/>
+          </a:effectRef>
+          <a:fontRef idx="minor">
+            <a:schemeClr val="tx1"/>
+          </a:fontRef>
+        </p:style>
+      </p:cxnSp>
+      <p:cxnSp>
+        <p:nvCxnSpPr>
+          <p:cNvPr id="15" name="직선 연결선 14"/>
+          <p:cNvCxnSpPr/>
+          <p:nvPr/>
+        </p:nvCxnSpPr>
+        <p:spPr>
+          <a:xfrm>
+            <a:off x="447675" y="5114925"/>
+            <a:ext cx="4076700" cy="0"/>
+          </a:xfrm>
+          <a:prstGeom prst="line">
+            <a:avLst/>
+          </a:prstGeom>
+        </p:spPr>
+        <p:style>
+          <a:lnRef idx="1">
+            <a:schemeClr val="accent1"/>
+          </a:lnRef>
+          <a:fillRef idx="0">
+            <a:schemeClr val="accent1"/>
+          </a:fillRef>
+          <a:effectRef idx="0">
+            <a:schemeClr val="accent1"/>
+          </a:effectRef>
+          <a:fontRef idx="minor">
+            <a:schemeClr val="tx1"/>
+          </a:fontRef>
+        </p:style>
+      </p:cxnSp>
+      <p:cxnSp>
+        <p:nvCxnSpPr>
+          <p:cNvPr id="16" name="직선 연결선 15"/>
+          <p:cNvCxnSpPr/>
+          <p:nvPr/>
+        </p:nvCxnSpPr>
+        <p:spPr>
+          <a:xfrm>
+            <a:off x="6219825" y="4162425"/>
+            <a:ext cx="2478087" cy="0"/>
+          </a:xfrm>
+          <a:prstGeom prst="line">
+            <a:avLst/>
+          </a:prstGeom>
+        </p:spPr>
+        <p:style>
+          <a:lnRef idx="1">
+            <a:schemeClr val="accent1"/>
+          </a:lnRef>
+          <a:fillRef idx="0">
+            <a:schemeClr val="accent1"/>
+          </a:fillRef>
+          <a:effectRef idx="0">
+            <a:schemeClr val="accent1"/>
+          </a:effectRef>
+          <a:fontRef idx="minor">
+            <a:schemeClr val="tx1"/>
+          </a:fontRef>
+        </p:style>
+      </p:cxnSp>
+      <p:cxnSp>
+        <p:nvCxnSpPr>
+          <p:cNvPr id="19" name="직선 연결선 18"/>
+          <p:cNvCxnSpPr/>
+          <p:nvPr/>
+        </p:nvCxnSpPr>
+        <p:spPr>
+          <a:xfrm>
+            <a:off x="6219825" y="5143500"/>
+            <a:ext cx="2478087" cy="0"/>
+          </a:xfrm>
+          <a:prstGeom prst="line">
+            <a:avLst/>
+          </a:prstGeom>
+        </p:spPr>
+        <p:style>
+          <a:lnRef idx="1">
+            <a:schemeClr val="accent1"/>
+          </a:lnRef>
+          <a:fillRef idx="0">
+            <a:schemeClr val="accent1"/>
+          </a:fillRef>
+          <a:effectRef idx="0">
+            <a:schemeClr val="accent1"/>
+          </a:effectRef>
+          <a:fontRef idx="minor">
+            <a:schemeClr val="tx1"/>
+          </a:fontRef>
+        </p:style>
+      </p:cxnSp>
     </p:spTree>
     <p:extLst>
       <p:ext uri="{BB962C8B-B14F-4D97-AF65-F5344CB8AC3E}">
-        <p14:creationId xmlns:p14="http://schemas.microsoft.com/office/powerpoint/2010/main" val="1059028293"/>
+        <p14:creationId xmlns:p14="http://schemas.microsoft.com/office/powerpoint/2010/main" val="1612537729"/>
       </p:ext>
     </p:extLst>
   </p:cSld>
@@ -4160,14 +8757,34 @@
           <a:p>
             <a:pPr algn="ctr"/>
             <a:r>
-              <a:rPr lang="ko-KR" altLang="en-US" sz="3600" b="1" dirty="0" smtClean="0">
+              <a:rPr lang="en-US" altLang="ko-KR" sz="3600" b="1" dirty="0">
                 <a:solidFill>
                   <a:schemeClr val="bg2">
                     <a:lumMod val="25000"/>
                   </a:schemeClr>
                 </a:solidFill>
               </a:rPr>
-              <a:t>고객 요구사항</a:t>
+              <a:t>3</a:t>
+            </a:r>
+            <a:r>
+              <a:rPr lang="en-US" altLang="ko-KR" sz="3600" b="1" dirty="0" smtClean="0">
+                <a:solidFill>
+                  <a:schemeClr val="bg2">
+                    <a:lumMod val="25000"/>
+                  </a:schemeClr>
+                </a:solidFill>
+              </a:rPr>
+              <a:t>. </a:t>
+            </a:r>
+            <a:r>
+              <a:rPr lang="ko-KR" altLang="en-US" sz="3600" b="1" dirty="0" smtClean="0">
+                <a:solidFill>
+                  <a:schemeClr val="bg2">
+                    <a:lumMod val="25000"/>
+                  </a:schemeClr>
+                </a:solidFill>
+              </a:rPr>
+              <a:t>홈 화면 설계</a:t>
             </a:r>
             <a:endParaRPr lang="ko-KR" altLang="en-US" sz="3600" b="1" i="1" dirty="0">
               <a:solidFill>
@@ -4179,6 +8796,1991 @@
           </a:p>
         </p:txBody>
       </p:sp>
+      <p:grpSp>
+        <p:nvGrpSpPr>
+          <p:cNvPr id="69" name="그룹 68"/>
+          <p:cNvGrpSpPr/>
+          <p:nvPr/>
+        </p:nvGrpSpPr>
+        <p:grpSpPr>
+          <a:xfrm>
+            <a:off x="2600327" y="3579812"/>
+            <a:ext cx="4579936" cy="2973388"/>
+            <a:chOff x="2600327" y="3170237"/>
+            <a:chExt cx="4579936" cy="2973388"/>
+          </a:xfrm>
+        </p:grpSpPr>
+        <p:sp>
+          <p:nvSpPr>
+            <p:cNvPr id="15" name="직사각형 14"/>
+            <p:cNvSpPr/>
+            <p:nvPr/>
+          </p:nvSpPr>
+          <p:spPr>
+            <a:xfrm>
+              <a:off x="6201041" y="5160965"/>
+              <a:ext cx="882118" cy="457201"/>
+            </a:xfrm>
+            <a:prstGeom prst="rect">
+              <a:avLst/>
+            </a:prstGeom>
+            <a:noFill/>
+            <a:ln>
+              <a:noFill/>
+            </a:ln>
+          </p:spPr>
+          <p:style>
+            <a:lnRef idx="2">
+              <a:schemeClr val="accent1">
+                <a:shade val="50000"/>
+              </a:schemeClr>
+            </a:lnRef>
+            <a:fillRef idx="1">
+              <a:schemeClr val="accent1"/>
+            </a:fillRef>
+            <a:effectRef idx="0">
+              <a:schemeClr val="accent1"/>
+            </a:effectRef>
+            <a:fontRef idx="minor">
+              <a:schemeClr val="lt1"/>
+            </a:fontRef>
+          </p:style>
+          <p:txBody>
+            <a:bodyPr rtlCol="0" anchor="ctr"/>
+            <a:lstStyle/>
+            <a:p>
+              <a:pPr algn="ctr"/>
+              <a:r>
+                <a:rPr lang="en-US" altLang="ko-KR" sz="900" dirty="0" smtClean="0">
+                  <a:solidFill>
+                    <a:schemeClr val="bg2">
+                      <a:lumMod val="10000"/>
+                    </a:schemeClr>
+                  </a:solidFill>
+                </a:rPr>
+                <a:t>more</a:t>
+              </a:r>
+              <a:endParaRPr lang="ko-KR" altLang="en-US" sz="900" dirty="0">
+                <a:solidFill>
+                  <a:schemeClr val="bg2">
+                    <a:lumMod val="10000"/>
+                  </a:schemeClr>
+                </a:solidFill>
+              </a:endParaRPr>
+            </a:p>
+          </p:txBody>
+        </p:sp>
+        <p:grpSp>
+          <p:nvGrpSpPr>
+            <p:cNvPr id="4" name="그룹 3"/>
+            <p:cNvGrpSpPr/>
+            <p:nvPr/>
+          </p:nvGrpSpPr>
+          <p:grpSpPr>
+            <a:xfrm>
+              <a:off x="2600327" y="3170237"/>
+              <a:ext cx="1076326" cy="1430337"/>
+              <a:chOff x="5391149" y="3179762"/>
+              <a:chExt cx="1304923" cy="1430337"/>
+            </a:xfrm>
+          </p:grpSpPr>
+          <p:sp>
+            <p:nvSpPr>
+              <p:cNvPr id="27" name="직사각형 26"/>
+              <p:cNvSpPr/>
+              <p:nvPr/>
+            </p:nvSpPr>
+            <p:spPr>
+              <a:xfrm>
+                <a:off x="5391149" y="3179762"/>
+                <a:ext cx="1304923" cy="1430337"/>
+              </a:xfrm>
+              <a:prstGeom prst="rect">
+                <a:avLst/>
+              </a:prstGeom>
+              <a:noFill/>
+              <a:ln>
+                <a:solidFill>
+                  <a:schemeClr val="tx1">
+                    <a:lumMod val="85000"/>
+                    <a:lumOff val="15000"/>
+                  </a:schemeClr>
+                </a:solidFill>
+              </a:ln>
+            </p:spPr>
+            <p:style>
+              <a:lnRef idx="2">
+                <a:schemeClr val="accent1">
+                  <a:shade val="50000"/>
+                </a:schemeClr>
+              </a:lnRef>
+              <a:fillRef idx="1">
+                <a:schemeClr val="accent1"/>
+              </a:fillRef>
+              <a:effectRef idx="0">
+                <a:schemeClr val="accent1"/>
+              </a:effectRef>
+              <a:fontRef idx="minor">
+                <a:schemeClr val="lt1"/>
+              </a:fontRef>
+            </p:style>
+            <p:txBody>
+              <a:bodyPr rtlCol="0" anchor="ctr"/>
+              <a:lstStyle/>
+              <a:p>
+                <a:pPr algn="ctr"/>
+                <a:endParaRPr lang="ko-KR" altLang="en-US" sz="900" dirty="0">
+                  <a:solidFill>
+                    <a:schemeClr val="bg2">
+                      <a:lumMod val="10000"/>
+                    </a:schemeClr>
+                  </a:solidFill>
+                </a:endParaRPr>
+              </a:p>
+            </p:txBody>
+          </p:sp>
+          <p:sp>
+            <p:nvSpPr>
+              <p:cNvPr id="28" name="직사각형 27"/>
+              <p:cNvSpPr/>
+              <p:nvPr/>
+            </p:nvSpPr>
+            <p:spPr>
+              <a:xfrm>
+                <a:off x="5495926" y="3273427"/>
+                <a:ext cx="1104897" cy="708024"/>
+              </a:xfrm>
+              <a:prstGeom prst="rect">
+                <a:avLst/>
+              </a:prstGeom>
+              <a:noFill/>
+              <a:ln>
+                <a:solidFill>
+                  <a:schemeClr val="tx1">
+                    <a:lumMod val="85000"/>
+                    <a:lumOff val="15000"/>
+                  </a:schemeClr>
+                </a:solidFill>
+              </a:ln>
+            </p:spPr>
+            <p:style>
+              <a:lnRef idx="2">
+                <a:schemeClr val="accent1">
+                  <a:shade val="50000"/>
+                </a:schemeClr>
+              </a:lnRef>
+              <a:fillRef idx="1">
+                <a:schemeClr val="accent1"/>
+              </a:fillRef>
+              <a:effectRef idx="0">
+                <a:schemeClr val="accent1"/>
+              </a:effectRef>
+              <a:fontRef idx="minor">
+                <a:schemeClr val="lt1"/>
+              </a:fontRef>
+            </p:style>
+            <p:txBody>
+              <a:bodyPr rtlCol="0" anchor="ctr"/>
+              <a:lstStyle/>
+              <a:p>
+                <a:pPr algn="ctr"/>
+                <a:r>
+                  <a:rPr lang="ko-KR" altLang="en-US" sz="900" dirty="0" smtClean="0">
+                    <a:solidFill>
+                      <a:schemeClr val="bg2">
+                        <a:lumMod val="10000"/>
+                      </a:schemeClr>
+                    </a:solidFill>
+                  </a:rPr>
+                  <a:t>책 이미지</a:t>
+                </a:r>
+                <a:endParaRPr lang="ko-KR" altLang="en-US" sz="900" dirty="0">
+                  <a:solidFill>
+                    <a:schemeClr val="bg2">
+                      <a:lumMod val="10000"/>
+                    </a:schemeClr>
+                  </a:solidFill>
+                </a:endParaRPr>
+              </a:p>
+            </p:txBody>
+          </p:sp>
+          <p:sp>
+            <p:nvSpPr>
+              <p:cNvPr id="29" name="직사각형 28"/>
+              <p:cNvSpPr/>
+              <p:nvPr/>
+            </p:nvSpPr>
+            <p:spPr>
+              <a:xfrm>
+                <a:off x="5495926" y="4036618"/>
+                <a:ext cx="1104897" cy="230186"/>
+              </a:xfrm>
+              <a:prstGeom prst="rect">
+                <a:avLst/>
+              </a:prstGeom>
+              <a:noFill/>
+              <a:ln>
+                <a:solidFill>
+                  <a:schemeClr val="tx1">
+                    <a:lumMod val="85000"/>
+                    <a:lumOff val="15000"/>
+                  </a:schemeClr>
+                </a:solidFill>
+              </a:ln>
+            </p:spPr>
+            <p:style>
+              <a:lnRef idx="2">
+                <a:schemeClr val="accent1">
+                  <a:shade val="50000"/>
+                </a:schemeClr>
+              </a:lnRef>
+              <a:fillRef idx="1">
+                <a:schemeClr val="accent1"/>
+              </a:fillRef>
+              <a:effectRef idx="0">
+                <a:schemeClr val="accent1"/>
+              </a:effectRef>
+              <a:fontRef idx="minor">
+                <a:schemeClr val="lt1"/>
+              </a:fontRef>
+            </p:style>
+            <p:txBody>
+              <a:bodyPr rtlCol="0" anchor="ctr"/>
+              <a:lstStyle/>
+              <a:p>
+                <a:pPr algn="ctr"/>
+                <a:r>
+                  <a:rPr lang="ko-KR" altLang="en-US" sz="900" smtClean="0">
+                    <a:solidFill>
+                      <a:schemeClr val="bg2">
+                        <a:lumMod val="10000"/>
+                      </a:schemeClr>
+                    </a:solidFill>
+                  </a:rPr>
+                  <a:t>책 이름</a:t>
+                </a:r>
+                <a:endParaRPr lang="ko-KR" altLang="en-US" sz="900" dirty="0">
+                  <a:solidFill>
+                    <a:schemeClr val="bg2">
+                      <a:lumMod val="10000"/>
+                    </a:schemeClr>
+                  </a:solidFill>
+                </a:endParaRPr>
+              </a:p>
+            </p:txBody>
+          </p:sp>
+          <p:sp>
+            <p:nvSpPr>
+              <p:cNvPr id="30" name="직사각형 29"/>
+              <p:cNvSpPr/>
+              <p:nvPr/>
+            </p:nvSpPr>
+            <p:spPr>
+              <a:xfrm>
+                <a:off x="5495926" y="4292998"/>
+                <a:ext cx="1104897" cy="230186"/>
+              </a:xfrm>
+              <a:prstGeom prst="rect">
+                <a:avLst/>
+              </a:prstGeom>
+              <a:noFill/>
+              <a:ln>
+                <a:solidFill>
+                  <a:schemeClr val="tx1">
+                    <a:lumMod val="85000"/>
+                    <a:lumOff val="15000"/>
+                  </a:schemeClr>
+                </a:solidFill>
+              </a:ln>
+            </p:spPr>
+            <p:style>
+              <a:lnRef idx="2">
+                <a:schemeClr val="accent1">
+                  <a:shade val="50000"/>
+                </a:schemeClr>
+              </a:lnRef>
+              <a:fillRef idx="1">
+                <a:schemeClr val="accent1"/>
+              </a:fillRef>
+              <a:effectRef idx="0">
+                <a:schemeClr val="accent1"/>
+              </a:effectRef>
+              <a:fontRef idx="minor">
+                <a:schemeClr val="lt1"/>
+              </a:fontRef>
+            </p:style>
+            <p:txBody>
+              <a:bodyPr rtlCol="0" anchor="ctr"/>
+              <a:lstStyle/>
+              <a:p>
+                <a:pPr algn="ctr"/>
+                <a:r>
+                  <a:rPr lang="ko-KR" altLang="en-US" sz="900" dirty="0" smtClean="0">
+                    <a:solidFill>
+                      <a:schemeClr val="bg2">
+                        <a:lumMod val="10000"/>
+                      </a:schemeClr>
+                    </a:solidFill>
+                  </a:rPr>
+                  <a:t>가격</a:t>
+                </a:r>
+                <a:endParaRPr lang="ko-KR" altLang="en-US" sz="900" dirty="0">
+                  <a:solidFill>
+                    <a:schemeClr val="bg2">
+                      <a:lumMod val="10000"/>
+                    </a:schemeClr>
+                  </a:solidFill>
+                </a:endParaRPr>
+              </a:p>
+            </p:txBody>
+          </p:sp>
+        </p:grpSp>
+        <p:grpSp>
+          <p:nvGrpSpPr>
+            <p:cNvPr id="31" name="그룹 30"/>
+            <p:cNvGrpSpPr/>
+            <p:nvPr/>
+          </p:nvGrpSpPr>
+          <p:grpSpPr>
+            <a:xfrm>
+              <a:off x="3768197" y="3170237"/>
+              <a:ext cx="1076326" cy="1430337"/>
+              <a:chOff x="5391149" y="3179762"/>
+              <a:chExt cx="1304923" cy="1430337"/>
+            </a:xfrm>
+          </p:grpSpPr>
+          <p:sp>
+            <p:nvSpPr>
+              <p:cNvPr id="32" name="직사각형 31"/>
+              <p:cNvSpPr/>
+              <p:nvPr/>
+            </p:nvSpPr>
+            <p:spPr>
+              <a:xfrm>
+                <a:off x="5391149" y="3179762"/>
+                <a:ext cx="1304923" cy="1430337"/>
+              </a:xfrm>
+              <a:prstGeom prst="rect">
+                <a:avLst/>
+              </a:prstGeom>
+              <a:noFill/>
+              <a:ln>
+                <a:solidFill>
+                  <a:schemeClr val="tx1">
+                    <a:lumMod val="85000"/>
+                    <a:lumOff val="15000"/>
+                  </a:schemeClr>
+                </a:solidFill>
+              </a:ln>
+            </p:spPr>
+            <p:style>
+              <a:lnRef idx="2">
+                <a:schemeClr val="accent1">
+                  <a:shade val="50000"/>
+                </a:schemeClr>
+              </a:lnRef>
+              <a:fillRef idx="1">
+                <a:schemeClr val="accent1"/>
+              </a:fillRef>
+              <a:effectRef idx="0">
+                <a:schemeClr val="accent1"/>
+              </a:effectRef>
+              <a:fontRef idx="minor">
+                <a:schemeClr val="lt1"/>
+              </a:fontRef>
+            </p:style>
+            <p:txBody>
+              <a:bodyPr rtlCol="0" anchor="ctr"/>
+              <a:lstStyle/>
+              <a:p>
+                <a:pPr algn="ctr"/>
+                <a:endParaRPr lang="ko-KR" altLang="en-US" sz="900" dirty="0">
+                  <a:solidFill>
+                    <a:schemeClr val="bg2">
+                      <a:lumMod val="10000"/>
+                    </a:schemeClr>
+                  </a:solidFill>
+                </a:endParaRPr>
+              </a:p>
+            </p:txBody>
+          </p:sp>
+          <p:sp>
+            <p:nvSpPr>
+              <p:cNvPr id="33" name="직사각형 32"/>
+              <p:cNvSpPr/>
+              <p:nvPr/>
+            </p:nvSpPr>
+            <p:spPr>
+              <a:xfrm>
+                <a:off x="5495926" y="3273427"/>
+                <a:ext cx="1104897" cy="708024"/>
+              </a:xfrm>
+              <a:prstGeom prst="rect">
+                <a:avLst/>
+              </a:prstGeom>
+              <a:noFill/>
+              <a:ln>
+                <a:solidFill>
+                  <a:schemeClr val="tx1">
+                    <a:lumMod val="85000"/>
+                    <a:lumOff val="15000"/>
+                  </a:schemeClr>
+                </a:solidFill>
+              </a:ln>
+            </p:spPr>
+            <p:style>
+              <a:lnRef idx="2">
+                <a:schemeClr val="accent1">
+                  <a:shade val="50000"/>
+                </a:schemeClr>
+              </a:lnRef>
+              <a:fillRef idx="1">
+                <a:schemeClr val="accent1"/>
+              </a:fillRef>
+              <a:effectRef idx="0">
+                <a:schemeClr val="accent1"/>
+              </a:effectRef>
+              <a:fontRef idx="minor">
+                <a:schemeClr val="lt1"/>
+              </a:fontRef>
+            </p:style>
+            <p:txBody>
+              <a:bodyPr rtlCol="0" anchor="ctr"/>
+              <a:lstStyle/>
+              <a:p>
+                <a:pPr algn="ctr"/>
+                <a:r>
+                  <a:rPr lang="ko-KR" altLang="en-US" sz="900" dirty="0" smtClean="0">
+                    <a:solidFill>
+                      <a:schemeClr val="bg2">
+                        <a:lumMod val="10000"/>
+                      </a:schemeClr>
+                    </a:solidFill>
+                  </a:rPr>
+                  <a:t>책 이미지</a:t>
+                </a:r>
+                <a:endParaRPr lang="ko-KR" altLang="en-US" sz="900" dirty="0">
+                  <a:solidFill>
+                    <a:schemeClr val="bg2">
+                      <a:lumMod val="10000"/>
+                    </a:schemeClr>
+                  </a:solidFill>
+                </a:endParaRPr>
+              </a:p>
+            </p:txBody>
+          </p:sp>
+          <p:sp>
+            <p:nvSpPr>
+              <p:cNvPr id="34" name="직사각형 33"/>
+              <p:cNvSpPr/>
+              <p:nvPr/>
+            </p:nvSpPr>
+            <p:spPr>
+              <a:xfrm>
+                <a:off x="5495926" y="4036618"/>
+                <a:ext cx="1104897" cy="230186"/>
+              </a:xfrm>
+              <a:prstGeom prst="rect">
+                <a:avLst/>
+              </a:prstGeom>
+              <a:noFill/>
+              <a:ln>
+                <a:solidFill>
+                  <a:schemeClr val="tx1">
+                    <a:lumMod val="85000"/>
+                    <a:lumOff val="15000"/>
+                  </a:schemeClr>
+                </a:solidFill>
+              </a:ln>
+            </p:spPr>
+            <p:style>
+              <a:lnRef idx="2">
+                <a:schemeClr val="accent1">
+                  <a:shade val="50000"/>
+                </a:schemeClr>
+              </a:lnRef>
+              <a:fillRef idx="1">
+                <a:schemeClr val="accent1"/>
+              </a:fillRef>
+              <a:effectRef idx="0">
+                <a:schemeClr val="accent1"/>
+              </a:effectRef>
+              <a:fontRef idx="minor">
+                <a:schemeClr val="lt1"/>
+              </a:fontRef>
+            </p:style>
+            <p:txBody>
+              <a:bodyPr rtlCol="0" anchor="ctr"/>
+              <a:lstStyle/>
+              <a:p>
+                <a:pPr algn="ctr"/>
+                <a:r>
+                  <a:rPr lang="ko-KR" altLang="en-US" sz="900" smtClean="0">
+                    <a:solidFill>
+                      <a:schemeClr val="bg2">
+                        <a:lumMod val="10000"/>
+                      </a:schemeClr>
+                    </a:solidFill>
+                  </a:rPr>
+                  <a:t>책 이름</a:t>
+                </a:r>
+                <a:endParaRPr lang="ko-KR" altLang="en-US" sz="900" dirty="0">
+                  <a:solidFill>
+                    <a:schemeClr val="bg2">
+                      <a:lumMod val="10000"/>
+                    </a:schemeClr>
+                  </a:solidFill>
+                </a:endParaRPr>
+              </a:p>
+            </p:txBody>
+          </p:sp>
+          <p:sp>
+            <p:nvSpPr>
+              <p:cNvPr id="35" name="직사각형 34"/>
+              <p:cNvSpPr/>
+              <p:nvPr/>
+            </p:nvSpPr>
+            <p:spPr>
+              <a:xfrm>
+                <a:off x="5495926" y="4292998"/>
+                <a:ext cx="1104897" cy="230186"/>
+              </a:xfrm>
+              <a:prstGeom prst="rect">
+                <a:avLst/>
+              </a:prstGeom>
+              <a:noFill/>
+              <a:ln>
+                <a:solidFill>
+                  <a:schemeClr val="tx1">
+                    <a:lumMod val="85000"/>
+                    <a:lumOff val="15000"/>
+                  </a:schemeClr>
+                </a:solidFill>
+              </a:ln>
+            </p:spPr>
+            <p:style>
+              <a:lnRef idx="2">
+                <a:schemeClr val="accent1">
+                  <a:shade val="50000"/>
+                </a:schemeClr>
+              </a:lnRef>
+              <a:fillRef idx="1">
+                <a:schemeClr val="accent1"/>
+              </a:fillRef>
+              <a:effectRef idx="0">
+                <a:schemeClr val="accent1"/>
+              </a:effectRef>
+              <a:fontRef idx="minor">
+                <a:schemeClr val="lt1"/>
+              </a:fontRef>
+            </p:style>
+            <p:txBody>
+              <a:bodyPr rtlCol="0" anchor="ctr"/>
+              <a:lstStyle/>
+              <a:p>
+                <a:pPr algn="ctr"/>
+                <a:r>
+                  <a:rPr lang="ko-KR" altLang="en-US" sz="900" dirty="0" smtClean="0">
+                    <a:solidFill>
+                      <a:schemeClr val="bg2">
+                        <a:lumMod val="10000"/>
+                      </a:schemeClr>
+                    </a:solidFill>
+                  </a:rPr>
+                  <a:t>가격</a:t>
+                </a:r>
+                <a:endParaRPr lang="ko-KR" altLang="en-US" sz="900" dirty="0">
+                  <a:solidFill>
+                    <a:schemeClr val="bg2">
+                      <a:lumMod val="10000"/>
+                    </a:schemeClr>
+                  </a:solidFill>
+                </a:endParaRPr>
+              </a:p>
+            </p:txBody>
+          </p:sp>
+        </p:grpSp>
+        <p:grpSp>
+          <p:nvGrpSpPr>
+            <p:cNvPr id="36" name="그룹 35"/>
+            <p:cNvGrpSpPr/>
+            <p:nvPr/>
+          </p:nvGrpSpPr>
+          <p:grpSpPr>
+            <a:xfrm>
+              <a:off x="4936067" y="3170237"/>
+              <a:ext cx="1076326" cy="1430337"/>
+              <a:chOff x="5391149" y="3179762"/>
+              <a:chExt cx="1304923" cy="1430337"/>
+            </a:xfrm>
+          </p:grpSpPr>
+          <p:sp>
+            <p:nvSpPr>
+              <p:cNvPr id="37" name="직사각형 36"/>
+              <p:cNvSpPr/>
+              <p:nvPr/>
+            </p:nvSpPr>
+            <p:spPr>
+              <a:xfrm>
+                <a:off x="5391149" y="3179762"/>
+                <a:ext cx="1304923" cy="1430337"/>
+              </a:xfrm>
+              <a:prstGeom prst="rect">
+                <a:avLst/>
+              </a:prstGeom>
+              <a:noFill/>
+              <a:ln>
+                <a:solidFill>
+                  <a:schemeClr val="tx1">
+                    <a:lumMod val="85000"/>
+                    <a:lumOff val="15000"/>
+                  </a:schemeClr>
+                </a:solidFill>
+              </a:ln>
+            </p:spPr>
+            <p:style>
+              <a:lnRef idx="2">
+                <a:schemeClr val="accent1">
+                  <a:shade val="50000"/>
+                </a:schemeClr>
+              </a:lnRef>
+              <a:fillRef idx="1">
+                <a:schemeClr val="accent1"/>
+              </a:fillRef>
+              <a:effectRef idx="0">
+                <a:schemeClr val="accent1"/>
+              </a:effectRef>
+              <a:fontRef idx="minor">
+                <a:schemeClr val="lt1"/>
+              </a:fontRef>
+            </p:style>
+            <p:txBody>
+              <a:bodyPr rtlCol="0" anchor="ctr"/>
+              <a:lstStyle/>
+              <a:p>
+                <a:pPr algn="ctr"/>
+                <a:endParaRPr lang="ko-KR" altLang="en-US" sz="900" dirty="0">
+                  <a:solidFill>
+                    <a:schemeClr val="bg2">
+                      <a:lumMod val="10000"/>
+                    </a:schemeClr>
+                  </a:solidFill>
+                </a:endParaRPr>
+              </a:p>
+            </p:txBody>
+          </p:sp>
+          <p:sp>
+            <p:nvSpPr>
+              <p:cNvPr id="38" name="직사각형 37"/>
+              <p:cNvSpPr/>
+              <p:nvPr/>
+            </p:nvSpPr>
+            <p:spPr>
+              <a:xfrm>
+                <a:off x="5495926" y="3273427"/>
+                <a:ext cx="1104897" cy="708024"/>
+              </a:xfrm>
+              <a:prstGeom prst="rect">
+                <a:avLst/>
+              </a:prstGeom>
+              <a:noFill/>
+              <a:ln>
+                <a:solidFill>
+                  <a:schemeClr val="tx1">
+                    <a:lumMod val="85000"/>
+                    <a:lumOff val="15000"/>
+                  </a:schemeClr>
+                </a:solidFill>
+              </a:ln>
+            </p:spPr>
+            <p:style>
+              <a:lnRef idx="2">
+                <a:schemeClr val="accent1">
+                  <a:shade val="50000"/>
+                </a:schemeClr>
+              </a:lnRef>
+              <a:fillRef idx="1">
+                <a:schemeClr val="accent1"/>
+              </a:fillRef>
+              <a:effectRef idx="0">
+                <a:schemeClr val="accent1"/>
+              </a:effectRef>
+              <a:fontRef idx="minor">
+                <a:schemeClr val="lt1"/>
+              </a:fontRef>
+            </p:style>
+            <p:txBody>
+              <a:bodyPr rtlCol="0" anchor="ctr"/>
+              <a:lstStyle/>
+              <a:p>
+                <a:pPr algn="ctr"/>
+                <a:r>
+                  <a:rPr lang="ko-KR" altLang="en-US" sz="900" dirty="0" smtClean="0">
+                    <a:solidFill>
+                      <a:schemeClr val="bg2">
+                        <a:lumMod val="10000"/>
+                      </a:schemeClr>
+                    </a:solidFill>
+                  </a:rPr>
+                  <a:t>책 이미지</a:t>
+                </a:r>
+                <a:endParaRPr lang="ko-KR" altLang="en-US" sz="900" dirty="0">
+                  <a:solidFill>
+                    <a:schemeClr val="bg2">
+                      <a:lumMod val="10000"/>
+                    </a:schemeClr>
+                  </a:solidFill>
+                </a:endParaRPr>
+              </a:p>
+            </p:txBody>
+          </p:sp>
+          <p:sp>
+            <p:nvSpPr>
+              <p:cNvPr id="39" name="직사각형 38"/>
+              <p:cNvSpPr/>
+              <p:nvPr/>
+            </p:nvSpPr>
+            <p:spPr>
+              <a:xfrm>
+                <a:off x="5495926" y="4036618"/>
+                <a:ext cx="1104897" cy="230186"/>
+              </a:xfrm>
+              <a:prstGeom prst="rect">
+                <a:avLst/>
+              </a:prstGeom>
+              <a:noFill/>
+              <a:ln>
+                <a:solidFill>
+                  <a:schemeClr val="tx1">
+                    <a:lumMod val="85000"/>
+                    <a:lumOff val="15000"/>
+                  </a:schemeClr>
+                </a:solidFill>
+              </a:ln>
+            </p:spPr>
+            <p:style>
+              <a:lnRef idx="2">
+                <a:schemeClr val="accent1">
+                  <a:shade val="50000"/>
+                </a:schemeClr>
+              </a:lnRef>
+              <a:fillRef idx="1">
+                <a:schemeClr val="accent1"/>
+              </a:fillRef>
+              <a:effectRef idx="0">
+                <a:schemeClr val="accent1"/>
+              </a:effectRef>
+              <a:fontRef idx="minor">
+                <a:schemeClr val="lt1"/>
+              </a:fontRef>
+            </p:style>
+            <p:txBody>
+              <a:bodyPr rtlCol="0" anchor="ctr"/>
+              <a:lstStyle/>
+              <a:p>
+                <a:pPr algn="ctr"/>
+                <a:r>
+                  <a:rPr lang="ko-KR" altLang="en-US" sz="900" smtClean="0">
+                    <a:solidFill>
+                      <a:schemeClr val="bg2">
+                        <a:lumMod val="10000"/>
+                      </a:schemeClr>
+                    </a:solidFill>
+                  </a:rPr>
+                  <a:t>책 이름</a:t>
+                </a:r>
+                <a:endParaRPr lang="ko-KR" altLang="en-US" sz="900" dirty="0">
+                  <a:solidFill>
+                    <a:schemeClr val="bg2">
+                      <a:lumMod val="10000"/>
+                    </a:schemeClr>
+                  </a:solidFill>
+                </a:endParaRPr>
+              </a:p>
+            </p:txBody>
+          </p:sp>
+          <p:sp>
+            <p:nvSpPr>
+              <p:cNvPr id="40" name="직사각형 39"/>
+              <p:cNvSpPr/>
+              <p:nvPr/>
+            </p:nvSpPr>
+            <p:spPr>
+              <a:xfrm>
+                <a:off x="5495926" y="4292998"/>
+                <a:ext cx="1104897" cy="230186"/>
+              </a:xfrm>
+              <a:prstGeom prst="rect">
+                <a:avLst/>
+              </a:prstGeom>
+              <a:noFill/>
+              <a:ln>
+                <a:solidFill>
+                  <a:schemeClr val="tx1">
+                    <a:lumMod val="85000"/>
+                    <a:lumOff val="15000"/>
+                  </a:schemeClr>
+                </a:solidFill>
+              </a:ln>
+            </p:spPr>
+            <p:style>
+              <a:lnRef idx="2">
+                <a:schemeClr val="accent1">
+                  <a:shade val="50000"/>
+                </a:schemeClr>
+              </a:lnRef>
+              <a:fillRef idx="1">
+                <a:schemeClr val="accent1"/>
+              </a:fillRef>
+              <a:effectRef idx="0">
+                <a:schemeClr val="accent1"/>
+              </a:effectRef>
+              <a:fontRef idx="minor">
+                <a:schemeClr val="lt1"/>
+              </a:fontRef>
+            </p:style>
+            <p:txBody>
+              <a:bodyPr rtlCol="0" anchor="ctr"/>
+              <a:lstStyle/>
+              <a:p>
+                <a:pPr algn="ctr"/>
+                <a:r>
+                  <a:rPr lang="ko-KR" altLang="en-US" sz="900" dirty="0" smtClean="0">
+                    <a:solidFill>
+                      <a:schemeClr val="bg2">
+                        <a:lumMod val="10000"/>
+                      </a:schemeClr>
+                    </a:solidFill>
+                  </a:rPr>
+                  <a:t>가격</a:t>
+                </a:r>
+                <a:endParaRPr lang="ko-KR" altLang="en-US" sz="900" dirty="0">
+                  <a:solidFill>
+                    <a:schemeClr val="bg2">
+                      <a:lumMod val="10000"/>
+                    </a:schemeClr>
+                  </a:solidFill>
+                </a:endParaRPr>
+              </a:p>
+            </p:txBody>
+          </p:sp>
+        </p:grpSp>
+        <p:grpSp>
+          <p:nvGrpSpPr>
+            <p:cNvPr id="41" name="그룹 40"/>
+            <p:cNvGrpSpPr/>
+            <p:nvPr/>
+          </p:nvGrpSpPr>
+          <p:grpSpPr>
+            <a:xfrm>
+              <a:off x="6103937" y="3170237"/>
+              <a:ext cx="1076326" cy="1430337"/>
+              <a:chOff x="5391149" y="3179762"/>
+              <a:chExt cx="1304923" cy="1430337"/>
+            </a:xfrm>
+          </p:grpSpPr>
+          <p:sp>
+            <p:nvSpPr>
+              <p:cNvPr id="42" name="직사각형 41"/>
+              <p:cNvSpPr/>
+              <p:nvPr/>
+            </p:nvSpPr>
+            <p:spPr>
+              <a:xfrm>
+                <a:off x="5391149" y="3179762"/>
+                <a:ext cx="1304923" cy="1430337"/>
+              </a:xfrm>
+              <a:prstGeom prst="rect">
+                <a:avLst/>
+              </a:prstGeom>
+              <a:noFill/>
+              <a:ln>
+                <a:solidFill>
+                  <a:schemeClr val="tx1">
+                    <a:lumMod val="85000"/>
+                    <a:lumOff val="15000"/>
+                  </a:schemeClr>
+                </a:solidFill>
+              </a:ln>
+            </p:spPr>
+            <p:style>
+              <a:lnRef idx="2">
+                <a:schemeClr val="accent1">
+                  <a:shade val="50000"/>
+                </a:schemeClr>
+              </a:lnRef>
+              <a:fillRef idx="1">
+                <a:schemeClr val="accent1"/>
+              </a:fillRef>
+              <a:effectRef idx="0">
+                <a:schemeClr val="accent1"/>
+              </a:effectRef>
+              <a:fontRef idx="minor">
+                <a:schemeClr val="lt1"/>
+              </a:fontRef>
+            </p:style>
+            <p:txBody>
+              <a:bodyPr rtlCol="0" anchor="ctr"/>
+              <a:lstStyle/>
+              <a:p>
+                <a:pPr algn="ctr"/>
+                <a:endParaRPr lang="ko-KR" altLang="en-US" sz="900" dirty="0">
+                  <a:solidFill>
+                    <a:schemeClr val="bg2">
+                      <a:lumMod val="10000"/>
+                    </a:schemeClr>
+                  </a:solidFill>
+                </a:endParaRPr>
+              </a:p>
+            </p:txBody>
+          </p:sp>
+          <p:sp>
+            <p:nvSpPr>
+              <p:cNvPr id="43" name="직사각형 42"/>
+              <p:cNvSpPr/>
+              <p:nvPr/>
+            </p:nvSpPr>
+            <p:spPr>
+              <a:xfrm>
+                <a:off x="5495926" y="3273427"/>
+                <a:ext cx="1104897" cy="708024"/>
+              </a:xfrm>
+              <a:prstGeom prst="rect">
+                <a:avLst/>
+              </a:prstGeom>
+              <a:noFill/>
+              <a:ln>
+                <a:solidFill>
+                  <a:schemeClr val="tx1">
+                    <a:lumMod val="85000"/>
+                    <a:lumOff val="15000"/>
+                  </a:schemeClr>
+                </a:solidFill>
+              </a:ln>
+            </p:spPr>
+            <p:style>
+              <a:lnRef idx="2">
+                <a:schemeClr val="accent1">
+                  <a:shade val="50000"/>
+                </a:schemeClr>
+              </a:lnRef>
+              <a:fillRef idx="1">
+                <a:schemeClr val="accent1"/>
+              </a:fillRef>
+              <a:effectRef idx="0">
+                <a:schemeClr val="accent1"/>
+              </a:effectRef>
+              <a:fontRef idx="minor">
+                <a:schemeClr val="lt1"/>
+              </a:fontRef>
+            </p:style>
+            <p:txBody>
+              <a:bodyPr rtlCol="0" anchor="ctr"/>
+              <a:lstStyle/>
+              <a:p>
+                <a:pPr algn="ctr"/>
+                <a:r>
+                  <a:rPr lang="ko-KR" altLang="en-US" sz="900" dirty="0" smtClean="0">
+                    <a:solidFill>
+                      <a:schemeClr val="bg2">
+                        <a:lumMod val="10000"/>
+                      </a:schemeClr>
+                    </a:solidFill>
+                  </a:rPr>
+                  <a:t>책 이미지</a:t>
+                </a:r>
+                <a:endParaRPr lang="ko-KR" altLang="en-US" sz="900" dirty="0">
+                  <a:solidFill>
+                    <a:schemeClr val="bg2">
+                      <a:lumMod val="10000"/>
+                    </a:schemeClr>
+                  </a:solidFill>
+                </a:endParaRPr>
+              </a:p>
+            </p:txBody>
+          </p:sp>
+          <p:sp>
+            <p:nvSpPr>
+              <p:cNvPr id="44" name="직사각형 43"/>
+              <p:cNvSpPr/>
+              <p:nvPr/>
+            </p:nvSpPr>
+            <p:spPr>
+              <a:xfrm>
+                <a:off x="5495926" y="4036618"/>
+                <a:ext cx="1104897" cy="230186"/>
+              </a:xfrm>
+              <a:prstGeom prst="rect">
+                <a:avLst/>
+              </a:prstGeom>
+              <a:noFill/>
+              <a:ln>
+                <a:solidFill>
+                  <a:schemeClr val="tx1">
+                    <a:lumMod val="85000"/>
+                    <a:lumOff val="15000"/>
+                  </a:schemeClr>
+                </a:solidFill>
+              </a:ln>
+            </p:spPr>
+            <p:style>
+              <a:lnRef idx="2">
+                <a:schemeClr val="accent1">
+                  <a:shade val="50000"/>
+                </a:schemeClr>
+              </a:lnRef>
+              <a:fillRef idx="1">
+                <a:schemeClr val="accent1"/>
+              </a:fillRef>
+              <a:effectRef idx="0">
+                <a:schemeClr val="accent1"/>
+              </a:effectRef>
+              <a:fontRef idx="minor">
+                <a:schemeClr val="lt1"/>
+              </a:fontRef>
+            </p:style>
+            <p:txBody>
+              <a:bodyPr rtlCol="0" anchor="ctr"/>
+              <a:lstStyle/>
+              <a:p>
+                <a:pPr algn="ctr"/>
+                <a:r>
+                  <a:rPr lang="ko-KR" altLang="en-US" sz="900" smtClean="0">
+                    <a:solidFill>
+                      <a:schemeClr val="bg2">
+                        <a:lumMod val="10000"/>
+                      </a:schemeClr>
+                    </a:solidFill>
+                  </a:rPr>
+                  <a:t>책 이름</a:t>
+                </a:r>
+                <a:endParaRPr lang="ko-KR" altLang="en-US" sz="900" dirty="0">
+                  <a:solidFill>
+                    <a:schemeClr val="bg2">
+                      <a:lumMod val="10000"/>
+                    </a:schemeClr>
+                  </a:solidFill>
+                </a:endParaRPr>
+              </a:p>
+            </p:txBody>
+          </p:sp>
+          <p:sp>
+            <p:nvSpPr>
+              <p:cNvPr id="45" name="직사각형 44"/>
+              <p:cNvSpPr/>
+              <p:nvPr/>
+            </p:nvSpPr>
+            <p:spPr>
+              <a:xfrm>
+                <a:off x="5495926" y="4292998"/>
+                <a:ext cx="1104897" cy="230186"/>
+              </a:xfrm>
+              <a:prstGeom prst="rect">
+                <a:avLst/>
+              </a:prstGeom>
+              <a:noFill/>
+              <a:ln>
+                <a:solidFill>
+                  <a:schemeClr val="tx1">
+                    <a:lumMod val="85000"/>
+                    <a:lumOff val="15000"/>
+                  </a:schemeClr>
+                </a:solidFill>
+              </a:ln>
+            </p:spPr>
+            <p:style>
+              <a:lnRef idx="2">
+                <a:schemeClr val="accent1">
+                  <a:shade val="50000"/>
+                </a:schemeClr>
+              </a:lnRef>
+              <a:fillRef idx="1">
+                <a:schemeClr val="accent1"/>
+              </a:fillRef>
+              <a:effectRef idx="0">
+                <a:schemeClr val="accent1"/>
+              </a:effectRef>
+              <a:fontRef idx="minor">
+                <a:schemeClr val="lt1"/>
+              </a:fontRef>
+            </p:style>
+            <p:txBody>
+              <a:bodyPr rtlCol="0" anchor="ctr"/>
+              <a:lstStyle/>
+              <a:p>
+                <a:pPr algn="ctr"/>
+                <a:r>
+                  <a:rPr lang="ko-KR" altLang="en-US" sz="900" dirty="0" smtClean="0">
+                    <a:solidFill>
+                      <a:schemeClr val="bg2">
+                        <a:lumMod val="10000"/>
+                      </a:schemeClr>
+                    </a:solidFill>
+                  </a:rPr>
+                  <a:t>가격</a:t>
+                </a:r>
+                <a:endParaRPr lang="ko-KR" altLang="en-US" sz="900" dirty="0">
+                  <a:solidFill>
+                    <a:schemeClr val="bg2">
+                      <a:lumMod val="10000"/>
+                    </a:schemeClr>
+                  </a:solidFill>
+                </a:endParaRPr>
+              </a:p>
+            </p:txBody>
+          </p:sp>
+        </p:grpSp>
+        <p:grpSp>
+          <p:nvGrpSpPr>
+            <p:cNvPr id="46" name="그룹 45"/>
+            <p:cNvGrpSpPr/>
+            <p:nvPr/>
+          </p:nvGrpSpPr>
+          <p:grpSpPr>
+            <a:xfrm>
+              <a:off x="2600327" y="4713288"/>
+              <a:ext cx="1076326" cy="1430337"/>
+              <a:chOff x="5391149" y="3179762"/>
+              <a:chExt cx="1304923" cy="1430337"/>
+            </a:xfrm>
+          </p:grpSpPr>
+          <p:sp>
+            <p:nvSpPr>
+              <p:cNvPr id="47" name="직사각형 46"/>
+              <p:cNvSpPr/>
+              <p:nvPr/>
+            </p:nvSpPr>
+            <p:spPr>
+              <a:xfrm>
+                <a:off x="5391149" y="3179762"/>
+                <a:ext cx="1304923" cy="1430337"/>
+              </a:xfrm>
+              <a:prstGeom prst="rect">
+                <a:avLst/>
+              </a:prstGeom>
+              <a:noFill/>
+              <a:ln>
+                <a:solidFill>
+                  <a:schemeClr val="tx1">
+                    <a:lumMod val="85000"/>
+                    <a:lumOff val="15000"/>
+                  </a:schemeClr>
+                </a:solidFill>
+              </a:ln>
+            </p:spPr>
+            <p:style>
+              <a:lnRef idx="2">
+                <a:schemeClr val="accent1">
+                  <a:shade val="50000"/>
+                </a:schemeClr>
+              </a:lnRef>
+              <a:fillRef idx="1">
+                <a:schemeClr val="accent1"/>
+              </a:fillRef>
+              <a:effectRef idx="0">
+                <a:schemeClr val="accent1"/>
+              </a:effectRef>
+              <a:fontRef idx="minor">
+                <a:schemeClr val="lt1"/>
+              </a:fontRef>
+            </p:style>
+            <p:txBody>
+              <a:bodyPr rtlCol="0" anchor="ctr"/>
+              <a:lstStyle/>
+              <a:p>
+                <a:pPr algn="ctr"/>
+                <a:endParaRPr lang="ko-KR" altLang="en-US" sz="900" dirty="0">
+                  <a:solidFill>
+                    <a:schemeClr val="bg2">
+                      <a:lumMod val="10000"/>
+                    </a:schemeClr>
+                  </a:solidFill>
+                </a:endParaRPr>
+              </a:p>
+            </p:txBody>
+          </p:sp>
+          <p:sp>
+            <p:nvSpPr>
+              <p:cNvPr id="48" name="직사각형 47"/>
+              <p:cNvSpPr/>
+              <p:nvPr/>
+            </p:nvSpPr>
+            <p:spPr>
+              <a:xfrm>
+                <a:off x="5495926" y="3273427"/>
+                <a:ext cx="1104897" cy="708024"/>
+              </a:xfrm>
+              <a:prstGeom prst="rect">
+                <a:avLst/>
+              </a:prstGeom>
+              <a:noFill/>
+              <a:ln>
+                <a:solidFill>
+                  <a:schemeClr val="tx1">
+                    <a:lumMod val="85000"/>
+                    <a:lumOff val="15000"/>
+                  </a:schemeClr>
+                </a:solidFill>
+              </a:ln>
+            </p:spPr>
+            <p:style>
+              <a:lnRef idx="2">
+                <a:schemeClr val="accent1">
+                  <a:shade val="50000"/>
+                </a:schemeClr>
+              </a:lnRef>
+              <a:fillRef idx="1">
+                <a:schemeClr val="accent1"/>
+              </a:fillRef>
+              <a:effectRef idx="0">
+                <a:schemeClr val="accent1"/>
+              </a:effectRef>
+              <a:fontRef idx="minor">
+                <a:schemeClr val="lt1"/>
+              </a:fontRef>
+            </p:style>
+            <p:txBody>
+              <a:bodyPr rtlCol="0" anchor="ctr"/>
+              <a:lstStyle/>
+              <a:p>
+                <a:pPr algn="ctr"/>
+                <a:r>
+                  <a:rPr lang="ko-KR" altLang="en-US" sz="900" dirty="0" smtClean="0">
+                    <a:solidFill>
+                      <a:schemeClr val="bg2">
+                        <a:lumMod val="10000"/>
+                      </a:schemeClr>
+                    </a:solidFill>
+                  </a:rPr>
+                  <a:t>책 이미지</a:t>
+                </a:r>
+                <a:endParaRPr lang="ko-KR" altLang="en-US" sz="900" dirty="0">
+                  <a:solidFill>
+                    <a:schemeClr val="bg2">
+                      <a:lumMod val="10000"/>
+                    </a:schemeClr>
+                  </a:solidFill>
+                </a:endParaRPr>
+              </a:p>
+            </p:txBody>
+          </p:sp>
+          <p:sp>
+            <p:nvSpPr>
+              <p:cNvPr id="49" name="직사각형 48"/>
+              <p:cNvSpPr/>
+              <p:nvPr/>
+            </p:nvSpPr>
+            <p:spPr>
+              <a:xfrm>
+                <a:off x="5495926" y="4036618"/>
+                <a:ext cx="1104897" cy="230186"/>
+              </a:xfrm>
+              <a:prstGeom prst="rect">
+                <a:avLst/>
+              </a:prstGeom>
+              <a:noFill/>
+              <a:ln>
+                <a:solidFill>
+                  <a:schemeClr val="tx1">
+                    <a:lumMod val="85000"/>
+                    <a:lumOff val="15000"/>
+                  </a:schemeClr>
+                </a:solidFill>
+              </a:ln>
+            </p:spPr>
+            <p:style>
+              <a:lnRef idx="2">
+                <a:schemeClr val="accent1">
+                  <a:shade val="50000"/>
+                </a:schemeClr>
+              </a:lnRef>
+              <a:fillRef idx="1">
+                <a:schemeClr val="accent1"/>
+              </a:fillRef>
+              <a:effectRef idx="0">
+                <a:schemeClr val="accent1"/>
+              </a:effectRef>
+              <a:fontRef idx="minor">
+                <a:schemeClr val="lt1"/>
+              </a:fontRef>
+            </p:style>
+            <p:txBody>
+              <a:bodyPr rtlCol="0" anchor="ctr"/>
+              <a:lstStyle/>
+              <a:p>
+                <a:pPr algn="ctr"/>
+                <a:r>
+                  <a:rPr lang="ko-KR" altLang="en-US" sz="900" smtClean="0">
+                    <a:solidFill>
+                      <a:schemeClr val="bg2">
+                        <a:lumMod val="10000"/>
+                      </a:schemeClr>
+                    </a:solidFill>
+                  </a:rPr>
+                  <a:t>책 이름</a:t>
+                </a:r>
+                <a:endParaRPr lang="ko-KR" altLang="en-US" sz="900" dirty="0">
+                  <a:solidFill>
+                    <a:schemeClr val="bg2">
+                      <a:lumMod val="10000"/>
+                    </a:schemeClr>
+                  </a:solidFill>
+                </a:endParaRPr>
+              </a:p>
+            </p:txBody>
+          </p:sp>
+          <p:sp>
+            <p:nvSpPr>
+              <p:cNvPr id="50" name="직사각형 49"/>
+              <p:cNvSpPr/>
+              <p:nvPr/>
+            </p:nvSpPr>
+            <p:spPr>
+              <a:xfrm>
+                <a:off x="5495926" y="4292998"/>
+                <a:ext cx="1104897" cy="230186"/>
+              </a:xfrm>
+              <a:prstGeom prst="rect">
+                <a:avLst/>
+              </a:prstGeom>
+              <a:noFill/>
+              <a:ln>
+                <a:solidFill>
+                  <a:schemeClr val="tx1">
+                    <a:lumMod val="85000"/>
+                    <a:lumOff val="15000"/>
+                  </a:schemeClr>
+                </a:solidFill>
+              </a:ln>
+            </p:spPr>
+            <p:style>
+              <a:lnRef idx="2">
+                <a:schemeClr val="accent1">
+                  <a:shade val="50000"/>
+                </a:schemeClr>
+              </a:lnRef>
+              <a:fillRef idx="1">
+                <a:schemeClr val="accent1"/>
+              </a:fillRef>
+              <a:effectRef idx="0">
+                <a:schemeClr val="accent1"/>
+              </a:effectRef>
+              <a:fontRef idx="minor">
+                <a:schemeClr val="lt1"/>
+              </a:fontRef>
+            </p:style>
+            <p:txBody>
+              <a:bodyPr rtlCol="0" anchor="ctr"/>
+              <a:lstStyle/>
+              <a:p>
+                <a:pPr algn="ctr"/>
+                <a:r>
+                  <a:rPr lang="ko-KR" altLang="en-US" sz="900" dirty="0" smtClean="0">
+                    <a:solidFill>
+                      <a:schemeClr val="bg2">
+                        <a:lumMod val="10000"/>
+                      </a:schemeClr>
+                    </a:solidFill>
+                  </a:rPr>
+                  <a:t>가격</a:t>
+                </a:r>
+                <a:endParaRPr lang="ko-KR" altLang="en-US" sz="900" dirty="0">
+                  <a:solidFill>
+                    <a:schemeClr val="bg2">
+                      <a:lumMod val="10000"/>
+                    </a:schemeClr>
+                  </a:solidFill>
+                </a:endParaRPr>
+              </a:p>
+            </p:txBody>
+          </p:sp>
+        </p:grpSp>
+        <p:grpSp>
+          <p:nvGrpSpPr>
+            <p:cNvPr id="51" name="그룹 50"/>
+            <p:cNvGrpSpPr/>
+            <p:nvPr/>
+          </p:nvGrpSpPr>
+          <p:grpSpPr>
+            <a:xfrm>
+              <a:off x="3768197" y="4713288"/>
+              <a:ext cx="1076326" cy="1430337"/>
+              <a:chOff x="5391149" y="3179762"/>
+              <a:chExt cx="1304923" cy="1430337"/>
+            </a:xfrm>
+          </p:grpSpPr>
+          <p:sp>
+            <p:nvSpPr>
+              <p:cNvPr id="52" name="직사각형 51"/>
+              <p:cNvSpPr/>
+              <p:nvPr/>
+            </p:nvSpPr>
+            <p:spPr>
+              <a:xfrm>
+                <a:off x="5391149" y="3179762"/>
+                <a:ext cx="1304923" cy="1430337"/>
+              </a:xfrm>
+              <a:prstGeom prst="rect">
+                <a:avLst/>
+              </a:prstGeom>
+              <a:noFill/>
+              <a:ln>
+                <a:solidFill>
+                  <a:schemeClr val="tx1">
+                    <a:lumMod val="85000"/>
+                    <a:lumOff val="15000"/>
+                  </a:schemeClr>
+                </a:solidFill>
+              </a:ln>
+            </p:spPr>
+            <p:style>
+              <a:lnRef idx="2">
+                <a:schemeClr val="accent1">
+                  <a:shade val="50000"/>
+                </a:schemeClr>
+              </a:lnRef>
+              <a:fillRef idx="1">
+                <a:schemeClr val="accent1"/>
+              </a:fillRef>
+              <a:effectRef idx="0">
+                <a:schemeClr val="accent1"/>
+              </a:effectRef>
+              <a:fontRef idx="minor">
+                <a:schemeClr val="lt1"/>
+              </a:fontRef>
+            </p:style>
+            <p:txBody>
+              <a:bodyPr rtlCol="0" anchor="ctr"/>
+              <a:lstStyle/>
+              <a:p>
+                <a:pPr algn="ctr"/>
+                <a:endParaRPr lang="ko-KR" altLang="en-US" sz="900" dirty="0">
+                  <a:solidFill>
+                    <a:schemeClr val="bg2">
+                      <a:lumMod val="10000"/>
+                    </a:schemeClr>
+                  </a:solidFill>
+                </a:endParaRPr>
+              </a:p>
+            </p:txBody>
+          </p:sp>
+          <p:sp>
+            <p:nvSpPr>
+              <p:cNvPr id="53" name="직사각형 52"/>
+              <p:cNvSpPr/>
+              <p:nvPr/>
+            </p:nvSpPr>
+            <p:spPr>
+              <a:xfrm>
+                <a:off x="5495926" y="3273427"/>
+                <a:ext cx="1104897" cy="708024"/>
+              </a:xfrm>
+              <a:prstGeom prst="rect">
+                <a:avLst/>
+              </a:prstGeom>
+              <a:noFill/>
+              <a:ln>
+                <a:solidFill>
+                  <a:schemeClr val="tx1">
+                    <a:lumMod val="85000"/>
+                    <a:lumOff val="15000"/>
+                  </a:schemeClr>
+                </a:solidFill>
+              </a:ln>
+            </p:spPr>
+            <p:style>
+              <a:lnRef idx="2">
+                <a:schemeClr val="accent1">
+                  <a:shade val="50000"/>
+                </a:schemeClr>
+              </a:lnRef>
+              <a:fillRef idx="1">
+                <a:schemeClr val="accent1"/>
+              </a:fillRef>
+              <a:effectRef idx="0">
+                <a:schemeClr val="accent1"/>
+              </a:effectRef>
+              <a:fontRef idx="minor">
+                <a:schemeClr val="lt1"/>
+              </a:fontRef>
+            </p:style>
+            <p:txBody>
+              <a:bodyPr rtlCol="0" anchor="ctr"/>
+              <a:lstStyle/>
+              <a:p>
+                <a:pPr algn="ctr"/>
+                <a:r>
+                  <a:rPr lang="ko-KR" altLang="en-US" sz="900" dirty="0" smtClean="0">
+                    <a:solidFill>
+                      <a:schemeClr val="bg2">
+                        <a:lumMod val="10000"/>
+                      </a:schemeClr>
+                    </a:solidFill>
+                  </a:rPr>
+                  <a:t>책 이미지</a:t>
+                </a:r>
+                <a:endParaRPr lang="ko-KR" altLang="en-US" sz="900" dirty="0">
+                  <a:solidFill>
+                    <a:schemeClr val="bg2">
+                      <a:lumMod val="10000"/>
+                    </a:schemeClr>
+                  </a:solidFill>
+                </a:endParaRPr>
+              </a:p>
+            </p:txBody>
+          </p:sp>
+          <p:sp>
+            <p:nvSpPr>
+              <p:cNvPr id="54" name="직사각형 53"/>
+              <p:cNvSpPr/>
+              <p:nvPr/>
+            </p:nvSpPr>
+            <p:spPr>
+              <a:xfrm>
+                <a:off x="5495926" y="4036618"/>
+                <a:ext cx="1104897" cy="230186"/>
+              </a:xfrm>
+              <a:prstGeom prst="rect">
+                <a:avLst/>
+              </a:prstGeom>
+              <a:noFill/>
+              <a:ln>
+                <a:solidFill>
+                  <a:schemeClr val="tx1">
+                    <a:lumMod val="85000"/>
+                    <a:lumOff val="15000"/>
+                  </a:schemeClr>
+                </a:solidFill>
+              </a:ln>
+            </p:spPr>
+            <p:style>
+              <a:lnRef idx="2">
+                <a:schemeClr val="accent1">
+                  <a:shade val="50000"/>
+                </a:schemeClr>
+              </a:lnRef>
+              <a:fillRef idx="1">
+                <a:schemeClr val="accent1"/>
+              </a:fillRef>
+              <a:effectRef idx="0">
+                <a:schemeClr val="accent1"/>
+              </a:effectRef>
+              <a:fontRef idx="minor">
+                <a:schemeClr val="lt1"/>
+              </a:fontRef>
+            </p:style>
+            <p:txBody>
+              <a:bodyPr rtlCol="0" anchor="ctr"/>
+              <a:lstStyle/>
+              <a:p>
+                <a:pPr algn="ctr"/>
+                <a:r>
+                  <a:rPr lang="ko-KR" altLang="en-US" sz="900" smtClean="0">
+                    <a:solidFill>
+                      <a:schemeClr val="bg2">
+                        <a:lumMod val="10000"/>
+                      </a:schemeClr>
+                    </a:solidFill>
+                  </a:rPr>
+                  <a:t>책 이름</a:t>
+                </a:r>
+                <a:endParaRPr lang="ko-KR" altLang="en-US" sz="900" dirty="0">
+                  <a:solidFill>
+                    <a:schemeClr val="bg2">
+                      <a:lumMod val="10000"/>
+                    </a:schemeClr>
+                  </a:solidFill>
+                </a:endParaRPr>
+              </a:p>
+            </p:txBody>
+          </p:sp>
+          <p:sp>
+            <p:nvSpPr>
+              <p:cNvPr id="55" name="직사각형 54"/>
+              <p:cNvSpPr/>
+              <p:nvPr/>
+            </p:nvSpPr>
+            <p:spPr>
+              <a:xfrm>
+                <a:off x="5495926" y="4292998"/>
+                <a:ext cx="1104897" cy="230186"/>
+              </a:xfrm>
+              <a:prstGeom prst="rect">
+                <a:avLst/>
+              </a:prstGeom>
+              <a:noFill/>
+              <a:ln>
+                <a:solidFill>
+                  <a:schemeClr val="tx1">
+                    <a:lumMod val="85000"/>
+                    <a:lumOff val="15000"/>
+                  </a:schemeClr>
+                </a:solidFill>
+              </a:ln>
+            </p:spPr>
+            <p:style>
+              <a:lnRef idx="2">
+                <a:schemeClr val="accent1">
+                  <a:shade val="50000"/>
+                </a:schemeClr>
+              </a:lnRef>
+              <a:fillRef idx="1">
+                <a:schemeClr val="accent1"/>
+              </a:fillRef>
+              <a:effectRef idx="0">
+                <a:schemeClr val="accent1"/>
+              </a:effectRef>
+              <a:fontRef idx="minor">
+                <a:schemeClr val="lt1"/>
+              </a:fontRef>
+            </p:style>
+            <p:txBody>
+              <a:bodyPr rtlCol="0" anchor="ctr"/>
+              <a:lstStyle/>
+              <a:p>
+                <a:pPr algn="ctr"/>
+                <a:r>
+                  <a:rPr lang="ko-KR" altLang="en-US" sz="900" dirty="0" smtClean="0">
+                    <a:solidFill>
+                      <a:schemeClr val="bg2">
+                        <a:lumMod val="10000"/>
+                      </a:schemeClr>
+                    </a:solidFill>
+                  </a:rPr>
+                  <a:t>가격</a:t>
+                </a:r>
+                <a:endParaRPr lang="ko-KR" altLang="en-US" sz="900" dirty="0">
+                  <a:solidFill>
+                    <a:schemeClr val="bg2">
+                      <a:lumMod val="10000"/>
+                    </a:schemeClr>
+                  </a:solidFill>
+                </a:endParaRPr>
+              </a:p>
+            </p:txBody>
+          </p:sp>
+        </p:grpSp>
+        <p:grpSp>
+          <p:nvGrpSpPr>
+            <p:cNvPr id="56" name="그룹 55"/>
+            <p:cNvGrpSpPr/>
+            <p:nvPr/>
+          </p:nvGrpSpPr>
+          <p:grpSpPr>
+            <a:xfrm>
+              <a:off x="4936067" y="4713288"/>
+              <a:ext cx="1076326" cy="1430337"/>
+              <a:chOff x="5391149" y="3179762"/>
+              <a:chExt cx="1304923" cy="1430337"/>
+            </a:xfrm>
+          </p:grpSpPr>
+          <p:sp>
+            <p:nvSpPr>
+              <p:cNvPr id="57" name="직사각형 56"/>
+              <p:cNvSpPr/>
+              <p:nvPr/>
+            </p:nvSpPr>
+            <p:spPr>
+              <a:xfrm>
+                <a:off x="5391149" y="3179762"/>
+                <a:ext cx="1304923" cy="1430337"/>
+              </a:xfrm>
+              <a:prstGeom prst="rect">
+                <a:avLst/>
+              </a:prstGeom>
+              <a:noFill/>
+              <a:ln>
+                <a:solidFill>
+                  <a:schemeClr val="tx1">
+                    <a:lumMod val="85000"/>
+                    <a:lumOff val="15000"/>
+                  </a:schemeClr>
+                </a:solidFill>
+              </a:ln>
+            </p:spPr>
+            <p:style>
+              <a:lnRef idx="2">
+                <a:schemeClr val="accent1">
+                  <a:shade val="50000"/>
+                </a:schemeClr>
+              </a:lnRef>
+              <a:fillRef idx="1">
+                <a:schemeClr val="accent1"/>
+              </a:fillRef>
+              <a:effectRef idx="0">
+                <a:schemeClr val="accent1"/>
+              </a:effectRef>
+              <a:fontRef idx="minor">
+                <a:schemeClr val="lt1"/>
+              </a:fontRef>
+            </p:style>
+            <p:txBody>
+              <a:bodyPr rtlCol="0" anchor="ctr"/>
+              <a:lstStyle/>
+              <a:p>
+                <a:pPr algn="ctr"/>
+                <a:endParaRPr lang="ko-KR" altLang="en-US" sz="900" dirty="0">
+                  <a:solidFill>
+                    <a:schemeClr val="bg2">
+                      <a:lumMod val="10000"/>
+                    </a:schemeClr>
+                  </a:solidFill>
+                </a:endParaRPr>
+              </a:p>
+            </p:txBody>
+          </p:sp>
+          <p:sp>
+            <p:nvSpPr>
+              <p:cNvPr id="58" name="직사각형 57"/>
+              <p:cNvSpPr/>
+              <p:nvPr/>
+            </p:nvSpPr>
+            <p:spPr>
+              <a:xfrm>
+                <a:off x="5495926" y="3273427"/>
+                <a:ext cx="1104897" cy="708024"/>
+              </a:xfrm>
+              <a:prstGeom prst="rect">
+                <a:avLst/>
+              </a:prstGeom>
+              <a:noFill/>
+              <a:ln>
+                <a:solidFill>
+                  <a:schemeClr val="tx1">
+                    <a:lumMod val="85000"/>
+                    <a:lumOff val="15000"/>
+                  </a:schemeClr>
+                </a:solidFill>
+              </a:ln>
+            </p:spPr>
+            <p:style>
+              <a:lnRef idx="2">
+                <a:schemeClr val="accent1">
+                  <a:shade val="50000"/>
+                </a:schemeClr>
+              </a:lnRef>
+              <a:fillRef idx="1">
+                <a:schemeClr val="accent1"/>
+              </a:fillRef>
+              <a:effectRef idx="0">
+                <a:schemeClr val="accent1"/>
+              </a:effectRef>
+              <a:fontRef idx="minor">
+                <a:schemeClr val="lt1"/>
+              </a:fontRef>
+            </p:style>
+            <p:txBody>
+              <a:bodyPr rtlCol="0" anchor="ctr"/>
+              <a:lstStyle/>
+              <a:p>
+                <a:pPr algn="ctr"/>
+                <a:r>
+                  <a:rPr lang="ko-KR" altLang="en-US" sz="900" dirty="0" smtClean="0">
+                    <a:solidFill>
+                      <a:schemeClr val="bg2">
+                        <a:lumMod val="10000"/>
+                      </a:schemeClr>
+                    </a:solidFill>
+                  </a:rPr>
+                  <a:t>책 이미지</a:t>
+                </a:r>
+                <a:endParaRPr lang="ko-KR" altLang="en-US" sz="900" dirty="0">
+                  <a:solidFill>
+                    <a:schemeClr val="bg2">
+                      <a:lumMod val="10000"/>
+                    </a:schemeClr>
+                  </a:solidFill>
+                </a:endParaRPr>
+              </a:p>
+            </p:txBody>
+          </p:sp>
+          <p:sp>
+            <p:nvSpPr>
+              <p:cNvPr id="59" name="직사각형 58"/>
+              <p:cNvSpPr/>
+              <p:nvPr/>
+            </p:nvSpPr>
+            <p:spPr>
+              <a:xfrm>
+                <a:off x="5495926" y="4036618"/>
+                <a:ext cx="1104897" cy="230186"/>
+              </a:xfrm>
+              <a:prstGeom prst="rect">
+                <a:avLst/>
+              </a:prstGeom>
+              <a:noFill/>
+              <a:ln>
+                <a:solidFill>
+                  <a:schemeClr val="tx1">
+                    <a:lumMod val="85000"/>
+                    <a:lumOff val="15000"/>
+                  </a:schemeClr>
+                </a:solidFill>
+              </a:ln>
+            </p:spPr>
+            <p:style>
+              <a:lnRef idx="2">
+                <a:schemeClr val="accent1">
+                  <a:shade val="50000"/>
+                </a:schemeClr>
+              </a:lnRef>
+              <a:fillRef idx="1">
+                <a:schemeClr val="accent1"/>
+              </a:fillRef>
+              <a:effectRef idx="0">
+                <a:schemeClr val="accent1"/>
+              </a:effectRef>
+              <a:fontRef idx="minor">
+                <a:schemeClr val="lt1"/>
+              </a:fontRef>
+            </p:style>
+            <p:txBody>
+              <a:bodyPr rtlCol="0" anchor="ctr"/>
+              <a:lstStyle/>
+              <a:p>
+                <a:pPr algn="ctr"/>
+                <a:r>
+                  <a:rPr lang="ko-KR" altLang="en-US" sz="900" smtClean="0">
+                    <a:solidFill>
+                      <a:schemeClr val="bg2">
+                        <a:lumMod val="10000"/>
+                      </a:schemeClr>
+                    </a:solidFill>
+                  </a:rPr>
+                  <a:t>책 이름</a:t>
+                </a:r>
+                <a:endParaRPr lang="ko-KR" altLang="en-US" sz="900" dirty="0">
+                  <a:solidFill>
+                    <a:schemeClr val="bg2">
+                      <a:lumMod val="10000"/>
+                    </a:schemeClr>
+                  </a:solidFill>
+                </a:endParaRPr>
+              </a:p>
+            </p:txBody>
+          </p:sp>
+          <p:sp>
+            <p:nvSpPr>
+              <p:cNvPr id="60" name="직사각형 59"/>
+              <p:cNvSpPr/>
+              <p:nvPr/>
+            </p:nvSpPr>
+            <p:spPr>
+              <a:xfrm>
+                <a:off x="5495926" y="4292998"/>
+                <a:ext cx="1104897" cy="230186"/>
+              </a:xfrm>
+              <a:prstGeom prst="rect">
+                <a:avLst/>
+              </a:prstGeom>
+              <a:noFill/>
+              <a:ln>
+                <a:solidFill>
+                  <a:schemeClr val="tx1">
+                    <a:lumMod val="85000"/>
+                    <a:lumOff val="15000"/>
+                  </a:schemeClr>
+                </a:solidFill>
+              </a:ln>
+            </p:spPr>
+            <p:style>
+              <a:lnRef idx="2">
+                <a:schemeClr val="accent1">
+                  <a:shade val="50000"/>
+                </a:schemeClr>
+              </a:lnRef>
+              <a:fillRef idx="1">
+                <a:schemeClr val="accent1"/>
+              </a:fillRef>
+              <a:effectRef idx="0">
+                <a:schemeClr val="accent1"/>
+              </a:effectRef>
+              <a:fontRef idx="minor">
+                <a:schemeClr val="lt1"/>
+              </a:fontRef>
+            </p:style>
+            <p:txBody>
+              <a:bodyPr rtlCol="0" anchor="ctr"/>
+              <a:lstStyle/>
+              <a:p>
+                <a:pPr algn="ctr"/>
+                <a:r>
+                  <a:rPr lang="ko-KR" altLang="en-US" sz="900" dirty="0" smtClean="0">
+                    <a:solidFill>
+                      <a:schemeClr val="bg2">
+                        <a:lumMod val="10000"/>
+                      </a:schemeClr>
+                    </a:solidFill>
+                  </a:rPr>
+                  <a:t>가격</a:t>
+                </a:r>
+                <a:endParaRPr lang="ko-KR" altLang="en-US" sz="900" dirty="0">
+                  <a:solidFill>
+                    <a:schemeClr val="bg2">
+                      <a:lumMod val="10000"/>
+                    </a:schemeClr>
+                  </a:solidFill>
+                </a:endParaRPr>
+              </a:p>
+            </p:txBody>
+          </p:sp>
+        </p:grpSp>
+        <p:sp>
+          <p:nvSpPr>
+            <p:cNvPr id="62" name="직사각형 61"/>
+            <p:cNvSpPr/>
+            <p:nvPr/>
+          </p:nvSpPr>
+          <p:spPr>
+            <a:xfrm>
+              <a:off x="6103937" y="4713287"/>
+              <a:ext cx="1076326" cy="1430337"/>
+            </a:xfrm>
+            <a:prstGeom prst="rect">
+              <a:avLst/>
+            </a:prstGeom>
+            <a:noFill/>
+            <a:ln>
+              <a:solidFill>
+                <a:schemeClr val="tx1">
+                  <a:lumMod val="85000"/>
+                  <a:lumOff val="15000"/>
+                </a:schemeClr>
+              </a:solidFill>
+            </a:ln>
+          </p:spPr>
+          <p:style>
+            <a:lnRef idx="2">
+              <a:schemeClr val="accent1">
+                <a:shade val="50000"/>
+              </a:schemeClr>
+            </a:lnRef>
+            <a:fillRef idx="1">
+              <a:schemeClr val="accent1"/>
+            </a:fillRef>
+            <a:effectRef idx="0">
+              <a:schemeClr val="accent1"/>
+            </a:effectRef>
+            <a:fontRef idx="minor">
+              <a:schemeClr val="lt1"/>
+            </a:fontRef>
+          </p:style>
+          <p:txBody>
+            <a:bodyPr rtlCol="0" anchor="ctr"/>
+            <a:lstStyle/>
+            <a:p>
+              <a:pPr algn="ctr"/>
+              <a:endParaRPr lang="ko-KR" altLang="en-US" sz="900" dirty="0">
+                <a:solidFill>
+                  <a:schemeClr val="bg2">
+                    <a:lumMod val="10000"/>
+                  </a:schemeClr>
+                </a:solidFill>
+              </a:endParaRPr>
+            </a:p>
+          </p:txBody>
+        </p:sp>
+      </p:grpSp>
       <p:sp>
         <p:nvSpPr>
           <p:cNvPr id="6" name="직사각형 5"/>
@@ -4229,6 +10831,1434 @@
                 <a:schemeClr val="bg2">
                   <a:lumMod val="25000"/>
                 </a:schemeClr>
+              </a:solidFill>
+            </a:endParaRPr>
+          </a:p>
+        </p:txBody>
+      </p:sp>
+      <p:sp>
+        <p:nvSpPr>
+          <p:cNvPr id="2" name="직사각형 1"/>
+          <p:cNvSpPr/>
+          <p:nvPr/>
+        </p:nvSpPr>
+        <p:spPr>
+          <a:xfrm>
+            <a:off x="771525" y="1990725"/>
+            <a:ext cx="7600950" cy="4562474"/>
+          </a:xfrm>
+          <a:prstGeom prst="rect">
+            <a:avLst/>
+          </a:prstGeom>
+          <a:noFill/>
+          <a:ln>
+            <a:solidFill>
+              <a:schemeClr val="tx1"/>
+            </a:solidFill>
+          </a:ln>
+        </p:spPr>
+        <p:style>
+          <a:lnRef idx="2">
+            <a:schemeClr val="accent1">
+              <a:shade val="50000"/>
+            </a:schemeClr>
+          </a:lnRef>
+          <a:fillRef idx="1">
+            <a:schemeClr val="accent1"/>
+          </a:fillRef>
+          <a:effectRef idx="0">
+            <a:schemeClr val="accent1"/>
+          </a:effectRef>
+          <a:fontRef idx="minor">
+            <a:schemeClr val="lt1"/>
+          </a:fontRef>
+        </p:style>
+        <p:txBody>
+          <a:bodyPr rtlCol="0" anchor="ctr"/>
+          <a:lstStyle/>
+          <a:p>
+            <a:pPr algn="ctr"/>
+            <a:endParaRPr lang="ko-KR" altLang="en-US"/>
+          </a:p>
+        </p:txBody>
+      </p:sp>
+      <p:sp>
+        <p:nvSpPr>
+          <p:cNvPr id="3" name="직사각형 2"/>
+          <p:cNvSpPr/>
+          <p:nvPr/>
+        </p:nvSpPr>
+        <p:spPr>
+          <a:xfrm>
+            <a:off x="952500" y="2108587"/>
+            <a:ext cx="7210425" cy="596514"/>
+          </a:xfrm>
+          <a:prstGeom prst="rect">
+            <a:avLst/>
+          </a:prstGeom>
+          <a:noFill/>
+          <a:ln>
+            <a:solidFill>
+              <a:schemeClr val="tx1"/>
+            </a:solidFill>
+          </a:ln>
+        </p:spPr>
+        <p:style>
+          <a:lnRef idx="2">
+            <a:schemeClr val="accent1">
+              <a:shade val="50000"/>
+            </a:schemeClr>
+          </a:lnRef>
+          <a:fillRef idx="1">
+            <a:schemeClr val="accent1"/>
+          </a:fillRef>
+          <a:effectRef idx="0">
+            <a:schemeClr val="accent1"/>
+          </a:effectRef>
+          <a:fontRef idx="minor">
+            <a:schemeClr val="lt1"/>
+          </a:fontRef>
+        </p:style>
+        <p:txBody>
+          <a:bodyPr rtlCol="0" anchor="ctr"/>
+          <a:lstStyle/>
+          <a:p>
+            <a:pPr algn="ctr"/>
+            <a:r>
+              <a:rPr lang="en-US" altLang="ko-KR" sz="1100" b="1" dirty="0" smtClean="0">
+                <a:solidFill>
+                  <a:schemeClr val="bg2">
+                    <a:lumMod val="10000"/>
+                  </a:schemeClr>
+                </a:solidFill>
+              </a:rPr>
+              <a:t>Header</a:t>
+            </a:r>
+            <a:endParaRPr lang="ko-KR" altLang="en-US" sz="1100" b="1" dirty="0">
+              <a:solidFill>
+                <a:schemeClr val="bg2">
+                  <a:lumMod val="10000"/>
+                </a:schemeClr>
+              </a:solidFill>
+            </a:endParaRPr>
+          </a:p>
+        </p:txBody>
+      </p:sp>
+      <p:sp>
+        <p:nvSpPr>
+          <p:cNvPr id="7" name="직사각형 6"/>
+          <p:cNvSpPr/>
+          <p:nvPr/>
+        </p:nvSpPr>
+        <p:spPr>
+          <a:xfrm>
+            <a:off x="952501" y="2800350"/>
+            <a:ext cx="1466850" cy="3752848"/>
+          </a:xfrm>
+          <a:prstGeom prst="rect">
+            <a:avLst/>
+          </a:prstGeom>
+          <a:noFill/>
+          <a:ln>
+            <a:solidFill>
+              <a:schemeClr val="tx1"/>
+            </a:solidFill>
+          </a:ln>
+        </p:spPr>
+        <p:style>
+          <a:lnRef idx="2">
+            <a:schemeClr val="accent1">
+              <a:shade val="50000"/>
+            </a:schemeClr>
+          </a:lnRef>
+          <a:fillRef idx="1">
+            <a:schemeClr val="accent1"/>
+          </a:fillRef>
+          <a:effectRef idx="0">
+            <a:schemeClr val="accent1"/>
+          </a:effectRef>
+          <a:fontRef idx="minor">
+            <a:schemeClr val="lt1"/>
+          </a:fontRef>
+        </p:style>
+        <p:txBody>
+          <a:bodyPr rtlCol="0" anchor="ctr"/>
+          <a:lstStyle/>
+          <a:p>
+            <a:pPr algn="ctr"/>
+            <a:endParaRPr lang="ko-KR" altLang="en-US"/>
+          </a:p>
+        </p:txBody>
+      </p:sp>
+      <p:sp>
+        <p:nvSpPr>
+          <p:cNvPr id="10" name="직사각형 9"/>
+          <p:cNvSpPr/>
+          <p:nvPr/>
+        </p:nvSpPr>
+        <p:spPr>
+          <a:xfrm>
+            <a:off x="7562850" y="2800351"/>
+            <a:ext cx="666749" cy="1456928"/>
+          </a:xfrm>
+          <a:prstGeom prst="rect">
+            <a:avLst/>
+          </a:prstGeom>
+          <a:noFill/>
+          <a:ln>
+            <a:solidFill>
+              <a:schemeClr val="tx1"/>
+            </a:solidFill>
+          </a:ln>
+        </p:spPr>
+        <p:style>
+          <a:lnRef idx="2">
+            <a:schemeClr val="accent1">
+              <a:shade val="50000"/>
+            </a:schemeClr>
+          </a:lnRef>
+          <a:fillRef idx="1">
+            <a:schemeClr val="accent1"/>
+          </a:fillRef>
+          <a:effectRef idx="0">
+            <a:schemeClr val="accent1"/>
+          </a:effectRef>
+          <a:fontRef idx="minor">
+            <a:schemeClr val="lt1"/>
+          </a:fontRef>
+        </p:style>
+        <p:txBody>
+          <a:bodyPr rtlCol="0" anchor="ctr"/>
+          <a:lstStyle/>
+          <a:p>
+            <a:pPr algn="ctr"/>
+            <a:r>
+              <a:rPr lang="en-US" altLang="ko-KR" sz="1100" b="1" dirty="0" smtClean="0">
+                <a:solidFill>
+                  <a:schemeClr val="bg2">
+                    <a:lumMod val="10000"/>
+                  </a:schemeClr>
+                </a:solidFill>
+              </a:rPr>
+              <a:t>Sidebar</a:t>
+            </a:r>
+          </a:p>
+          <a:p>
+            <a:pPr algn="ctr"/>
+            <a:endParaRPr lang="en-US" altLang="ko-KR" sz="1100" b="1" dirty="0" smtClean="0">
+              <a:solidFill>
+                <a:schemeClr val="bg2">
+                  <a:lumMod val="10000"/>
+                </a:schemeClr>
+              </a:solidFill>
+            </a:endParaRPr>
+          </a:p>
+          <a:p>
+            <a:pPr algn="ctr"/>
+            <a:r>
+              <a:rPr lang="ko-KR" altLang="en-US" sz="900" b="1" dirty="0" smtClean="0">
+                <a:solidFill>
+                  <a:schemeClr val="bg2">
+                    <a:lumMod val="10000"/>
+                  </a:schemeClr>
+                </a:solidFill>
+              </a:rPr>
+              <a:t>주문내역</a:t>
+            </a:r>
+            <a:endParaRPr lang="en-US" altLang="ko-KR" sz="900" b="1" dirty="0" smtClean="0">
+              <a:solidFill>
+                <a:schemeClr val="bg2">
+                  <a:lumMod val="10000"/>
+                </a:schemeClr>
+              </a:solidFill>
+            </a:endParaRPr>
+          </a:p>
+          <a:p>
+            <a:pPr algn="ctr"/>
+            <a:endParaRPr lang="en-US" altLang="ko-KR" sz="900" b="1" dirty="0" smtClean="0">
+              <a:solidFill>
+                <a:schemeClr val="bg2">
+                  <a:lumMod val="10000"/>
+                </a:schemeClr>
+              </a:solidFill>
+            </a:endParaRPr>
+          </a:p>
+          <a:p>
+            <a:pPr algn="ctr"/>
+            <a:r>
+              <a:rPr lang="ko-KR" altLang="en-US" sz="900" b="1" dirty="0" smtClean="0">
+                <a:solidFill>
+                  <a:schemeClr val="bg2">
+                    <a:lumMod val="10000"/>
+                  </a:schemeClr>
+                </a:solidFill>
+              </a:rPr>
+              <a:t>장바구니</a:t>
+            </a:r>
+            <a:endParaRPr lang="en-US" altLang="ko-KR" sz="900" b="1" dirty="0" smtClean="0">
+              <a:solidFill>
+                <a:schemeClr val="bg2">
+                  <a:lumMod val="10000"/>
+                </a:schemeClr>
+              </a:solidFill>
+            </a:endParaRPr>
+          </a:p>
+          <a:p>
+            <a:pPr algn="ctr"/>
+            <a:endParaRPr lang="en-US" altLang="ko-KR" sz="900" b="1" dirty="0" smtClean="0">
+              <a:solidFill>
+                <a:schemeClr val="bg2">
+                  <a:lumMod val="10000"/>
+                </a:schemeClr>
+              </a:solidFill>
+            </a:endParaRPr>
+          </a:p>
+          <a:p>
+            <a:pPr algn="ctr"/>
+            <a:r>
+              <a:rPr lang="en-US" altLang="ko-KR" sz="900" b="1" dirty="0" smtClean="0">
+                <a:solidFill>
+                  <a:schemeClr val="bg2">
+                    <a:lumMod val="10000"/>
+                  </a:schemeClr>
+                </a:solidFill>
+              </a:rPr>
+              <a:t>1:1 </a:t>
+            </a:r>
+            <a:r>
+              <a:rPr lang="ko-KR" altLang="en-US" sz="900" b="1" dirty="0" smtClean="0">
+                <a:solidFill>
+                  <a:schemeClr val="bg2">
+                    <a:lumMod val="10000"/>
+                  </a:schemeClr>
+                </a:solidFill>
+              </a:rPr>
+              <a:t>문의</a:t>
+            </a:r>
+            <a:endParaRPr lang="en-US" altLang="ko-KR" sz="900" b="1" dirty="0" smtClean="0">
+              <a:solidFill>
+                <a:schemeClr val="bg2">
+                  <a:lumMod val="10000"/>
+                </a:schemeClr>
+              </a:solidFill>
+            </a:endParaRPr>
+          </a:p>
+          <a:p>
+            <a:pPr algn="ctr"/>
+            <a:endParaRPr lang="en-US" altLang="ko-KR" sz="900" b="1" dirty="0" smtClean="0">
+              <a:solidFill>
+                <a:schemeClr val="bg2">
+                  <a:lumMod val="10000"/>
+                </a:schemeClr>
+              </a:solidFill>
+            </a:endParaRPr>
+          </a:p>
+          <a:p>
+            <a:pPr algn="ctr"/>
+            <a:r>
+              <a:rPr lang="ko-KR" altLang="en-US" sz="900" b="1" dirty="0" smtClean="0">
+                <a:solidFill>
+                  <a:schemeClr val="bg2">
+                    <a:lumMod val="10000"/>
+                  </a:schemeClr>
+                </a:solidFill>
+              </a:rPr>
+              <a:t>홈 화면</a:t>
+            </a:r>
+            <a:endParaRPr lang="ko-KR" altLang="en-US" sz="900" b="1" dirty="0">
+              <a:solidFill>
+                <a:schemeClr val="bg2">
+                  <a:lumMod val="10000"/>
+                </a:schemeClr>
+              </a:solidFill>
+            </a:endParaRPr>
+          </a:p>
+        </p:txBody>
+      </p:sp>
+      <p:sp>
+        <p:nvSpPr>
+          <p:cNvPr id="11" name="직사각형 10"/>
+          <p:cNvSpPr/>
+          <p:nvPr/>
+        </p:nvSpPr>
+        <p:spPr>
+          <a:xfrm>
+            <a:off x="1047753" y="2209800"/>
+            <a:ext cx="1304923" cy="419100"/>
+          </a:xfrm>
+          <a:prstGeom prst="rect">
+            <a:avLst/>
+          </a:prstGeom>
+          <a:noFill/>
+          <a:ln>
+            <a:solidFill>
+              <a:schemeClr val="tx1"/>
+            </a:solidFill>
+          </a:ln>
+        </p:spPr>
+        <p:style>
+          <a:lnRef idx="2">
+            <a:schemeClr val="accent1">
+              <a:shade val="50000"/>
+            </a:schemeClr>
+          </a:lnRef>
+          <a:fillRef idx="1">
+            <a:schemeClr val="accent1"/>
+          </a:fillRef>
+          <a:effectRef idx="0">
+            <a:schemeClr val="accent1"/>
+          </a:effectRef>
+          <a:fontRef idx="minor">
+            <a:schemeClr val="lt1"/>
+          </a:fontRef>
+        </p:style>
+        <p:txBody>
+          <a:bodyPr rtlCol="0" anchor="ctr"/>
+          <a:lstStyle/>
+          <a:p>
+            <a:pPr algn="ctr"/>
+            <a:r>
+              <a:rPr lang="ko-KR" altLang="en-US" sz="1100" b="1" dirty="0" smtClean="0">
+                <a:solidFill>
+                  <a:schemeClr val="bg2">
+                    <a:lumMod val="10000"/>
+                  </a:schemeClr>
+                </a:solidFill>
+              </a:rPr>
+              <a:t>로고</a:t>
+            </a:r>
+            <a:endParaRPr lang="ko-KR" altLang="en-US" sz="1100" b="1" dirty="0">
+              <a:solidFill>
+                <a:schemeClr val="bg2">
+                  <a:lumMod val="10000"/>
+                </a:schemeClr>
+              </a:solidFill>
+            </a:endParaRPr>
+          </a:p>
+        </p:txBody>
+      </p:sp>
+      <p:sp>
+        <p:nvSpPr>
+          <p:cNvPr id="12" name="직사각형 11"/>
+          <p:cNvSpPr/>
+          <p:nvPr/>
+        </p:nvSpPr>
+        <p:spPr>
+          <a:xfrm>
+            <a:off x="1047753" y="2857500"/>
+            <a:ext cx="1304923" cy="457201"/>
+          </a:xfrm>
+          <a:prstGeom prst="rect">
+            <a:avLst/>
+          </a:prstGeom>
+          <a:noFill/>
+          <a:ln>
+            <a:noFill/>
+          </a:ln>
+        </p:spPr>
+        <p:style>
+          <a:lnRef idx="2">
+            <a:schemeClr val="accent1">
+              <a:shade val="50000"/>
+            </a:schemeClr>
+          </a:lnRef>
+          <a:fillRef idx="1">
+            <a:schemeClr val="accent1"/>
+          </a:fillRef>
+          <a:effectRef idx="0">
+            <a:schemeClr val="accent1"/>
+          </a:effectRef>
+          <a:fontRef idx="minor">
+            <a:schemeClr val="lt1"/>
+          </a:fontRef>
+        </p:style>
+        <p:txBody>
+          <a:bodyPr rtlCol="0" anchor="ctr"/>
+          <a:lstStyle/>
+          <a:p>
+            <a:pPr algn="ctr"/>
+            <a:r>
+              <a:rPr lang="en-US" altLang="ko-KR" sz="1100" b="1" dirty="0" smtClean="0">
+                <a:solidFill>
+                  <a:schemeClr val="bg2">
+                    <a:lumMod val="10000"/>
+                  </a:schemeClr>
+                </a:solidFill>
+              </a:rPr>
+              <a:t>Side</a:t>
+            </a:r>
+            <a:br>
+              <a:rPr lang="en-US" altLang="ko-KR" sz="1100" b="1" dirty="0" smtClean="0">
+                <a:solidFill>
+                  <a:schemeClr val="bg2">
+                    <a:lumMod val="10000"/>
+                  </a:schemeClr>
+                </a:solidFill>
+              </a:rPr>
+            </a:br>
+            <a:r>
+              <a:rPr lang="en-US" altLang="ko-KR" sz="1100" b="1" dirty="0" smtClean="0">
+                <a:solidFill>
+                  <a:schemeClr val="bg2">
+                    <a:lumMod val="10000"/>
+                  </a:schemeClr>
+                </a:solidFill>
+              </a:rPr>
+              <a:t>Navigator</a:t>
+            </a:r>
+            <a:endParaRPr lang="ko-KR" altLang="en-US" sz="1100" b="1" dirty="0">
+              <a:solidFill>
+                <a:schemeClr val="bg2">
+                  <a:lumMod val="10000"/>
+                </a:schemeClr>
+              </a:solidFill>
+            </a:endParaRPr>
+          </a:p>
+        </p:txBody>
+      </p:sp>
+      <p:sp>
+        <p:nvSpPr>
+          <p:cNvPr id="13" name="직사각형 12"/>
+          <p:cNvSpPr/>
+          <p:nvPr/>
+        </p:nvSpPr>
+        <p:spPr>
+          <a:xfrm>
+            <a:off x="6016061" y="2153442"/>
+            <a:ext cx="581022" cy="230187"/>
+          </a:xfrm>
+          <a:prstGeom prst="rect">
+            <a:avLst/>
+          </a:prstGeom>
+          <a:noFill/>
+          <a:ln>
+            <a:solidFill>
+              <a:schemeClr val="tx1">
+                <a:lumMod val="85000"/>
+                <a:lumOff val="15000"/>
+              </a:schemeClr>
+            </a:solidFill>
+          </a:ln>
+        </p:spPr>
+        <p:style>
+          <a:lnRef idx="2">
+            <a:schemeClr val="accent1">
+              <a:shade val="50000"/>
+            </a:schemeClr>
+          </a:lnRef>
+          <a:fillRef idx="1">
+            <a:schemeClr val="accent1"/>
+          </a:fillRef>
+          <a:effectRef idx="0">
+            <a:schemeClr val="accent1"/>
+          </a:effectRef>
+          <a:fontRef idx="minor">
+            <a:schemeClr val="lt1"/>
+          </a:fontRef>
+        </p:style>
+        <p:txBody>
+          <a:bodyPr rtlCol="0" anchor="ctr"/>
+          <a:lstStyle/>
+          <a:p>
+            <a:pPr algn="ctr"/>
+            <a:r>
+              <a:rPr lang="ko-KR" altLang="en-US" sz="900" b="1" smtClean="0">
+                <a:solidFill>
+                  <a:schemeClr val="bg2">
+                    <a:lumMod val="10000"/>
+                  </a:schemeClr>
+                </a:solidFill>
+              </a:rPr>
+              <a:t>로그인</a:t>
+            </a:r>
+            <a:endParaRPr lang="ko-KR" altLang="en-US" sz="900" b="1" dirty="0">
+              <a:solidFill>
+                <a:schemeClr val="bg2">
+                  <a:lumMod val="10000"/>
+                </a:schemeClr>
+              </a:solidFill>
+            </a:endParaRPr>
+          </a:p>
+        </p:txBody>
+      </p:sp>
+      <p:sp>
+        <p:nvSpPr>
+          <p:cNvPr id="17" name="직사각형 16"/>
+          <p:cNvSpPr/>
+          <p:nvPr/>
+        </p:nvSpPr>
+        <p:spPr>
+          <a:xfrm>
+            <a:off x="1050931" y="3429381"/>
+            <a:ext cx="1304923" cy="790195"/>
+          </a:xfrm>
+          <a:prstGeom prst="rect">
+            <a:avLst/>
+          </a:prstGeom>
+          <a:noFill/>
+          <a:ln>
+            <a:solidFill>
+              <a:schemeClr val="tx1">
+                <a:lumMod val="85000"/>
+                <a:lumOff val="15000"/>
+              </a:schemeClr>
+            </a:solidFill>
+          </a:ln>
+        </p:spPr>
+        <p:style>
+          <a:lnRef idx="2">
+            <a:schemeClr val="accent1">
+              <a:shade val="50000"/>
+            </a:schemeClr>
+          </a:lnRef>
+          <a:fillRef idx="1">
+            <a:schemeClr val="accent1"/>
+          </a:fillRef>
+          <a:effectRef idx="0">
+            <a:schemeClr val="accent1"/>
+          </a:effectRef>
+          <a:fontRef idx="minor">
+            <a:schemeClr val="lt1"/>
+          </a:fontRef>
+        </p:style>
+        <p:txBody>
+          <a:bodyPr rtlCol="0" anchor="ctr"/>
+          <a:lstStyle/>
+          <a:p>
+            <a:pPr algn="ctr"/>
+            <a:r>
+              <a:rPr lang="ko-KR" altLang="en-US" sz="1100" b="1" dirty="0" smtClean="0">
+                <a:solidFill>
+                  <a:schemeClr val="bg2">
+                    <a:lumMod val="10000"/>
+                  </a:schemeClr>
+                </a:solidFill>
+              </a:rPr>
+              <a:t>분류</a:t>
+            </a:r>
+            <a:r>
+              <a:rPr lang="en-US" altLang="ko-KR" sz="1100" b="1" dirty="0" smtClean="0">
+                <a:solidFill>
+                  <a:schemeClr val="bg2">
+                    <a:lumMod val="10000"/>
+                  </a:schemeClr>
+                </a:solidFill>
+              </a:rPr>
+              <a:t>1</a:t>
+            </a:r>
+            <a:endParaRPr lang="ko-KR" altLang="en-US" sz="1100" b="1" dirty="0">
+              <a:solidFill>
+                <a:schemeClr val="bg2">
+                  <a:lumMod val="10000"/>
+                </a:schemeClr>
+              </a:solidFill>
+            </a:endParaRPr>
+          </a:p>
+        </p:txBody>
+      </p:sp>
+      <p:sp>
+        <p:nvSpPr>
+          <p:cNvPr id="18" name="직사각형 17"/>
+          <p:cNvSpPr/>
+          <p:nvPr/>
+        </p:nvSpPr>
+        <p:spPr>
+          <a:xfrm>
+            <a:off x="1050931" y="4362831"/>
+            <a:ext cx="1304923" cy="790195"/>
+          </a:xfrm>
+          <a:prstGeom prst="rect">
+            <a:avLst/>
+          </a:prstGeom>
+          <a:noFill/>
+          <a:ln>
+            <a:solidFill>
+              <a:schemeClr val="tx1">
+                <a:lumMod val="85000"/>
+                <a:lumOff val="15000"/>
+              </a:schemeClr>
+            </a:solidFill>
+          </a:ln>
+        </p:spPr>
+        <p:style>
+          <a:lnRef idx="2">
+            <a:schemeClr val="accent1">
+              <a:shade val="50000"/>
+            </a:schemeClr>
+          </a:lnRef>
+          <a:fillRef idx="1">
+            <a:schemeClr val="accent1"/>
+          </a:fillRef>
+          <a:effectRef idx="0">
+            <a:schemeClr val="accent1"/>
+          </a:effectRef>
+          <a:fontRef idx="minor">
+            <a:schemeClr val="lt1"/>
+          </a:fontRef>
+        </p:style>
+        <p:txBody>
+          <a:bodyPr rtlCol="0" anchor="ctr"/>
+          <a:lstStyle/>
+          <a:p>
+            <a:pPr algn="ctr"/>
+            <a:r>
+              <a:rPr lang="ko-KR" altLang="en-US" sz="1100" b="1" dirty="0" smtClean="0">
+                <a:solidFill>
+                  <a:schemeClr val="bg2">
+                    <a:lumMod val="10000"/>
+                  </a:schemeClr>
+                </a:solidFill>
+              </a:rPr>
+              <a:t>분류</a:t>
+            </a:r>
+            <a:r>
+              <a:rPr lang="en-US" altLang="ko-KR" sz="1100" b="1" dirty="0" smtClean="0">
+                <a:solidFill>
+                  <a:schemeClr val="bg2">
+                    <a:lumMod val="10000"/>
+                  </a:schemeClr>
+                </a:solidFill>
+              </a:rPr>
+              <a:t>2</a:t>
+            </a:r>
+            <a:endParaRPr lang="ko-KR" altLang="en-US" sz="1100" b="1" dirty="0">
+              <a:solidFill>
+                <a:schemeClr val="bg2">
+                  <a:lumMod val="10000"/>
+                </a:schemeClr>
+              </a:solidFill>
+            </a:endParaRPr>
+          </a:p>
+        </p:txBody>
+      </p:sp>
+      <p:sp>
+        <p:nvSpPr>
+          <p:cNvPr id="19" name="직사각형 18"/>
+          <p:cNvSpPr/>
+          <p:nvPr/>
+        </p:nvSpPr>
+        <p:spPr>
+          <a:xfrm>
+            <a:off x="1050931" y="5280596"/>
+            <a:ext cx="1304923" cy="790195"/>
+          </a:xfrm>
+          <a:prstGeom prst="rect">
+            <a:avLst/>
+          </a:prstGeom>
+          <a:noFill/>
+          <a:ln>
+            <a:solidFill>
+              <a:schemeClr val="tx1">
+                <a:lumMod val="85000"/>
+                <a:lumOff val="15000"/>
+              </a:schemeClr>
+            </a:solidFill>
+          </a:ln>
+        </p:spPr>
+        <p:style>
+          <a:lnRef idx="2">
+            <a:schemeClr val="accent1">
+              <a:shade val="50000"/>
+            </a:schemeClr>
+          </a:lnRef>
+          <a:fillRef idx="1">
+            <a:schemeClr val="accent1"/>
+          </a:fillRef>
+          <a:effectRef idx="0">
+            <a:schemeClr val="accent1"/>
+          </a:effectRef>
+          <a:fontRef idx="minor">
+            <a:schemeClr val="lt1"/>
+          </a:fontRef>
+        </p:style>
+        <p:txBody>
+          <a:bodyPr rtlCol="0" anchor="ctr"/>
+          <a:lstStyle/>
+          <a:p>
+            <a:pPr algn="ctr"/>
+            <a:r>
+              <a:rPr lang="ko-KR" altLang="en-US" sz="1100" b="1" dirty="0" smtClean="0">
+                <a:solidFill>
+                  <a:schemeClr val="bg2">
+                    <a:lumMod val="10000"/>
+                  </a:schemeClr>
+                </a:solidFill>
+              </a:rPr>
+              <a:t>배너 광고</a:t>
+            </a:r>
+            <a:endParaRPr lang="ko-KR" altLang="en-US" sz="1100" b="1" dirty="0">
+              <a:solidFill>
+                <a:schemeClr val="bg2">
+                  <a:lumMod val="10000"/>
+                </a:schemeClr>
+              </a:solidFill>
+            </a:endParaRPr>
+          </a:p>
+        </p:txBody>
+      </p:sp>
+      <p:sp>
+        <p:nvSpPr>
+          <p:cNvPr id="66" name="직사각형 65"/>
+          <p:cNvSpPr/>
+          <p:nvPr/>
+        </p:nvSpPr>
+        <p:spPr>
+          <a:xfrm>
+            <a:off x="6635186" y="2153442"/>
+            <a:ext cx="719947" cy="230187"/>
+          </a:xfrm>
+          <a:prstGeom prst="rect">
+            <a:avLst/>
+          </a:prstGeom>
+          <a:noFill/>
+          <a:ln>
+            <a:solidFill>
+              <a:schemeClr val="tx1">
+                <a:lumMod val="85000"/>
+                <a:lumOff val="15000"/>
+              </a:schemeClr>
+            </a:solidFill>
+          </a:ln>
+        </p:spPr>
+        <p:style>
+          <a:lnRef idx="2">
+            <a:schemeClr val="accent1">
+              <a:shade val="50000"/>
+            </a:schemeClr>
+          </a:lnRef>
+          <a:fillRef idx="1">
+            <a:schemeClr val="accent1"/>
+          </a:fillRef>
+          <a:effectRef idx="0">
+            <a:schemeClr val="accent1"/>
+          </a:effectRef>
+          <a:fontRef idx="minor">
+            <a:schemeClr val="lt1"/>
+          </a:fontRef>
+        </p:style>
+        <p:txBody>
+          <a:bodyPr rtlCol="0" anchor="ctr"/>
+          <a:lstStyle/>
+          <a:p>
+            <a:pPr algn="ctr"/>
+            <a:r>
+              <a:rPr lang="ko-KR" altLang="en-US" sz="900" b="1" dirty="0" smtClean="0">
+                <a:solidFill>
+                  <a:schemeClr val="bg2">
+                    <a:lumMod val="10000"/>
+                  </a:schemeClr>
+                </a:solidFill>
+              </a:rPr>
+              <a:t>회원가입</a:t>
+            </a:r>
+            <a:endParaRPr lang="ko-KR" altLang="en-US" sz="900" b="1" dirty="0">
+              <a:solidFill>
+                <a:schemeClr val="bg2">
+                  <a:lumMod val="10000"/>
+                </a:schemeClr>
+              </a:solidFill>
+            </a:endParaRPr>
+          </a:p>
+        </p:txBody>
+      </p:sp>
+      <p:sp>
+        <p:nvSpPr>
+          <p:cNvPr id="67" name="직사각형 66"/>
+          <p:cNvSpPr/>
+          <p:nvPr/>
+        </p:nvSpPr>
+        <p:spPr>
+          <a:xfrm>
+            <a:off x="7399938" y="2153442"/>
+            <a:ext cx="719947" cy="230187"/>
+          </a:xfrm>
+          <a:prstGeom prst="rect">
+            <a:avLst/>
+          </a:prstGeom>
+          <a:noFill/>
+          <a:ln>
+            <a:solidFill>
+              <a:schemeClr val="tx1">
+                <a:lumMod val="85000"/>
+                <a:lumOff val="15000"/>
+              </a:schemeClr>
+            </a:solidFill>
+          </a:ln>
+        </p:spPr>
+        <p:style>
+          <a:lnRef idx="2">
+            <a:schemeClr val="accent1">
+              <a:shade val="50000"/>
+            </a:schemeClr>
+          </a:lnRef>
+          <a:fillRef idx="1">
+            <a:schemeClr val="accent1"/>
+          </a:fillRef>
+          <a:effectRef idx="0">
+            <a:schemeClr val="accent1"/>
+          </a:effectRef>
+          <a:fontRef idx="minor">
+            <a:schemeClr val="lt1"/>
+          </a:fontRef>
+        </p:style>
+        <p:txBody>
+          <a:bodyPr rtlCol="0" anchor="ctr"/>
+          <a:lstStyle/>
+          <a:p>
+            <a:pPr algn="ctr"/>
+            <a:r>
+              <a:rPr lang="ko-KR" altLang="en-US" sz="900" b="1" dirty="0" smtClean="0">
+                <a:solidFill>
+                  <a:schemeClr val="bg2">
+                    <a:lumMod val="10000"/>
+                  </a:schemeClr>
+                </a:solidFill>
+              </a:rPr>
+              <a:t>고객센터</a:t>
+            </a:r>
+            <a:endParaRPr lang="ko-KR" altLang="en-US" sz="900" b="1" dirty="0">
+              <a:solidFill>
+                <a:schemeClr val="bg2">
+                  <a:lumMod val="10000"/>
+                </a:schemeClr>
+              </a:solidFill>
+            </a:endParaRPr>
+          </a:p>
+        </p:txBody>
+      </p:sp>
+      <p:sp>
+        <p:nvSpPr>
+          <p:cNvPr id="68" name="직사각형 67"/>
+          <p:cNvSpPr/>
+          <p:nvPr/>
+        </p:nvSpPr>
+        <p:spPr>
+          <a:xfrm>
+            <a:off x="6012393" y="2438009"/>
+            <a:ext cx="1550457" cy="230187"/>
+          </a:xfrm>
+          <a:prstGeom prst="rect">
+            <a:avLst/>
+          </a:prstGeom>
+          <a:noFill/>
+          <a:ln>
+            <a:solidFill>
+              <a:schemeClr val="tx1">
+                <a:lumMod val="85000"/>
+                <a:lumOff val="15000"/>
+              </a:schemeClr>
+            </a:solidFill>
+          </a:ln>
+        </p:spPr>
+        <p:style>
+          <a:lnRef idx="2">
+            <a:schemeClr val="accent1">
+              <a:shade val="50000"/>
+            </a:schemeClr>
+          </a:lnRef>
+          <a:fillRef idx="1">
+            <a:schemeClr val="accent1"/>
+          </a:fillRef>
+          <a:effectRef idx="0">
+            <a:schemeClr val="accent1"/>
+          </a:effectRef>
+          <a:fontRef idx="minor">
+            <a:schemeClr val="lt1"/>
+          </a:fontRef>
+        </p:style>
+        <p:txBody>
+          <a:bodyPr rtlCol="0" anchor="ctr"/>
+          <a:lstStyle/>
+          <a:p>
+            <a:pPr algn="ctr"/>
+            <a:r>
+              <a:rPr lang="ko-KR" altLang="en-US" sz="900" b="1" dirty="0" smtClean="0">
+                <a:solidFill>
+                  <a:schemeClr val="bg2">
+                    <a:lumMod val="10000"/>
+                  </a:schemeClr>
+                </a:solidFill>
+              </a:rPr>
+              <a:t>검색 입력 창</a:t>
+            </a:r>
+            <a:endParaRPr lang="ko-KR" altLang="en-US" sz="900" b="1" dirty="0">
+              <a:solidFill>
+                <a:schemeClr val="bg2">
+                  <a:lumMod val="10000"/>
+                </a:schemeClr>
+              </a:solidFill>
+            </a:endParaRPr>
+          </a:p>
+        </p:txBody>
+      </p:sp>
+      <p:sp>
+        <p:nvSpPr>
+          <p:cNvPr id="9" name="직사각형 8"/>
+          <p:cNvSpPr/>
+          <p:nvPr/>
+        </p:nvSpPr>
+        <p:spPr>
+          <a:xfrm>
+            <a:off x="2524126" y="2800349"/>
+            <a:ext cx="4933950" cy="3752849"/>
+          </a:xfrm>
+          <a:prstGeom prst="rect">
+            <a:avLst/>
+          </a:prstGeom>
+          <a:noFill/>
+          <a:ln>
+            <a:solidFill>
+              <a:schemeClr val="tx1"/>
+            </a:solidFill>
+          </a:ln>
+        </p:spPr>
+        <p:style>
+          <a:lnRef idx="2">
+            <a:schemeClr val="accent1">
+              <a:shade val="50000"/>
+            </a:schemeClr>
+          </a:lnRef>
+          <a:fillRef idx="1">
+            <a:schemeClr val="accent1"/>
+          </a:fillRef>
+          <a:effectRef idx="0">
+            <a:schemeClr val="accent1"/>
+          </a:effectRef>
+          <a:fontRef idx="minor">
+            <a:schemeClr val="lt1"/>
+          </a:fontRef>
+        </p:style>
+        <p:txBody>
+          <a:bodyPr rtlCol="0" anchor="ctr"/>
+          <a:lstStyle/>
+          <a:p>
+            <a:pPr algn="ctr"/>
+            <a:endParaRPr lang="ko-KR" altLang="en-US"/>
+          </a:p>
+        </p:txBody>
+      </p:sp>
+      <p:sp>
+        <p:nvSpPr>
+          <p:cNvPr id="70" name="직사각형 69"/>
+          <p:cNvSpPr/>
+          <p:nvPr/>
+        </p:nvSpPr>
+        <p:spPr>
+          <a:xfrm>
+            <a:off x="2600327" y="2857500"/>
+            <a:ext cx="4579936" cy="628652"/>
+          </a:xfrm>
+          <a:prstGeom prst="rect">
+            <a:avLst/>
+          </a:prstGeom>
+          <a:noFill/>
+          <a:ln>
+            <a:solidFill>
+              <a:schemeClr val="tx1"/>
+            </a:solidFill>
+          </a:ln>
+        </p:spPr>
+        <p:style>
+          <a:lnRef idx="2">
+            <a:schemeClr val="accent1">
+              <a:shade val="50000"/>
+            </a:schemeClr>
+          </a:lnRef>
+          <a:fillRef idx="1">
+            <a:schemeClr val="accent1"/>
+          </a:fillRef>
+          <a:effectRef idx="0">
+            <a:schemeClr val="accent1"/>
+          </a:effectRef>
+          <a:fontRef idx="minor">
+            <a:schemeClr val="lt1"/>
+          </a:fontRef>
+        </p:style>
+        <p:txBody>
+          <a:bodyPr rtlCol="0" anchor="ctr"/>
+          <a:lstStyle/>
+          <a:p>
+            <a:pPr algn="ctr"/>
+            <a:r>
+              <a:rPr lang="ko-KR" altLang="en-US" sz="1100" b="1" dirty="0" smtClean="0">
+                <a:solidFill>
+                  <a:schemeClr val="bg2">
+                    <a:lumMod val="10000"/>
+                  </a:schemeClr>
+                </a:solidFill>
+              </a:rPr>
+              <a:t>추천 책 이미지 링크</a:t>
+            </a:r>
+            <a:endParaRPr lang="ko-KR" altLang="en-US" sz="1100" b="1" dirty="0">
+              <a:solidFill>
+                <a:schemeClr val="bg2">
+                  <a:lumMod val="10000"/>
+                </a:schemeClr>
+              </a:solidFill>
+            </a:endParaRPr>
+          </a:p>
+        </p:txBody>
+      </p:sp>
+      <p:sp>
+        <p:nvSpPr>
+          <p:cNvPr id="72" name="직사각형 71"/>
+          <p:cNvSpPr/>
+          <p:nvPr/>
+        </p:nvSpPr>
+        <p:spPr>
+          <a:xfrm>
+            <a:off x="7581903" y="2438009"/>
+            <a:ext cx="537982" cy="230187"/>
+          </a:xfrm>
+          <a:prstGeom prst="rect">
+            <a:avLst/>
+          </a:prstGeom>
+          <a:noFill/>
+          <a:ln>
+            <a:solidFill>
+              <a:schemeClr val="tx1">
+                <a:lumMod val="85000"/>
+                <a:lumOff val="15000"/>
+              </a:schemeClr>
+            </a:solidFill>
+          </a:ln>
+        </p:spPr>
+        <p:style>
+          <a:lnRef idx="2">
+            <a:schemeClr val="accent1">
+              <a:shade val="50000"/>
+            </a:schemeClr>
+          </a:lnRef>
+          <a:fillRef idx="1">
+            <a:schemeClr val="accent1"/>
+          </a:fillRef>
+          <a:effectRef idx="0">
+            <a:schemeClr val="accent1"/>
+          </a:effectRef>
+          <a:fontRef idx="minor">
+            <a:schemeClr val="lt1"/>
+          </a:fontRef>
+        </p:style>
+        <p:txBody>
+          <a:bodyPr rtlCol="0" anchor="ctr"/>
+          <a:lstStyle/>
+          <a:p>
+            <a:pPr algn="ctr"/>
+            <a:r>
+              <a:rPr lang="ko-KR" altLang="en-US" sz="900" b="1" dirty="0" smtClean="0">
+                <a:solidFill>
+                  <a:schemeClr val="bg2">
+                    <a:lumMod val="10000"/>
+                  </a:schemeClr>
+                </a:solidFill>
+              </a:rPr>
+              <a:t>검색</a:t>
+            </a:r>
+            <a:endParaRPr lang="ko-KR" altLang="en-US" sz="900" b="1" dirty="0">
+              <a:solidFill>
+                <a:schemeClr val="bg2">
+                  <a:lumMod val="10000"/>
+                </a:schemeClr>
+              </a:solidFill>
+            </a:endParaRPr>
+          </a:p>
+        </p:txBody>
+      </p:sp>
+      <p:cxnSp>
+        <p:nvCxnSpPr>
+          <p:cNvPr id="74" name="직선 연결선 73"/>
+          <p:cNvCxnSpPr/>
+          <p:nvPr/>
+        </p:nvCxnSpPr>
+        <p:spPr>
+          <a:xfrm>
+            <a:off x="771525" y="1743075"/>
+            <a:ext cx="0" cy="247650"/>
+          </a:xfrm>
+          <a:prstGeom prst="line">
+            <a:avLst/>
+          </a:prstGeom>
+        </p:spPr>
+        <p:style>
+          <a:lnRef idx="1">
+            <a:schemeClr val="accent1"/>
+          </a:lnRef>
+          <a:fillRef idx="0">
+            <a:schemeClr val="accent1"/>
+          </a:fillRef>
+          <a:effectRef idx="0">
+            <a:schemeClr val="accent1"/>
+          </a:effectRef>
+          <a:fontRef idx="minor">
+            <a:schemeClr val="tx1"/>
+          </a:fontRef>
+        </p:style>
+      </p:cxnSp>
+      <p:cxnSp>
+        <p:nvCxnSpPr>
+          <p:cNvPr id="75" name="직선 연결선 74"/>
+          <p:cNvCxnSpPr/>
+          <p:nvPr/>
+        </p:nvCxnSpPr>
+        <p:spPr>
+          <a:xfrm>
+            <a:off x="8362950" y="1743075"/>
+            <a:ext cx="0" cy="247650"/>
+          </a:xfrm>
+          <a:prstGeom prst="line">
+            <a:avLst/>
+          </a:prstGeom>
+        </p:spPr>
+        <p:style>
+          <a:lnRef idx="1">
+            <a:schemeClr val="accent1"/>
+          </a:lnRef>
+          <a:fillRef idx="0">
+            <a:schemeClr val="accent1"/>
+          </a:fillRef>
+          <a:effectRef idx="0">
+            <a:schemeClr val="accent1"/>
+          </a:effectRef>
+          <a:fontRef idx="minor">
+            <a:schemeClr val="tx1"/>
+          </a:fontRef>
+        </p:style>
+      </p:cxnSp>
+      <p:cxnSp>
+        <p:nvCxnSpPr>
+          <p:cNvPr id="77" name="직선 화살표 연결선 76"/>
+          <p:cNvCxnSpPr/>
+          <p:nvPr/>
+        </p:nvCxnSpPr>
+        <p:spPr>
+          <a:xfrm>
+            <a:off x="771525" y="1857375"/>
+            <a:ext cx="7600950" cy="0"/>
+          </a:xfrm>
+          <a:prstGeom prst="straightConnector1">
+            <a:avLst/>
+          </a:prstGeom>
+          <a:ln>
+            <a:headEnd type="triangle" w="med" len="med"/>
+            <a:tailEnd type="triangle" w="med" len="med"/>
+          </a:ln>
+        </p:spPr>
+        <p:style>
+          <a:lnRef idx="1">
+            <a:schemeClr val="accent1"/>
+          </a:lnRef>
+          <a:fillRef idx="0">
+            <a:schemeClr val="accent1"/>
+          </a:fillRef>
+          <a:effectRef idx="0">
+            <a:schemeClr val="accent1"/>
+          </a:effectRef>
+          <a:fontRef idx="minor">
+            <a:schemeClr val="tx1"/>
+          </a:fontRef>
+        </p:style>
+      </p:cxnSp>
+      <p:cxnSp>
+        <p:nvCxnSpPr>
+          <p:cNvPr id="79" name="직선 연결선 78"/>
+          <p:cNvCxnSpPr/>
+          <p:nvPr/>
+        </p:nvCxnSpPr>
+        <p:spPr>
+          <a:xfrm flipH="1">
+            <a:off x="523875" y="1990725"/>
+            <a:ext cx="247650" cy="0"/>
+          </a:xfrm>
+          <a:prstGeom prst="line">
+            <a:avLst/>
+          </a:prstGeom>
+        </p:spPr>
+        <p:style>
+          <a:lnRef idx="1">
+            <a:schemeClr val="accent1"/>
+          </a:lnRef>
+          <a:fillRef idx="0">
+            <a:schemeClr val="accent1"/>
+          </a:fillRef>
+          <a:effectRef idx="0">
+            <a:schemeClr val="accent1"/>
+          </a:effectRef>
+          <a:fontRef idx="minor">
+            <a:schemeClr val="tx1"/>
+          </a:fontRef>
+        </p:style>
+      </p:cxnSp>
+      <p:cxnSp>
+        <p:nvCxnSpPr>
+          <p:cNvPr id="80" name="직선 연결선 79"/>
+          <p:cNvCxnSpPr/>
+          <p:nvPr/>
+        </p:nvCxnSpPr>
+        <p:spPr>
+          <a:xfrm flipH="1">
+            <a:off x="523875" y="6553198"/>
+            <a:ext cx="247650" cy="0"/>
+          </a:xfrm>
+          <a:prstGeom prst="line">
+            <a:avLst/>
+          </a:prstGeom>
+        </p:spPr>
+        <p:style>
+          <a:lnRef idx="1">
+            <a:schemeClr val="accent1"/>
+          </a:lnRef>
+          <a:fillRef idx="0">
+            <a:schemeClr val="accent1"/>
+          </a:fillRef>
+          <a:effectRef idx="0">
+            <a:schemeClr val="accent1"/>
+          </a:effectRef>
+          <a:fontRef idx="minor">
+            <a:schemeClr val="tx1"/>
+          </a:fontRef>
+        </p:style>
+      </p:cxnSp>
+      <p:cxnSp>
+        <p:nvCxnSpPr>
+          <p:cNvPr id="82" name="직선 연결선 81"/>
+          <p:cNvCxnSpPr/>
+          <p:nvPr/>
+        </p:nvCxnSpPr>
+        <p:spPr>
+          <a:xfrm>
+            <a:off x="611188" y="1990725"/>
+            <a:ext cx="0" cy="4562473"/>
+          </a:xfrm>
+          <a:prstGeom prst="line">
+            <a:avLst/>
+          </a:prstGeom>
+          <a:ln>
+            <a:headEnd type="triangle" w="med" len="med"/>
+            <a:tailEnd type="triangle" w="med" len="med"/>
+          </a:ln>
+        </p:spPr>
+        <p:style>
+          <a:lnRef idx="1">
+            <a:schemeClr val="accent1"/>
+          </a:lnRef>
+          <a:fillRef idx="0">
+            <a:schemeClr val="accent1"/>
+          </a:fillRef>
+          <a:effectRef idx="0">
+            <a:schemeClr val="accent1"/>
+          </a:effectRef>
+          <a:fontRef idx="minor">
+            <a:schemeClr val="tx1"/>
+          </a:fontRef>
+        </p:style>
+      </p:cxnSp>
+      <p:sp>
+        <p:nvSpPr>
+          <p:cNvPr id="83" name="직사각형 82"/>
+          <p:cNvSpPr/>
+          <p:nvPr/>
+        </p:nvSpPr>
+        <p:spPr>
+          <a:xfrm>
+            <a:off x="4111744" y="1687511"/>
+            <a:ext cx="682794" cy="190500"/>
+          </a:xfrm>
+          <a:prstGeom prst="rect">
+            <a:avLst/>
+          </a:prstGeom>
+          <a:noFill/>
+          <a:ln>
+            <a:noFill/>
+          </a:ln>
+        </p:spPr>
+        <p:style>
+          <a:lnRef idx="2">
+            <a:schemeClr val="accent1">
+              <a:shade val="50000"/>
+            </a:schemeClr>
+          </a:lnRef>
+          <a:fillRef idx="1">
+            <a:schemeClr val="accent1"/>
+          </a:fillRef>
+          <a:effectRef idx="0">
+            <a:schemeClr val="accent1"/>
+          </a:effectRef>
+          <a:fontRef idx="minor">
+            <a:schemeClr val="lt1"/>
+          </a:fontRef>
+        </p:style>
+        <p:txBody>
+          <a:bodyPr rtlCol="0" anchor="ctr"/>
+          <a:lstStyle/>
+          <a:p>
+            <a:pPr algn="ctr"/>
+            <a:r>
+              <a:rPr lang="en-US" altLang="ko-KR" sz="900" b="1" dirty="0" smtClean="0">
+                <a:solidFill>
+                  <a:srgbClr val="0070C0"/>
+                </a:solidFill>
+              </a:rPr>
+              <a:t>1920</a:t>
+            </a:r>
+            <a:endParaRPr lang="ko-KR" altLang="en-US" sz="900" b="1" dirty="0">
+              <a:solidFill>
+                <a:srgbClr val="0070C0"/>
+              </a:solidFill>
+            </a:endParaRPr>
+          </a:p>
+        </p:txBody>
+      </p:sp>
+      <p:sp>
+        <p:nvSpPr>
+          <p:cNvPr id="84" name="직사각형 83"/>
+          <p:cNvSpPr/>
+          <p:nvPr/>
+        </p:nvSpPr>
+        <p:spPr>
+          <a:xfrm>
+            <a:off x="101717" y="4119561"/>
+            <a:ext cx="682794" cy="190500"/>
+          </a:xfrm>
+          <a:prstGeom prst="rect">
+            <a:avLst/>
+          </a:prstGeom>
+          <a:noFill/>
+          <a:ln>
+            <a:noFill/>
+          </a:ln>
+        </p:spPr>
+        <p:style>
+          <a:lnRef idx="2">
+            <a:schemeClr val="accent1">
+              <a:shade val="50000"/>
+            </a:schemeClr>
+          </a:lnRef>
+          <a:fillRef idx="1">
+            <a:schemeClr val="accent1"/>
+          </a:fillRef>
+          <a:effectRef idx="0">
+            <a:schemeClr val="accent1"/>
+          </a:effectRef>
+          <a:fontRef idx="minor">
+            <a:schemeClr val="lt1"/>
+          </a:fontRef>
+        </p:style>
+        <p:txBody>
+          <a:bodyPr rtlCol="0" anchor="ctr"/>
+          <a:lstStyle/>
+          <a:p>
+            <a:pPr algn="ctr"/>
+            <a:r>
+              <a:rPr lang="en-US" altLang="ko-KR" sz="900" b="1" dirty="0" smtClean="0">
+                <a:solidFill>
+                  <a:srgbClr val="0070C0"/>
+                </a:solidFill>
+              </a:rPr>
+              <a:t>1080</a:t>
+            </a:r>
+            <a:endParaRPr lang="ko-KR" altLang="en-US" sz="900" b="1" dirty="0">
+              <a:solidFill>
+                <a:srgbClr val="0070C0"/>
               </a:solidFill>
             </a:endParaRPr>
           </a:p>
@@ -4324,7 +12354,7 @@
                   </a:schemeClr>
                 </a:solidFill>
               </a:rPr>
-              <a:t>1. </a:t>
+              <a:t>4. </a:t>
             </a:r>
             <a:r>
               <a:rPr lang="ko-KR" altLang="en-US" sz="3600" b="1" dirty="0" smtClean="0">
@@ -4334,7 +12364,342 @@
                   </a:schemeClr>
                 </a:solidFill>
               </a:rPr>
-              <a:t>고객 요구사항</a:t>
+              <a:t>개발 계획</a:t>
+            </a:r>
+            <a:endParaRPr lang="ko-KR" altLang="en-US" sz="3600" b="1" i="1" dirty="0">
+              <a:solidFill>
+                <a:schemeClr val="bg2">
+                  <a:lumMod val="25000"/>
+                </a:schemeClr>
+              </a:solidFill>
+            </a:endParaRPr>
+          </a:p>
+        </p:txBody>
+      </p:sp>
+      <p:sp>
+        <p:nvSpPr>
+          <p:cNvPr id="6" name="직사각형 5"/>
+          <p:cNvSpPr/>
+          <p:nvPr/>
+        </p:nvSpPr>
+        <p:spPr>
+          <a:xfrm>
+            <a:off x="250825" y="1485899"/>
+            <a:ext cx="8642350" cy="4968875"/>
+          </a:xfrm>
+          <a:prstGeom prst="rect">
+            <a:avLst/>
+          </a:prstGeom>
+          <a:noFill/>
+          <a:ln w="19050">
+            <a:solidFill>
+              <a:schemeClr val="tx1">
+                <a:lumMod val="75000"/>
+                <a:lumOff val="25000"/>
+              </a:schemeClr>
+            </a:solidFill>
+          </a:ln>
+        </p:spPr>
+        <p:style>
+          <a:lnRef idx="2">
+            <a:schemeClr val="accent1">
+              <a:shade val="50000"/>
+            </a:schemeClr>
+          </a:lnRef>
+          <a:fillRef idx="1">
+            <a:schemeClr val="accent1"/>
+          </a:fillRef>
+          <a:effectRef idx="0">
+            <a:schemeClr val="accent1"/>
+          </a:effectRef>
+          <a:fontRef idx="minor">
+            <a:schemeClr val="lt1"/>
+          </a:fontRef>
+        </p:style>
+        <p:txBody>
+          <a:bodyPr rtlCol="0" anchor="ctr"/>
+          <a:lstStyle/>
+          <a:p>
+            <a:pPr algn="ctr"/>
+            <a:endParaRPr lang="ko-KR" altLang="en-US" sz="3600" b="1" i="1" dirty="0">
+              <a:solidFill>
+                <a:schemeClr val="bg2">
+                  <a:lumMod val="25000"/>
+                </a:schemeClr>
+              </a:solidFill>
+            </a:endParaRPr>
+          </a:p>
+        </p:txBody>
+      </p:sp>
+      <p:sp>
+        <p:nvSpPr>
+          <p:cNvPr id="7" name="직사각형 6"/>
+          <p:cNvSpPr/>
+          <p:nvPr/>
+        </p:nvSpPr>
+        <p:spPr>
+          <a:xfrm>
+            <a:off x="611187" y="2009775"/>
+            <a:ext cx="1798637" cy="409575"/>
+          </a:xfrm>
+          <a:prstGeom prst="rect">
+            <a:avLst/>
+          </a:prstGeom>
+          <a:noFill/>
+          <a:ln>
+            <a:solidFill>
+              <a:schemeClr val="bg2">
+                <a:lumMod val="50000"/>
+              </a:schemeClr>
+            </a:solidFill>
+          </a:ln>
+        </p:spPr>
+        <p:style>
+          <a:lnRef idx="2">
+            <a:schemeClr val="accent1">
+              <a:shade val="50000"/>
+            </a:schemeClr>
+          </a:lnRef>
+          <a:fillRef idx="1">
+            <a:schemeClr val="accent1"/>
+          </a:fillRef>
+          <a:effectRef idx="0">
+            <a:schemeClr val="accent1"/>
+          </a:effectRef>
+          <a:fontRef idx="minor">
+            <a:schemeClr val="lt1"/>
+          </a:fontRef>
+        </p:style>
+        <p:txBody>
+          <a:bodyPr rtlCol="0" anchor="ctr"/>
+          <a:lstStyle/>
+          <a:p>
+            <a:pPr algn="ctr"/>
+            <a:r>
+              <a:rPr lang="ko-KR" altLang="en-US" sz="1500" b="1" dirty="0" smtClean="0">
+                <a:solidFill>
+                  <a:schemeClr val="tx1">
+                    <a:lumMod val="85000"/>
+                    <a:lumOff val="15000"/>
+                  </a:schemeClr>
+                </a:solidFill>
+              </a:rPr>
+              <a:t>개발 도구</a:t>
+            </a:r>
+            <a:endParaRPr lang="ko-KR" altLang="en-US" sz="1500" b="1" dirty="0">
+              <a:solidFill>
+                <a:schemeClr val="tx1">
+                  <a:lumMod val="85000"/>
+                  <a:lumOff val="15000"/>
+                </a:schemeClr>
+              </a:solidFill>
+            </a:endParaRPr>
+          </a:p>
+        </p:txBody>
+      </p:sp>
+      <p:sp>
+        <p:nvSpPr>
+          <p:cNvPr id="10" name="직사각형 9"/>
+          <p:cNvSpPr/>
+          <p:nvPr/>
+        </p:nvSpPr>
+        <p:spPr>
+          <a:xfrm>
+            <a:off x="2770186" y="2009775"/>
+            <a:ext cx="5762627" cy="752475"/>
+          </a:xfrm>
+          <a:prstGeom prst="rect">
+            <a:avLst/>
+          </a:prstGeom>
+          <a:noFill/>
+          <a:ln>
+            <a:solidFill>
+              <a:schemeClr val="bg2">
+                <a:lumMod val="50000"/>
+              </a:schemeClr>
+            </a:solidFill>
+          </a:ln>
+        </p:spPr>
+        <p:style>
+          <a:lnRef idx="2">
+            <a:schemeClr val="accent1">
+              <a:shade val="50000"/>
+            </a:schemeClr>
+          </a:lnRef>
+          <a:fillRef idx="1">
+            <a:schemeClr val="accent1"/>
+          </a:fillRef>
+          <a:effectRef idx="0">
+            <a:schemeClr val="accent1"/>
+          </a:effectRef>
+          <a:fontRef idx="minor">
+            <a:schemeClr val="lt1"/>
+          </a:fontRef>
+        </p:style>
+        <p:txBody>
+          <a:bodyPr rtlCol="0" anchor="ctr"/>
+          <a:lstStyle/>
+          <a:p>
+            <a:r>
+              <a:rPr lang="en-US" altLang="ko-KR" sz="1500" b="1" dirty="0">
+                <a:solidFill>
+                  <a:schemeClr val="tx1">
+                    <a:lumMod val="85000"/>
+                    <a:lumOff val="15000"/>
+                  </a:schemeClr>
+                </a:solidFill>
+              </a:rPr>
+              <a:t>Eclipse IDE for Enterprise Java and Web </a:t>
+            </a:r>
+            <a:r>
+              <a:rPr lang="en-US" altLang="ko-KR" sz="1500" b="1" dirty="0" smtClean="0">
+                <a:solidFill>
+                  <a:schemeClr val="tx1">
+                    <a:lumMod val="85000"/>
+                    <a:lumOff val="15000"/>
+                  </a:schemeClr>
+                </a:solidFill>
+              </a:rPr>
+              <a:t>Developers</a:t>
+            </a:r>
+          </a:p>
+          <a:p>
+            <a:r>
+              <a:rPr lang="en-US" altLang="ko-KR" sz="1500" b="1" dirty="0">
+                <a:solidFill>
+                  <a:schemeClr val="tx1">
+                    <a:lumMod val="85000"/>
+                    <a:lumOff val="15000"/>
+                  </a:schemeClr>
+                </a:solidFill>
+              </a:rPr>
+              <a:t>Version: 2022-06 (4.24.0)</a:t>
+            </a:r>
+          </a:p>
+          <a:p>
+            <a:r>
+              <a:rPr lang="en-US" altLang="ko-KR" sz="1500" b="1" dirty="0">
+                <a:solidFill>
+                  <a:schemeClr val="tx1">
+                    <a:lumMod val="85000"/>
+                    <a:lumOff val="15000"/>
+                  </a:schemeClr>
+                </a:solidFill>
+              </a:rPr>
+              <a:t>Build id: 20220609-1112</a:t>
+            </a:r>
+            <a:endParaRPr lang="ko-KR" altLang="en-US" sz="1500" b="1" dirty="0">
+              <a:solidFill>
+                <a:schemeClr val="tx1">
+                  <a:lumMod val="85000"/>
+                  <a:lumOff val="15000"/>
+                </a:schemeClr>
+              </a:solidFill>
+            </a:endParaRPr>
+          </a:p>
+        </p:txBody>
+      </p:sp>
+    </p:spTree>
+    <p:extLst>
+      <p:ext uri="{BB962C8B-B14F-4D97-AF65-F5344CB8AC3E}">
+        <p14:creationId xmlns:p14="http://schemas.microsoft.com/office/powerpoint/2010/main" val="731745813"/>
+      </p:ext>
+    </p:extLst>
+  </p:cSld>
+  <p:clrMapOvr>
+    <a:masterClrMapping/>
+  </p:clrMapOvr>
+  <p:timing>
+    <p:tnLst>
+      <p:par>
+        <p:cTn id="1" dur="indefinite" restart="never" nodeType="tmRoot"/>
+      </p:par>
+    </p:tnLst>
+  </p:timing>
+</p:sld>
+</file>
+
+<file path=ppt/slides/slide8.xml><?xml version="1.0" encoding="utf-8"?>
+<p:sld xmlns:a="http://schemas.openxmlformats.org/drawingml/2006/main" xmlns:r="http://schemas.openxmlformats.org/officeDocument/2006/relationships" xmlns:p="http://schemas.openxmlformats.org/presentationml/2006/main">
+  <p:cSld>
+    <p:spTree>
+      <p:nvGrpSpPr>
+        <p:cNvPr id="1" name=""/>
+        <p:cNvGrpSpPr/>
+        <p:nvPr/>
+      </p:nvGrpSpPr>
+      <p:grpSpPr>
+        <a:xfrm>
+          <a:off x="0" y="0"/>
+          <a:ext cx="0" cy="0"/>
+          <a:chOff x="0" y="0"/>
+          <a:chExt cx="0" cy="0"/>
+        </a:xfrm>
+      </p:grpSpPr>
+      <p:sp>
+        <p:nvSpPr>
+          <p:cNvPr id="8" name="직사각형 7"/>
+          <p:cNvSpPr/>
+          <p:nvPr/>
+        </p:nvSpPr>
+        <p:spPr>
+          <a:xfrm>
+            <a:off x="250825" y="552983"/>
+            <a:ext cx="8642350" cy="745978"/>
+          </a:xfrm>
+          <a:prstGeom prst="rect">
+            <a:avLst/>
+          </a:prstGeom>
+          <a:noFill/>
+          <a:ln w="19050">
+            <a:solidFill>
+              <a:schemeClr val="tx1">
+                <a:lumMod val="75000"/>
+                <a:lumOff val="25000"/>
+              </a:schemeClr>
+            </a:solidFill>
+          </a:ln>
+        </p:spPr>
+        <p:style>
+          <a:lnRef idx="2">
+            <a:schemeClr val="accent1">
+              <a:shade val="50000"/>
+            </a:schemeClr>
+          </a:lnRef>
+          <a:fillRef idx="1">
+            <a:schemeClr val="accent1"/>
+          </a:fillRef>
+          <a:effectRef idx="0">
+            <a:schemeClr val="accent1"/>
+          </a:effectRef>
+          <a:fontRef idx="minor">
+            <a:schemeClr val="lt1"/>
+          </a:fontRef>
+        </p:style>
+        <p:txBody>
+          <a:bodyPr rtlCol="0" anchor="ctr"/>
+          <a:lstStyle/>
+          <a:p>
+            <a:pPr algn="ctr"/>
+            <a:r>
+              <a:rPr lang="en-US" altLang="ko-KR" sz="3600" b="1" dirty="0" smtClean="0">
+                <a:solidFill>
+                  <a:schemeClr val="bg2">
+                    <a:lumMod val="25000"/>
+                  </a:schemeClr>
+                </a:solidFill>
+              </a:rPr>
+              <a:t>4. DB </a:t>
+            </a:r>
+            <a:r>
+              <a:rPr lang="ko-KR" altLang="en-US" sz="3600" b="1" dirty="0" smtClean="0">
+                <a:solidFill>
+                  <a:schemeClr val="bg2">
+                    <a:lumMod val="25000"/>
+                  </a:schemeClr>
+                </a:solidFill>
+              </a:rPr>
+              <a:t>설계</a:t>
             </a:r>
             <a:endParaRPr lang="ko-KR" altLang="en-US" sz="3600" b="1" i="1" dirty="0">
               <a:solidFill>

--- a/기획안.pptx
+++ b/기획안.pptx
@@ -12,7 +12,12 @@
     <p:sldId id="259" r:id="rId6"/>
     <p:sldId id="261" r:id="rId7"/>
     <p:sldId id="263" r:id="rId8"/>
-    <p:sldId id="262" r:id="rId9"/>
+    <p:sldId id="265" r:id="rId9"/>
+    <p:sldId id="266" r:id="rId10"/>
+    <p:sldId id="267" r:id="rId11"/>
+    <p:sldId id="268" r:id="rId12"/>
+    <p:sldId id="269" r:id="rId13"/>
+    <p:sldId id="262" r:id="rId14"/>
   </p:sldIdLst>
   <p:sldSz cx="9144000" cy="6858000" type="screen4x3"/>
   <p:notesSz cx="6858000" cy="9144000"/>
@@ -286,7 +291,7 @@
           <a:p>
             <a:fld id="{81C16EF9-F183-4298-9EF9-8579D6823BCF}" type="datetimeFigureOut">
               <a:rPr lang="ko-KR" altLang="en-US" smtClean="0"/>
-              <a:t>2022-09-24</a:t>
+              <a:t>2022-10-04</a:t>
             </a:fld>
             <a:endParaRPr lang="ko-KR" altLang="en-US"/>
           </a:p>
@@ -456,7 +461,7 @@
           <a:p>
             <a:fld id="{81C16EF9-F183-4298-9EF9-8579D6823BCF}" type="datetimeFigureOut">
               <a:rPr lang="ko-KR" altLang="en-US" smtClean="0"/>
-              <a:t>2022-09-24</a:t>
+              <a:t>2022-10-04</a:t>
             </a:fld>
             <a:endParaRPr lang="ko-KR" altLang="en-US"/>
           </a:p>
@@ -636,7 +641,7 @@
           <a:p>
             <a:fld id="{81C16EF9-F183-4298-9EF9-8579D6823BCF}" type="datetimeFigureOut">
               <a:rPr lang="ko-KR" altLang="en-US" smtClean="0"/>
-              <a:t>2022-09-24</a:t>
+              <a:t>2022-10-04</a:t>
             </a:fld>
             <a:endParaRPr lang="ko-KR" altLang="en-US"/>
           </a:p>
@@ -806,7 +811,7 @@
           <a:p>
             <a:fld id="{81C16EF9-F183-4298-9EF9-8579D6823BCF}" type="datetimeFigureOut">
               <a:rPr lang="ko-KR" altLang="en-US" smtClean="0"/>
-              <a:t>2022-09-24</a:t>
+              <a:t>2022-10-04</a:t>
             </a:fld>
             <a:endParaRPr lang="ko-KR" altLang="en-US"/>
           </a:p>
@@ -1050,7 +1055,7 @@
           <a:p>
             <a:fld id="{81C16EF9-F183-4298-9EF9-8579D6823BCF}" type="datetimeFigureOut">
               <a:rPr lang="ko-KR" altLang="en-US" smtClean="0"/>
-              <a:t>2022-09-24</a:t>
+              <a:t>2022-10-04</a:t>
             </a:fld>
             <a:endParaRPr lang="ko-KR" altLang="en-US"/>
           </a:p>
@@ -1282,7 +1287,7 @@
           <a:p>
             <a:fld id="{81C16EF9-F183-4298-9EF9-8579D6823BCF}" type="datetimeFigureOut">
               <a:rPr lang="ko-KR" altLang="en-US" smtClean="0"/>
-              <a:t>2022-09-24</a:t>
+              <a:t>2022-10-04</a:t>
             </a:fld>
             <a:endParaRPr lang="ko-KR" altLang="en-US"/>
           </a:p>
@@ -1649,7 +1654,7 @@
           <a:p>
             <a:fld id="{81C16EF9-F183-4298-9EF9-8579D6823BCF}" type="datetimeFigureOut">
               <a:rPr lang="ko-KR" altLang="en-US" smtClean="0"/>
-              <a:t>2022-09-24</a:t>
+              <a:t>2022-10-04</a:t>
             </a:fld>
             <a:endParaRPr lang="ko-KR" altLang="en-US"/>
           </a:p>
@@ -1767,7 +1772,7 @@
           <a:p>
             <a:fld id="{81C16EF9-F183-4298-9EF9-8579D6823BCF}" type="datetimeFigureOut">
               <a:rPr lang="ko-KR" altLang="en-US" smtClean="0"/>
-              <a:t>2022-09-24</a:t>
+              <a:t>2022-10-04</a:t>
             </a:fld>
             <a:endParaRPr lang="ko-KR" altLang="en-US"/>
           </a:p>
@@ -1862,7 +1867,7 @@
           <a:p>
             <a:fld id="{81C16EF9-F183-4298-9EF9-8579D6823BCF}" type="datetimeFigureOut">
               <a:rPr lang="ko-KR" altLang="en-US" smtClean="0"/>
-              <a:t>2022-09-24</a:t>
+              <a:t>2022-10-04</a:t>
             </a:fld>
             <a:endParaRPr lang="ko-KR" altLang="en-US"/>
           </a:p>
@@ -2139,7 +2144,7 @@
           <a:p>
             <a:fld id="{81C16EF9-F183-4298-9EF9-8579D6823BCF}" type="datetimeFigureOut">
               <a:rPr lang="ko-KR" altLang="en-US" smtClean="0"/>
-              <a:t>2022-09-24</a:t>
+              <a:t>2022-10-04</a:t>
             </a:fld>
             <a:endParaRPr lang="ko-KR" altLang="en-US"/>
           </a:p>
@@ -2396,7 +2401,7 @@
           <a:p>
             <a:fld id="{81C16EF9-F183-4298-9EF9-8579D6823BCF}" type="datetimeFigureOut">
               <a:rPr lang="ko-KR" altLang="en-US" smtClean="0"/>
-              <a:t>2022-09-24</a:t>
+              <a:t>2022-10-04</a:t>
             </a:fld>
             <a:endParaRPr lang="ko-KR" altLang="en-US"/>
           </a:p>
@@ -2609,7 +2614,7 @@
           <a:p>
             <a:fld id="{81C16EF9-F183-4298-9EF9-8579D6823BCF}" type="datetimeFigureOut">
               <a:rPr lang="ko-KR" altLang="en-US" smtClean="0"/>
-              <a:t>2022-09-24</a:t>
+              <a:t>2022-10-04</a:t>
             </a:fld>
             <a:endParaRPr lang="ko-KR" altLang="en-US"/>
           </a:p>
@@ -3121,17 +3126,7 @@
                   </a:schemeClr>
                 </a:solidFill>
               </a:rPr>
-              <a:t>을 다루는 </a:t>
-            </a:r>
-            <a:r>
-              <a:rPr lang="ko-KR" altLang="en-US" sz="1200" b="1" i="1" dirty="0" smtClean="0">
-                <a:solidFill>
-                  <a:schemeClr val="bg2">
-                    <a:lumMod val="25000"/>
-                  </a:schemeClr>
-                </a:solidFill>
-              </a:rPr>
-              <a:t>기술 </a:t>
+              <a:t>을 다루는 기술 </a:t>
             </a:r>
             <a:r>
               <a:rPr lang="ko-KR" altLang="en-US" sz="1200" b="1" i="1" dirty="0" err="1" smtClean="0">
@@ -3258,6 +3253,2825 @@
   <p:clrMapOvr>
     <a:masterClrMapping/>
   </p:clrMapOvr>
+</p:sld>
+</file>
+
+<file path=ppt/slides/slide10.xml><?xml version="1.0" encoding="utf-8"?>
+<p:sld xmlns:a="http://schemas.openxmlformats.org/drawingml/2006/main" xmlns:r="http://schemas.openxmlformats.org/officeDocument/2006/relationships" xmlns:p="http://schemas.openxmlformats.org/presentationml/2006/main">
+  <p:cSld>
+    <p:spTree>
+      <p:nvGrpSpPr>
+        <p:cNvPr id="1" name=""/>
+        <p:cNvGrpSpPr/>
+        <p:nvPr/>
+      </p:nvGrpSpPr>
+      <p:grpSpPr>
+        <a:xfrm>
+          <a:off x="0" y="0"/>
+          <a:ext cx="0" cy="0"/>
+          <a:chOff x="0" y="0"/>
+          <a:chExt cx="0" cy="0"/>
+        </a:xfrm>
+      </p:grpSpPr>
+      <p:sp>
+        <p:nvSpPr>
+          <p:cNvPr id="8" name="직사각형 7"/>
+          <p:cNvSpPr/>
+          <p:nvPr/>
+        </p:nvSpPr>
+        <p:spPr>
+          <a:xfrm>
+            <a:off x="250825" y="552983"/>
+            <a:ext cx="8642350" cy="745978"/>
+          </a:xfrm>
+          <a:prstGeom prst="rect">
+            <a:avLst/>
+          </a:prstGeom>
+          <a:noFill/>
+          <a:ln w="19050">
+            <a:solidFill>
+              <a:schemeClr val="tx1">
+                <a:lumMod val="75000"/>
+                <a:lumOff val="25000"/>
+              </a:schemeClr>
+            </a:solidFill>
+          </a:ln>
+        </p:spPr>
+        <p:style>
+          <a:lnRef idx="2">
+            <a:schemeClr val="accent1">
+              <a:shade val="50000"/>
+            </a:schemeClr>
+          </a:lnRef>
+          <a:fillRef idx="1">
+            <a:schemeClr val="accent1"/>
+          </a:fillRef>
+          <a:effectRef idx="0">
+            <a:schemeClr val="accent1"/>
+          </a:effectRef>
+          <a:fontRef idx="minor">
+            <a:schemeClr val="lt1"/>
+          </a:fontRef>
+        </p:style>
+        <p:txBody>
+          <a:bodyPr rtlCol="0" anchor="ctr"/>
+          <a:lstStyle/>
+          <a:p>
+            <a:pPr algn="ctr"/>
+            <a:r>
+              <a:rPr lang="en-US" altLang="ko-KR" sz="3600" b="1" dirty="0" smtClean="0">
+                <a:solidFill>
+                  <a:schemeClr val="bg2">
+                    <a:lumMod val="25000"/>
+                  </a:schemeClr>
+                </a:solidFill>
+              </a:rPr>
+              <a:t>4. </a:t>
+            </a:r>
+            <a:r>
+              <a:rPr lang="ko-KR" altLang="en-US" sz="3600" b="1" dirty="0" smtClean="0">
+                <a:solidFill>
+                  <a:schemeClr val="bg2">
+                    <a:lumMod val="25000"/>
+                  </a:schemeClr>
+                </a:solidFill>
+              </a:rPr>
+              <a:t>개발 </a:t>
+            </a:r>
+            <a:r>
+              <a:rPr lang="ko-KR" altLang="en-US" sz="3600" b="1" dirty="0" smtClean="0">
+                <a:solidFill>
+                  <a:schemeClr val="bg2">
+                    <a:lumMod val="25000"/>
+                  </a:schemeClr>
+                </a:solidFill>
+              </a:rPr>
+              <a:t>계획</a:t>
+            </a:r>
+            <a:r>
+              <a:rPr lang="en-US" altLang="ko-KR" sz="3600" b="1" dirty="0" smtClean="0">
+                <a:solidFill>
+                  <a:schemeClr val="bg2">
+                    <a:lumMod val="25000"/>
+                  </a:schemeClr>
+                </a:solidFill>
+              </a:rPr>
+              <a:t>(</a:t>
+            </a:r>
+            <a:r>
+              <a:rPr lang="en-US" altLang="ko-KR" sz="3600" b="1" dirty="0">
+                <a:solidFill>
+                  <a:schemeClr val="bg2">
+                    <a:lumMod val="25000"/>
+                  </a:schemeClr>
+                </a:solidFill>
+              </a:rPr>
+              <a:t>4) : servlet-context.xml</a:t>
+            </a:r>
+            <a:endParaRPr lang="ko-KR" altLang="en-US" sz="3600" b="1" i="1" dirty="0">
+              <a:solidFill>
+                <a:schemeClr val="bg2">
+                  <a:lumMod val="25000"/>
+                </a:schemeClr>
+              </a:solidFill>
+            </a:endParaRPr>
+          </a:p>
+        </p:txBody>
+      </p:sp>
+      <p:sp>
+        <p:nvSpPr>
+          <p:cNvPr id="6" name="직사각형 5"/>
+          <p:cNvSpPr/>
+          <p:nvPr/>
+        </p:nvSpPr>
+        <p:spPr>
+          <a:xfrm>
+            <a:off x="250825" y="1485899"/>
+            <a:ext cx="8642350" cy="4968875"/>
+          </a:xfrm>
+          <a:prstGeom prst="rect">
+            <a:avLst/>
+          </a:prstGeom>
+          <a:noFill/>
+          <a:ln w="19050">
+            <a:solidFill>
+              <a:schemeClr val="tx1">
+                <a:lumMod val="75000"/>
+                <a:lumOff val="25000"/>
+              </a:schemeClr>
+            </a:solidFill>
+          </a:ln>
+        </p:spPr>
+        <p:style>
+          <a:lnRef idx="2">
+            <a:schemeClr val="accent1">
+              <a:shade val="50000"/>
+            </a:schemeClr>
+          </a:lnRef>
+          <a:fillRef idx="1">
+            <a:schemeClr val="accent1"/>
+          </a:fillRef>
+          <a:effectRef idx="0">
+            <a:schemeClr val="accent1"/>
+          </a:effectRef>
+          <a:fontRef idx="minor">
+            <a:schemeClr val="lt1"/>
+          </a:fontRef>
+        </p:style>
+        <p:txBody>
+          <a:bodyPr rtlCol="0" anchor="ctr"/>
+          <a:lstStyle/>
+          <a:p>
+            <a:pPr algn="ctr"/>
+            <a:endParaRPr lang="ko-KR" altLang="en-US" sz="3600" b="1" i="1" dirty="0">
+              <a:solidFill>
+                <a:schemeClr val="bg2">
+                  <a:lumMod val="25000"/>
+                </a:schemeClr>
+              </a:solidFill>
+            </a:endParaRPr>
+          </a:p>
+        </p:txBody>
+      </p:sp>
+      <p:sp>
+        <p:nvSpPr>
+          <p:cNvPr id="9" name="직사각형 8"/>
+          <p:cNvSpPr/>
+          <p:nvPr/>
+        </p:nvSpPr>
+        <p:spPr>
+          <a:xfrm>
+            <a:off x="611188" y="1628775"/>
+            <a:ext cx="1617662" cy="409575"/>
+          </a:xfrm>
+          <a:prstGeom prst="rect">
+            <a:avLst/>
+          </a:prstGeom>
+          <a:noFill/>
+          <a:ln>
+            <a:solidFill>
+              <a:schemeClr val="bg2">
+                <a:lumMod val="50000"/>
+              </a:schemeClr>
+            </a:solidFill>
+          </a:ln>
+        </p:spPr>
+        <p:style>
+          <a:lnRef idx="2">
+            <a:schemeClr val="accent1">
+              <a:shade val="50000"/>
+            </a:schemeClr>
+          </a:lnRef>
+          <a:fillRef idx="1">
+            <a:schemeClr val="accent1"/>
+          </a:fillRef>
+          <a:effectRef idx="0">
+            <a:schemeClr val="accent1"/>
+          </a:effectRef>
+          <a:fontRef idx="minor">
+            <a:schemeClr val="lt1"/>
+          </a:fontRef>
+        </p:style>
+        <p:txBody>
+          <a:bodyPr rtlCol="0" anchor="ctr"/>
+          <a:lstStyle/>
+          <a:p>
+            <a:pPr algn="ctr"/>
+            <a:r>
+              <a:rPr lang="en-US" altLang="ko-KR" sz="1500" b="1" dirty="0" smtClean="0">
+                <a:solidFill>
+                  <a:schemeClr val="accent2">
+                    <a:lumMod val="50000"/>
+                  </a:schemeClr>
+                </a:solidFill>
+              </a:rPr>
+              <a:t>Component-scan</a:t>
+            </a:r>
+            <a:endParaRPr lang="ko-KR" altLang="en-US" sz="1500" b="1" dirty="0">
+              <a:solidFill>
+                <a:schemeClr val="accent2">
+                  <a:lumMod val="50000"/>
+                </a:schemeClr>
+              </a:solidFill>
+            </a:endParaRPr>
+          </a:p>
+        </p:txBody>
+      </p:sp>
+      <p:sp>
+        <p:nvSpPr>
+          <p:cNvPr id="11" name="직사각형 10"/>
+          <p:cNvSpPr/>
+          <p:nvPr/>
+        </p:nvSpPr>
+        <p:spPr>
+          <a:xfrm>
+            <a:off x="2589213" y="1628775"/>
+            <a:ext cx="5943600" cy="409575"/>
+          </a:xfrm>
+          <a:prstGeom prst="rect">
+            <a:avLst/>
+          </a:prstGeom>
+          <a:noFill/>
+          <a:ln>
+            <a:solidFill>
+              <a:schemeClr val="bg2">
+                <a:lumMod val="50000"/>
+              </a:schemeClr>
+            </a:solidFill>
+          </a:ln>
+        </p:spPr>
+        <p:style>
+          <a:lnRef idx="2">
+            <a:schemeClr val="accent1">
+              <a:shade val="50000"/>
+            </a:schemeClr>
+          </a:lnRef>
+          <a:fillRef idx="1">
+            <a:schemeClr val="accent1"/>
+          </a:fillRef>
+          <a:effectRef idx="0">
+            <a:schemeClr val="accent1"/>
+          </a:effectRef>
+          <a:fontRef idx="minor">
+            <a:schemeClr val="lt1"/>
+          </a:fontRef>
+        </p:style>
+        <p:txBody>
+          <a:bodyPr rtlCol="0" anchor="ctr"/>
+          <a:lstStyle/>
+          <a:p>
+            <a:r>
+              <a:rPr lang="en-US" altLang="ko-KR" sz="1500" b="1" dirty="0" smtClean="0">
+                <a:solidFill>
+                  <a:schemeClr val="tx1">
+                    <a:lumMod val="85000"/>
+                    <a:lumOff val="15000"/>
+                  </a:schemeClr>
+                </a:solidFill>
+              </a:rPr>
+              <a:t>[</a:t>
+            </a:r>
+            <a:r>
+              <a:rPr lang="en-US" altLang="ko-KR" sz="1500" b="1" dirty="0" smtClean="0">
+                <a:solidFill>
+                  <a:schemeClr val="accent6">
+                    <a:lumMod val="75000"/>
+                  </a:schemeClr>
+                </a:solidFill>
+              </a:rPr>
+              <a:t>base-package</a:t>
+            </a:r>
+            <a:r>
+              <a:rPr lang="en-US" altLang="ko-KR" sz="1500" b="1" dirty="0" smtClean="0">
+                <a:solidFill>
+                  <a:schemeClr val="tx1">
+                    <a:lumMod val="85000"/>
+                    <a:lumOff val="15000"/>
+                  </a:schemeClr>
+                </a:solidFill>
+              </a:rPr>
+              <a:t>] com.bookshop01</a:t>
+            </a:r>
+          </a:p>
+        </p:txBody>
+      </p:sp>
+      <p:sp>
+        <p:nvSpPr>
+          <p:cNvPr id="10" name="직사각형 9"/>
+          <p:cNvSpPr/>
+          <p:nvPr/>
+        </p:nvSpPr>
+        <p:spPr>
+          <a:xfrm>
+            <a:off x="611188" y="2314575"/>
+            <a:ext cx="1617662" cy="409575"/>
+          </a:xfrm>
+          <a:prstGeom prst="rect">
+            <a:avLst/>
+          </a:prstGeom>
+          <a:noFill/>
+          <a:ln>
+            <a:solidFill>
+              <a:schemeClr val="bg2">
+                <a:lumMod val="50000"/>
+              </a:schemeClr>
+            </a:solidFill>
+          </a:ln>
+        </p:spPr>
+        <p:style>
+          <a:lnRef idx="2">
+            <a:schemeClr val="accent1">
+              <a:shade val="50000"/>
+            </a:schemeClr>
+          </a:lnRef>
+          <a:fillRef idx="1">
+            <a:schemeClr val="accent1"/>
+          </a:fillRef>
+          <a:effectRef idx="0">
+            <a:schemeClr val="accent1"/>
+          </a:effectRef>
+          <a:fontRef idx="minor">
+            <a:schemeClr val="lt1"/>
+          </a:fontRef>
+        </p:style>
+        <p:txBody>
+          <a:bodyPr rtlCol="0" anchor="ctr"/>
+          <a:lstStyle/>
+          <a:p>
+            <a:pPr algn="ctr"/>
+            <a:r>
+              <a:rPr lang="en-US" altLang="ko-KR" sz="1500" b="1" dirty="0" smtClean="0">
+                <a:solidFill>
+                  <a:schemeClr val="accent2">
+                    <a:lumMod val="50000"/>
+                  </a:schemeClr>
+                </a:solidFill>
+              </a:rPr>
+              <a:t>interceptor</a:t>
+            </a:r>
+            <a:endParaRPr lang="ko-KR" altLang="en-US" sz="1500" b="1" dirty="0">
+              <a:solidFill>
+                <a:schemeClr val="accent2">
+                  <a:lumMod val="50000"/>
+                </a:schemeClr>
+              </a:solidFill>
+            </a:endParaRPr>
+          </a:p>
+        </p:txBody>
+      </p:sp>
+      <p:sp>
+        <p:nvSpPr>
+          <p:cNvPr id="13" name="직사각형 12"/>
+          <p:cNvSpPr/>
+          <p:nvPr/>
+        </p:nvSpPr>
+        <p:spPr>
+          <a:xfrm>
+            <a:off x="2589213" y="2314575"/>
+            <a:ext cx="5943600" cy="809626"/>
+          </a:xfrm>
+          <a:prstGeom prst="rect">
+            <a:avLst/>
+          </a:prstGeom>
+          <a:noFill/>
+          <a:ln>
+            <a:solidFill>
+              <a:schemeClr val="bg2">
+                <a:lumMod val="50000"/>
+              </a:schemeClr>
+            </a:solidFill>
+          </a:ln>
+        </p:spPr>
+        <p:style>
+          <a:lnRef idx="2">
+            <a:schemeClr val="accent1">
+              <a:shade val="50000"/>
+            </a:schemeClr>
+          </a:lnRef>
+          <a:fillRef idx="1">
+            <a:schemeClr val="accent1"/>
+          </a:fillRef>
+          <a:effectRef idx="0">
+            <a:schemeClr val="accent1"/>
+          </a:effectRef>
+          <a:fontRef idx="minor">
+            <a:schemeClr val="lt1"/>
+          </a:fontRef>
+        </p:style>
+        <p:txBody>
+          <a:bodyPr rtlCol="0" anchor="ctr"/>
+          <a:lstStyle/>
+          <a:p>
+            <a:r>
+              <a:rPr lang="en-US" altLang="ko-KR" sz="1500" b="1" dirty="0" err="1" smtClean="0">
+                <a:solidFill>
+                  <a:schemeClr val="accent6">
+                    <a:lumMod val="75000"/>
+                  </a:schemeClr>
+                </a:solidFill>
+              </a:rPr>
+              <a:t>mvc:mapping</a:t>
+            </a:r>
+            <a:r>
+              <a:rPr lang="en-US" altLang="ko-KR" sz="1500" b="1" dirty="0" smtClean="0">
+                <a:solidFill>
+                  <a:schemeClr val="accent6">
+                    <a:lumMod val="75000"/>
+                  </a:schemeClr>
+                </a:solidFill>
+              </a:rPr>
+              <a:t> /*/*.do</a:t>
+            </a:r>
+          </a:p>
+          <a:p>
+            <a:r>
+              <a:rPr lang="en-US" altLang="ko-KR" sz="1500" b="1" dirty="0" err="1">
+                <a:solidFill>
+                  <a:schemeClr val="accent6">
+                    <a:lumMod val="75000"/>
+                  </a:schemeClr>
+                </a:solidFill>
+              </a:rPr>
+              <a:t>mvc:mapping</a:t>
+            </a:r>
+            <a:r>
+              <a:rPr lang="en-US" altLang="ko-KR" sz="1500" b="1" dirty="0">
+                <a:solidFill>
+                  <a:schemeClr val="accent6">
+                    <a:lumMod val="75000"/>
+                  </a:schemeClr>
+                </a:solidFill>
+              </a:rPr>
+              <a:t> </a:t>
+            </a:r>
+            <a:r>
+              <a:rPr lang="en-US" altLang="ko-KR" sz="1500" b="1" dirty="0" smtClean="0">
+                <a:solidFill>
+                  <a:schemeClr val="accent6">
+                    <a:lumMod val="75000"/>
+                  </a:schemeClr>
+                </a:solidFill>
+              </a:rPr>
+              <a:t>/*/*/*.do</a:t>
+            </a:r>
+          </a:p>
+          <a:p>
+            <a:r>
+              <a:rPr lang="en-US" altLang="ko-KR" sz="1500" b="1" dirty="0" smtClean="0">
+                <a:solidFill>
+                  <a:schemeClr val="tx1">
+                    <a:lumMod val="85000"/>
+                    <a:lumOff val="15000"/>
+                  </a:schemeClr>
+                </a:solidFill>
+              </a:rPr>
+              <a:t>com.bookshop01.common.interceptor.ViewNameInterceptor</a:t>
+            </a:r>
+            <a:endParaRPr lang="en-US" altLang="ko-KR" sz="1500" b="1" dirty="0" smtClean="0">
+              <a:solidFill>
+                <a:schemeClr val="tx1">
+                  <a:lumMod val="85000"/>
+                  <a:lumOff val="15000"/>
+                </a:schemeClr>
+              </a:solidFill>
+            </a:endParaRPr>
+          </a:p>
+        </p:txBody>
+      </p:sp>
+    </p:spTree>
+    <p:extLst>
+      <p:ext uri="{BB962C8B-B14F-4D97-AF65-F5344CB8AC3E}">
+        <p14:creationId xmlns:p14="http://schemas.microsoft.com/office/powerpoint/2010/main" val="4196170079"/>
+      </p:ext>
+    </p:extLst>
+  </p:cSld>
+  <p:clrMapOvr>
+    <a:masterClrMapping/>
+  </p:clrMapOvr>
+  <p:timing>
+    <p:tnLst>
+      <p:par>
+        <p:cTn id="1" dur="indefinite" restart="never" nodeType="tmRoot"/>
+      </p:par>
+    </p:tnLst>
+  </p:timing>
+</p:sld>
+</file>
+
+<file path=ppt/slides/slide11.xml><?xml version="1.0" encoding="utf-8"?>
+<p:sld xmlns:a="http://schemas.openxmlformats.org/drawingml/2006/main" xmlns:r="http://schemas.openxmlformats.org/officeDocument/2006/relationships" xmlns:p="http://schemas.openxmlformats.org/presentationml/2006/main">
+  <p:cSld>
+    <p:spTree>
+      <p:nvGrpSpPr>
+        <p:cNvPr id="1" name=""/>
+        <p:cNvGrpSpPr/>
+        <p:nvPr/>
+      </p:nvGrpSpPr>
+      <p:grpSpPr>
+        <a:xfrm>
+          <a:off x="0" y="0"/>
+          <a:ext cx="0" cy="0"/>
+          <a:chOff x="0" y="0"/>
+          <a:chExt cx="0" cy="0"/>
+        </a:xfrm>
+      </p:grpSpPr>
+      <p:sp>
+        <p:nvSpPr>
+          <p:cNvPr id="8" name="직사각형 7"/>
+          <p:cNvSpPr/>
+          <p:nvPr/>
+        </p:nvSpPr>
+        <p:spPr>
+          <a:xfrm>
+            <a:off x="250825" y="552983"/>
+            <a:ext cx="8642350" cy="745978"/>
+          </a:xfrm>
+          <a:prstGeom prst="rect">
+            <a:avLst/>
+          </a:prstGeom>
+          <a:noFill/>
+          <a:ln w="19050">
+            <a:solidFill>
+              <a:schemeClr val="tx1">
+                <a:lumMod val="75000"/>
+                <a:lumOff val="25000"/>
+              </a:schemeClr>
+            </a:solidFill>
+          </a:ln>
+        </p:spPr>
+        <p:style>
+          <a:lnRef idx="2">
+            <a:schemeClr val="accent1">
+              <a:shade val="50000"/>
+            </a:schemeClr>
+          </a:lnRef>
+          <a:fillRef idx="1">
+            <a:schemeClr val="accent1"/>
+          </a:fillRef>
+          <a:effectRef idx="0">
+            <a:schemeClr val="accent1"/>
+          </a:effectRef>
+          <a:fontRef idx="minor">
+            <a:schemeClr val="lt1"/>
+          </a:fontRef>
+        </p:style>
+        <p:txBody>
+          <a:bodyPr rtlCol="0" anchor="ctr"/>
+          <a:lstStyle/>
+          <a:p>
+            <a:pPr algn="ctr"/>
+            <a:r>
+              <a:rPr lang="en-US" altLang="ko-KR" sz="3600" b="1" dirty="0" smtClean="0">
+                <a:solidFill>
+                  <a:schemeClr val="bg2">
+                    <a:lumMod val="25000"/>
+                  </a:schemeClr>
+                </a:solidFill>
+              </a:rPr>
+              <a:t>4. </a:t>
+            </a:r>
+            <a:r>
+              <a:rPr lang="ko-KR" altLang="en-US" sz="3600" b="1" dirty="0" smtClean="0">
+                <a:solidFill>
+                  <a:schemeClr val="bg2">
+                    <a:lumMod val="25000"/>
+                  </a:schemeClr>
+                </a:solidFill>
+              </a:rPr>
+              <a:t>개발 </a:t>
+            </a:r>
+            <a:r>
+              <a:rPr lang="ko-KR" altLang="en-US" sz="3600" b="1" dirty="0" smtClean="0">
+                <a:solidFill>
+                  <a:schemeClr val="bg2">
+                    <a:lumMod val="25000"/>
+                  </a:schemeClr>
+                </a:solidFill>
+              </a:rPr>
+              <a:t>계획</a:t>
+            </a:r>
+            <a:r>
+              <a:rPr lang="en-US" altLang="ko-KR" sz="3600" b="1" dirty="0" smtClean="0">
+                <a:solidFill>
+                  <a:schemeClr val="bg2">
+                    <a:lumMod val="25000"/>
+                  </a:schemeClr>
+                </a:solidFill>
+              </a:rPr>
+              <a:t>(5</a:t>
+            </a:r>
+            <a:r>
+              <a:rPr lang="en-US" altLang="ko-KR" sz="3600" b="1" dirty="0" smtClean="0">
+                <a:solidFill>
+                  <a:schemeClr val="bg2">
+                    <a:lumMod val="25000"/>
+                  </a:schemeClr>
+                </a:solidFill>
+              </a:rPr>
+              <a:t>) </a:t>
+            </a:r>
+            <a:r>
+              <a:rPr lang="en-US" altLang="ko-KR" sz="3600" b="1" dirty="0">
+                <a:solidFill>
+                  <a:schemeClr val="bg2">
+                    <a:lumMod val="25000"/>
+                  </a:schemeClr>
+                </a:solidFill>
+              </a:rPr>
+              <a:t>: </a:t>
+            </a:r>
+            <a:r>
+              <a:rPr lang="en-US" altLang="ko-KR" sz="3600" b="1" dirty="0" smtClean="0">
+                <a:solidFill>
+                  <a:schemeClr val="bg2">
+                    <a:lumMod val="25000"/>
+                  </a:schemeClr>
+                </a:solidFill>
+              </a:rPr>
+              <a:t>mybatis-context.xml</a:t>
+            </a:r>
+            <a:endParaRPr lang="ko-KR" altLang="en-US" sz="3600" b="1" i="1" dirty="0">
+              <a:solidFill>
+                <a:schemeClr val="bg2">
+                  <a:lumMod val="25000"/>
+                </a:schemeClr>
+              </a:solidFill>
+            </a:endParaRPr>
+          </a:p>
+        </p:txBody>
+      </p:sp>
+      <p:sp>
+        <p:nvSpPr>
+          <p:cNvPr id="6" name="직사각형 5"/>
+          <p:cNvSpPr/>
+          <p:nvPr/>
+        </p:nvSpPr>
+        <p:spPr>
+          <a:xfrm>
+            <a:off x="250825" y="1485899"/>
+            <a:ext cx="8642350" cy="4968875"/>
+          </a:xfrm>
+          <a:prstGeom prst="rect">
+            <a:avLst/>
+          </a:prstGeom>
+          <a:noFill/>
+          <a:ln w="19050">
+            <a:solidFill>
+              <a:schemeClr val="tx1">
+                <a:lumMod val="75000"/>
+                <a:lumOff val="25000"/>
+              </a:schemeClr>
+            </a:solidFill>
+          </a:ln>
+        </p:spPr>
+        <p:style>
+          <a:lnRef idx="2">
+            <a:schemeClr val="accent1">
+              <a:shade val="50000"/>
+            </a:schemeClr>
+          </a:lnRef>
+          <a:fillRef idx="1">
+            <a:schemeClr val="accent1"/>
+          </a:fillRef>
+          <a:effectRef idx="0">
+            <a:schemeClr val="accent1"/>
+          </a:effectRef>
+          <a:fontRef idx="minor">
+            <a:schemeClr val="lt1"/>
+          </a:fontRef>
+        </p:style>
+        <p:txBody>
+          <a:bodyPr rtlCol="0" anchor="ctr"/>
+          <a:lstStyle/>
+          <a:p>
+            <a:pPr algn="ctr"/>
+            <a:endParaRPr lang="ko-KR" altLang="en-US" sz="3600" b="1" i="1" dirty="0">
+              <a:solidFill>
+                <a:schemeClr val="bg2">
+                  <a:lumMod val="25000"/>
+                </a:schemeClr>
+              </a:solidFill>
+            </a:endParaRPr>
+          </a:p>
+        </p:txBody>
+      </p:sp>
+      <p:sp>
+        <p:nvSpPr>
+          <p:cNvPr id="9" name="직사각형 8"/>
+          <p:cNvSpPr/>
+          <p:nvPr/>
+        </p:nvSpPr>
+        <p:spPr>
+          <a:xfrm>
+            <a:off x="611188" y="1628775"/>
+            <a:ext cx="1617662" cy="409575"/>
+          </a:xfrm>
+          <a:prstGeom prst="rect">
+            <a:avLst/>
+          </a:prstGeom>
+          <a:noFill/>
+          <a:ln>
+            <a:solidFill>
+              <a:schemeClr val="bg2">
+                <a:lumMod val="50000"/>
+              </a:schemeClr>
+            </a:solidFill>
+          </a:ln>
+        </p:spPr>
+        <p:style>
+          <a:lnRef idx="2">
+            <a:schemeClr val="accent1">
+              <a:shade val="50000"/>
+            </a:schemeClr>
+          </a:lnRef>
+          <a:fillRef idx="1">
+            <a:schemeClr val="accent1"/>
+          </a:fillRef>
+          <a:effectRef idx="0">
+            <a:schemeClr val="accent1"/>
+          </a:effectRef>
+          <a:fontRef idx="minor">
+            <a:schemeClr val="lt1"/>
+          </a:fontRef>
+        </p:style>
+        <p:txBody>
+          <a:bodyPr rtlCol="0" anchor="ctr"/>
+          <a:lstStyle/>
+          <a:p>
+            <a:pPr algn="ctr"/>
+            <a:r>
+              <a:rPr lang="en-US" altLang="ko-KR" sz="1500" b="1" dirty="0" smtClean="0">
+                <a:solidFill>
+                  <a:schemeClr val="accent2">
+                    <a:lumMod val="50000"/>
+                  </a:schemeClr>
+                </a:solidFill>
+              </a:rPr>
+              <a:t>bean</a:t>
+            </a:r>
+            <a:endParaRPr lang="ko-KR" altLang="en-US" sz="1500" b="1" dirty="0">
+              <a:solidFill>
+                <a:schemeClr val="accent2">
+                  <a:lumMod val="50000"/>
+                </a:schemeClr>
+              </a:solidFill>
+            </a:endParaRPr>
+          </a:p>
+        </p:txBody>
+      </p:sp>
+      <p:sp>
+        <p:nvSpPr>
+          <p:cNvPr id="11" name="직사각형 10"/>
+          <p:cNvSpPr/>
+          <p:nvPr/>
+        </p:nvSpPr>
+        <p:spPr>
+          <a:xfrm>
+            <a:off x="2495550" y="1628776"/>
+            <a:ext cx="6037263" cy="819149"/>
+          </a:xfrm>
+          <a:prstGeom prst="rect">
+            <a:avLst/>
+          </a:prstGeom>
+          <a:noFill/>
+          <a:ln>
+            <a:solidFill>
+              <a:schemeClr val="bg2">
+                <a:lumMod val="50000"/>
+              </a:schemeClr>
+            </a:solidFill>
+          </a:ln>
+        </p:spPr>
+        <p:style>
+          <a:lnRef idx="2">
+            <a:schemeClr val="accent1">
+              <a:shade val="50000"/>
+            </a:schemeClr>
+          </a:lnRef>
+          <a:fillRef idx="1">
+            <a:schemeClr val="accent1"/>
+          </a:fillRef>
+          <a:effectRef idx="0">
+            <a:schemeClr val="accent1"/>
+          </a:effectRef>
+          <a:fontRef idx="minor">
+            <a:schemeClr val="lt1"/>
+          </a:fontRef>
+        </p:style>
+        <p:txBody>
+          <a:bodyPr rtlCol="0" anchor="ctr"/>
+          <a:lstStyle/>
+          <a:p>
+            <a:r>
+              <a:rPr lang="en-US" altLang="ko-KR" sz="1500" b="1" dirty="0">
+                <a:solidFill>
+                  <a:schemeClr val="tx1">
+                    <a:lumMod val="85000"/>
+                    <a:lumOff val="15000"/>
+                  </a:schemeClr>
+                </a:solidFill>
+              </a:rPr>
+              <a:t>id="</a:t>
+            </a:r>
+            <a:r>
+              <a:rPr lang="en-US" altLang="ko-KR" sz="1500" b="1" dirty="0" err="1" smtClean="0">
+                <a:solidFill>
+                  <a:schemeClr val="accent6">
+                    <a:lumMod val="75000"/>
+                  </a:schemeClr>
+                </a:solidFill>
+              </a:rPr>
+              <a:t>propertyPlaceholderConfigurer</a:t>
+            </a:r>
+            <a:r>
+              <a:rPr lang="en-US" altLang="ko-KR" sz="1500" b="1" dirty="0" smtClean="0">
+                <a:solidFill>
+                  <a:schemeClr val="tx1">
+                    <a:lumMod val="85000"/>
+                    <a:lumOff val="15000"/>
+                  </a:schemeClr>
+                </a:solidFill>
+              </a:rPr>
+              <a:t>" </a:t>
+            </a:r>
+          </a:p>
+          <a:p>
+            <a:r>
+              <a:rPr lang="en-US" altLang="ko-KR" sz="1500" b="1" dirty="0" smtClean="0">
+                <a:solidFill>
+                  <a:schemeClr val="tx1">
+                    <a:lumMod val="85000"/>
+                    <a:lumOff val="15000"/>
+                  </a:schemeClr>
+                </a:solidFill>
+              </a:rPr>
+              <a:t>org.springframework.beans.factory.config.PropertyPlaceholderConfigurer</a:t>
+            </a:r>
+          </a:p>
+          <a:p>
+            <a:r>
+              <a:rPr lang="en-US" altLang="ko-KR" sz="1500" b="1" dirty="0">
+                <a:solidFill>
+                  <a:schemeClr val="tx1">
+                    <a:lumMod val="85000"/>
+                    <a:lumOff val="15000"/>
+                  </a:schemeClr>
+                </a:solidFill>
+              </a:rPr>
+              <a:t>/WEB-INF/</a:t>
+            </a:r>
+            <a:r>
+              <a:rPr lang="en-US" altLang="ko-KR" sz="1500" b="1" dirty="0" err="1">
+                <a:solidFill>
+                  <a:schemeClr val="tx1">
+                    <a:lumMod val="85000"/>
+                    <a:lumOff val="15000"/>
+                  </a:schemeClr>
+                </a:solidFill>
+              </a:rPr>
+              <a:t>config</a:t>
+            </a:r>
+            <a:r>
+              <a:rPr lang="en-US" altLang="ko-KR" sz="1500" b="1" dirty="0">
+                <a:solidFill>
+                  <a:schemeClr val="tx1">
+                    <a:lumMod val="85000"/>
+                    <a:lumOff val="15000"/>
+                  </a:schemeClr>
+                </a:solidFill>
+              </a:rPr>
+              <a:t>/</a:t>
+            </a:r>
+            <a:r>
+              <a:rPr lang="en-US" altLang="ko-KR" sz="1500" b="1" dirty="0" err="1">
+                <a:solidFill>
+                  <a:schemeClr val="tx1">
+                    <a:lumMod val="85000"/>
+                    <a:lumOff val="15000"/>
+                  </a:schemeClr>
+                </a:solidFill>
+              </a:rPr>
+              <a:t>jdbc</a:t>
+            </a:r>
+            <a:r>
+              <a:rPr lang="en-US" altLang="ko-KR" sz="1500" b="1" dirty="0">
+                <a:solidFill>
+                  <a:schemeClr val="tx1">
+                    <a:lumMod val="85000"/>
+                    <a:lumOff val="15000"/>
+                  </a:schemeClr>
+                </a:solidFill>
+              </a:rPr>
+              <a:t>/</a:t>
+            </a:r>
+            <a:r>
+              <a:rPr lang="en-US" altLang="ko-KR" sz="1500" b="1" dirty="0" err="1">
+                <a:solidFill>
+                  <a:schemeClr val="tx1">
+                    <a:lumMod val="85000"/>
+                    <a:lumOff val="15000"/>
+                  </a:schemeClr>
+                </a:solidFill>
+              </a:rPr>
+              <a:t>jdbc.properties</a:t>
+            </a:r>
+            <a:r>
+              <a:rPr lang="en-US" altLang="ko-KR" sz="1500" b="1" dirty="0">
+                <a:solidFill>
+                  <a:schemeClr val="tx1">
+                    <a:lumMod val="85000"/>
+                    <a:lumOff val="15000"/>
+                  </a:schemeClr>
+                </a:solidFill>
+              </a:rPr>
+              <a:t>/ojdbc7.jar</a:t>
+            </a:r>
+            <a:endParaRPr lang="en-US" altLang="ko-KR" sz="1500" b="1" dirty="0" smtClean="0">
+              <a:solidFill>
+                <a:schemeClr val="tx1">
+                  <a:lumMod val="85000"/>
+                  <a:lumOff val="15000"/>
+                </a:schemeClr>
+              </a:solidFill>
+            </a:endParaRPr>
+          </a:p>
+        </p:txBody>
+      </p:sp>
+      <p:sp>
+        <p:nvSpPr>
+          <p:cNvPr id="12" name="직사각형 11"/>
+          <p:cNvSpPr/>
+          <p:nvPr/>
+        </p:nvSpPr>
+        <p:spPr>
+          <a:xfrm>
+            <a:off x="2495550" y="2590802"/>
+            <a:ext cx="6037263" cy="1070362"/>
+          </a:xfrm>
+          <a:prstGeom prst="rect">
+            <a:avLst/>
+          </a:prstGeom>
+          <a:noFill/>
+          <a:ln>
+            <a:solidFill>
+              <a:schemeClr val="bg2">
+                <a:lumMod val="50000"/>
+              </a:schemeClr>
+            </a:solidFill>
+          </a:ln>
+        </p:spPr>
+        <p:style>
+          <a:lnRef idx="2">
+            <a:schemeClr val="accent1">
+              <a:shade val="50000"/>
+            </a:schemeClr>
+          </a:lnRef>
+          <a:fillRef idx="1">
+            <a:schemeClr val="accent1"/>
+          </a:fillRef>
+          <a:effectRef idx="0">
+            <a:schemeClr val="accent1"/>
+          </a:effectRef>
+          <a:fontRef idx="minor">
+            <a:schemeClr val="lt1"/>
+          </a:fontRef>
+        </p:style>
+        <p:txBody>
+          <a:bodyPr rtlCol="0" anchor="ctr"/>
+          <a:lstStyle/>
+          <a:p>
+            <a:r>
+              <a:rPr lang="en-US" altLang="ko-KR" sz="1500" b="1" dirty="0">
+                <a:solidFill>
+                  <a:schemeClr val="tx1">
+                    <a:lumMod val="85000"/>
+                    <a:lumOff val="15000"/>
+                  </a:schemeClr>
+                </a:solidFill>
+              </a:rPr>
+              <a:t>id="</a:t>
+            </a:r>
+            <a:r>
+              <a:rPr lang="en-US" altLang="ko-KR" sz="1500" b="1" dirty="0" err="1">
+                <a:solidFill>
+                  <a:schemeClr val="accent6">
+                    <a:lumMod val="75000"/>
+                  </a:schemeClr>
+                </a:solidFill>
+              </a:rPr>
+              <a:t>dataSource</a:t>
+            </a:r>
+            <a:r>
+              <a:rPr lang="en-US" altLang="ko-KR" sz="1500" b="1" dirty="0">
+                <a:solidFill>
+                  <a:schemeClr val="tx1">
+                    <a:lumMod val="85000"/>
+                    <a:lumOff val="15000"/>
+                  </a:schemeClr>
+                </a:solidFill>
+              </a:rPr>
+              <a:t>"</a:t>
+            </a:r>
+            <a:endParaRPr lang="en-US" altLang="ko-KR" sz="1500" b="1" dirty="0" smtClean="0">
+              <a:solidFill>
+                <a:schemeClr val="tx1">
+                  <a:lumMod val="85000"/>
+                  <a:lumOff val="15000"/>
+                </a:schemeClr>
+              </a:solidFill>
+            </a:endParaRPr>
+          </a:p>
+          <a:p>
+            <a:r>
+              <a:rPr lang="en-US" altLang="ko-KR" sz="1500" b="1" dirty="0" err="1" smtClean="0">
+                <a:solidFill>
+                  <a:schemeClr val="tx1">
+                    <a:lumMod val="85000"/>
+                    <a:lumOff val="15000"/>
+                  </a:schemeClr>
+                </a:solidFill>
+              </a:rPr>
+              <a:t>jdbc.driverClassName</a:t>
+            </a:r>
+            <a:endParaRPr lang="en-US" altLang="ko-KR" sz="1500" b="1" dirty="0" smtClean="0">
+              <a:solidFill>
+                <a:schemeClr val="tx1">
+                  <a:lumMod val="85000"/>
+                  <a:lumOff val="15000"/>
+                </a:schemeClr>
+              </a:solidFill>
+            </a:endParaRPr>
+          </a:p>
+          <a:p>
+            <a:r>
+              <a:rPr lang="en-US" altLang="ko-KR" sz="1500" b="1" dirty="0" err="1" smtClean="0">
+                <a:solidFill>
+                  <a:schemeClr val="tx1">
+                    <a:lumMod val="85000"/>
+                    <a:lumOff val="15000"/>
+                  </a:schemeClr>
+                </a:solidFill>
+              </a:rPr>
+              <a:t>jdbc.username</a:t>
+            </a:r>
+            <a:endParaRPr lang="en-US" altLang="ko-KR" sz="1500" b="1" dirty="0" smtClean="0">
+              <a:solidFill>
+                <a:schemeClr val="tx1">
+                  <a:lumMod val="85000"/>
+                  <a:lumOff val="15000"/>
+                </a:schemeClr>
+              </a:solidFill>
+            </a:endParaRPr>
+          </a:p>
+          <a:p>
+            <a:r>
+              <a:rPr lang="en-US" altLang="ko-KR" sz="1500" b="1" dirty="0" err="1">
+                <a:solidFill>
+                  <a:schemeClr val="tx1">
+                    <a:lumMod val="85000"/>
+                    <a:lumOff val="15000"/>
+                  </a:schemeClr>
+                </a:solidFill>
+              </a:rPr>
+              <a:t>jdbc.password</a:t>
+            </a:r>
+            <a:endParaRPr lang="en-US" altLang="ko-KR" sz="1500" b="1" dirty="0" smtClean="0">
+              <a:solidFill>
+                <a:schemeClr val="tx1">
+                  <a:lumMod val="85000"/>
+                  <a:lumOff val="15000"/>
+                </a:schemeClr>
+              </a:solidFill>
+            </a:endParaRPr>
+          </a:p>
+        </p:txBody>
+      </p:sp>
+      <p:sp>
+        <p:nvSpPr>
+          <p:cNvPr id="14" name="직사각형 13"/>
+          <p:cNvSpPr/>
+          <p:nvPr/>
+        </p:nvSpPr>
+        <p:spPr>
+          <a:xfrm>
+            <a:off x="2495549" y="3804041"/>
+            <a:ext cx="6037263" cy="851287"/>
+          </a:xfrm>
+          <a:prstGeom prst="rect">
+            <a:avLst/>
+          </a:prstGeom>
+          <a:noFill/>
+          <a:ln>
+            <a:solidFill>
+              <a:schemeClr val="bg2">
+                <a:lumMod val="50000"/>
+              </a:schemeClr>
+            </a:solidFill>
+          </a:ln>
+        </p:spPr>
+        <p:style>
+          <a:lnRef idx="2">
+            <a:schemeClr val="accent1">
+              <a:shade val="50000"/>
+            </a:schemeClr>
+          </a:lnRef>
+          <a:fillRef idx="1">
+            <a:schemeClr val="accent1"/>
+          </a:fillRef>
+          <a:effectRef idx="0">
+            <a:schemeClr val="accent1"/>
+          </a:effectRef>
+          <a:fontRef idx="minor">
+            <a:schemeClr val="lt1"/>
+          </a:fontRef>
+        </p:style>
+        <p:txBody>
+          <a:bodyPr rtlCol="0" anchor="ctr"/>
+          <a:lstStyle/>
+          <a:p>
+            <a:r>
+              <a:rPr lang="en-US" altLang="ko-KR" sz="1500" b="1" dirty="0">
+                <a:solidFill>
+                  <a:schemeClr val="tx1">
+                    <a:lumMod val="85000"/>
+                    <a:lumOff val="15000"/>
+                  </a:schemeClr>
+                </a:solidFill>
+              </a:rPr>
+              <a:t>id="</a:t>
+            </a:r>
+            <a:r>
+              <a:rPr lang="en-US" altLang="ko-KR" sz="1500" b="1" dirty="0" err="1">
+                <a:solidFill>
+                  <a:schemeClr val="accent6">
+                    <a:lumMod val="75000"/>
+                  </a:schemeClr>
+                </a:solidFill>
+              </a:rPr>
+              <a:t>sqlSessionFactory</a:t>
+            </a:r>
+            <a:r>
+              <a:rPr lang="en-US" altLang="ko-KR" sz="1500" b="1" dirty="0">
+                <a:solidFill>
+                  <a:schemeClr val="tx1">
+                    <a:lumMod val="85000"/>
+                    <a:lumOff val="15000"/>
+                  </a:schemeClr>
+                </a:solidFill>
+              </a:rPr>
+              <a:t>"</a:t>
+            </a:r>
+            <a:endParaRPr lang="en-US" altLang="ko-KR" sz="1500" b="1" dirty="0" smtClean="0">
+              <a:solidFill>
+                <a:schemeClr val="tx1">
+                  <a:lumMod val="85000"/>
+                  <a:lumOff val="15000"/>
+                </a:schemeClr>
+              </a:solidFill>
+            </a:endParaRPr>
+          </a:p>
+          <a:p>
+            <a:r>
+              <a:rPr lang="en-US" altLang="ko-KR" sz="1500" b="1" dirty="0" err="1" smtClean="0">
+                <a:solidFill>
+                  <a:schemeClr val="tx1">
+                    <a:lumMod val="85000"/>
+                    <a:lumOff val="15000"/>
+                  </a:schemeClr>
+                </a:solidFill>
+              </a:rPr>
+              <a:t>classpath:mybatis</a:t>
+            </a:r>
+            <a:r>
+              <a:rPr lang="en-US" altLang="ko-KR" sz="1500" b="1" dirty="0" smtClean="0">
+                <a:solidFill>
+                  <a:schemeClr val="tx1">
+                    <a:lumMod val="85000"/>
+                    <a:lumOff val="15000"/>
+                  </a:schemeClr>
+                </a:solidFill>
+              </a:rPr>
+              <a:t>/models/modelConfig.xml</a:t>
+            </a:r>
+          </a:p>
+          <a:p>
+            <a:r>
+              <a:rPr lang="en-US" altLang="ko-KR" sz="1500" b="1" dirty="0" err="1">
+                <a:solidFill>
+                  <a:schemeClr val="tx1">
+                    <a:lumMod val="85000"/>
+                    <a:lumOff val="15000"/>
+                  </a:schemeClr>
+                </a:solidFill>
+              </a:rPr>
+              <a:t>classpath:mybatis</a:t>
+            </a:r>
+            <a:r>
+              <a:rPr lang="en-US" altLang="ko-KR" sz="1500" b="1" dirty="0">
+                <a:solidFill>
+                  <a:schemeClr val="tx1">
+                    <a:lumMod val="85000"/>
+                    <a:lumOff val="15000"/>
+                  </a:schemeClr>
+                </a:solidFill>
+              </a:rPr>
+              <a:t>/mappers/*.</a:t>
+            </a:r>
+            <a:r>
+              <a:rPr lang="en-US" altLang="ko-KR" sz="1500" b="1" dirty="0" smtClean="0">
+                <a:solidFill>
+                  <a:schemeClr val="tx1">
+                    <a:lumMod val="85000"/>
+                    <a:lumOff val="15000"/>
+                  </a:schemeClr>
+                </a:solidFill>
+              </a:rPr>
+              <a:t>xml</a:t>
+            </a:r>
+            <a:endParaRPr lang="en-US" altLang="ko-KR" sz="1500" b="1" dirty="0" smtClean="0">
+              <a:solidFill>
+                <a:schemeClr val="tx1">
+                  <a:lumMod val="85000"/>
+                  <a:lumOff val="15000"/>
+                </a:schemeClr>
+              </a:solidFill>
+            </a:endParaRPr>
+          </a:p>
+        </p:txBody>
+      </p:sp>
+      <p:sp>
+        <p:nvSpPr>
+          <p:cNvPr id="15" name="직사각형 14"/>
+          <p:cNvSpPr/>
+          <p:nvPr/>
+        </p:nvSpPr>
+        <p:spPr>
+          <a:xfrm>
+            <a:off x="2495550" y="4798205"/>
+            <a:ext cx="6037263" cy="641737"/>
+          </a:xfrm>
+          <a:prstGeom prst="rect">
+            <a:avLst/>
+          </a:prstGeom>
+          <a:noFill/>
+          <a:ln>
+            <a:solidFill>
+              <a:schemeClr val="bg2">
+                <a:lumMod val="50000"/>
+              </a:schemeClr>
+            </a:solidFill>
+          </a:ln>
+        </p:spPr>
+        <p:style>
+          <a:lnRef idx="2">
+            <a:schemeClr val="accent1">
+              <a:shade val="50000"/>
+            </a:schemeClr>
+          </a:lnRef>
+          <a:fillRef idx="1">
+            <a:schemeClr val="accent1"/>
+          </a:fillRef>
+          <a:effectRef idx="0">
+            <a:schemeClr val="accent1"/>
+          </a:effectRef>
+          <a:fontRef idx="minor">
+            <a:schemeClr val="lt1"/>
+          </a:fontRef>
+        </p:style>
+        <p:txBody>
+          <a:bodyPr rtlCol="0" anchor="ctr"/>
+          <a:lstStyle/>
+          <a:p>
+            <a:r>
+              <a:rPr lang="en-US" altLang="ko-KR" sz="1500" b="1" dirty="0">
+                <a:solidFill>
+                  <a:schemeClr val="tx1">
+                    <a:lumMod val="85000"/>
+                    <a:lumOff val="15000"/>
+                  </a:schemeClr>
+                </a:solidFill>
+              </a:rPr>
+              <a:t>id="="</a:t>
+            </a:r>
+            <a:r>
+              <a:rPr lang="en-US" altLang="ko-KR" sz="1500" b="1" dirty="0" err="1">
+                <a:solidFill>
+                  <a:schemeClr val="accent6">
+                    <a:lumMod val="75000"/>
+                  </a:schemeClr>
+                </a:solidFill>
+              </a:rPr>
+              <a:t>transactionManager</a:t>
+            </a:r>
+            <a:r>
+              <a:rPr lang="en-US" altLang="ko-KR" sz="1500" b="1" dirty="0">
+                <a:solidFill>
+                  <a:schemeClr val="tx1">
+                    <a:lumMod val="85000"/>
+                    <a:lumOff val="15000"/>
+                  </a:schemeClr>
+                </a:solidFill>
+              </a:rPr>
+              <a:t>""</a:t>
+            </a:r>
+            <a:endParaRPr lang="en-US" altLang="ko-KR" sz="1500" b="1" dirty="0" smtClean="0">
+              <a:solidFill>
+                <a:schemeClr val="tx1">
+                  <a:lumMod val="85000"/>
+                  <a:lumOff val="15000"/>
+                </a:schemeClr>
+              </a:solidFill>
+            </a:endParaRPr>
+          </a:p>
+          <a:p>
+            <a:r>
+              <a:rPr lang="en-US" altLang="ko-KR" sz="1500" b="1" dirty="0">
+                <a:solidFill>
+                  <a:schemeClr val="tx1">
+                    <a:lumMod val="85000"/>
+                    <a:lumOff val="15000"/>
+                  </a:schemeClr>
+                </a:solidFill>
+              </a:rPr>
+              <a:t>"org.springframework.jdbc.datasource.DataSourceTransactionManager" </a:t>
+            </a:r>
+            <a:endParaRPr lang="en-US" altLang="ko-KR" sz="1500" b="1" dirty="0" smtClean="0">
+              <a:solidFill>
+                <a:schemeClr val="tx1">
+                  <a:lumMod val="85000"/>
+                  <a:lumOff val="15000"/>
+                </a:schemeClr>
+              </a:solidFill>
+            </a:endParaRPr>
+          </a:p>
+        </p:txBody>
+      </p:sp>
+      <p:sp>
+        <p:nvSpPr>
+          <p:cNvPr id="16" name="직사각형 15"/>
+          <p:cNvSpPr/>
+          <p:nvPr/>
+        </p:nvSpPr>
+        <p:spPr>
+          <a:xfrm>
+            <a:off x="2495550" y="5626489"/>
+            <a:ext cx="6037263" cy="641737"/>
+          </a:xfrm>
+          <a:prstGeom prst="rect">
+            <a:avLst/>
+          </a:prstGeom>
+          <a:noFill/>
+          <a:ln>
+            <a:solidFill>
+              <a:schemeClr val="bg2">
+                <a:lumMod val="50000"/>
+              </a:schemeClr>
+            </a:solidFill>
+          </a:ln>
+        </p:spPr>
+        <p:style>
+          <a:lnRef idx="2">
+            <a:schemeClr val="accent1">
+              <a:shade val="50000"/>
+            </a:schemeClr>
+          </a:lnRef>
+          <a:fillRef idx="1">
+            <a:schemeClr val="accent1"/>
+          </a:fillRef>
+          <a:effectRef idx="0">
+            <a:schemeClr val="accent1"/>
+          </a:effectRef>
+          <a:fontRef idx="minor">
+            <a:schemeClr val="lt1"/>
+          </a:fontRef>
+        </p:style>
+        <p:txBody>
+          <a:bodyPr rtlCol="0" anchor="ctr"/>
+          <a:lstStyle/>
+          <a:p>
+            <a:r>
+              <a:rPr lang="en-US" altLang="ko-KR" sz="1500" b="1" dirty="0">
+                <a:solidFill>
+                  <a:schemeClr val="tx1">
+                    <a:lumMod val="85000"/>
+                    <a:lumOff val="15000"/>
+                  </a:schemeClr>
+                </a:solidFill>
+              </a:rPr>
+              <a:t>id</a:t>
+            </a:r>
+            <a:r>
+              <a:rPr lang="en-US" altLang="ko-KR" sz="1500" b="1" dirty="0" smtClean="0">
+                <a:solidFill>
+                  <a:schemeClr val="tx1">
+                    <a:lumMod val="85000"/>
+                    <a:lumOff val="15000"/>
+                  </a:schemeClr>
+                </a:solidFill>
+              </a:rPr>
+              <a:t>="</a:t>
+            </a:r>
+            <a:r>
+              <a:rPr lang="en-US" altLang="ko-KR" sz="1500" b="1" dirty="0" err="1" smtClean="0">
+                <a:solidFill>
+                  <a:schemeClr val="accent6">
+                    <a:lumMod val="75000"/>
+                  </a:schemeClr>
+                </a:solidFill>
+              </a:rPr>
+              <a:t>sqlSession</a:t>
+            </a:r>
+            <a:r>
+              <a:rPr lang="en-US" altLang="ko-KR" sz="1500" b="1" dirty="0" smtClean="0">
+                <a:solidFill>
+                  <a:schemeClr val="tx1">
+                    <a:lumMod val="85000"/>
+                    <a:lumOff val="15000"/>
+                  </a:schemeClr>
+                </a:solidFill>
+              </a:rPr>
+              <a:t>"</a:t>
+            </a:r>
+          </a:p>
+          <a:p>
+            <a:r>
+              <a:rPr lang="en-US" altLang="ko-KR" sz="1500" b="1" dirty="0" err="1" smtClean="0">
+                <a:solidFill>
+                  <a:schemeClr val="tx1">
+                    <a:lumMod val="85000"/>
+                    <a:lumOff val="15000"/>
+                  </a:schemeClr>
+                </a:solidFill>
+              </a:rPr>
+              <a:t>org.mybatis.spring.SqlSessionTemplate</a:t>
+            </a:r>
+            <a:endParaRPr lang="en-US" altLang="ko-KR" sz="1500" b="1" dirty="0" smtClean="0">
+              <a:solidFill>
+                <a:schemeClr val="tx1">
+                  <a:lumMod val="85000"/>
+                  <a:lumOff val="15000"/>
+                </a:schemeClr>
+              </a:solidFill>
+            </a:endParaRPr>
+          </a:p>
+        </p:txBody>
+      </p:sp>
+    </p:spTree>
+    <p:extLst>
+      <p:ext uri="{BB962C8B-B14F-4D97-AF65-F5344CB8AC3E}">
+        <p14:creationId xmlns:p14="http://schemas.microsoft.com/office/powerpoint/2010/main" val="3077542469"/>
+      </p:ext>
+    </p:extLst>
+  </p:cSld>
+  <p:clrMapOvr>
+    <a:masterClrMapping/>
+  </p:clrMapOvr>
+  <p:timing>
+    <p:tnLst>
+      <p:par>
+        <p:cTn id="1" dur="indefinite" restart="never" nodeType="tmRoot"/>
+      </p:par>
+    </p:tnLst>
+  </p:timing>
+</p:sld>
+</file>
+
+<file path=ppt/slides/slide12.xml><?xml version="1.0" encoding="utf-8"?>
+<p:sld xmlns:a="http://schemas.openxmlformats.org/drawingml/2006/main" xmlns:r="http://schemas.openxmlformats.org/officeDocument/2006/relationships" xmlns:p="http://schemas.openxmlformats.org/presentationml/2006/main">
+  <p:cSld>
+    <p:spTree>
+      <p:nvGrpSpPr>
+        <p:cNvPr id="1" name=""/>
+        <p:cNvGrpSpPr/>
+        <p:nvPr/>
+      </p:nvGrpSpPr>
+      <p:grpSpPr>
+        <a:xfrm>
+          <a:off x="0" y="0"/>
+          <a:ext cx="0" cy="0"/>
+          <a:chOff x="0" y="0"/>
+          <a:chExt cx="0" cy="0"/>
+        </a:xfrm>
+      </p:grpSpPr>
+      <p:sp>
+        <p:nvSpPr>
+          <p:cNvPr id="8" name="직사각형 7"/>
+          <p:cNvSpPr/>
+          <p:nvPr/>
+        </p:nvSpPr>
+        <p:spPr>
+          <a:xfrm>
+            <a:off x="250825" y="552983"/>
+            <a:ext cx="8642350" cy="745978"/>
+          </a:xfrm>
+          <a:prstGeom prst="rect">
+            <a:avLst/>
+          </a:prstGeom>
+          <a:noFill/>
+          <a:ln w="19050">
+            <a:solidFill>
+              <a:schemeClr val="tx1">
+                <a:lumMod val="75000"/>
+                <a:lumOff val="25000"/>
+              </a:schemeClr>
+            </a:solidFill>
+          </a:ln>
+        </p:spPr>
+        <p:style>
+          <a:lnRef idx="2">
+            <a:schemeClr val="accent1">
+              <a:shade val="50000"/>
+            </a:schemeClr>
+          </a:lnRef>
+          <a:fillRef idx="1">
+            <a:schemeClr val="accent1"/>
+          </a:fillRef>
+          <a:effectRef idx="0">
+            <a:schemeClr val="accent1"/>
+          </a:effectRef>
+          <a:fontRef idx="minor">
+            <a:schemeClr val="lt1"/>
+          </a:fontRef>
+        </p:style>
+        <p:txBody>
+          <a:bodyPr rtlCol="0" anchor="ctr"/>
+          <a:lstStyle/>
+          <a:p>
+            <a:pPr algn="ctr"/>
+            <a:r>
+              <a:rPr lang="en-US" altLang="ko-KR" sz="3600" b="1" dirty="0" smtClean="0">
+                <a:solidFill>
+                  <a:schemeClr val="bg2">
+                    <a:lumMod val="25000"/>
+                  </a:schemeClr>
+                </a:solidFill>
+              </a:rPr>
+              <a:t>4. </a:t>
+            </a:r>
+            <a:r>
+              <a:rPr lang="ko-KR" altLang="en-US" sz="3600" b="1" dirty="0" smtClean="0">
+                <a:solidFill>
+                  <a:schemeClr val="bg2">
+                    <a:lumMod val="25000"/>
+                  </a:schemeClr>
+                </a:solidFill>
+              </a:rPr>
+              <a:t>개발 </a:t>
+            </a:r>
+            <a:r>
+              <a:rPr lang="ko-KR" altLang="en-US" sz="3600" b="1" dirty="0" smtClean="0">
+                <a:solidFill>
+                  <a:schemeClr val="bg2">
+                    <a:lumMod val="25000"/>
+                  </a:schemeClr>
+                </a:solidFill>
+              </a:rPr>
+              <a:t>계획</a:t>
+            </a:r>
+            <a:r>
+              <a:rPr lang="en-US" altLang="ko-KR" sz="3600" b="1" dirty="0" smtClean="0">
+                <a:solidFill>
+                  <a:schemeClr val="bg2">
+                    <a:lumMod val="25000"/>
+                  </a:schemeClr>
+                </a:solidFill>
+              </a:rPr>
+              <a:t>(6</a:t>
+            </a:r>
+            <a:r>
+              <a:rPr lang="en-US" altLang="ko-KR" sz="3600" b="1" dirty="0" smtClean="0">
+                <a:solidFill>
+                  <a:schemeClr val="bg2">
+                    <a:lumMod val="25000"/>
+                  </a:schemeClr>
+                </a:solidFill>
+              </a:rPr>
+              <a:t>) </a:t>
+            </a:r>
+            <a:r>
+              <a:rPr lang="en-US" altLang="ko-KR" sz="3600" b="1" dirty="0">
+                <a:solidFill>
+                  <a:schemeClr val="bg2">
+                    <a:lumMod val="25000"/>
+                  </a:schemeClr>
+                </a:solidFill>
+              </a:rPr>
+              <a:t>: </a:t>
+            </a:r>
+            <a:r>
+              <a:rPr lang="en-US" altLang="ko-KR" sz="3600" b="1" dirty="0" err="1" smtClean="0">
+                <a:solidFill>
+                  <a:schemeClr val="bg2">
+                    <a:lumMod val="25000"/>
+                  </a:schemeClr>
+                </a:solidFill>
+              </a:rPr>
+              <a:t>mybatis</a:t>
+            </a:r>
+            <a:r>
+              <a:rPr lang="en-US" altLang="ko-KR" sz="3600" b="1" dirty="0" smtClean="0">
+                <a:solidFill>
+                  <a:schemeClr val="bg2">
+                    <a:lumMod val="25000"/>
+                  </a:schemeClr>
+                </a:solidFill>
+              </a:rPr>
+              <a:t>/mapper/*.xml</a:t>
+            </a:r>
+            <a:endParaRPr lang="ko-KR" altLang="en-US" sz="3600" b="1" i="1" dirty="0">
+              <a:solidFill>
+                <a:schemeClr val="bg2">
+                  <a:lumMod val="25000"/>
+                </a:schemeClr>
+              </a:solidFill>
+            </a:endParaRPr>
+          </a:p>
+        </p:txBody>
+      </p:sp>
+      <p:sp>
+        <p:nvSpPr>
+          <p:cNvPr id="6" name="직사각형 5"/>
+          <p:cNvSpPr/>
+          <p:nvPr/>
+        </p:nvSpPr>
+        <p:spPr>
+          <a:xfrm>
+            <a:off x="250825" y="1485899"/>
+            <a:ext cx="8642350" cy="4968875"/>
+          </a:xfrm>
+          <a:prstGeom prst="rect">
+            <a:avLst/>
+          </a:prstGeom>
+          <a:noFill/>
+          <a:ln w="19050">
+            <a:solidFill>
+              <a:schemeClr val="tx1">
+                <a:lumMod val="75000"/>
+                <a:lumOff val="25000"/>
+              </a:schemeClr>
+            </a:solidFill>
+          </a:ln>
+        </p:spPr>
+        <p:style>
+          <a:lnRef idx="2">
+            <a:schemeClr val="accent1">
+              <a:shade val="50000"/>
+            </a:schemeClr>
+          </a:lnRef>
+          <a:fillRef idx="1">
+            <a:schemeClr val="accent1"/>
+          </a:fillRef>
+          <a:effectRef idx="0">
+            <a:schemeClr val="accent1"/>
+          </a:effectRef>
+          <a:fontRef idx="minor">
+            <a:schemeClr val="lt1"/>
+          </a:fontRef>
+        </p:style>
+        <p:txBody>
+          <a:bodyPr rtlCol="0" anchor="ctr"/>
+          <a:lstStyle/>
+          <a:p>
+            <a:pPr algn="ctr"/>
+            <a:endParaRPr lang="ko-KR" altLang="en-US" sz="3600" b="1" i="1" dirty="0">
+              <a:solidFill>
+                <a:schemeClr val="bg2">
+                  <a:lumMod val="25000"/>
+                </a:schemeClr>
+              </a:solidFill>
+            </a:endParaRPr>
+          </a:p>
+        </p:txBody>
+      </p:sp>
+      <p:sp>
+        <p:nvSpPr>
+          <p:cNvPr id="9" name="직사각형 8"/>
+          <p:cNvSpPr/>
+          <p:nvPr/>
+        </p:nvSpPr>
+        <p:spPr>
+          <a:xfrm>
+            <a:off x="611188" y="1628775"/>
+            <a:ext cx="1817686" cy="409575"/>
+          </a:xfrm>
+          <a:prstGeom prst="rect">
+            <a:avLst/>
+          </a:prstGeom>
+          <a:noFill/>
+          <a:ln>
+            <a:solidFill>
+              <a:schemeClr val="bg2">
+                <a:lumMod val="50000"/>
+              </a:schemeClr>
+            </a:solidFill>
+          </a:ln>
+        </p:spPr>
+        <p:style>
+          <a:lnRef idx="2">
+            <a:schemeClr val="accent1">
+              <a:shade val="50000"/>
+            </a:schemeClr>
+          </a:lnRef>
+          <a:fillRef idx="1">
+            <a:schemeClr val="accent1"/>
+          </a:fillRef>
+          <a:effectRef idx="0">
+            <a:schemeClr val="accent1"/>
+          </a:effectRef>
+          <a:fontRef idx="minor">
+            <a:schemeClr val="lt1"/>
+          </a:fontRef>
+        </p:style>
+        <p:txBody>
+          <a:bodyPr rtlCol="0" anchor="ctr"/>
+          <a:lstStyle/>
+          <a:p>
+            <a:pPr algn="ctr"/>
+            <a:r>
+              <a:rPr lang="en-US" altLang="ko-KR" sz="1500" b="1" dirty="0">
+                <a:solidFill>
+                  <a:schemeClr val="accent2">
+                    <a:lumMod val="50000"/>
+                  </a:schemeClr>
+                </a:solidFill>
+              </a:rPr>
+              <a:t>admin_goods.xml</a:t>
+            </a:r>
+            <a:endParaRPr lang="ko-KR" altLang="en-US" sz="1500" b="1" dirty="0">
+              <a:solidFill>
+                <a:schemeClr val="accent2">
+                  <a:lumMod val="50000"/>
+                </a:schemeClr>
+              </a:solidFill>
+            </a:endParaRPr>
+          </a:p>
+        </p:txBody>
+      </p:sp>
+      <p:sp>
+        <p:nvSpPr>
+          <p:cNvPr id="10" name="직사각형 9"/>
+          <p:cNvSpPr/>
+          <p:nvPr/>
+        </p:nvSpPr>
+        <p:spPr>
+          <a:xfrm>
+            <a:off x="611187" y="2240529"/>
+            <a:ext cx="1817687" cy="409575"/>
+          </a:xfrm>
+          <a:prstGeom prst="rect">
+            <a:avLst/>
+          </a:prstGeom>
+          <a:noFill/>
+          <a:ln>
+            <a:solidFill>
+              <a:schemeClr val="bg2">
+                <a:lumMod val="50000"/>
+              </a:schemeClr>
+            </a:solidFill>
+          </a:ln>
+        </p:spPr>
+        <p:style>
+          <a:lnRef idx="2">
+            <a:schemeClr val="accent1">
+              <a:shade val="50000"/>
+            </a:schemeClr>
+          </a:lnRef>
+          <a:fillRef idx="1">
+            <a:schemeClr val="accent1"/>
+          </a:fillRef>
+          <a:effectRef idx="0">
+            <a:schemeClr val="accent1"/>
+          </a:effectRef>
+          <a:fontRef idx="minor">
+            <a:schemeClr val="lt1"/>
+          </a:fontRef>
+        </p:style>
+        <p:txBody>
+          <a:bodyPr rtlCol="0" anchor="ctr"/>
+          <a:lstStyle/>
+          <a:p>
+            <a:pPr algn="ctr"/>
+            <a:r>
+              <a:rPr lang="en-US" altLang="ko-KR" sz="1500" b="1" dirty="0">
+                <a:solidFill>
+                  <a:schemeClr val="accent2">
+                    <a:lumMod val="50000"/>
+                  </a:schemeClr>
+                </a:solidFill>
+              </a:rPr>
+              <a:t>admin_member.xml</a:t>
+            </a:r>
+            <a:endParaRPr lang="ko-KR" altLang="en-US" sz="1500" b="1" dirty="0">
+              <a:solidFill>
+                <a:schemeClr val="accent2">
+                  <a:lumMod val="50000"/>
+                </a:schemeClr>
+              </a:solidFill>
+            </a:endParaRPr>
+          </a:p>
+        </p:txBody>
+      </p:sp>
+      <p:sp>
+        <p:nvSpPr>
+          <p:cNvPr id="13" name="직사각형 12"/>
+          <p:cNvSpPr/>
+          <p:nvPr/>
+        </p:nvSpPr>
+        <p:spPr>
+          <a:xfrm>
+            <a:off x="611188" y="2852283"/>
+            <a:ext cx="1817687" cy="409575"/>
+          </a:xfrm>
+          <a:prstGeom prst="rect">
+            <a:avLst/>
+          </a:prstGeom>
+          <a:noFill/>
+          <a:ln>
+            <a:solidFill>
+              <a:schemeClr val="bg2">
+                <a:lumMod val="50000"/>
+              </a:schemeClr>
+            </a:solidFill>
+          </a:ln>
+        </p:spPr>
+        <p:style>
+          <a:lnRef idx="2">
+            <a:schemeClr val="accent1">
+              <a:shade val="50000"/>
+            </a:schemeClr>
+          </a:lnRef>
+          <a:fillRef idx="1">
+            <a:schemeClr val="accent1"/>
+          </a:fillRef>
+          <a:effectRef idx="0">
+            <a:schemeClr val="accent1"/>
+          </a:effectRef>
+          <a:fontRef idx="minor">
+            <a:schemeClr val="lt1"/>
+          </a:fontRef>
+        </p:style>
+        <p:txBody>
+          <a:bodyPr rtlCol="0" anchor="ctr"/>
+          <a:lstStyle/>
+          <a:p>
+            <a:pPr algn="ctr"/>
+            <a:r>
+              <a:rPr lang="en-US" altLang="ko-KR" sz="1500" b="1" dirty="0">
+                <a:solidFill>
+                  <a:schemeClr val="accent2">
+                    <a:lumMod val="50000"/>
+                  </a:schemeClr>
+                </a:solidFill>
+              </a:rPr>
+              <a:t>admin_order.xml</a:t>
+            </a:r>
+            <a:endParaRPr lang="ko-KR" altLang="en-US" sz="1500" b="1" dirty="0">
+              <a:solidFill>
+                <a:schemeClr val="accent2">
+                  <a:lumMod val="50000"/>
+                </a:schemeClr>
+              </a:solidFill>
+            </a:endParaRPr>
+          </a:p>
+        </p:txBody>
+      </p:sp>
+      <p:sp>
+        <p:nvSpPr>
+          <p:cNvPr id="17" name="직사각형 16"/>
+          <p:cNvSpPr/>
+          <p:nvPr/>
+        </p:nvSpPr>
+        <p:spPr>
+          <a:xfrm>
+            <a:off x="611188" y="3464037"/>
+            <a:ext cx="1817687" cy="409575"/>
+          </a:xfrm>
+          <a:prstGeom prst="rect">
+            <a:avLst/>
+          </a:prstGeom>
+          <a:noFill/>
+          <a:ln>
+            <a:solidFill>
+              <a:schemeClr val="bg2">
+                <a:lumMod val="50000"/>
+              </a:schemeClr>
+            </a:solidFill>
+          </a:ln>
+        </p:spPr>
+        <p:style>
+          <a:lnRef idx="2">
+            <a:schemeClr val="accent1">
+              <a:shade val="50000"/>
+            </a:schemeClr>
+          </a:lnRef>
+          <a:fillRef idx="1">
+            <a:schemeClr val="accent1"/>
+          </a:fillRef>
+          <a:effectRef idx="0">
+            <a:schemeClr val="accent1"/>
+          </a:effectRef>
+          <a:fontRef idx="minor">
+            <a:schemeClr val="lt1"/>
+          </a:fontRef>
+        </p:style>
+        <p:txBody>
+          <a:bodyPr rtlCol="0" anchor="ctr"/>
+          <a:lstStyle/>
+          <a:p>
+            <a:pPr algn="ctr"/>
+            <a:r>
+              <a:rPr lang="en-US" altLang="ko-KR" sz="1500" b="1" dirty="0">
+                <a:solidFill>
+                  <a:schemeClr val="accent2">
+                    <a:lumMod val="50000"/>
+                  </a:schemeClr>
+                </a:solidFill>
+              </a:rPr>
+              <a:t>cart.xml</a:t>
+            </a:r>
+            <a:endParaRPr lang="ko-KR" altLang="en-US" sz="1500" b="1" dirty="0">
+              <a:solidFill>
+                <a:schemeClr val="accent2">
+                  <a:lumMod val="50000"/>
+                </a:schemeClr>
+              </a:solidFill>
+            </a:endParaRPr>
+          </a:p>
+        </p:txBody>
+      </p:sp>
+      <p:sp>
+        <p:nvSpPr>
+          <p:cNvPr id="23" name="직사각형 22"/>
+          <p:cNvSpPr/>
+          <p:nvPr/>
+        </p:nvSpPr>
+        <p:spPr>
+          <a:xfrm>
+            <a:off x="611188" y="4075791"/>
+            <a:ext cx="1817687" cy="409575"/>
+          </a:xfrm>
+          <a:prstGeom prst="rect">
+            <a:avLst/>
+          </a:prstGeom>
+          <a:noFill/>
+          <a:ln>
+            <a:solidFill>
+              <a:schemeClr val="bg2">
+                <a:lumMod val="50000"/>
+              </a:schemeClr>
+            </a:solidFill>
+          </a:ln>
+        </p:spPr>
+        <p:style>
+          <a:lnRef idx="2">
+            <a:schemeClr val="accent1">
+              <a:shade val="50000"/>
+            </a:schemeClr>
+          </a:lnRef>
+          <a:fillRef idx="1">
+            <a:schemeClr val="accent1"/>
+          </a:fillRef>
+          <a:effectRef idx="0">
+            <a:schemeClr val="accent1"/>
+          </a:effectRef>
+          <a:fontRef idx="minor">
+            <a:schemeClr val="lt1"/>
+          </a:fontRef>
+        </p:style>
+        <p:txBody>
+          <a:bodyPr rtlCol="0" anchor="ctr"/>
+          <a:lstStyle/>
+          <a:p>
+            <a:pPr algn="ctr"/>
+            <a:r>
+              <a:rPr lang="en-US" altLang="ko-KR" sz="1500" b="1" dirty="0">
+                <a:solidFill>
+                  <a:schemeClr val="accent2">
+                    <a:lumMod val="50000"/>
+                  </a:schemeClr>
+                </a:solidFill>
+              </a:rPr>
+              <a:t>goods.xml</a:t>
+            </a:r>
+            <a:endParaRPr lang="ko-KR" altLang="en-US" sz="1500" b="1" dirty="0">
+              <a:solidFill>
+                <a:schemeClr val="accent2">
+                  <a:lumMod val="50000"/>
+                </a:schemeClr>
+              </a:solidFill>
+            </a:endParaRPr>
+          </a:p>
+        </p:txBody>
+      </p:sp>
+      <p:sp>
+        <p:nvSpPr>
+          <p:cNvPr id="24" name="직사각형 23"/>
+          <p:cNvSpPr/>
+          <p:nvPr/>
+        </p:nvSpPr>
+        <p:spPr>
+          <a:xfrm>
+            <a:off x="611188" y="4687545"/>
+            <a:ext cx="1817687" cy="409575"/>
+          </a:xfrm>
+          <a:prstGeom prst="rect">
+            <a:avLst/>
+          </a:prstGeom>
+          <a:noFill/>
+          <a:ln>
+            <a:solidFill>
+              <a:schemeClr val="bg2">
+                <a:lumMod val="50000"/>
+              </a:schemeClr>
+            </a:solidFill>
+          </a:ln>
+        </p:spPr>
+        <p:style>
+          <a:lnRef idx="2">
+            <a:schemeClr val="accent1">
+              <a:shade val="50000"/>
+            </a:schemeClr>
+          </a:lnRef>
+          <a:fillRef idx="1">
+            <a:schemeClr val="accent1"/>
+          </a:fillRef>
+          <a:effectRef idx="0">
+            <a:schemeClr val="accent1"/>
+          </a:effectRef>
+          <a:fontRef idx="minor">
+            <a:schemeClr val="lt1"/>
+          </a:fontRef>
+        </p:style>
+        <p:txBody>
+          <a:bodyPr rtlCol="0" anchor="ctr"/>
+          <a:lstStyle/>
+          <a:p>
+            <a:pPr algn="ctr"/>
+            <a:r>
+              <a:rPr lang="en-US" altLang="ko-KR" sz="1500" b="1" dirty="0">
+                <a:solidFill>
+                  <a:schemeClr val="accent2">
+                    <a:lumMod val="50000"/>
+                  </a:schemeClr>
+                </a:solidFill>
+              </a:rPr>
+              <a:t>member.xml</a:t>
+            </a:r>
+            <a:endParaRPr lang="ko-KR" altLang="en-US" sz="1500" b="1" dirty="0">
+              <a:solidFill>
+                <a:schemeClr val="accent2">
+                  <a:lumMod val="50000"/>
+                </a:schemeClr>
+              </a:solidFill>
+            </a:endParaRPr>
+          </a:p>
+        </p:txBody>
+      </p:sp>
+      <p:sp>
+        <p:nvSpPr>
+          <p:cNvPr id="25" name="직사각형 24"/>
+          <p:cNvSpPr/>
+          <p:nvPr/>
+        </p:nvSpPr>
+        <p:spPr>
+          <a:xfrm>
+            <a:off x="608118" y="5908449"/>
+            <a:ext cx="1817687" cy="409575"/>
+          </a:xfrm>
+          <a:prstGeom prst="rect">
+            <a:avLst/>
+          </a:prstGeom>
+          <a:noFill/>
+          <a:ln>
+            <a:solidFill>
+              <a:schemeClr val="bg2">
+                <a:lumMod val="50000"/>
+              </a:schemeClr>
+            </a:solidFill>
+          </a:ln>
+        </p:spPr>
+        <p:style>
+          <a:lnRef idx="2">
+            <a:schemeClr val="accent1">
+              <a:shade val="50000"/>
+            </a:schemeClr>
+          </a:lnRef>
+          <a:fillRef idx="1">
+            <a:schemeClr val="accent1"/>
+          </a:fillRef>
+          <a:effectRef idx="0">
+            <a:schemeClr val="accent1"/>
+          </a:effectRef>
+          <a:fontRef idx="minor">
+            <a:schemeClr val="lt1"/>
+          </a:fontRef>
+        </p:style>
+        <p:txBody>
+          <a:bodyPr rtlCol="0" anchor="ctr"/>
+          <a:lstStyle/>
+          <a:p>
+            <a:pPr algn="ctr"/>
+            <a:r>
+              <a:rPr lang="en-US" altLang="ko-KR" sz="1500" b="1" dirty="0">
+                <a:solidFill>
+                  <a:schemeClr val="accent2">
+                    <a:lumMod val="50000"/>
+                  </a:schemeClr>
+                </a:solidFill>
+              </a:rPr>
+              <a:t>mypage.xml</a:t>
+            </a:r>
+            <a:endParaRPr lang="ko-KR" altLang="en-US" sz="1500" b="1" dirty="0">
+              <a:solidFill>
+                <a:schemeClr val="accent2">
+                  <a:lumMod val="50000"/>
+                </a:schemeClr>
+              </a:solidFill>
+            </a:endParaRPr>
+          </a:p>
+        </p:txBody>
+      </p:sp>
+      <p:sp>
+        <p:nvSpPr>
+          <p:cNvPr id="27" name="직사각형 26"/>
+          <p:cNvSpPr/>
+          <p:nvPr/>
+        </p:nvSpPr>
+        <p:spPr>
+          <a:xfrm>
+            <a:off x="611188" y="5301223"/>
+            <a:ext cx="1817687" cy="409575"/>
+          </a:xfrm>
+          <a:prstGeom prst="rect">
+            <a:avLst/>
+          </a:prstGeom>
+          <a:noFill/>
+          <a:ln>
+            <a:solidFill>
+              <a:schemeClr val="bg2">
+                <a:lumMod val="50000"/>
+              </a:schemeClr>
+            </a:solidFill>
+          </a:ln>
+        </p:spPr>
+        <p:style>
+          <a:lnRef idx="2">
+            <a:schemeClr val="accent1">
+              <a:shade val="50000"/>
+            </a:schemeClr>
+          </a:lnRef>
+          <a:fillRef idx="1">
+            <a:schemeClr val="accent1"/>
+          </a:fillRef>
+          <a:effectRef idx="0">
+            <a:schemeClr val="accent1"/>
+          </a:effectRef>
+          <a:fontRef idx="minor">
+            <a:schemeClr val="lt1"/>
+          </a:fontRef>
+        </p:style>
+        <p:txBody>
+          <a:bodyPr rtlCol="0" anchor="ctr"/>
+          <a:lstStyle/>
+          <a:p>
+            <a:pPr algn="ctr"/>
+            <a:r>
+              <a:rPr lang="en-US" altLang="ko-KR" sz="1500" b="1" dirty="0">
+                <a:solidFill>
+                  <a:schemeClr val="accent2">
+                    <a:lumMod val="50000"/>
+                  </a:schemeClr>
+                </a:solidFill>
+              </a:rPr>
+              <a:t>order.xml</a:t>
+            </a:r>
+            <a:endParaRPr lang="ko-KR" altLang="en-US" sz="1500" b="1" dirty="0">
+              <a:solidFill>
+                <a:schemeClr val="accent2">
+                  <a:lumMod val="50000"/>
+                </a:schemeClr>
+              </a:solidFill>
+            </a:endParaRPr>
+          </a:p>
+        </p:txBody>
+      </p:sp>
+      <p:pic>
+        <p:nvPicPr>
+          <p:cNvPr id="3" name="그림 2"/>
+          <p:cNvPicPr>
+            <a:picLocks noChangeAspect="1"/>
+          </p:cNvPicPr>
+          <p:nvPr/>
+        </p:nvPicPr>
+        <p:blipFill>
+          <a:blip r:embed="rId2">
+            <a:extLst>
+              <a:ext uri="{28A0092B-C50C-407E-A947-70E740481C1C}">
+                <a14:useLocalDpi xmlns:a14="http://schemas.microsoft.com/office/drawing/2010/main" val="0"/>
+              </a:ext>
+            </a:extLst>
+          </a:blip>
+          <a:stretch>
+            <a:fillRect/>
+          </a:stretch>
+        </p:blipFill>
+        <p:spPr>
+          <a:xfrm>
+            <a:off x="4749800" y="2729248"/>
+            <a:ext cx="4756763" cy="2835157"/>
+          </a:xfrm>
+          <a:prstGeom prst="rect">
+            <a:avLst/>
+          </a:prstGeom>
+        </p:spPr>
+      </p:pic>
+      <p:sp>
+        <p:nvSpPr>
+          <p:cNvPr id="28" name="직사각형 27"/>
+          <p:cNvSpPr/>
+          <p:nvPr/>
+        </p:nvSpPr>
+        <p:spPr>
+          <a:xfrm>
+            <a:off x="2571750" y="1628776"/>
+            <a:ext cx="2019300" cy="1633082"/>
+          </a:xfrm>
+          <a:prstGeom prst="rect">
+            <a:avLst/>
+          </a:prstGeom>
+          <a:noFill/>
+          <a:ln>
+            <a:solidFill>
+              <a:schemeClr val="bg2">
+                <a:lumMod val="50000"/>
+              </a:schemeClr>
+            </a:solidFill>
+          </a:ln>
+        </p:spPr>
+        <p:style>
+          <a:lnRef idx="2">
+            <a:schemeClr val="accent1">
+              <a:shade val="50000"/>
+            </a:schemeClr>
+          </a:lnRef>
+          <a:fillRef idx="1">
+            <a:schemeClr val="accent1"/>
+          </a:fillRef>
+          <a:effectRef idx="0">
+            <a:schemeClr val="accent1"/>
+          </a:effectRef>
+          <a:fontRef idx="minor">
+            <a:schemeClr val="lt1"/>
+          </a:fontRef>
+        </p:style>
+        <p:txBody>
+          <a:bodyPr rtlCol="0" anchor="ctr"/>
+          <a:lstStyle/>
+          <a:p>
+            <a:pPr algn="ctr"/>
+            <a:r>
+              <a:rPr lang="en-US" altLang="ko-KR" sz="1500" b="1" dirty="0" smtClean="0">
+                <a:solidFill>
+                  <a:schemeClr val="tx1">
+                    <a:lumMod val="85000"/>
+                    <a:lumOff val="15000"/>
+                  </a:schemeClr>
+                </a:solidFill>
+              </a:rPr>
+              <a:t>[</a:t>
+            </a:r>
+            <a:r>
+              <a:rPr lang="ko-KR" altLang="en-US" sz="1500" b="1" dirty="0" smtClean="0">
+                <a:solidFill>
+                  <a:schemeClr val="tx1">
+                    <a:lumMod val="85000"/>
+                    <a:lumOff val="15000"/>
+                  </a:schemeClr>
+                </a:solidFill>
+              </a:rPr>
+              <a:t>관리자</a:t>
+            </a:r>
+            <a:r>
+              <a:rPr lang="en-US" altLang="ko-KR" sz="1500" b="1" dirty="0" smtClean="0">
+                <a:solidFill>
+                  <a:schemeClr val="tx1">
+                    <a:lumMod val="85000"/>
+                    <a:lumOff val="15000"/>
+                  </a:schemeClr>
+                </a:solidFill>
+              </a:rPr>
+              <a:t>]</a:t>
+            </a:r>
+          </a:p>
+          <a:p>
+            <a:pPr algn="ctr"/>
+            <a:r>
+              <a:rPr lang="ko-KR" altLang="en-US" sz="1500" b="1" dirty="0" smtClean="0">
+                <a:solidFill>
+                  <a:schemeClr val="tx1">
+                    <a:lumMod val="85000"/>
+                    <a:lumOff val="15000"/>
+                  </a:schemeClr>
+                </a:solidFill>
+              </a:rPr>
+              <a:t>상품</a:t>
+            </a:r>
+            <a:r>
+              <a:rPr lang="en-US" altLang="ko-KR" sz="1500" b="1" dirty="0" smtClean="0">
+                <a:solidFill>
+                  <a:schemeClr val="tx1">
+                    <a:lumMod val="85000"/>
+                    <a:lumOff val="15000"/>
+                  </a:schemeClr>
+                </a:solidFill>
+              </a:rPr>
+              <a:t>, </a:t>
+            </a:r>
+            <a:r>
+              <a:rPr lang="ko-KR" altLang="en-US" sz="1500" b="1" dirty="0" smtClean="0">
+                <a:solidFill>
+                  <a:schemeClr val="tx1">
+                    <a:lumMod val="85000"/>
+                    <a:lumOff val="15000"/>
+                  </a:schemeClr>
+                </a:solidFill>
+              </a:rPr>
+              <a:t>회원</a:t>
+            </a:r>
+            <a:r>
+              <a:rPr lang="en-US" altLang="ko-KR" sz="1500" b="1" dirty="0" smtClean="0">
+                <a:solidFill>
+                  <a:schemeClr val="tx1">
+                    <a:lumMod val="85000"/>
+                    <a:lumOff val="15000"/>
+                  </a:schemeClr>
+                </a:solidFill>
+              </a:rPr>
+              <a:t>, </a:t>
+            </a:r>
+            <a:r>
+              <a:rPr lang="ko-KR" altLang="en-US" sz="1500" b="1" dirty="0" smtClean="0">
+                <a:solidFill>
+                  <a:schemeClr val="tx1">
+                    <a:lumMod val="85000"/>
+                    <a:lumOff val="15000"/>
+                  </a:schemeClr>
+                </a:solidFill>
+              </a:rPr>
+              <a:t>주문</a:t>
+            </a:r>
+            <a:endParaRPr lang="en-US" altLang="ko-KR" sz="1500" b="1" dirty="0" smtClean="0">
+              <a:solidFill>
+                <a:schemeClr val="tx1">
+                  <a:lumMod val="85000"/>
+                  <a:lumOff val="15000"/>
+                </a:schemeClr>
+              </a:solidFill>
+            </a:endParaRPr>
+          </a:p>
+        </p:txBody>
+      </p:sp>
+      <p:sp>
+        <p:nvSpPr>
+          <p:cNvPr id="29" name="직사각형 28"/>
+          <p:cNvSpPr/>
+          <p:nvPr/>
+        </p:nvSpPr>
+        <p:spPr>
+          <a:xfrm>
+            <a:off x="2571750" y="3468346"/>
+            <a:ext cx="2019300" cy="2242452"/>
+          </a:xfrm>
+          <a:prstGeom prst="rect">
+            <a:avLst/>
+          </a:prstGeom>
+          <a:noFill/>
+          <a:ln>
+            <a:solidFill>
+              <a:schemeClr val="bg2">
+                <a:lumMod val="50000"/>
+              </a:schemeClr>
+            </a:solidFill>
+          </a:ln>
+        </p:spPr>
+        <p:style>
+          <a:lnRef idx="2">
+            <a:schemeClr val="accent1">
+              <a:shade val="50000"/>
+            </a:schemeClr>
+          </a:lnRef>
+          <a:fillRef idx="1">
+            <a:schemeClr val="accent1"/>
+          </a:fillRef>
+          <a:effectRef idx="0">
+            <a:schemeClr val="accent1"/>
+          </a:effectRef>
+          <a:fontRef idx="minor">
+            <a:schemeClr val="lt1"/>
+          </a:fontRef>
+        </p:style>
+        <p:txBody>
+          <a:bodyPr rtlCol="0" anchor="ctr"/>
+          <a:lstStyle/>
+          <a:p>
+            <a:pPr algn="ctr"/>
+            <a:r>
+              <a:rPr lang="en-US" altLang="ko-KR" sz="1500" b="1" dirty="0" smtClean="0">
+                <a:solidFill>
+                  <a:schemeClr val="tx1">
+                    <a:lumMod val="85000"/>
+                    <a:lumOff val="15000"/>
+                  </a:schemeClr>
+                </a:solidFill>
+              </a:rPr>
+              <a:t>[</a:t>
+            </a:r>
+            <a:r>
+              <a:rPr lang="ko-KR" altLang="en-US" sz="1500" b="1" dirty="0" smtClean="0">
+                <a:solidFill>
+                  <a:schemeClr val="tx1">
+                    <a:lumMod val="85000"/>
+                    <a:lumOff val="15000"/>
+                  </a:schemeClr>
+                </a:solidFill>
+              </a:rPr>
+              <a:t>쇼핑몰</a:t>
+            </a:r>
+            <a:r>
+              <a:rPr lang="en-US" altLang="ko-KR" sz="1500" b="1" dirty="0" smtClean="0">
+                <a:solidFill>
+                  <a:schemeClr val="tx1">
+                    <a:lumMod val="85000"/>
+                    <a:lumOff val="15000"/>
+                  </a:schemeClr>
+                </a:solidFill>
+              </a:rPr>
+              <a:t>]</a:t>
+            </a:r>
+          </a:p>
+          <a:p>
+            <a:pPr algn="ctr"/>
+            <a:r>
+              <a:rPr lang="ko-KR" altLang="en-US" sz="1500" b="1" dirty="0" smtClean="0">
+                <a:solidFill>
+                  <a:schemeClr val="tx1">
+                    <a:lumMod val="85000"/>
+                    <a:lumOff val="15000"/>
+                  </a:schemeClr>
+                </a:solidFill>
+              </a:rPr>
+              <a:t>장바구니</a:t>
+            </a:r>
+            <a:r>
+              <a:rPr lang="en-US" altLang="ko-KR" sz="1500" b="1" dirty="0" smtClean="0">
+                <a:solidFill>
+                  <a:schemeClr val="tx1">
+                    <a:lumMod val="85000"/>
+                    <a:lumOff val="15000"/>
+                  </a:schemeClr>
+                </a:solidFill>
+              </a:rPr>
+              <a:t>, </a:t>
+            </a:r>
+            <a:r>
+              <a:rPr lang="ko-KR" altLang="en-US" sz="1500" b="1" dirty="0" smtClean="0">
+                <a:solidFill>
+                  <a:schemeClr val="tx1">
+                    <a:lumMod val="85000"/>
+                    <a:lumOff val="15000"/>
+                  </a:schemeClr>
+                </a:solidFill>
+              </a:rPr>
+              <a:t>상품</a:t>
+            </a:r>
+            <a:r>
+              <a:rPr lang="en-US" altLang="ko-KR" sz="1500" b="1" dirty="0" smtClean="0">
+                <a:solidFill>
+                  <a:schemeClr val="tx1">
+                    <a:lumMod val="85000"/>
+                    <a:lumOff val="15000"/>
+                  </a:schemeClr>
+                </a:solidFill>
+              </a:rPr>
+              <a:t>,</a:t>
+            </a:r>
+          </a:p>
+          <a:p>
+            <a:pPr algn="ctr"/>
+            <a:r>
+              <a:rPr lang="ko-KR" altLang="en-US" sz="1500" b="1" dirty="0" smtClean="0">
+                <a:solidFill>
+                  <a:schemeClr val="tx1">
+                    <a:lumMod val="85000"/>
+                    <a:lumOff val="15000"/>
+                  </a:schemeClr>
+                </a:solidFill>
+              </a:rPr>
+              <a:t>회원</a:t>
+            </a:r>
+            <a:r>
+              <a:rPr lang="en-US" altLang="ko-KR" sz="1500" b="1" dirty="0" smtClean="0">
+                <a:solidFill>
+                  <a:schemeClr val="tx1">
+                    <a:lumMod val="85000"/>
+                    <a:lumOff val="15000"/>
+                  </a:schemeClr>
+                </a:solidFill>
+              </a:rPr>
+              <a:t>, </a:t>
+            </a:r>
+            <a:r>
+              <a:rPr lang="ko-KR" altLang="en-US" sz="1500" b="1" dirty="0" smtClean="0">
+                <a:solidFill>
+                  <a:schemeClr val="tx1">
+                    <a:lumMod val="85000"/>
+                    <a:lumOff val="15000"/>
+                  </a:schemeClr>
+                </a:solidFill>
+              </a:rPr>
+              <a:t>주문</a:t>
+            </a:r>
+            <a:endParaRPr lang="en-US" altLang="ko-KR" sz="1500" b="1" dirty="0" smtClean="0">
+              <a:solidFill>
+                <a:schemeClr val="tx1">
+                  <a:lumMod val="85000"/>
+                  <a:lumOff val="15000"/>
+                </a:schemeClr>
+              </a:solidFill>
+            </a:endParaRPr>
+          </a:p>
+        </p:txBody>
+      </p:sp>
+      <p:sp>
+        <p:nvSpPr>
+          <p:cNvPr id="30" name="직사각형 29"/>
+          <p:cNvSpPr/>
+          <p:nvPr/>
+        </p:nvSpPr>
+        <p:spPr>
+          <a:xfrm>
+            <a:off x="2571750" y="5917286"/>
+            <a:ext cx="2019300" cy="400738"/>
+          </a:xfrm>
+          <a:prstGeom prst="rect">
+            <a:avLst/>
+          </a:prstGeom>
+          <a:noFill/>
+          <a:ln>
+            <a:solidFill>
+              <a:schemeClr val="bg2">
+                <a:lumMod val="50000"/>
+              </a:schemeClr>
+            </a:solidFill>
+          </a:ln>
+        </p:spPr>
+        <p:style>
+          <a:lnRef idx="2">
+            <a:schemeClr val="accent1">
+              <a:shade val="50000"/>
+            </a:schemeClr>
+          </a:lnRef>
+          <a:fillRef idx="1">
+            <a:schemeClr val="accent1"/>
+          </a:fillRef>
+          <a:effectRef idx="0">
+            <a:schemeClr val="accent1"/>
+          </a:effectRef>
+          <a:fontRef idx="minor">
+            <a:schemeClr val="lt1"/>
+          </a:fontRef>
+        </p:style>
+        <p:txBody>
+          <a:bodyPr rtlCol="0" anchor="ctr"/>
+          <a:lstStyle/>
+          <a:p>
+            <a:pPr algn="ctr"/>
+            <a:r>
+              <a:rPr lang="ko-KR" altLang="en-US" sz="1500" b="1" dirty="0" smtClean="0">
+                <a:solidFill>
+                  <a:schemeClr val="tx1">
+                    <a:lumMod val="85000"/>
+                    <a:lumOff val="15000"/>
+                  </a:schemeClr>
+                </a:solidFill>
+              </a:rPr>
+              <a:t>마이 페이지</a:t>
+            </a:r>
+            <a:endParaRPr lang="en-US" altLang="ko-KR" sz="1500" b="1" dirty="0" smtClean="0">
+              <a:solidFill>
+                <a:schemeClr val="tx1">
+                  <a:lumMod val="85000"/>
+                  <a:lumOff val="15000"/>
+                </a:schemeClr>
+              </a:solidFill>
+            </a:endParaRPr>
+          </a:p>
+        </p:txBody>
+      </p:sp>
+    </p:spTree>
+    <p:extLst>
+      <p:ext uri="{BB962C8B-B14F-4D97-AF65-F5344CB8AC3E}">
+        <p14:creationId xmlns:p14="http://schemas.microsoft.com/office/powerpoint/2010/main" val="3699299346"/>
+      </p:ext>
+    </p:extLst>
+  </p:cSld>
+  <p:clrMapOvr>
+    <a:masterClrMapping/>
+  </p:clrMapOvr>
+  <p:timing>
+    <p:tnLst>
+      <p:par>
+        <p:cTn id="1" dur="indefinite" restart="never" nodeType="tmRoot"/>
+      </p:par>
+    </p:tnLst>
+  </p:timing>
+</p:sld>
+</file>
+
+<file path=ppt/slides/slide13.xml><?xml version="1.0" encoding="utf-8"?>
+<p:sld xmlns:a="http://schemas.openxmlformats.org/drawingml/2006/main" xmlns:r="http://schemas.openxmlformats.org/officeDocument/2006/relationships" xmlns:p="http://schemas.openxmlformats.org/presentationml/2006/main">
+  <p:cSld>
+    <p:spTree>
+      <p:nvGrpSpPr>
+        <p:cNvPr id="1" name=""/>
+        <p:cNvGrpSpPr/>
+        <p:nvPr/>
+      </p:nvGrpSpPr>
+      <p:grpSpPr>
+        <a:xfrm>
+          <a:off x="0" y="0"/>
+          <a:ext cx="0" cy="0"/>
+          <a:chOff x="0" y="0"/>
+          <a:chExt cx="0" cy="0"/>
+        </a:xfrm>
+      </p:grpSpPr>
+      <p:sp>
+        <p:nvSpPr>
+          <p:cNvPr id="8" name="직사각형 7"/>
+          <p:cNvSpPr/>
+          <p:nvPr/>
+        </p:nvSpPr>
+        <p:spPr>
+          <a:xfrm>
+            <a:off x="250825" y="552983"/>
+            <a:ext cx="8642350" cy="745978"/>
+          </a:xfrm>
+          <a:prstGeom prst="rect">
+            <a:avLst/>
+          </a:prstGeom>
+          <a:noFill/>
+          <a:ln w="19050">
+            <a:solidFill>
+              <a:schemeClr val="tx1">
+                <a:lumMod val="75000"/>
+                <a:lumOff val="25000"/>
+              </a:schemeClr>
+            </a:solidFill>
+          </a:ln>
+        </p:spPr>
+        <p:style>
+          <a:lnRef idx="2">
+            <a:schemeClr val="accent1">
+              <a:shade val="50000"/>
+            </a:schemeClr>
+          </a:lnRef>
+          <a:fillRef idx="1">
+            <a:schemeClr val="accent1"/>
+          </a:fillRef>
+          <a:effectRef idx="0">
+            <a:schemeClr val="accent1"/>
+          </a:effectRef>
+          <a:fontRef idx="minor">
+            <a:schemeClr val="lt1"/>
+          </a:fontRef>
+        </p:style>
+        <p:txBody>
+          <a:bodyPr rtlCol="0" anchor="ctr"/>
+          <a:lstStyle/>
+          <a:p>
+            <a:pPr algn="ctr"/>
+            <a:r>
+              <a:rPr lang="en-US" altLang="ko-KR" sz="3600" b="1" dirty="0" smtClean="0">
+                <a:solidFill>
+                  <a:schemeClr val="bg2">
+                    <a:lumMod val="25000"/>
+                  </a:schemeClr>
+                </a:solidFill>
+              </a:rPr>
+              <a:t>4. DB </a:t>
+            </a:r>
+            <a:r>
+              <a:rPr lang="ko-KR" altLang="en-US" sz="3600" b="1" dirty="0" smtClean="0">
+                <a:solidFill>
+                  <a:schemeClr val="bg2">
+                    <a:lumMod val="25000"/>
+                  </a:schemeClr>
+                </a:solidFill>
+              </a:rPr>
+              <a:t>설계</a:t>
+            </a:r>
+            <a:endParaRPr lang="ko-KR" altLang="en-US" sz="3600" b="1" i="1" dirty="0">
+              <a:solidFill>
+                <a:schemeClr val="bg2">
+                  <a:lumMod val="25000"/>
+                </a:schemeClr>
+              </a:solidFill>
+            </a:endParaRPr>
+          </a:p>
+        </p:txBody>
+      </p:sp>
+      <p:sp>
+        <p:nvSpPr>
+          <p:cNvPr id="6" name="직사각형 5"/>
+          <p:cNvSpPr/>
+          <p:nvPr/>
+        </p:nvSpPr>
+        <p:spPr>
+          <a:xfrm>
+            <a:off x="250825" y="1628774"/>
+            <a:ext cx="8642350" cy="4968875"/>
+          </a:xfrm>
+          <a:prstGeom prst="rect">
+            <a:avLst/>
+          </a:prstGeom>
+          <a:noFill/>
+          <a:ln w="19050">
+            <a:solidFill>
+              <a:schemeClr val="tx1">
+                <a:lumMod val="75000"/>
+                <a:lumOff val="25000"/>
+              </a:schemeClr>
+            </a:solidFill>
+          </a:ln>
+        </p:spPr>
+        <p:style>
+          <a:lnRef idx="2">
+            <a:schemeClr val="accent1">
+              <a:shade val="50000"/>
+            </a:schemeClr>
+          </a:lnRef>
+          <a:fillRef idx="1">
+            <a:schemeClr val="accent1"/>
+          </a:fillRef>
+          <a:effectRef idx="0">
+            <a:schemeClr val="accent1"/>
+          </a:effectRef>
+          <a:fontRef idx="minor">
+            <a:schemeClr val="lt1"/>
+          </a:fontRef>
+        </p:style>
+        <p:txBody>
+          <a:bodyPr rtlCol="0" anchor="ctr"/>
+          <a:lstStyle/>
+          <a:p>
+            <a:pPr algn="ctr"/>
+            <a:endParaRPr lang="ko-KR" altLang="en-US" sz="3600" b="1" i="1" dirty="0">
+              <a:solidFill>
+                <a:schemeClr val="bg2">
+                  <a:lumMod val="25000"/>
+                </a:schemeClr>
+              </a:solidFill>
+            </a:endParaRPr>
+          </a:p>
+        </p:txBody>
+      </p:sp>
+    </p:spTree>
+    <p:extLst>
+      <p:ext uri="{BB962C8B-B14F-4D97-AF65-F5344CB8AC3E}">
+        <p14:creationId xmlns:p14="http://schemas.microsoft.com/office/powerpoint/2010/main" val="3893678956"/>
+      </p:ext>
+    </p:extLst>
+  </p:cSld>
+  <p:clrMapOvr>
+    <a:masterClrMapping/>
+  </p:clrMapOvr>
+  <p:timing>
+    <p:tnLst>
+      <p:par>
+        <p:cTn id="1" dur="indefinite" restart="never" nodeType="tmRoot"/>
+      </p:par>
+    </p:tnLst>
+  </p:timing>
 </p:sld>
 </file>
 
@@ -3393,17 +6207,7 @@
                   </a:schemeClr>
                 </a:solidFill>
               </a:rPr>
-              <a:t>요구사항 </a:t>
-            </a:r>
-            <a:r>
-              <a:rPr lang="ko-KR" altLang="en-US" sz="2100" b="1" dirty="0" smtClean="0">
-                <a:solidFill>
-                  <a:schemeClr val="bg2">
-                    <a:lumMod val="25000"/>
-                  </a:schemeClr>
-                </a:solidFill>
-              </a:rPr>
-              <a:t>분석</a:t>
+              <a:t>요구사항 분석</a:t>
             </a:r>
             <a:endParaRPr lang="en-US" altLang="ko-KR" sz="2100" b="1" dirty="0" smtClean="0">
               <a:solidFill>
@@ -3507,17 +6311,7 @@
                   </a:schemeClr>
                 </a:solidFill>
               </a:rPr>
-              <a:t>5. </a:t>
-            </a:r>
-            <a:r>
-              <a:rPr lang="en-US" altLang="ko-KR" sz="2100" b="1" dirty="0" smtClean="0">
-                <a:solidFill>
-                  <a:schemeClr val="bg2">
-                    <a:lumMod val="25000"/>
-                  </a:schemeClr>
-                </a:solidFill>
-              </a:rPr>
-              <a:t>DB </a:t>
+              <a:t>5. DB </a:t>
             </a:r>
             <a:r>
               <a:rPr lang="ko-KR" altLang="en-US" sz="2100" b="1" dirty="0" smtClean="0">
@@ -3768,17 +6562,7 @@
                   </a:schemeClr>
                 </a:solidFill>
               </a:rPr>
-              <a:t>고객 </a:t>
-            </a:r>
-            <a:r>
-              <a:rPr lang="ko-KR" altLang="en-US" sz="3600" b="1" dirty="0" smtClean="0">
-                <a:solidFill>
-                  <a:schemeClr val="bg2">
-                    <a:lumMod val="25000"/>
-                  </a:schemeClr>
-                </a:solidFill>
-              </a:rPr>
-              <a:t>요구사항</a:t>
+              <a:t>고객 요구사항</a:t>
             </a:r>
             <a:r>
               <a:rPr lang="en-US" altLang="ko-KR" sz="3600" b="1" dirty="0" smtClean="0">
@@ -5367,17 +8151,7 @@
                   </a:schemeClr>
                 </a:solidFill>
               </a:rPr>
-              <a:t>고객 </a:t>
-            </a:r>
-            <a:r>
-              <a:rPr lang="ko-KR" altLang="en-US" sz="3600" b="1" dirty="0" smtClean="0">
-                <a:solidFill>
-                  <a:schemeClr val="bg2">
-                    <a:lumMod val="25000"/>
-                  </a:schemeClr>
-                </a:solidFill>
-              </a:rPr>
-              <a:t>요구사항</a:t>
+              <a:t>고객 요구사항</a:t>
             </a:r>
             <a:r>
               <a:rPr lang="en-US" altLang="ko-KR" sz="3600" b="1" dirty="0" smtClean="0">
@@ -6165,7 +8939,51 @@
                   </a:schemeClr>
                 </a:solidFill>
               </a:rPr>
-              <a:t>: JSP</a:t>
+              <a:t>: </a:t>
+            </a:r>
+            <a:r>
+              <a:rPr lang="en-US" altLang="ko-KR" sz="1500" b="1" dirty="0" smtClean="0">
+                <a:solidFill>
+                  <a:schemeClr val="tx1">
+                    <a:lumMod val="85000"/>
+                    <a:lumOff val="15000"/>
+                  </a:schemeClr>
+                </a:solidFill>
+              </a:rPr>
+              <a:t>JSP &lt;Front-End, Back-End, DB </a:t>
+            </a:r>
+            <a:r>
+              <a:rPr lang="ko-KR" altLang="en-US" sz="1500" b="1" dirty="0" smtClean="0">
+                <a:solidFill>
+                  <a:schemeClr val="tx1">
+                    <a:lumMod val="85000"/>
+                    <a:lumOff val="15000"/>
+                  </a:schemeClr>
+                </a:solidFill>
+              </a:rPr>
+              <a:t>단일 컴퓨터 구동</a:t>
+            </a:r>
+            <a:r>
+              <a:rPr lang="ko-KR" altLang="en-US" sz="1500" b="1" dirty="0" smtClean="0">
+                <a:solidFill>
+                  <a:schemeClr val="tx1">
+                    <a:lumMod val="85000"/>
+                    <a:lumOff val="15000"/>
+                  </a:schemeClr>
+                </a:solidFill>
+              </a:rPr>
+              <a:t>함</a:t>
+            </a:r>
+            <a:r>
+              <a:rPr lang="en-US" altLang="ko-KR" sz="1500" b="1" dirty="0" smtClean="0">
+                <a:solidFill>
+                  <a:schemeClr val="tx1">
+                    <a:lumMod val="85000"/>
+                    <a:lumOff val="15000"/>
+                  </a:schemeClr>
+                </a:solidFill>
+              </a:rPr>
+              <a:t>&gt;</a:t>
             </a:r>
             <a:endParaRPr lang="ko-KR" altLang="en-US" sz="1500" b="1" dirty="0">
               <a:solidFill>
@@ -12364,7 +15182,27 @@
                   </a:schemeClr>
                 </a:solidFill>
               </a:rPr>
-              <a:t>개발 계획</a:t>
+              <a:t>개발 </a:t>
+            </a:r>
+            <a:r>
+              <a:rPr lang="ko-KR" altLang="en-US" sz="3600" b="1" dirty="0" smtClean="0">
+                <a:solidFill>
+                  <a:schemeClr val="bg2">
+                    <a:lumMod val="25000"/>
+                  </a:schemeClr>
+                </a:solidFill>
+              </a:rPr>
+              <a:t>계획</a:t>
+            </a:r>
+            <a:r>
+              <a:rPr lang="en-US" altLang="ko-KR" sz="3600" b="1" dirty="0" smtClean="0">
+                <a:solidFill>
+                  <a:schemeClr val="bg2">
+                    <a:lumMod val="25000"/>
+                  </a:schemeClr>
+                </a:solidFill>
+              </a:rPr>
+              <a:t>(1)</a:t>
             </a:r>
             <a:endParaRPr lang="ko-KR" altLang="en-US" sz="3600" b="1" i="1" dirty="0">
               <a:solidFill>
@@ -12439,7 +15277,7 @@
         </p:nvSpPr>
         <p:spPr>
           <a:xfrm>
-            <a:off x="611187" y="2009775"/>
+            <a:off x="611186" y="1628775"/>
             <a:ext cx="1798637" cy="409575"/>
           </a:xfrm>
           <a:prstGeom prst="rect">
@@ -12505,7 +15343,7 @@
         </p:nvSpPr>
         <p:spPr>
           <a:xfrm>
-            <a:off x="2770186" y="2009775"/>
+            <a:off x="2770185" y="1628775"/>
             <a:ext cx="5762627" cy="752475"/>
           </a:xfrm>
           <a:prstGeom prst="rect">
@@ -12587,6 +15425,796 @@
                 </a:solidFill>
               </a:rPr>
               <a:t>Build id: 20220609-1112</a:t>
+            </a:r>
+            <a:endParaRPr lang="ko-KR" altLang="en-US" sz="1500" b="1" dirty="0">
+              <a:solidFill>
+                <a:schemeClr val="tx1">
+                  <a:lumMod val="85000"/>
+                  <a:lumOff val="15000"/>
+                </a:schemeClr>
+              </a:solidFill>
+            </a:endParaRPr>
+          </a:p>
+        </p:txBody>
+      </p:sp>
+      <p:sp>
+        <p:nvSpPr>
+          <p:cNvPr id="9" name="직사각형 8"/>
+          <p:cNvSpPr/>
+          <p:nvPr/>
+        </p:nvSpPr>
+        <p:spPr>
+          <a:xfrm>
+            <a:off x="611186" y="2712419"/>
+            <a:ext cx="1798637" cy="409575"/>
+          </a:xfrm>
+          <a:prstGeom prst="rect">
+            <a:avLst/>
+          </a:prstGeom>
+          <a:noFill/>
+          <a:ln>
+            <a:solidFill>
+              <a:schemeClr val="bg2">
+                <a:lumMod val="50000"/>
+              </a:schemeClr>
+            </a:solidFill>
+          </a:ln>
+        </p:spPr>
+        <p:style>
+          <a:lnRef idx="2">
+            <a:schemeClr val="accent1">
+              <a:shade val="50000"/>
+            </a:schemeClr>
+          </a:lnRef>
+          <a:fillRef idx="1">
+            <a:schemeClr val="accent1"/>
+          </a:fillRef>
+          <a:effectRef idx="0">
+            <a:schemeClr val="accent1"/>
+          </a:effectRef>
+          <a:fontRef idx="minor">
+            <a:schemeClr val="lt1"/>
+          </a:fontRef>
+        </p:style>
+        <p:txBody>
+          <a:bodyPr rtlCol="0" anchor="ctr"/>
+          <a:lstStyle/>
+          <a:p>
+            <a:pPr algn="ctr"/>
+            <a:r>
+              <a:rPr lang="ko-KR" altLang="en-US" sz="1500" b="1" dirty="0" smtClean="0">
+                <a:solidFill>
+                  <a:schemeClr val="tx1">
+                    <a:lumMod val="85000"/>
+                    <a:lumOff val="15000"/>
+                  </a:schemeClr>
+                </a:solidFill>
+              </a:rPr>
+              <a:t>개발 설정</a:t>
+            </a:r>
+            <a:endParaRPr lang="ko-KR" altLang="en-US" sz="1500" b="1" dirty="0">
+              <a:solidFill>
+                <a:schemeClr val="tx1">
+                  <a:lumMod val="85000"/>
+                  <a:lumOff val="15000"/>
+                </a:schemeClr>
+              </a:solidFill>
+            </a:endParaRPr>
+          </a:p>
+        </p:txBody>
+      </p:sp>
+      <p:sp>
+        <p:nvSpPr>
+          <p:cNvPr id="11" name="직사각형 10"/>
+          <p:cNvSpPr/>
+          <p:nvPr/>
+        </p:nvSpPr>
+        <p:spPr>
+          <a:xfrm>
+            <a:off x="2770186" y="3308932"/>
+            <a:ext cx="2745090" cy="2614215"/>
+          </a:xfrm>
+          <a:prstGeom prst="rect">
+            <a:avLst/>
+          </a:prstGeom>
+          <a:noFill/>
+          <a:ln>
+            <a:solidFill>
+              <a:schemeClr val="bg2">
+                <a:lumMod val="50000"/>
+              </a:schemeClr>
+            </a:solidFill>
+          </a:ln>
+        </p:spPr>
+        <p:style>
+          <a:lnRef idx="2">
+            <a:schemeClr val="accent1">
+              <a:shade val="50000"/>
+            </a:schemeClr>
+          </a:lnRef>
+          <a:fillRef idx="1">
+            <a:schemeClr val="accent1"/>
+          </a:fillRef>
+          <a:effectRef idx="0">
+            <a:schemeClr val="accent1"/>
+          </a:effectRef>
+          <a:fontRef idx="minor">
+            <a:schemeClr val="lt1"/>
+          </a:fontRef>
+        </p:style>
+        <p:txBody>
+          <a:bodyPr rtlCol="0" anchor="ctr"/>
+          <a:lstStyle/>
+          <a:p>
+            <a:r>
+              <a:rPr lang="en-US" altLang="ko-KR" sz="1500" b="1" dirty="0" smtClean="0">
+                <a:solidFill>
+                  <a:schemeClr val="tx1">
+                    <a:lumMod val="85000"/>
+                    <a:lumOff val="15000"/>
+                  </a:schemeClr>
+                </a:solidFill>
+              </a:rPr>
+              <a:t>Spring-context</a:t>
+            </a:r>
+          </a:p>
+          <a:p>
+            <a:r>
+              <a:rPr lang="en-US" altLang="ko-KR" sz="1500" b="1" dirty="0" smtClean="0">
+                <a:solidFill>
+                  <a:schemeClr val="tx1">
+                    <a:lumMod val="85000"/>
+                    <a:lumOff val="15000"/>
+                  </a:schemeClr>
+                </a:solidFill>
+              </a:rPr>
+              <a:t>Spring-</a:t>
+            </a:r>
+            <a:r>
+              <a:rPr lang="en-US" altLang="ko-KR" sz="1500" b="1" dirty="0" err="1" smtClean="0">
+                <a:solidFill>
+                  <a:schemeClr val="tx1">
+                    <a:lumMod val="85000"/>
+                    <a:lumOff val="15000"/>
+                  </a:schemeClr>
+                </a:solidFill>
+              </a:rPr>
+              <a:t>webmvc</a:t>
+            </a:r>
+            <a:endParaRPr lang="en-US" altLang="ko-KR" sz="1500" b="1" dirty="0" smtClean="0">
+              <a:solidFill>
+                <a:schemeClr val="tx1">
+                  <a:lumMod val="85000"/>
+                  <a:lumOff val="15000"/>
+                </a:schemeClr>
+              </a:solidFill>
+            </a:endParaRPr>
+          </a:p>
+          <a:p>
+            <a:r>
+              <a:rPr lang="en-US" altLang="ko-KR" sz="1500" b="1" dirty="0" err="1" smtClean="0">
+                <a:solidFill>
+                  <a:schemeClr val="tx1">
+                    <a:lumMod val="85000"/>
+                    <a:lumOff val="15000"/>
+                  </a:schemeClr>
+                </a:solidFill>
+              </a:rPr>
+              <a:t>Aspectjrt</a:t>
+            </a:r>
+            <a:endParaRPr lang="en-US" altLang="ko-KR" sz="1500" b="1" dirty="0" smtClean="0">
+              <a:solidFill>
+                <a:schemeClr val="tx1">
+                  <a:lumMod val="85000"/>
+                  <a:lumOff val="15000"/>
+                </a:schemeClr>
+              </a:solidFill>
+            </a:endParaRPr>
+          </a:p>
+          <a:p>
+            <a:r>
+              <a:rPr lang="en-US" altLang="ko-KR" sz="1500" b="1" dirty="0" smtClean="0">
+                <a:solidFill>
+                  <a:schemeClr val="tx1">
+                    <a:lumMod val="85000"/>
+                    <a:lumOff val="15000"/>
+                  </a:schemeClr>
+                </a:solidFill>
+              </a:rPr>
+              <a:t>Slf4j-api</a:t>
+            </a:r>
+          </a:p>
+          <a:p>
+            <a:r>
+              <a:rPr lang="en-US" altLang="ko-KR" sz="1500" b="1" dirty="0" smtClean="0">
+                <a:solidFill>
+                  <a:schemeClr val="tx1">
+                    <a:lumMod val="85000"/>
+                    <a:lumOff val="15000"/>
+                  </a:schemeClr>
+                </a:solidFill>
+              </a:rPr>
+              <a:t>Log4j</a:t>
+            </a:r>
+          </a:p>
+          <a:p>
+            <a:r>
+              <a:rPr lang="en-US" altLang="ko-KR" sz="1500" b="1" dirty="0" err="1" smtClean="0">
+                <a:solidFill>
+                  <a:schemeClr val="tx1">
+                    <a:lumMod val="85000"/>
+                    <a:lumOff val="15000"/>
+                  </a:schemeClr>
+                </a:solidFill>
+              </a:rPr>
+              <a:t>Javax.inject</a:t>
+            </a:r>
+            <a:endParaRPr lang="en-US" altLang="ko-KR" sz="1500" b="1" dirty="0" smtClean="0">
+              <a:solidFill>
+                <a:schemeClr val="tx1">
+                  <a:lumMod val="85000"/>
+                  <a:lumOff val="15000"/>
+                </a:schemeClr>
+              </a:solidFill>
+            </a:endParaRPr>
+          </a:p>
+          <a:p>
+            <a:r>
+              <a:rPr lang="en-US" altLang="ko-KR" sz="1500" b="1" dirty="0" smtClean="0">
+                <a:solidFill>
+                  <a:schemeClr val="tx1">
+                    <a:lumMod val="85000"/>
+                    <a:lumOff val="15000"/>
+                  </a:schemeClr>
+                </a:solidFill>
+              </a:rPr>
+              <a:t>Servlet-</a:t>
+            </a:r>
+            <a:r>
+              <a:rPr lang="en-US" altLang="ko-KR" sz="1500" b="1" dirty="0" err="1" smtClean="0">
+                <a:solidFill>
+                  <a:schemeClr val="tx1">
+                    <a:lumMod val="85000"/>
+                    <a:lumOff val="15000"/>
+                  </a:schemeClr>
+                </a:solidFill>
+              </a:rPr>
+              <a:t>api</a:t>
+            </a:r>
+            <a:endParaRPr lang="en-US" altLang="ko-KR" sz="1500" b="1" dirty="0" smtClean="0">
+              <a:solidFill>
+                <a:schemeClr val="tx1">
+                  <a:lumMod val="85000"/>
+                  <a:lumOff val="15000"/>
+                </a:schemeClr>
+              </a:solidFill>
+            </a:endParaRPr>
+          </a:p>
+          <a:p>
+            <a:r>
+              <a:rPr lang="en-US" altLang="ko-KR" sz="1500" b="1" dirty="0" err="1" smtClean="0">
+                <a:solidFill>
+                  <a:schemeClr val="tx1">
+                    <a:lumMod val="85000"/>
+                    <a:lumOff val="15000"/>
+                  </a:schemeClr>
+                </a:solidFill>
+              </a:rPr>
+              <a:t>Jsp-api</a:t>
+            </a:r>
+            <a:endParaRPr lang="en-US" altLang="ko-KR" sz="1500" b="1" dirty="0" smtClean="0">
+              <a:solidFill>
+                <a:schemeClr val="tx1">
+                  <a:lumMod val="85000"/>
+                  <a:lumOff val="15000"/>
+                </a:schemeClr>
+              </a:solidFill>
+            </a:endParaRPr>
+          </a:p>
+          <a:p>
+            <a:r>
+              <a:rPr lang="en-US" altLang="ko-KR" sz="1500" b="1" dirty="0" err="1" smtClean="0">
+                <a:solidFill>
+                  <a:schemeClr val="tx1">
+                    <a:lumMod val="85000"/>
+                    <a:lumOff val="15000"/>
+                  </a:schemeClr>
+                </a:solidFill>
+              </a:rPr>
+              <a:t>Jstl</a:t>
+            </a:r>
+            <a:endParaRPr lang="en-US" altLang="ko-KR" sz="1500" b="1" dirty="0" smtClean="0">
+              <a:solidFill>
+                <a:schemeClr val="tx1">
+                  <a:lumMod val="85000"/>
+                  <a:lumOff val="15000"/>
+                </a:schemeClr>
+              </a:solidFill>
+            </a:endParaRPr>
+          </a:p>
+          <a:p>
+            <a:r>
+              <a:rPr lang="en-US" altLang="ko-KR" sz="1500" b="1" dirty="0" smtClean="0">
+                <a:solidFill>
+                  <a:schemeClr val="tx1">
+                    <a:lumMod val="85000"/>
+                    <a:lumOff val="15000"/>
+                  </a:schemeClr>
+                </a:solidFill>
+              </a:rPr>
+              <a:t>Junit</a:t>
+            </a:r>
+          </a:p>
+          <a:p>
+            <a:r>
+              <a:rPr lang="en-US" altLang="ko-KR" sz="1500" b="1" dirty="0" err="1" smtClean="0">
+                <a:solidFill>
+                  <a:schemeClr val="tx1">
+                    <a:lumMod val="85000"/>
+                    <a:lumOff val="15000"/>
+                  </a:schemeClr>
+                </a:solidFill>
+              </a:rPr>
+              <a:t>OracleDriver</a:t>
+            </a:r>
+            <a:endParaRPr lang="en-US" altLang="ko-KR" sz="1500" b="1" dirty="0">
+              <a:solidFill>
+                <a:schemeClr val="tx1">
+                  <a:lumMod val="85000"/>
+                  <a:lumOff val="15000"/>
+                </a:schemeClr>
+              </a:solidFill>
+            </a:endParaRPr>
+          </a:p>
+        </p:txBody>
+      </p:sp>
+      <p:sp>
+        <p:nvSpPr>
+          <p:cNvPr id="12" name="직사각형 11"/>
+          <p:cNvSpPr/>
+          <p:nvPr/>
+        </p:nvSpPr>
+        <p:spPr>
+          <a:xfrm>
+            <a:off x="5787722" y="3308932"/>
+            <a:ext cx="2745090" cy="2614216"/>
+          </a:xfrm>
+          <a:prstGeom prst="rect">
+            <a:avLst/>
+          </a:prstGeom>
+          <a:noFill/>
+          <a:ln>
+            <a:solidFill>
+              <a:schemeClr val="bg2">
+                <a:lumMod val="50000"/>
+              </a:schemeClr>
+            </a:solidFill>
+          </a:ln>
+        </p:spPr>
+        <p:style>
+          <a:lnRef idx="2">
+            <a:schemeClr val="accent1">
+              <a:shade val="50000"/>
+            </a:schemeClr>
+          </a:lnRef>
+          <a:fillRef idx="1">
+            <a:schemeClr val="accent1"/>
+          </a:fillRef>
+          <a:effectRef idx="0">
+            <a:schemeClr val="accent1"/>
+          </a:effectRef>
+          <a:fontRef idx="minor">
+            <a:schemeClr val="lt1"/>
+          </a:fontRef>
+        </p:style>
+        <p:txBody>
+          <a:bodyPr rtlCol="0" anchor="ctr"/>
+          <a:lstStyle/>
+          <a:p>
+            <a:r>
+              <a:rPr lang="en-US" altLang="ko-KR" sz="1500" b="1" dirty="0" err="1" smtClean="0">
+                <a:solidFill>
+                  <a:schemeClr val="tx1">
+                    <a:lumMod val="85000"/>
+                    <a:lumOff val="15000"/>
+                  </a:schemeClr>
+                </a:solidFill>
+              </a:rPr>
+              <a:t>Mysql</a:t>
+            </a:r>
+            <a:r>
+              <a:rPr lang="en-US" altLang="ko-KR" sz="1500" b="1" dirty="0" smtClean="0">
+                <a:solidFill>
+                  <a:schemeClr val="tx1">
+                    <a:lumMod val="85000"/>
+                    <a:lumOff val="15000"/>
+                  </a:schemeClr>
+                </a:solidFill>
+              </a:rPr>
+              <a:t>-connector-java</a:t>
+            </a:r>
+          </a:p>
+          <a:p>
+            <a:r>
+              <a:rPr lang="en-US" altLang="ko-KR" sz="1500" b="1" dirty="0" smtClean="0">
+                <a:solidFill>
+                  <a:schemeClr val="tx1">
+                    <a:lumMod val="85000"/>
+                    <a:lumOff val="15000"/>
+                  </a:schemeClr>
+                </a:solidFill>
+              </a:rPr>
+              <a:t>Commons-</a:t>
+            </a:r>
+            <a:r>
+              <a:rPr lang="en-US" altLang="ko-KR" sz="1500" b="1" dirty="0" err="1" smtClean="0">
+                <a:solidFill>
+                  <a:schemeClr val="tx1">
+                    <a:lumMod val="85000"/>
+                    <a:lumOff val="15000"/>
+                  </a:schemeClr>
+                </a:solidFill>
+              </a:rPr>
+              <a:t>beanutils</a:t>
+            </a:r>
+            <a:endParaRPr lang="en-US" altLang="ko-KR" sz="1500" b="1" dirty="0" smtClean="0">
+              <a:solidFill>
+                <a:schemeClr val="tx1">
+                  <a:lumMod val="85000"/>
+                  <a:lumOff val="15000"/>
+                </a:schemeClr>
+              </a:solidFill>
+            </a:endParaRPr>
+          </a:p>
+          <a:p>
+            <a:r>
+              <a:rPr lang="en-US" altLang="ko-KR" sz="1500" b="1" dirty="0" smtClean="0">
+                <a:solidFill>
+                  <a:schemeClr val="tx1">
+                    <a:lumMod val="85000"/>
+                    <a:lumOff val="15000"/>
+                  </a:schemeClr>
+                </a:solidFill>
+              </a:rPr>
+              <a:t>Commons-</a:t>
+            </a:r>
+            <a:r>
+              <a:rPr lang="en-US" altLang="ko-KR" sz="1500" b="1" dirty="0" err="1" smtClean="0">
+                <a:solidFill>
+                  <a:schemeClr val="tx1">
+                    <a:lumMod val="85000"/>
+                    <a:lumOff val="15000"/>
+                  </a:schemeClr>
+                </a:solidFill>
+              </a:rPr>
+              <a:t>dbcp</a:t>
+            </a:r>
+            <a:endParaRPr lang="en-US" altLang="ko-KR" sz="1500" b="1" dirty="0" smtClean="0">
+              <a:solidFill>
+                <a:schemeClr val="tx1">
+                  <a:lumMod val="85000"/>
+                  <a:lumOff val="15000"/>
+                </a:schemeClr>
+              </a:solidFill>
+            </a:endParaRPr>
+          </a:p>
+          <a:p>
+            <a:r>
+              <a:rPr lang="en-US" altLang="ko-KR" sz="1500" b="1" dirty="0" err="1" smtClean="0">
+                <a:solidFill>
+                  <a:schemeClr val="tx1">
+                    <a:lumMod val="85000"/>
+                    <a:lumOff val="15000"/>
+                  </a:schemeClr>
+                </a:solidFill>
+              </a:rPr>
+              <a:t>Mybatis</a:t>
+            </a:r>
+            <a:endParaRPr lang="en-US" altLang="ko-KR" sz="1500" b="1" dirty="0" smtClean="0">
+              <a:solidFill>
+                <a:schemeClr val="tx1">
+                  <a:lumMod val="85000"/>
+                  <a:lumOff val="15000"/>
+                </a:schemeClr>
+              </a:solidFill>
+            </a:endParaRPr>
+          </a:p>
+          <a:p>
+            <a:r>
+              <a:rPr lang="en-US" altLang="ko-KR" sz="1500" b="1" dirty="0" err="1" smtClean="0">
+                <a:solidFill>
+                  <a:schemeClr val="tx1">
+                    <a:lumMod val="85000"/>
+                    <a:lumOff val="15000"/>
+                  </a:schemeClr>
+                </a:solidFill>
+              </a:rPr>
+              <a:t>Cglib-nodep</a:t>
+            </a:r>
+            <a:endParaRPr lang="en-US" altLang="ko-KR" sz="1500" b="1" dirty="0" smtClean="0">
+              <a:solidFill>
+                <a:schemeClr val="tx1">
+                  <a:lumMod val="85000"/>
+                  <a:lumOff val="15000"/>
+                </a:schemeClr>
+              </a:solidFill>
+            </a:endParaRPr>
+          </a:p>
+          <a:p>
+            <a:r>
+              <a:rPr lang="en-US" altLang="ko-KR" sz="1500" b="1" dirty="0" smtClean="0">
+                <a:solidFill>
+                  <a:schemeClr val="tx1">
+                    <a:lumMod val="85000"/>
+                    <a:lumOff val="15000"/>
+                  </a:schemeClr>
+                </a:solidFill>
+              </a:rPr>
+              <a:t>Tiles-core</a:t>
+            </a:r>
+          </a:p>
+          <a:p>
+            <a:r>
+              <a:rPr lang="en-US" altLang="ko-KR" sz="1500" b="1" dirty="0" smtClean="0">
+                <a:solidFill>
+                  <a:schemeClr val="tx1">
+                    <a:lumMod val="85000"/>
+                    <a:lumOff val="15000"/>
+                  </a:schemeClr>
+                </a:solidFill>
+              </a:rPr>
+              <a:t>Tiles-</a:t>
+            </a:r>
+            <a:r>
+              <a:rPr lang="en-US" altLang="ko-KR" sz="1500" b="1" dirty="0" err="1" smtClean="0">
+                <a:solidFill>
+                  <a:schemeClr val="tx1">
+                    <a:lumMod val="85000"/>
+                    <a:lumOff val="15000"/>
+                  </a:schemeClr>
+                </a:solidFill>
+              </a:rPr>
+              <a:t>jsp</a:t>
+            </a:r>
+            <a:endParaRPr lang="en-US" altLang="ko-KR" sz="1500" b="1" dirty="0" smtClean="0">
+              <a:solidFill>
+                <a:schemeClr val="tx1">
+                  <a:lumMod val="85000"/>
+                  <a:lumOff val="15000"/>
+                </a:schemeClr>
+              </a:solidFill>
+            </a:endParaRPr>
+          </a:p>
+          <a:p>
+            <a:r>
+              <a:rPr lang="en-US" altLang="ko-KR" sz="1500" b="1" dirty="0" smtClean="0">
+                <a:solidFill>
+                  <a:schemeClr val="tx1">
+                    <a:lumMod val="85000"/>
+                    <a:lumOff val="15000"/>
+                  </a:schemeClr>
+                </a:solidFill>
+              </a:rPr>
+              <a:t>Tiles-servlet</a:t>
+            </a:r>
+          </a:p>
+          <a:p>
+            <a:r>
+              <a:rPr lang="en-US" altLang="ko-KR" sz="1500" b="1" dirty="0" smtClean="0">
+                <a:solidFill>
+                  <a:schemeClr val="tx1">
+                    <a:lumMod val="85000"/>
+                    <a:lumOff val="15000"/>
+                  </a:schemeClr>
+                </a:solidFill>
+              </a:rPr>
+              <a:t>Commons-</a:t>
+            </a:r>
+            <a:r>
+              <a:rPr lang="en-US" altLang="ko-KR" sz="1500" b="1" dirty="0" err="1" smtClean="0">
+                <a:solidFill>
+                  <a:schemeClr val="tx1">
+                    <a:lumMod val="85000"/>
+                    <a:lumOff val="15000"/>
+                  </a:schemeClr>
+                </a:solidFill>
+              </a:rPr>
+              <a:t>io</a:t>
+            </a:r>
+            <a:endParaRPr lang="en-US" altLang="ko-KR" sz="1500" b="1" dirty="0" smtClean="0">
+              <a:solidFill>
+                <a:schemeClr val="tx1">
+                  <a:lumMod val="85000"/>
+                  <a:lumOff val="15000"/>
+                </a:schemeClr>
+              </a:solidFill>
+            </a:endParaRPr>
+          </a:p>
+          <a:p>
+            <a:r>
+              <a:rPr lang="en-US" altLang="ko-KR" sz="1500" b="1" dirty="0" smtClean="0">
+                <a:solidFill>
+                  <a:schemeClr val="tx1">
+                    <a:lumMod val="85000"/>
+                    <a:lumOff val="15000"/>
+                  </a:schemeClr>
+                </a:solidFill>
+              </a:rPr>
+              <a:t>Commons-</a:t>
+            </a:r>
+            <a:r>
+              <a:rPr lang="en-US" altLang="ko-KR" sz="1500" b="1" dirty="0" err="1" smtClean="0">
+                <a:solidFill>
+                  <a:schemeClr val="tx1">
+                    <a:lumMod val="85000"/>
+                    <a:lumOff val="15000"/>
+                  </a:schemeClr>
+                </a:solidFill>
+              </a:rPr>
+              <a:t>fileupload</a:t>
+            </a:r>
+            <a:endParaRPr lang="en-US" altLang="ko-KR" sz="1500" b="1" dirty="0" smtClean="0">
+              <a:solidFill>
+                <a:schemeClr val="tx1">
+                  <a:lumMod val="85000"/>
+                  <a:lumOff val="15000"/>
+                </a:schemeClr>
+              </a:solidFill>
+            </a:endParaRPr>
+          </a:p>
+          <a:p>
+            <a:r>
+              <a:rPr lang="en-US" altLang="ko-KR" sz="1500" b="1" dirty="0" err="1" smtClean="0">
+                <a:solidFill>
+                  <a:schemeClr val="tx1">
+                    <a:lumMod val="85000"/>
+                    <a:lumOff val="15000"/>
+                  </a:schemeClr>
+                </a:solidFill>
+              </a:rPr>
+              <a:t>jquery</a:t>
+            </a:r>
+            <a:endParaRPr lang="en-US" altLang="ko-KR" sz="1500" b="1" dirty="0" smtClean="0">
+              <a:solidFill>
+                <a:schemeClr val="tx1">
+                  <a:lumMod val="85000"/>
+                  <a:lumOff val="15000"/>
+                </a:schemeClr>
+              </a:solidFill>
+            </a:endParaRPr>
+          </a:p>
+        </p:txBody>
+      </p:sp>
+      <p:sp>
+        <p:nvSpPr>
+          <p:cNvPr id="13" name="직사각형 12"/>
+          <p:cNvSpPr/>
+          <p:nvPr/>
+        </p:nvSpPr>
+        <p:spPr>
+          <a:xfrm>
+            <a:off x="2770184" y="2712419"/>
+            <a:ext cx="5762627" cy="409575"/>
+          </a:xfrm>
+          <a:prstGeom prst="rect">
+            <a:avLst/>
+          </a:prstGeom>
+          <a:noFill/>
+          <a:ln>
+            <a:solidFill>
+              <a:schemeClr val="bg2">
+                <a:lumMod val="50000"/>
+              </a:schemeClr>
+            </a:solidFill>
+          </a:ln>
+        </p:spPr>
+        <p:style>
+          <a:lnRef idx="2">
+            <a:schemeClr val="accent1">
+              <a:shade val="50000"/>
+            </a:schemeClr>
+          </a:lnRef>
+          <a:fillRef idx="1">
+            <a:schemeClr val="accent1"/>
+          </a:fillRef>
+          <a:effectRef idx="0">
+            <a:schemeClr val="accent1"/>
+          </a:effectRef>
+          <a:fontRef idx="minor">
+            <a:schemeClr val="lt1"/>
+          </a:fontRef>
+        </p:style>
+        <p:txBody>
+          <a:bodyPr rtlCol="0" anchor="ctr"/>
+          <a:lstStyle/>
+          <a:p>
+            <a:r>
+              <a:rPr lang="en-US" altLang="ko-KR" sz="1500" b="1" dirty="0">
+                <a:solidFill>
+                  <a:schemeClr val="tx1">
+                    <a:lumMod val="85000"/>
+                    <a:lumOff val="15000"/>
+                  </a:schemeClr>
+                </a:solidFill>
+              </a:rPr>
+              <a:t>Spring Framework Version : 4.1.1 </a:t>
+            </a:r>
+            <a:r>
+              <a:rPr lang="en-US" altLang="ko-KR" sz="1500" b="1" dirty="0" smtClean="0">
+                <a:solidFill>
+                  <a:schemeClr val="tx1">
+                    <a:lumMod val="85000"/>
+                    <a:lumOff val="15000"/>
+                  </a:schemeClr>
+                </a:solidFill>
+              </a:rPr>
+              <a:t>RELEASE</a:t>
+            </a:r>
+            <a:endParaRPr lang="en-US" altLang="ko-KR" sz="1500" b="1" dirty="0">
+              <a:solidFill>
+                <a:schemeClr val="tx1">
+                  <a:lumMod val="85000"/>
+                  <a:lumOff val="15000"/>
+                </a:schemeClr>
+              </a:solidFill>
+            </a:endParaRPr>
+          </a:p>
+        </p:txBody>
+      </p:sp>
+      <p:sp>
+        <p:nvSpPr>
+          <p:cNvPr id="14" name="직사각형 13"/>
+          <p:cNvSpPr/>
+          <p:nvPr/>
+        </p:nvSpPr>
+        <p:spPr>
+          <a:xfrm>
+            <a:off x="611186" y="3384282"/>
+            <a:ext cx="1798637" cy="409575"/>
+          </a:xfrm>
+          <a:prstGeom prst="rect">
+            <a:avLst/>
+          </a:prstGeom>
+          <a:noFill/>
+          <a:ln>
+            <a:solidFill>
+              <a:schemeClr val="bg2">
+                <a:lumMod val="50000"/>
+              </a:schemeClr>
+            </a:solidFill>
+          </a:ln>
+        </p:spPr>
+        <p:style>
+          <a:lnRef idx="2">
+            <a:schemeClr val="accent1">
+              <a:shade val="50000"/>
+            </a:schemeClr>
+          </a:lnRef>
+          <a:fillRef idx="1">
+            <a:schemeClr val="accent1"/>
+          </a:fillRef>
+          <a:effectRef idx="0">
+            <a:schemeClr val="accent1"/>
+          </a:effectRef>
+          <a:fontRef idx="minor">
+            <a:schemeClr val="lt1"/>
+          </a:fontRef>
+        </p:style>
+        <p:txBody>
+          <a:bodyPr rtlCol="0" anchor="ctr"/>
+          <a:lstStyle/>
+          <a:p>
+            <a:pPr algn="ctr"/>
+            <a:r>
+              <a:rPr lang="en-US" altLang="ko-KR" sz="1500" b="1" dirty="0" smtClean="0">
+                <a:solidFill>
+                  <a:schemeClr val="tx1">
+                    <a:lumMod val="85000"/>
+                    <a:lumOff val="15000"/>
+                  </a:schemeClr>
+                </a:solidFill>
+              </a:rPr>
+              <a:t>Pom.xml</a:t>
             </a:r>
             <a:endParaRPr lang="ko-KR" altLang="en-US" sz="1500" b="1" dirty="0">
               <a:solidFill>
@@ -12689,7 +16317,7 @@
                   </a:schemeClr>
                 </a:solidFill>
               </a:rPr>
-              <a:t>4. DB </a:t>
+              <a:t>4. </a:t>
             </a:r>
             <a:r>
               <a:rPr lang="ko-KR" altLang="en-US" sz="3600" b="1" dirty="0" smtClean="0">
@@ -12699,7 +16327,27 @@
                   </a:schemeClr>
                 </a:solidFill>
               </a:rPr>
-              <a:t>설계</a:t>
+              <a:t>개발 </a:t>
+            </a:r>
+            <a:r>
+              <a:rPr lang="ko-KR" altLang="en-US" sz="3600" b="1" dirty="0" smtClean="0">
+                <a:solidFill>
+                  <a:schemeClr val="bg2">
+                    <a:lumMod val="25000"/>
+                  </a:schemeClr>
+                </a:solidFill>
+              </a:rPr>
+              <a:t>계획</a:t>
+            </a:r>
+            <a:r>
+              <a:rPr lang="en-US" altLang="ko-KR" sz="3600" b="1" dirty="0" smtClean="0">
+                <a:solidFill>
+                  <a:schemeClr val="bg2">
+                    <a:lumMod val="25000"/>
+                  </a:schemeClr>
+                </a:solidFill>
+              </a:rPr>
+              <a:t>(2) : web.xml</a:t>
             </a:r>
             <a:endParaRPr lang="ko-KR" altLang="en-US" sz="3600" b="1" i="1" dirty="0">
               <a:solidFill>
@@ -12719,7 +16367,7 @@
         </p:nvSpPr>
         <p:spPr>
           <a:xfrm>
-            <a:off x="250825" y="1628774"/>
+            <a:off x="250825" y="1485899"/>
             <a:ext cx="8642350" cy="4968875"/>
           </a:xfrm>
           <a:prstGeom prst="rect">
@@ -12766,10 +16414,1639 @@
           </a:p>
         </p:txBody>
       </p:sp>
+      <p:sp>
+        <p:nvSpPr>
+          <p:cNvPr id="9" name="직사각형 8"/>
+          <p:cNvSpPr/>
+          <p:nvPr/>
+        </p:nvSpPr>
+        <p:spPr>
+          <a:xfrm>
+            <a:off x="611187" y="1628775"/>
+            <a:ext cx="1798637" cy="409575"/>
+          </a:xfrm>
+          <a:prstGeom prst="rect">
+            <a:avLst/>
+          </a:prstGeom>
+          <a:noFill/>
+          <a:ln>
+            <a:solidFill>
+              <a:schemeClr val="bg2">
+                <a:lumMod val="50000"/>
+              </a:schemeClr>
+            </a:solidFill>
+          </a:ln>
+        </p:spPr>
+        <p:style>
+          <a:lnRef idx="2">
+            <a:schemeClr val="accent1">
+              <a:shade val="50000"/>
+            </a:schemeClr>
+          </a:lnRef>
+          <a:fillRef idx="1">
+            <a:schemeClr val="accent1"/>
+          </a:fillRef>
+          <a:effectRef idx="0">
+            <a:schemeClr val="accent1"/>
+          </a:effectRef>
+          <a:fontRef idx="minor">
+            <a:schemeClr val="lt1"/>
+          </a:fontRef>
+        </p:style>
+        <p:txBody>
+          <a:bodyPr rtlCol="0" anchor="ctr"/>
+          <a:lstStyle/>
+          <a:p>
+            <a:pPr algn="ctr"/>
+            <a:r>
+              <a:rPr lang="en-US" altLang="ko-KR" sz="1500" b="1" dirty="0" smtClean="0">
+                <a:solidFill>
+                  <a:schemeClr val="tx1">
+                    <a:lumMod val="85000"/>
+                    <a:lumOff val="15000"/>
+                  </a:schemeClr>
+                </a:solidFill>
+              </a:rPr>
+              <a:t>Servlet</a:t>
+            </a:r>
+            <a:endParaRPr lang="ko-KR" altLang="en-US" sz="1500" b="1" dirty="0">
+              <a:solidFill>
+                <a:schemeClr val="tx1">
+                  <a:lumMod val="85000"/>
+                  <a:lumOff val="15000"/>
+                </a:schemeClr>
+              </a:solidFill>
+            </a:endParaRPr>
+          </a:p>
+        </p:txBody>
+      </p:sp>
+      <p:sp>
+        <p:nvSpPr>
+          <p:cNvPr id="11" name="직사각형 10"/>
+          <p:cNvSpPr/>
+          <p:nvPr/>
+        </p:nvSpPr>
+        <p:spPr>
+          <a:xfrm>
+            <a:off x="2770187" y="1628775"/>
+            <a:ext cx="5762626" cy="796791"/>
+          </a:xfrm>
+          <a:prstGeom prst="rect">
+            <a:avLst/>
+          </a:prstGeom>
+          <a:noFill/>
+          <a:ln>
+            <a:solidFill>
+              <a:schemeClr val="bg2">
+                <a:lumMod val="50000"/>
+              </a:schemeClr>
+            </a:solidFill>
+          </a:ln>
+        </p:spPr>
+        <p:style>
+          <a:lnRef idx="2">
+            <a:schemeClr val="accent1">
+              <a:shade val="50000"/>
+            </a:schemeClr>
+          </a:lnRef>
+          <a:fillRef idx="1">
+            <a:schemeClr val="accent1"/>
+          </a:fillRef>
+          <a:effectRef idx="0">
+            <a:schemeClr val="accent1"/>
+          </a:effectRef>
+          <a:fontRef idx="minor">
+            <a:schemeClr val="lt1"/>
+          </a:fontRef>
+        </p:style>
+        <p:txBody>
+          <a:bodyPr rtlCol="0" anchor="ctr"/>
+          <a:lstStyle/>
+          <a:p>
+            <a:r>
+              <a:rPr lang="en-US" altLang="ko-KR" sz="1500" b="1" dirty="0" err="1" smtClean="0">
+                <a:solidFill>
+                  <a:schemeClr val="tx1">
+                    <a:lumMod val="85000"/>
+                    <a:lumOff val="15000"/>
+                  </a:schemeClr>
+                </a:solidFill>
+              </a:rPr>
+              <a:t>org.springframework.web.servlet.</a:t>
+            </a:r>
+            <a:r>
+              <a:rPr lang="en-US" altLang="ko-KR" sz="1500" b="1" dirty="0" err="1" smtClean="0">
+                <a:solidFill>
+                  <a:schemeClr val="accent6">
+                    <a:lumMod val="75000"/>
+                  </a:schemeClr>
+                </a:solidFill>
+              </a:rPr>
+              <a:t>DispatcherServelt</a:t>
+            </a:r>
+            <a:endParaRPr lang="en-US" altLang="ko-KR" sz="1500" b="1" dirty="0" smtClean="0">
+              <a:solidFill>
+                <a:schemeClr val="accent6">
+                  <a:lumMod val="75000"/>
+                </a:schemeClr>
+              </a:solidFill>
+            </a:endParaRPr>
+          </a:p>
+          <a:p>
+            <a:r>
+              <a:rPr lang="en-US" altLang="ko-KR" sz="1500" b="1" dirty="0" err="1" smtClean="0">
+                <a:solidFill>
+                  <a:schemeClr val="tx1"/>
+                </a:solidFill>
+              </a:rPr>
+              <a:t>Init</a:t>
+            </a:r>
+            <a:r>
+              <a:rPr lang="en-US" altLang="ko-KR" sz="1500" b="1" dirty="0" smtClean="0">
+                <a:solidFill>
+                  <a:schemeClr val="tx1"/>
+                </a:solidFill>
+              </a:rPr>
+              <a:t> </a:t>
+            </a:r>
+            <a:r>
+              <a:rPr lang="en-US" altLang="ko-KR" sz="1500" b="1" dirty="0" err="1" smtClean="0">
+                <a:solidFill>
+                  <a:schemeClr val="tx1"/>
+                </a:solidFill>
+              </a:rPr>
+              <a:t>param</a:t>
+            </a:r>
+            <a:r>
+              <a:rPr lang="en-US" altLang="ko-KR" sz="1500" b="1" dirty="0" smtClean="0">
+                <a:solidFill>
+                  <a:schemeClr val="tx1"/>
+                </a:solidFill>
+              </a:rPr>
+              <a:t> : /WEB-INF/spring/</a:t>
+            </a:r>
+            <a:r>
+              <a:rPr lang="en-US" altLang="ko-KR" sz="1500" b="1" dirty="0" err="1" smtClean="0">
+                <a:solidFill>
+                  <a:schemeClr val="tx1"/>
+                </a:solidFill>
+              </a:rPr>
+              <a:t>appServlet</a:t>
+            </a:r>
+            <a:r>
+              <a:rPr lang="en-US" altLang="ko-KR" sz="1500" b="1" dirty="0" smtClean="0">
+                <a:solidFill>
+                  <a:schemeClr val="tx1"/>
+                </a:solidFill>
+              </a:rPr>
+              <a:t>/</a:t>
+            </a:r>
+            <a:r>
+              <a:rPr lang="en-US" altLang="ko-KR" sz="1500" b="1" dirty="0" smtClean="0">
+                <a:solidFill>
+                  <a:schemeClr val="accent6">
+                    <a:lumMod val="75000"/>
+                  </a:schemeClr>
+                </a:solidFill>
+              </a:rPr>
+              <a:t>servlet-context.xml</a:t>
+            </a:r>
+            <a:endParaRPr lang="en-US" altLang="ko-KR" sz="1500" b="1" dirty="0" smtClean="0">
+              <a:solidFill>
+                <a:schemeClr val="accent6">
+                  <a:lumMod val="75000"/>
+                </a:schemeClr>
+              </a:solidFill>
+            </a:endParaRPr>
+          </a:p>
+          <a:p>
+            <a:r>
+              <a:rPr lang="en-US" altLang="ko-KR" sz="1500" b="1" dirty="0" smtClean="0">
+                <a:solidFill>
+                  <a:schemeClr val="tx1">
+                    <a:lumMod val="85000"/>
+                    <a:lumOff val="15000"/>
+                  </a:schemeClr>
+                </a:solidFill>
+              </a:rPr>
+              <a:t>Servlet mapping &lt; </a:t>
+            </a:r>
+            <a:r>
+              <a:rPr lang="en-US" altLang="ko-KR" sz="1500" b="1" dirty="0" smtClean="0">
+                <a:solidFill>
+                  <a:schemeClr val="accent6">
+                    <a:lumMod val="75000"/>
+                  </a:schemeClr>
+                </a:solidFill>
+              </a:rPr>
+              <a:t>/</a:t>
+            </a:r>
+            <a:r>
+              <a:rPr lang="en-US" altLang="ko-KR" sz="1500" b="1" dirty="0" smtClean="0">
+                <a:solidFill>
+                  <a:schemeClr val="tx1">
+                    <a:lumMod val="85000"/>
+                    <a:lumOff val="15000"/>
+                  </a:schemeClr>
+                </a:solidFill>
+              </a:rPr>
+              <a:t> &gt;</a:t>
+            </a:r>
+            <a:endParaRPr lang="en-US" altLang="ko-KR" sz="1500" b="1" dirty="0">
+              <a:solidFill>
+                <a:schemeClr val="tx1">
+                  <a:lumMod val="85000"/>
+                  <a:lumOff val="15000"/>
+                </a:schemeClr>
+              </a:solidFill>
+            </a:endParaRPr>
+          </a:p>
+        </p:txBody>
+      </p:sp>
+      <p:grpSp>
+        <p:nvGrpSpPr>
+          <p:cNvPr id="4" name="그룹 3"/>
+          <p:cNvGrpSpPr/>
+          <p:nvPr/>
+        </p:nvGrpSpPr>
+        <p:grpSpPr>
+          <a:xfrm>
+            <a:off x="611187" y="3175412"/>
+            <a:ext cx="7921626" cy="796791"/>
+            <a:chOff x="611187" y="2710381"/>
+            <a:chExt cx="7921626" cy="796791"/>
+          </a:xfrm>
+        </p:grpSpPr>
+        <p:sp>
+          <p:nvSpPr>
+            <p:cNvPr id="14" name="직사각형 13"/>
+            <p:cNvSpPr/>
+            <p:nvPr/>
+          </p:nvSpPr>
+          <p:spPr>
+            <a:xfrm>
+              <a:off x="611187" y="2710381"/>
+              <a:ext cx="1798637" cy="409575"/>
+            </a:xfrm>
+            <a:prstGeom prst="rect">
+              <a:avLst/>
+            </a:prstGeom>
+            <a:noFill/>
+            <a:ln>
+              <a:solidFill>
+                <a:schemeClr val="bg2">
+                  <a:lumMod val="50000"/>
+                </a:schemeClr>
+              </a:solidFill>
+            </a:ln>
+          </p:spPr>
+          <p:style>
+            <a:lnRef idx="2">
+              <a:schemeClr val="accent1">
+                <a:shade val="50000"/>
+              </a:schemeClr>
+            </a:lnRef>
+            <a:fillRef idx="1">
+              <a:schemeClr val="accent1"/>
+            </a:fillRef>
+            <a:effectRef idx="0">
+              <a:schemeClr val="accent1"/>
+            </a:effectRef>
+            <a:fontRef idx="minor">
+              <a:schemeClr val="lt1"/>
+            </a:fontRef>
+          </p:style>
+          <p:txBody>
+            <a:bodyPr rtlCol="0" anchor="ctr"/>
+            <a:lstStyle/>
+            <a:p>
+              <a:pPr algn="ctr"/>
+              <a:r>
+                <a:rPr lang="en-US" altLang="ko-KR" sz="1500" b="1" dirty="0" smtClean="0">
+                  <a:solidFill>
+                    <a:schemeClr val="tx1">
+                      <a:lumMod val="85000"/>
+                      <a:lumOff val="15000"/>
+                    </a:schemeClr>
+                  </a:solidFill>
+                </a:rPr>
+                <a:t>Filter</a:t>
+              </a:r>
+              <a:endParaRPr lang="ko-KR" altLang="en-US" sz="1500" b="1" dirty="0">
+                <a:solidFill>
+                  <a:schemeClr val="tx1">
+                    <a:lumMod val="85000"/>
+                    <a:lumOff val="15000"/>
+                  </a:schemeClr>
+                </a:solidFill>
+              </a:endParaRPr>
+            </a:p>
+          </p:txBody>
+        </p:sp>
+        <p:sp>
+          <p:nvSpPr>
+            <p:cNvPr id="15" name="직사각형 14"/>
+            <p:cNvSpPr/>
+            <p:nvPr/>
+          </p:nvSpPr>
+          <p:spPr>
+            <a:xfrm>
+              <a:off x="2770187" y="2710381"/>
+              <a:ext cx="5762626" cy="796791"/>
+            </a:xfrm>
+            <a:prstGeom prst="rect">
+              <a:avLst/>
+            </a:prstGeom>
+            <a:noFill/>
+            <a:ln>
+              <a:solidFill>
+                <a:schemeClr val="bg2">
+                  <a:lumMod val="50000"/>
+                </a:schemeClr>
+              </a:solidFill>
+            </a:ln>
+          </p:spPr>
+          <p:style>
+            <a:lnRef idx="2">
+              <a:schemeClr val="accent1">
+                <a:shade val="50000"/>
+              </a:schemeClr>
+            </a:lnRef>
+            <a:fillRef idx="1">
+              <a:schemeClr val="accent1"/>
+            </a:fillRef>
+            <a:effectRef idx="0">
+              <a:schemeClr val="accent1"/>
+            </a:effectRef>
+            <a:fontRef idx="minor">
+              <a:schemeClr val="lt1"/>
+            </a:fontRef>
+          </p:style>
+          <p:txBody>
+            <a:bodyPr rtlCol="0" anchor="ctr"/>
+            <a:lstStyle/>
+            <a:p>
+              <a:r>
+                <a:rPr lang="en-US" altLang="ko-KR" sz="1500" b="1" dirty="0" err="1" smtClean="0">
+                  <a:solidFill>
+                    <a:schemeClr val="tx1">
+                      <a:lumMod val="85000"/>
+                      <a:lumOff val="15000"/>
+                    </a:schemeClr>
+                  </a:solidFill>
+                </a:rPr>
+                <a:t>Org.springframework.web.filter.</a:t>
+              </a:r>
+              <a:r>
+                <a:rPr lang="en-US" altLang="ko-KR" sz="1500" b="1" dirty="0" err="1" smtClean="0">
+                  <a:solidFill>
+                    <a:schemeClr val="accent6">
+                      <a:lumMod val="75000"/>
+                    </a:schemeClr>
+                  </a:solidFill>
+                </a:rPr>
+                <a:t>CharacterEncodingFilter</a:t>
+              </a:r>
+              <a:endParaRPr lang="en-US" altLang="ko-KR" sz="1500" b="1" dirty="0" smtClean="0">
+                <a:solidFill>
+                  <a:schemeClr val="accent6">
+                    <a:lumMod val="75000"/>
+                  </a:schemeClr>
+                </a:solidFill>
+              </a:endParaRPr>
+            </a:p>
+            <a:p>
+              <a:r>
+                <a:rPr lang="en-US" altLang="ko-KR" sz="1500" b="1" dirty="0" err="1" smtClean="0">
+                  <a:solidFill>
+                    <a:schemeClr val="tx1">
+                      <a:lumMod val="85000"/>
+                      <a:lumOff val="15000"/>
+                    </a:schemeClr>
+                  </a:solidFill>
+                </a:rPr>
+                <a:t>Init</a:t>
+              </a:r>
+              <a:r>
+                <a:rPr lang="en-US" altLang="ko-KR" sz="1500" b="1" dirty="0" smtClean="0">
+                  <a:solidFill>
+                    <a:schemeClr val="tx1">
+                      <a:lumMod val="85000"/>
+                      <a:lumOff val="15000"/>
+                    </a:schemeClr>
+                  </a:solidFill>
+                </a:rPr>
+                <a:t> </a:t>
+              </a:r>
+              <a:r>
+                <a:rPr lang="en-US" altLang="ko-KR" sz="1500" b="1" dirty="0" err="1" smtClean="0">
+                  <a:solidFill>
+                    <a:schemeClr val="tx1">
+                      <a:lumMod val="85000"/>
+                      <a:lumOff val="15000"/>
+                    </a:schemeClr>
+                  </a:solidFill>
+                </a:rPr>
+                <a:t>param</a:t>
+              </a:r>
+              <a:r>
+                <a:rPr lang="en-US" altLang="ko-KR" sz="1500" b="1" dirty="0" smtClean="0">
+                  <a:solidFill>
+                    <a:schemeClr val="tx1">
+                      <a:lumMod val="85000"/>
+                      <a:lumOff val="15000"/>
+                    </a:schemeClr>
+                  </a:solidFill>
+                </a:rPr>
+                <a:t> : UTF-8</a:t>
+              </a:r>
+            </a:p>
+            <a:p>
+              <a:r>
+                <a:rPr lang="en-US" altLang="ko-KR" sz="1500" b="1" dirty="0" smtClean="0">
+                  <a:solidFill>
+                    <a:schemeClr val="tx1">
+                      <a:lumMod val="85000"/>
+                      <a:lumOff val="15000"/>
+                    </a:schemeClr>
+                  </a:solidFill>
+                </a:rPr>
+                <a:t>Filter mapping : &lt; </a:t>
+              </a:r>
+              <a:r>
+                <a:rPr lang="en-US" altLang="ko-KR" sz="1500" b="1" dirty="0" smtClean="0">
+                  <a:solidFill>
+                    <a:schemeClr val="accent6">
+                      <a:lumMod val="75000"/>
+                    </a:schemeClr>
+                  </a:solidFill>
+                </a:rPr>
+                <a:t>/*</a:t>
+              </a:r>
+              <a:r>
+                <a:rPr lang="en-US" altLang="ko-KR" sz="1500" b="1" dirty="0" smtClean="0">
+                  <a:solidFill>
+                    <a:schemeClr val="tx1">
+                      <a:lumMod val="85000"/>
+                      <a:lumOff val="15000"/>
+                    </a:schemeClr>
+                  </a:solidFill>
+                </a:rPr>
+                <a:t> &gt;</a:t>
+              </a:r>
+              <a:endParaRPr lang="en-US" altLang="ko-KR" sz="1500" b="1" dirty="0">
+                <a:solidFill>
+                  <a:schemeClr val="tx1">
+                    <a:lumMod val="85000"/>
+                    <a:lumOff val="15000"/>
+                  </a:schemeClr>
+                </a:solidFill>
+              </a:endParaRPr>
+            </a:p>
+          </p:txBody>
+        </p:sp>
+      </p:grpSp>
+      <p:grpSp>
+        <p:nvGrpSpPr>
+          <p:cNvPr id="3" name="그룹 2"/>
+          <p:cNvGrpSpPr/>
+          <p:nvPr/>
+        </p:nvGrpSpPr>
+        <p:grpSpPr>
+          <a:xfrm>
+            <a:off x="611187" y="4722049"/>
+            <a:ext cx="7921626" cy="409575"/>
+            <a:chOff x="611187" y="3785786"/>
+            <a:chExt cx="7921626" cy="409575"/>
+          </a:xfrm>
+        </p:grpSpPr>
+        <p:sp>
+          <p:nvSpPr>
+            <p:cNvPr id="16" name="직사각형 15"/>
+            <p:cNvSpPr/>
+            <p:nvPr/>
+          </p:nvSpPr>
+          <p:spPr>
+            <a:xfrm>
+              <a:off x="611187" y="3785786"/>
+              <a:ext cx="1798637" cy="409575"/>
+            </a:xfrm>
+            <a:prstGeom prst="rect">
+              <a:avLst/>
+            </a:prstGeom>
+            <a:noFill/>
+            <a:ln>
+              <a:solidFill>
+                <a:schemeClr val="bg2">
+                  <a:lumMod val="50000"/>
+                </a:schemeClr>
+              </a:solidFill>
+            </a:ln>
+          </p:spPr>
+          <p:style>
+            <a:lnRef idx="2">
+              <a:schemeClr val="accent1">
+                <a:shade val="50000"/>
+              </a:schemeClr>
+            </a:lnRef>
+            <a:fillRef idx="1">
+              <a:schemeClr val="accent1"/>
+            </a:fillRef>
+            <a:effectRef idx="0">
+              <a:schemeClr val="accent1"/>
+            </a:effectRef>
+            <a:fontRef idx="minor">
+              <a:schemeClr val="lt1"/>
+            </a:fontRef>
+          </p:style>
+          <p:txBody>
+            <a:bodyPr rtlCol="0" anchor="ctr"/>
+            <a:lstStyle/>
+            <a:p>
+              <a:pPr algn="ctr"/>
+              <a:r>
+                <a:rPr lang="en-US" altLang="ko-KR" sz="1500" b="1" dirty="0" smtClean="0">
+                  <a:solidFill>
+                    <a:schemeClr val="tx1">
+                      <a:lumMod val="85000"/>
+                      <a:lumOff val="15000"/>
+                    </a:schemeClr>
+                  </a:solidFill>
+                </a:rPr>
+                <a:t>Context-</a:t>
+              </a:r>
+              <a:r>
+                <a:rPr lang="en-US" altLang="ko-KR" sz="1500" b="1" dirty="0" err="1" smtClean="0">
+                  <a:solidFill>
+                    <a:schemeClr val="tx1">
+                      <a:lumMod val="85000"/>
+                      <a:lumOff val="15000"/>
+                    </a:schemeClr>
+                  </a:solidFill>
+                </a:rPr>
+                <a:t>param</a:t>
+              </a:r>
+              <a:endParaRPr lang="ko-KR" altLang="en-US" sz="1500" b="1" dirty="0">
+                <a:solidFill>
+                  <a:schemeClr val="tx1">
+                    <a:lumMod val="85000"/>
+                    <a:lumOff val="15000"/>
+                  </a:schemeClr>
+                </a:solidFill>
+              </a:endParaRPr>
+            </a:p>
+          </p:txBody>
+        </p:sp>
+        <p:sp>
+          <p:nvSpPr>
+            <p:cNvPr id="17" name="직사각형 16"/>
+            <p:cNvSpPr/>
+            <p:nvPr/>
+          </p:nvSpPr>
+          <p:spPr>
+            <a:xfrm>
+              <a:off x="2770187" y="3785786"/>
+              <a:ext cx="5762626" cy="409575"/>
+            </a:xfrm>
+            <a:prstGeom prst="rect">
+              <a:avLst/>
+            </a:prstGeom>
+            <a:noFill/>
+            <a:ln>
+              <a:solidFill>
+                <a:schemeClr val="bg2">
+                  <a:lumMod val="50000"/>
+                </a:schemeClr>
+              </a:solidFill>
+            </a:ln>
+          </p:spPr>
+          <p:style>
+            <a:lnRef idx="2">
+              <a:schemeClr val="accent1">
+                <a:shade val="50000"/>
+              </a:schemeClr>
+            </a:lnRef>
+            <a:fillRef idx="1">
+              <a:schemeClr val="accent1"/>
+            </a:fillRef>
+            <a:effectRef idx="0">
+              <a:schemeClr val="accent1"/>
+            </a:effectRef>
+            <a:fontRef idx="minor">
+              <a:schemeClr val="lt1"/>
+            </a:fontRef>
+          </p:style>
+          <p:txBody>
+            <a:bodyPr rtlCol="0" anchor="ctr"/>
+            <a:lstStyle/>
+            <a:p>
+              <a:r>
+                <a:rPr lang="en-US" altLang="ko-KR" sz="1500" b="1" dirty="0" smtClean="0">
+                  <a:solidFill>
+                    <a:schemeClr val="tx1">
+                      <a:lumMod val="85000"/>
+                      <a:lumOff val="15000"/>
+                    </a:schemeClr>
+                  </a:solidFill>
+                </a:rPr>
+                <a:t>WEB-INF/spring/</a:t>
+              </a:r>
+              <a:r>
+                <a:rPr lang="en-US" altLang="ko-KR" sz="1500" b="1" dirty="0" smtClean="0">
+                  <a:solidFill>
+                    <a:schemeClr val="accent6">
+                      <a:lumMod val="75000"/>
+                    </a:schemeClr>
+                  </a:solidFill>
+                </a:rPr>
+                <a:t>mybatis-context.xml</a:t>
+              </a:r>
+              <a:endParaRPr lang="en-US" altLang="ko-KR" sz="1500" b="1" dirty="0">
+                <a:solidFill>
+                  <a:schemeClr val="accent6">
+                    <a:lumMod val="75000"/>
+                  </a:schemeClr>
+                </a:solidFill>
+              </a:endParaRPr>
+            </a:p>
+          </p:txBody>
+        </p:sp>
+      </p:grpSp>
+      <p:grpSp>
+        <p:nvGrpSpPr>
+          <p:cNvPr id="2" name="그룹 1"/>
+          <p:cNvGrpSpPr/>
+          <p:nvPr/>
+        </p:nvGrpSpPr>
+        <p:grpSpPr>
+          <a:xfrm>
+            <a:off x="611187" y="5881469"/>
+            <a:ext cx="7921626" cy="409575"/>
+            <a:chOff x="611187" y="4861191"/>
+            <a:chExt cx="7921626" cy="409575"/>
+          </a:xfrm>
+        </p:grpSpPr>
+        <p:sp>
+          <p:nvSpPr>
+            <p:cNvPr id="18" name="직사각형 17"/>
+            <p:cNvSpPr/>
+            <p:nvPr/>
+          </p:nvSpPr>
+          <p:spPr>
+            <a:xfrm>
+              <a:off x="611187" y="4861191"/>
+              <a:ext cx="1798637" cy="409575"/>
+            </a:xfrm>
+            <a:prstGeom prst="rect">
+              <a:avLst/>
+            </a:prstGeom>
+            <a:noFill/>
+            <a:ln>
+              <a:solidFill>
+                <a:schemeClr val="bg2">
+                  <a:lumMod val="50000"/>
+                </a:schemeClr>
+              </a:solidFill>
+            </a:ln>
+          </p:spPr>
+          <p:style>
+            <a:lnRef idx="2">
+              <a:schemeClr val="accent1">
+                <a:shade val="50000"/>
+              </a:schemeClr>
+            </a:lnRef>
+            <a:fillRef idx="1">
+              <a:schemeClr val="accent1"/>
+            </a:fillRef>
+            <a:effectRef idx="0">
+              <a:schemeClr val="accent1"/>
+            </a:effectRef>
+            <a:fontRef idx="minor">
+              <a:schemeClr val="lt1"/>
+            </a:fontRef>
+          </p:style>
+          <p:txBody>
+            <a:bodyPr rtlCol="0" anchor="ctr"/>
+            <a:lstStyle/>
+            <a:p>
+              <a:pPr algn="ctr"/>
+              <a:r>
+                <a:rPr lang="en-US" altLang="ko-KR" sz="1500" b="1" dirty="0" smtClean="0">
+                  <a:solidFill>
+                    <a:schemeClr val="tx1">
+                      <a:lumMod val="85000"/>
+                      <a:lumOff val="15000"/>
+                    </a:schemeClr>
+                  </a:solidFill>
+                </a:rPr>
+                <a:t>Listener</a:t>
+              </a:r>
+              <a:endParaRPr lang="ko-KR" altLang="en-US" sz="1500" b="1" dirty="0">
+                <a:solidFill>
+                  <a:schemeClr val="tx1">
+                    <a:lumMod val="85000"/>
+                    <a:lumOff val="15000"/>
+                  </a:schemeClr>
+                </a:solidFill>
+              </a:endParaRPr>
+            </a:p>
+          </p:txBody>
+        </p:sp>
+        <p:sp>
+          <p:nvSpPr>
+            <p:cNvPr id="19" name="직사각형 18"/>
+            <p:cNvSpPr/>
+            <p:nvPr/>
+          </p:nvSpPr>
+          <p:spPr>
+            <a:xfrm>
+              <a:off x="2770187" y="4861191"/>
+              <a:ext cx="5762626" cy="409575"/>
+            </a:xfrm>
+            <a:prstGeom prst="rect">
+              <a:avLst/>
+            </a:prstGeom>
+            <a:noFill/>
+            <a:ln>
+              <a:solidFill>
+                <a:schemeClr val="bg2">
+                  <a:lumMod val="50000"/>
+                </a:schemeClr>
+              </a:solidFill>
+            </a:ln>
+          </p:spPr>
+          <p:style>
+            <a:lnRef idx="2">
+              <a:schemeClr val="accent1">
+                <a:shade val="50000"/>
+              </a:schemeClr>
+            </a:lnRef>
+            <a:fillRef idx="1">
+              <a:schemeClr val="accent1"/>
+            </a:fillRef>
+            <a:effectRef idx="0">
+              <a:schemeClr val="accent1"/>
+            </a:effectRef>
+            <a:fontRef idx="minor">
+              <a:schemeClr val="lt1"/>
+            </a:fontRef>
+          </p:style>
+          <p:txBody>
+            <a:bodyPr rtlCol="0" anchor="ctr"/>
+            <a:lstStyle/>
+            <a:p>
+              <a:r>
+                <a:rPr lang="en-US" altLang="ko-KR" sz="1500" b="1" dirty="0" err="1" smtClean="0">
+                  <a:solidFill>
+                    <a:schemeClr val="tx1">
+                      <a:lumMod val="85000"/>
+                      <a:lumOff val="15000"/>
+                    </a:schemeClr>
+                  </a:solidFill>
+                </a:rPr>
+                <a:t>Org.springframework.web.context.ContextLoaderListener</a:t>
+              </a:r>
+              <a:endParaRPr lang="en-US" altLang="ko-KR" sz="1500" b="1" dirty="0">
+                <a:solidFill>
+                  <a:schemeClr val="tx1">
+                    <a:lumMod val="85000"/>
+                    <a:lumOff val="15000"/>
+                  </a:schemeClr>
+                </a:solidFill>
+              </a:endParaRPr>
+            </a:p>
+          </p:txBody>
+        </p:sp>
+      </p:grpSp>
     </p:spTree>
     <p:extLst>
       <p:ext uri="{BB962C8B-B14F-4D97-AF65-F5344CB8AC3E}">
-        <p14:creationId xmlns:p14="http://schemas.microsoft.com/office/powerpoint/2010/main" val="3893678956"/>
+        <p14:creationId xmlns:p14="http://schemas.microsoft.com/office/powerpoint/2010/main" val="3356262976"/>
+      </p:ext>
+    </p:extLst>
+  </p:cSld>
+  <p:clrMapOvr>
+    <a:masterClrMapping/>
+  </p:clrMapOvr>
+  <p:timing>
+    <p:tnLst>
+      <p:par>
+        <p:cTn id="1" dur="indefinite" restart="never" nodeType="tmRoot"/>
+      </p:par>
+    </p:tnLst>
+  </p:timing>
+</p:sld>
+</file>
+
+<file path=ppt/slides/slide9.xml><?xml version="1.0" encoding="utf-8"?>
+<p:sld xmlns:a="http://schemas.openxmlformats.org/drawingml/2006/main" xmlns:r="http://schemas.openxmlformats.org/officeDocument/2006/relationships" xmlns:p="http://schemas.openxmlformats.org/presentationml/2006/main">
+  <p:cSld>
+    <p:spTree>
+      <p:nvGrpSpPr>
+        <p:cNvPr id="1" name=""/>
+        <p:cNvGrpSpPr/>
+        <p:nvPr/>
+      </p:nvGrpSpPr>
+      <p:grpSpPr>
+        <a:xfrm>
+          <a:off x="0" y="0"/>
+          <a:ext cx="0" cy="0"/>
+          <a:chOff x="0" y="0"/>
+          <a:chExt cx="0" cy="0"/>
+        </a:xfrm>
+      </p:grpSpPr>
+      <p:sp>
+        <p:nvSpPr>
+          <p:cNvPr id="8" name="직사각형 7"/>
+          <p:cNvSpPr/>
+          <p:nvPr/>
+        </p:nvSpPr>
+        <p:spPr>
+          <a:xfrm>
+            <a:off x="250825" y="552983"/>
+            <a:ext cx="8642350" cy="745978"/>
+          </a:xfrm>
+          <a:prstGeom prst="rect">
+            <a:avLst/>
+          </a:prstGeom>
+          <a:noFill/>
+          <a:ln w="19050">
+            <a:solidFill>
+              <a:schemeClr val="tx1">
+                <a:lumMod val="75000"/>
+                <a:lumOff val="25000"/>
+              </a:schemeClr>
+            </a:solidFill>
+          </a:ln>
+        </p:spPr>
+        <p:style>
+          <a:lnRef idx="2">
+            <a:schemeClr val="accent1">
+              <a:shade val="50000"/>
+            </a:schemeClr>
+          </a:lnRef>
+          <a:fillRef idx="1">
+            <a:schemeClr val="accent1"/>
+          </a:fillRef>
+          <a:effectRef idx="0">
+            <a:schemeClr val="accent1"/>
+          </a:effectRef>
+          <a:fontRef idx="minor">
+            <a:schemeClr val="lt1"/>
+          </a:fontRef>
+        </p:style>
+        <p:txBody>
+          <a:bodyPr rtlCol="0" anchor="ctr"/>
+          <a:lstStyle/>
+          <a:p>
+            <a:pPr algn="ctr"/>
+            <a:r>
+              <a:rPr lang="en-US" altLang="ko-KR" sz="3600" b="1" dirty="0" smtClean="0">
+                <a:solidFill>
+                  <a:schemeClr val="bg2">
+                    <a:lumMod val="25000"/>
+                  </a:schemeClr>
+                </a:solidFill>
+              </a:rPr>
+              <a:t>4. </a:t>
+            </a:r>
+            <a:r>
+              <a:rPr lang="ko-KR" altLang="en-US" sz="3600" b="1" dirty="0" smtClean="0">
+                <a:solidFill>
+                  <a:schemeClr val="bg2">
+                    <a:lumMod val="25000"/>
+                  </a:schemeClr>
+                </a:solidFill>
+              </a:rPr>
+              <a:t>개발 </a:t>
+            </a:r>
+            <a:r>
+              <a:rPr lang="ko-KR" altLang="en-US" sz="3600" b="1" dirty="0" smtClean="0">
+                <a:solidFill>
+                  <a:schemeClr val="bg2">
+                    <a:lumMod val="25000"/>
+                  </a:schemeClr>
+                </a:solidFill>
+              </a:rPr>
+              <a:t>계획</a:t>
+            </a:r>
+            <a:r>
+              <a:rPr lang="en-US" altLang="ko-KR" sz="3600" b="1" dirty="0" smtClean="0">
+                <a:solidFill>
+                  <a:schemeClr val="bg2">
+                    <a:lumMod val="25000"/>
+                  </a:schemeClr>
+                </a:solidFill>
+              </a:rPr>
+              <a:t>(3) : servlet-context.xml</a:t>
+            </a:r>
+            <a:endParaRPr lang="ko-KR" altLang="en-US" sz="3600" b="1" i="1" dirty="0">
+              <a:solidFill>
+                <a:schemeClr val="bg2">
+                  <a:lumMod val="25000"/>
+                </a:schemeClr>
+              </a:solidFill>
+            </a:endParaRPr>
+          </a:p>
+        </p:txBody>
+      </p:sp>
+      <p:sp>
+        <p:nvSpPr>
+          <p:cNvPr id="6" name="직사각형 5"/>
+          <p:cNvSpPr/>
+          <p:nvPr/>
+        </p:nvSpPr>
+        <p:spPr>
+          <a:xfrm>
+            <a:off x="250825" y="1485899"/>
+            <a:ext cx="8642350" cy="4968875"/>
+          </a:xfrm>
+          <a:prstGeom prst="rect">
+            <a:avLst/>
+          </a:prstGeom>
+          <a:noFill/>
+          <a:ln w="19050">
+            <a:solidFill>
+              <a:schemeClr val="tx1">
+                <a:lumMod val="75000"/>
+                <a:lumOff val="25000"/>
+              </a:schemeClr>
+            </a:solidFill>
+          </a:ln>
+        </p:spPr>
+        <p:style>
+          <a:lnRef idx="2">
+            <a:schemeClr val="accent1">
+              <a:shade val="50000"/>
+            </a:schemeClr>
+          </a:lnRef>
+          <a:fillRef idx="1">
+            <a:schemeClr val="accent1"/>
+          </a:fillRef>
+          <a:effectRef idx="0">
+            <a:schemeClr val="accent1"/>
+          </a:effectRef>
+          <a:fontRef idx="minor">
+            <a:schemeClr val="lt1"/>
+          </a:fontRef>
+        </p:style>
+        <p:txBody>
+          <a:bodyPr rtlCol="0" anchor="ctr"/>
+          <a:lstStyle/>
+          <a:p>
+            <a:pPr algn="ctr"/>
+            <a:endParaRPr lang="ko-KR" altLang="en-US" sz="3600" b="1" i="1" dirty="0">
+              <a:solidFill>
+                <a:schemeClr val="bg2">
+                  <a:lumMod val="25000"/>
+                </a:schemeClr>
+              </a:solidFill>
+            </a:endParaRPr>
+          </a:p>
+        </p:txBody>
+      </p:sp>
+      <p:sp>
+        <p:nvSpPr>
+          <p:cNvPr id="9" name="직사각형 8"/>
+          <p:cNvSpPr/>
+          <p:nvPr/>
+        </p:nvSpPr>
+        <p:spPr>
+          <a:xfrm>
+            <a:off x="611188" y="1628775"/>
+            <a:ext cx="1274762" cy="409575"/>
+          </a:xfrm>
+          <a:prstGeom prst="rect">
+            <a:avLst/>
+          </a:prstGeom>
+          <a:noFill/>
+          <a:ln>
+            <a:solidFill>
+              <a:schemeClr val="bg2">
+                <a:lumMod val="50000"/>
+              </a:schemeClr>
+            </a:solidFill>
+          </a:ln>
+        </p:spPr>
+        <p:style>
+          <a:lnRef idx="2">
+            <a:schemeClr val="accent1">
+              <a:shade val="50000"/>
+            </a:schemeClr>
+          </a:lnRef>
+          <a:fillRef idx="1">
+            <a:schemeClr val="accent1"/>
+          </a:fillRef>
+          <a:effectRef idx="0">
+            <a:schemeClr val="accent1"/>
+          </a:effectRef>
+          <a:fontRef idx="minor">
+            <a:schemeClr val="lt1"/>
+          </a:fontRef>
+        </p:style>
+        <p:txBody>
+          <a:bodyPr rtlCol="0" anchor="ctr"/>
+          <a:lstStyle/>
+          <a:p>
+            <a:pPr algn="ctr"/>
+            <a:r>
+              <a:rPr lang="en-US" altLang="ko-KR" sz="1500" b="1" dirty="0" smtClean="0">
+                <a:solidFill>
+                  <a:schemeClr val="accent2">
+                    <a:lumMod val="50000"/>
+                  </a:schemeClr>
+                </a:solidFill>
+              </a:rPr>
+              <a:t>Beans</a:t>
+            </a:r>
+            <a:endParaRPr lang="ko-KR" altLang="en-US" sz="1500" b="1" dirty="0">
+              <a:solidFill>
+                <a:schemeClr val="accent2">
+                  <a:lumMod val="50000"/>
+                </a:schemeClr>
+              </a:solidFill>
+            </a:endParaRPr>
+          </a:p>
+        </p:txBody>
+      </p:sp>
+      <p:sp>
+        <p:nvSpPr>
+          <p:cNvPr id="11" name="직사각형 10"/>
+          <p:cNvSpPr/>
+          <p:nvPr/>
+        </p:nvSpPr>
+        <p:spPr>
+          <a:xfrm>
+            <a:off x="2295526" y="1628775"/>
+            <a:ext cx="6237287" cy="790575"/>
+          </a:xfrm>
+          <a:prstGeom prst="rect">
+            <a:avLst/>
+          </a:prstGeom>
+          <a:noFill/>
+          <a:ln>
+            <a:solidFill>
+              <a:schemeClr val="bg2">
+                <a:lumMod val="50000"/>
+              </a:schemeClr>
+            </a:solidFill>
+          </a:ln>
+        </p:spPr>
+        <p:style>
+          <a:lnRef idx="2">
+            <a:schemeClr val="accent1">
+              <a:shade val="50000"/>
+            </a:schemeClr>
+          </a:lnRef>
+          <a:fillRef idx="1">
+            <a:schemeClr val="accent1"/>
+          </a:fillRef>
+          <a:effectRef idx="0">
+            <a:schemeClr val="accent1"/>
+          </a:effectRef>
+          <a:fontRef idx="minor">
+            <a:schemeClr val="lt1"/>
+          </a:fontRef>
+        </p:style>
+        <p:txBody>
+          <a:bodyPr rtlCol="0" anchor="ctr"/>
+          <a:lstStyle/>
+          <a:p>
+            <a:r>
+              <a:rPr lang="en-US" altLang="ko-KR" sz="1500" b="1" dirty="0" smtClean="0">
+                <a:solidFill>
+                  <a:schemeClr val="tx1">
+                    <a:lumMod val="85000"/>
+                    <a:lumOff val="15000"/>
+                  </a:schemeClr>
+                </a:solidFill>
+              </a:rPr>
+              <a:t>[</a:t>
+            </a:r>
+            <a:r>
+              <a:rPr lang="en-US" altLang="ko-KR" sz="1500" b="1" dirty="0" smtClean="0">
+                <a:solidFill>
+                  <a:schemeClr val="accent6">
+                    <a:lumMod val="75000"/>
+                  </a:schemeClr>
+                </a:solidFill>
+              </a:rPr>
+              <a:t>Resource</a:t>
+            </a:r>
+            <a:r>
+              <a:rPr lang="en-US" altLang="ko-KR" sz="1500" b="1" dirty="0" smtClean="0">
+                <a:solidFill>
+                  <a:schemeClr val="tx1">
+                    <a:lumMod val="85000"/>
+                    <a:lumOff val="15000"/>
+                  </a:schemeClr>
+                </a:solidFill>
+              </a:rPr>
+              <a:t>]</a:t>
+            </a:r>
+          </a:p>
+          <a:p>
+            <a:r>
+              <a:rPr lang="en-US" altLang="ko-KR" sz="1500" b="1" dirty="0" smtClean="0">
+                <a:solidFill>
+                  <a:schemeClr val="tx1">
+                    <a:lumMod val="85000"/>
+                    <a:lumOff val="15000"/>
+                  </a:schemeClr>
+                </a:solidFill>
+              </a:rPr>
+              <a:t>Resources mapping : /resources/**</a:t>
+            </a:r>
+          </a:p>
+          <a:p>
+            <a:r>
+              <a:rPr lang="en-US" altLang="ko-KR" sz="1500" b="1" dirty="0" smtClean="0">
+                <a:solidFill>
+                  <a:schemeClr val="tx1">
+                    <a:lumMod val="85000"/>
+                    <a:lumOff val="15000"/>
+                  </a:schemeClr>
+                </a:solidFill>
+              </a:rPr>
+              <a:t>Location : /resources/</a:t>
+            </a:r>
+            <a:endParaRPr lang="en-US" altLang="ko-KR" sz="1500" b="1" dirty="0">
+              <a:solidFill>
+                <a:schemeClr val="tx1">
+                  <a:lumMod val="85000"/>
+                  <a:lumOff val="15000"/>
+                </a:schemeClr>
+              </a:solidFill>
+            </a:endParaRPr>
+          </a:p>
+        </p:txBody>
+      </p:sp>
+      <p:sp>
+        <p:nvSpPr>
+          <p:cNvPr id="20" name="직사각형 19"/>
+          <p:cNvSpPr/>
+          <p:nvPr/>
+        </p:nvSpPr>
+        <p:spPr>
+          <a:xfrm>
+            <a:off x="2295526" y="2606287"/>
+            <a:ext cx="6237287" cy="1194188"/>
+          </a:xfrm>
+          <a:prstGeom prst="rect">
+            <a:avLst/>
+          </a:prstGeom>
+          <a:noFill/>
+          <a:ln>
+            <a:solidFill>
+              <a:schemeClr val="bg2">
+                <a:lumMod val="50000"/>
+              </a:schemeClr>
+            </a:solidFill>
+          </a:ln>
+        </p:spPr>
+        <p:style>
+          <a:lnRef idx="2">
+            <a:schemeClr val="accent1">
+              <a:shade val="50000"/>
+            </a:schemeClr>
+          </a:lnRef>
+          <a:fillRef idx="1">
+            <a:schemeClr val="accent1"/>
+          </a:fillRef>
+          <a:effectRef idx="0">
+            <a:schemeClr val="accent1"/>
+          </a:effectRef>
+          <a:fontRef idx="minor">
+            <a:schemeClr val="lt1"/>
+          </a:fontRef>
+        </p:style>
+        <p:txBody>
+          <a:bodyPr rtlCol="0" anchor="ctr"/>
+          <a:lstStyle/>
+          <a:p>
+            <a:r>
+              <a:rPr lang="en-US" altLang="ko-KR" sz="1500" b="1" dirty="0" smtClean="0">
+                <a:solidFill>
+                  <a:schemeClr val="tx1">
+                    <a:lumMod val="85000"/>
+                    <a:lumOff val="15000"/>
+                  </a:schemeClr>
+                </a:solidFill>
+              </a:rPr>
+              <a:t>[Bean]</a:t>
+            </a:r>
+          </a:p>
+          <a:p>
+            <a:r>
+              <a:rPr lang="en-US" altLang="ko-KR" sz="1500" b="1" dirty="0" smtClean="0">
+                <a:solidFill>
+                  <a:schemeClr val="tx1">
+                    <a:lumMod val="85000"/>
+                    <a:lumOff val="15000"/>
+                  </a:schemeClr>
+                </a:solidFill>
+              </a:rPr>
+              <a:t>org.springframework.web.servlet.view.</a:t>
+            </a:r>
+            <a:r>
+              <a:rPr lang="en-US" altLang="ko-KR" sz="1500" b="1" dirty="0" smtClean="0">
+                <a:solidFill>
+                  <a:schemeClr val="accent6">
+                    <a:lumMod val="75000"/>
+                  </a:schemeClr>
+                </a:solidFill>
+              </a:rPr>
+              <a:t>tiles2.TilesConfigurer</a:t>
+            </a:r>
+          </a:p>
+          <a:p>
+            <a:r>
+              <a:rPr lang="en-US" altLang="ko-KR" sz="1500" b="1" dirty="0" smtClean="0">
+                <a:solidFill>
+                  <a:schemeClr val="tx1">
+                    <a:lumMod val="85000"/>
+                    <a:lumOff val="15000"/>
+                  </a:schemeClr>
+                </a:solidFill>
+              </a:rPr>
+              <a:t>List/value : </a:t>
+            </a:r>
+            <a:r>
+              <a:rPr lang="en-US" altLang="ko-KR" sz="1500" b="1" dirty="0" err="1" smtClean="0">
+                <a:solidFill>
+                  <a:schemeClr val="tx1">
+                    <a:lumMod val="85000"/>
+                    <a:lumOff val="15000"/>
+                  </a:schemeClr>
+                </a:solidFill>
+              </a:rPr>
+              <a:t>classpath:tiles</a:t>
+            </a:r>
+            <a:r>
+              <a:rPr lang="en-US" altLang="ko-KR" sz="1500" b="1" dirty="0" smtClean="0">
+                <a:solidFill>
+                  <a:schemeClr val="tx1">
+                    <a:lumMod val="85000"/>
+                    <a:lumOff val="15000"/>
+                  </a:schemeClr>
+                </a:solidFill>
+              </a:rPr>
+              <a:t>/</a:t>
+            </a:r>
+            <a:r>
+              <a:rPr lang="ko-KR" altLang="en-US" sz="1500" b="1" dirty="0" smtClean="0">
+                <a:solidFill>
+                  <a:schemeClr val="tx1">
+                    <a:lumMod val="85000"/>
+                    <a:lumOff val="15000"/>
+                  </a:schemeClr>
+                </a:solidFill>
+              </a:rPr>
+              <a:t>*</a:t>
+            </a:r>
+            <a:r>
+              <a:rPr lang="en-US" altLang="ko-KR" sz="1500" b="1" dirty="0" smtClean="0">
+                <a:solidFill>
+                  <a:schemeClr val="tx1">
+                    <a:lumMod val="85000"/>
+                    <a:lumOff val="15000"/>
+                  </a:schemeClr>
+                </a:solidFill>
+              </a:rPr>
+              <a:t>/xml</a:t>
+            </a:r>
+          </a:p>
+          <a:p>
+            <a:r>
+              <a:rPr lang="en-US" altLang="ko-KR" sz="1500" b="1" dirty="0" smtClean="0">
+                <a:solidFill>
+                  <a:schemeClr val="tx1">
+                    <a:lumMod val="85000"/>
+                    <a:lumOff val="15000"/>
+                  </a:schemeClr>
+                </a:solidFill>
+              </a:rPr>
+              <a:t>Property </a:t>
+            </a:r>
+            <a:r>
+              <a:rPr lang="en-US" altLang="ko-KR" sz="1500" b="1" dirty="0">
+                <a:solidFill>
+                  <a:schemeClr val="tx1">
+                    <a:lumMod val="85000"/>
+                    <a:lumOff val="15000"/>
+                  </a:schemeClr>
+                </a:solidFill>
+              </a:rPr>
+              <a:t>: org.springframework.web.servlet.view.</a:t>
+            </a:r>
+            <a:r>
+              <a:rPr lang="en-US" altLang="ko-KR" sz="1500" b="1" dirty="0">
+                <a:solidFill>
+                  <a:schemeClr val="accent6">
+                    <a:lumMod val="75000"/>
+                  </a:schemeClr>
+                </a:solidFill>
+              </a:rPr>
+              <a:t>tiles2.SpringBeanPreparerFactory</a:t>
+            </a:r>
+          </a:p>
+        </p:txBody>
+      </p:sp>
+      <p:sp>
+        <p:nvSpPr>
+          <p:cNvPr id="22" name="직사각형 21"/>
+          <p:cNvSpPr/>
+          <p:nvPr/>
+        </p:nvSpPr>
+        <p:spPr>
+          <a:xfrm>
+            <a:off x="2295526" y="3987412"/>
+            <a:ext cx="6237287" cy="1089413"/>
+          </a:xfrm>
+          <a:prstGeom prst="rect">
+            <a:avLst/>
+          </a:prstGeom>
+          <a:noFill/>
+          <a:ln>
+            <a:solidFill>
+              <a:schemeClr val="bg2">
+                <a:lumMod val="50000"/>
+              </a:schemeClr>
+            </a:solidFill>
+          </a:ln>
+        </p:spPr>
+        <p:style>
+          <a:lnRef idx="2">
+            <a:schemeClr val="accent1">
+              <a:shade val="50000"/>
+            </a:schemeClr>
+          </a:lnRef>
+          <a:fillRef idx="1">
+            <a:schemeClr val="accent1"/>
+          </a:fillRef>
+          <a:effectRef idx="0">
+            <a:schemeClr val="accent1"/>
+          </a:effectRef>
+          <a:fontRef idx="minor">
+            <a:schemeClr val="lt1"/>
+          </a:fontRef>
+        </p:style>
+        <p:txBody>
+          <a:bodyPr rtlCol="0" anchor="ctr"/>
+          <a:lstStyle/>
+          <a:p>
+            <a:r>
+              <a:rPr lang="en-US" altLang="ko-KR" sz="1500" b="1" dirty="0" smtClean="0">
+                <a:solidFill>
+                  <a:schemeClr val="tx1">
+                    <a:lumMod val="85000"/>
+                    <a:lumOff val="15000"/>
+                  </a:schemeClr>
+                </a:solidFill>
+              </a:rPr>
+              <a:t>[Bean]</a:t>
+            </a:r>
+          </a:p>
+          <a:p>
+            <a:r>
+              <a:rPr lang="en-US" altLang="ko-KR" sz="1500" b="1" dirty="0" err="1">
+                <a:solidFill>
+                  <a:schemeClr val="tx1">
+                    <a:lumMod val="85000"/>
+                    <a:lumOff val="15000"/>
+                  </a:schemeClr>
+                </a:solidFill>
+              </a:rPr>
+              <a:t>org.springframework.web.servlet.view.</a:t>
+            </a:r>
+            <a:r>
+              <a:rPr lang="en-US" altLang="ko-KR" sz="1500" b="1" dirty="0" err="1">
+                <a:solidFill>
+                  <a:schemeClr val="accent6">
+                    <a:lumMod val="75000"/>
+                  </a:schemeClr>
+                </a:solidFill>
+              </a:rPr>
+              <a:t>UrlBasedViewResolver</a:t>
+            </a:r>
+            <a:endParaRPr lang="en-US" altLang="ko-KR" sz="1500" b="1" dirty="0">
+              <a:solidFill>
+                <a:schemeClr val="accent6">
+                  <a:lumMod val="75000"/>
+                </a:schemeClr>
+              </a:solidFill>
+            </a:endParaRPr>
+          </a:p>
+          <a:p>
+            <a:r>
+              <a:rPr lang="en-US" altLang="ko-KR" sz="1500" b="1" dirty="0" smtClean="0">
+                <a:solidFill>
+                  <a:schemeClr val="tx1">
+                    <a:lumMod val="85000"/>
+                    <a:lumOff val="15000"/>
+                  </a:schemeClr>
+                </a:solidFill>
+              </a:rPr>
+              <a:t>Property </a:t>
+            </a:r>
+            <a:r>
+              <a:rPr lang="en-US" altLang="ko-KR" sz="1500" b="1" dirty="0">
+                <a:solidFill>
+                  <a:schemeClr val="tx1">
+                    <a:lumMod val="85000"/>
+                    <a:lumOff val="15000"/>
+                  </a:schemeClr>
+                </a:solidFill>
+              </a:rPr>
+              <a:t>: </a:t>
+            </a:r>
+            <a:endParaRPr lang="en-US" altLang="ko-KR" sz="1500" b="1" dirty="0" smtClean="0">
+              <a:solidFill>
+                <a:schemeClr val="tx1">
+                  <a:lumMod val="85000"/>
+                  <a:lumOff val="15000"/>
+                </a:schemeClr>
+              </a:solidFill>
+            </a:endParaRPr>
+          </a:p>
+          <a:p>
+            <a:r>
+              <a:rPr lang="en-US" altLang="ko-KR" sz="1500" b="1" dirty="0" smtClean="0">
+                <a:solidFill>
+                  <a:schemeClr val="tx1">
+                    <a:lumMod val="85000"/>
+                    <a:lumOff val="15000"/>
+                  </a:schemeClr>
+                </a:solidFill>
+              </a:rPr>
+              <a:t>org.springframework.web.servlet.view.</a:t>
+            </a:r>
+            <a:r>
+              <a:rPr lang="en-US" altLang="ko-KR" sz="1500" b="1" dirty="0" smtClean="0">
+                <a:solidFill>
+                  <a:schemeClr val="accent6">
+                    <a:lumMod val="75000"/>
+                  </a:schemeClr>
+                </a:solidFill>
+              </a:rPr>
+              <a:t>tiles2.TilesView</a:t>
+            </a:r>
+            <a:endParaRPr lang="en-US" altLang="ko-KR" sz="1500" b="1" dirty="0">
+              <a:solidFill>
+                <a:schemeClr val="accent6">
+                  <a:lumMod val="75000"/>
+                </a:schemeClr>
+              </a:solidFill>
+            </a:endParaRPr>
+          </a:p>
+        </p:txBody>
+      </p:sp>
+      <p:sp>
+        <p:nvSpPr>
+          <p:cNvPr id="23" name="직사각형 22"/>
+          <p:cNvSpPr/>
+          <p:nvPr/>
+        </p:nvSpPr>
+        <p:spPr>
+          <a:xfrm>
+            <a:off x="2295526" y="5263762"/>
+            <a:ext cx="6237288" cy="1089413"/>
+          </a:xfrm>
+          <a:prstGeom prst="rect">
+            <a:avLst/>
+          </a:prstGeom>
+          <a:noFill/>
+          <a:ln>
+            <a:solidFill>
+              <a:schemeClr val="bg2">
+                <a:lumMod val="50000"/>
+              </a:schemeClr>
+            </a:solidFill>
+          </a:ln>
+        </p:spPr>
+        <p:style>
+          <a:lnRef idx="2">
+            <a:schemeClr val="accent1">
+              <a:shade val="50000"/>
+            </a:schemeClr>
+          </a:lnRef>
+          <a:fillRef idx="1">
+            <a:schemeClr val="accent1"/>
+          </a:fillRef>
+          <a:effectRef idx="0">
+            <a:schemeClr val="accent1"/>
+          </a:effectRef>
+          <a:fontRef idx="minor">
+            <a:schemeClr val="lt1"/>
+          </a:fontRef>
+        </p:style>
+        <p:txBody>
+          <a:bodyPr rtlCol="0" anchor="ctr"/>
+          <a:lstStyle/>
+          <a:p>
+            <a:r>
+              <a:rPr lang="en-US" altLang="ko-KR" sz="1500" b="1" dirty="0" smtClean="0">
+                <a:solidFill>
+                  <a:schemeClr val="tx1">
+                    <a:lumMod val="85000"/>
+                    <a:lumOff val="15000"/>
+                  </a:schemeClr>
+                </a:solidFill>
+              </a:rPr>
+              <a:t>[Bean]</a:t>
+            </a:r>
+          </a:p>
+          <a:p>
+            <a:r>
+              <a:rPr lang="en-US" altLang="ko-KR" sz="1500" b="1" dirty="0" smtClean="0">
+                <a:solidFill>
+                  <a:schemeClr val="tx1">
+                    <a:lumMod val="85000"/>
+                    <a:lumOff val="15000"/>
+                  </a:schemeClr>
+                </a:solidFill>
+              </a:rPr>
+              <a:t>org.springframework.web.multipart.commons.</a:t>
+            </a:r>
+            <a:r>
+              <a:rPr lang="en-US" altLang="ko-KR" sz="1500" b="1" dirty="0" smtClean="0">
+                <a:solidFill>
+                  <a:schemeClr val="accent6">
+                    <a:lumMod val="75000"/>
+                  </a:schemeClr>
+                </a:solidFill>
+              </a:rPr>
+              <a:t>CommonsMultipartResolver</a:t>
+            </a:r>
+          </a:p>
+          <a:p>
+            <a:r>
+              <a:rPr lang="en-US" altLang="ko-KR" sz="1500" b="1" dirty="0" smtClean="0">
+                <a:solidFill>
+                  <a:schemeClr val="tx1">
+                    <a:lumMod val="85000"/>
+                    <a:lumOff val="15000"/>
+                  </a:schemeClr>
+                </a:solidFill>
+              </a:rPr>
+              <a:t>Property </a:t>
+            </a:r>
+            <a:r>
+              <a:rPr lang="en-US" altLang="ko-KR" sz="1500" b="1" dirty="0">
+                <a:solidFill>
+                  <a:schemeClr val="tx1">
+                    <a:lumMod val="85000"/>
+                    <a:lumOff val="15000"/>
+                  </a:schemeClr>
+                </a:solidFill>
+              </a:rPr>
+              <a:t>: </a:t>
+            </a:r>
+            <a:endParaRPr lang="en-US" altLang="ko-KR" sz="1500" b="1" dirty="0" smtClean="0">
+              <a:solidFill>
+                <a:schemeClr val="tx1">
+                  <a:lumMod val="85000"/>
+                  <a:lumOff val="15000"/>
+                </a:schemeClr>
+              </a:solidFill>
+            </a:endParaRPr>
+          </a:p>
+          <a:p>
+            <a:r>
+              <a:rPr lang="en-US" altLang="ko-KR" sz="1500" b="1" dirty="0" smtClean="0">
+                <a:solidFill>
+                  <a:schemeClr val="tx1">
+                    <a:lumMod val="85000"/>
+                    <a:lumOff val="15000"/>
+                  </a:schemeClr>
+                </a:solidFill>
+              </a:rPr>
+              <a:t>org.springframework.web.servlet.view.</a:t>
+            </a:r>
+            <a:r>
+              <a:rPr lang="en-US" altLang="ko-KR" sz="1500" b="1" dirty="0" smtClean="0">
+                <a:solidFill>
+                  <a:schemeClr val="accent6">
+                    <a:lumMod val="75000"/>
+                  </a:schemeClr>
+                </a:solidFill>
+              </a:rPr>
+              <a:t>tiles2.TilesView</a:t>
+            </a:r>
+            <a:endParaRPr lang="en-US" altLang="ko-KR" sz="1500" b="1" dirty="0">
+              <a:solidFill>
+                <a:schemeClr val="accent6">
+                  <a:lumMod val="75000"/>
+                </a:schemeClr>
+              </a:solidFill>
+            </a:endParaRPr>
+          </a:p>
+        </p:txBody>
+      </p:sp>
+    </p:spTree>
+    <p:extLst>
+      <p:ext uri="{BB962C8B-B14F-4D97-AF65-F5344CB8AC3E}">
+        <p14:creationId xmlns:p14="http://schemas.microsoft.com/office/powerpoint/2010/main" val="673553110"/>
       </p:ext>
     </p:extLst>
   </p:cSld>
